--- a/docs/images/neo4j_architecture_diagram.pptx
+++ b/docs/images/neo4j_architecture_diagram.pptx
@@ -63,10 +63,10 @@
         </a:solidFill>
         <a:effectLst/>
         <a:uFillTx/>
-        <a:latin typeface="+mj-lt"/>
-        <a:ea typeface="+mj-ea"/>
-        <a:cs typeface="+mj-cs"/>
-        <a:sym typeface="Helvetica"/>
+        <a:latin typeface="+mn-lt"/>
+        <a:ea typeface="+mn-ea"/>
+        <a:cs typeface="+mn-cs"/>
+        <a:sym typeface="Calibri"/>
       </a:defRPr>
     </a:lvl1pPr>
     <a:lvl2pPr marL="0" marR="0" indent="0" algn="l" defTabSz="914400" rtl="0" fontAlgn="auto" latinLnBrk="0" hangingPunct="0">
@@ -93,10 +93,10 @@
         </a:solidFill>
         <a:effectLst/>
         <a:uFillTx/>
-        <a:latin typeface="+mj-lt"/>
-        <a:ea typeface="+mj-ea"/>
-        <a:cs typeface="+mj-cs"/>
-        <a:sym typeface="Helvetica"/>
+        <a:latin typeface="+mn-lt"/>
+        <a:ea typeface="+mn-ea"/>
+        <a:cs typeface="+mn-cs"/>
+        <a:sym typeface="Calibri"/>
       </a:defRPr>
     </a:lvl2pPr>
     <a:lvl3pPr marL="0" marR="0" indent="0" algn="l" defTabSz="914400" rtl="0" fontAlgn="auto" latinLnBrk="0" hangingPunct="0">
@@ -123,10 +123,10 @@
         </a:solidFill>
         <a:effectLst/>
         <a:uFillTx/>
-        <a:latin typeface="+mj-lt"/>
-        <a:ea typeface="+mj-ea"/>
-        <a:cs typeface="+mj-cs"/>
-        <a:sym typeface="Helvetica"/>
+        <a:latin typeface="+mn-lt"/>
+        <a:ea typeface="+mn-ea"/>
+        <a:cs typeface="+mn-cs"/>
+        <a:sym typeface="Calibri"/>
       </a:defRPr>
     </a:lvl3pPr>
     <a:lvl4pPr marL="0" marR="0" indent="0" algn="l" defTabSz="914400" rtl="0" fontAlgn="auto" latinLnBrk="0" hangingPunct="0">
@@ -153,10 +153,10 @@
         </a:solidFill>
         <a:effectLst/>
         <a:uFillTx/>
-        <a:latin typeface="+mj-lt"/>
-        <a:ea typeface="+mj-ea"/>
-        <a:cs typeface="+mj-cs"/>
-        <a:sym typeface="Helvetica"/>
+        <a:latin typeface="+mn-lt"/>
+        <a:ea typeface="+mn-ea"/>
+        <a:cs typeface="+mn-cs"/>
+        <a:sym typeface="Calibri"/>
       </a:defRPr>
     </a:lvl4pPr>
     <a:lvl5pPr marL="0" marR="0" indent="0" algn="l" defTabSz="914400" rtl="0" fontAlgn="auto" latinLnBrk="0" hangingPunct="0">
@@ -183,10 +183,10 @@
         </a:solidFill>
         <a:effectLst/>
         <a:uFillTx/>
-        <a:latin typeface="+mj-lt"/>
-        <a:ea typeface="+mj-ea"/>
-        <a:cs typeface="+mj-cs"/>
-        <a:sym typeface="Helvetica"/>
+        <a:latin typeface="+mn-lt"/>
+        <a:ea typeface="+mn-ea"/>
+        <a:cs typeface="+mn-cs"/>
+        <a:sym typeface="Calibri"/>
       </a:defRPr>
     </a:lvl5pPr>
     <a:lvl6pPr marL="0" marR="0" indent="0" algn="l" defTabSz="914400" rtl="0" fontAlgn="auto" latinLnBrk="0" hangingPunct="0">
@@ -213,10 +213,10 @@
         </a:solidFill>
         <a:effectLst/>
         <a:uFillTx/>
-        <a:latin typeface="+mj-lt"/>
-        <a:ea typeface="+mj-ea"/>
-        <a:cs typeface="+mj-cs"/>
-        <a:sym typeface="Helvetica"/>
+        <a:latin typeface="+mn-lt"/>
+        <a:ea typeface="+mn-ea"/>
+        <a:cs typeface="+mn-cs"/>
+        <a:sym typeface="Calibri"/>
       </a:defRPr>
     </a:lvl6pPr>
     <a:lvl7pPr marL="0" marR="0" indent="0" algn="l" defTabSz="914400" rtl="0" fontAlgn="auto" latinLnBrk="0" hangingPunct="0">
@@ -243,10 +243,10 @@
         </a:solidFill>
         <a:effectLst/>
         <a:uFillTx/>
-        <a:latin typeface="+mj-lt"/>
-        <a:ea typeface="+mj-ea"/>
-        <a:cs typeface="+mj-cs"/>
-        <a:sym typeface="Helvetica"/>
+        <a:latin typeface="+mn-lt"/>
+        <a:ea typeface="+mn-ea"/>
+        <a:cs typeface="+mn-cs"/>
+        <a:sym typeface="Calibri"/>
       </a:defRPr>
     </a:lvl7pPr>
     <a:lvl8pPr marL="0" marR="0" indent="0" algn="l" defTabSz="914400" rtl="0" fontAlgn="auto" latinLnBrk="0" hangingPunct="0">
@@ -273,10 +273,10 @@
         </a:solidFill>
         <a:effectLst/>
         <a:uFillTx/>
-        <a:latin typeface="+mj-lt"/>
-        <a:ea typeface="+mj-ea"/>
-        <a:cs typeface="+mj-cs"/>
-        <a:sym typeface="Helvetica"/>
+        <a:latin typeface="+mn-lt"/>
+        <a:ea typeface="+mn-ea"/>
+        <a:cs typeface="+mn-cs"/>
+        <a:sym typeface="Calibri"/>
       </a:defRPr>
     </a:lvl8pPr>
     <a:lvl9pPr marL="0" marR="0" indent="0" algn="l" defTabSz="914400" rtl="0" fontAlgn="auto" latinLnBrk="0" hangingPunct="0">
@@ -303,10 +303,10 @@
         </a:solidFill>
         <a:effectLst/>
         <a:uFillTx/>
-        <a:latin typeface="+mj-lt"/>
-        <a:ea typeface="+mj-ea"/>
-        <a:cs typeface="+mj-cs"/>
-        <a:sym typeface="Helvetica"/>
+        <a:latin typeface="+mn-lt"/>
+        <a:ea typeface="+mn-ea"/>
+        <a:cs typeface="+mn-cs"/>
+        <a:sym typeface="Calibri"/>
       </a:defRPr>
     </a:lvl9pPr>
   </p:defaultTextStyle>
@@ -642,8 +642,8 @@
         </p:nvSpPr>
         <p:spPr>
           <a:xfrm>
-            <a:off x="8463946" y="6224224"/>
-            <a:ext cx="273654" cy="264253"/>
+            <a:off x="8463948" y="6224225"/>
+            <a:ext cx="273653" cy="264251"/>
           </a:xfrm>
           <a:prstGeom prst="rect">
             <a:avLst/>
@@ -1409,42 +1409,87 @@
           <a:chExt cx="0" cy="0"/>
         </a:xfrm>
       </p:grpSpPr>
+      <p:sp>
+        <p:nvSpPr>
+          <p:cNvPr id="20" name="Rectangle 55"/>
+          <p:cNvSpPr txBox="1"/>
+          <p:nvPr/>
+        </p:nvSpPr>
+        <p:spPr>
+          <a:xfrm>
+            <a:off x="2213925" y="1116493"/>
+            <a:ext cx="2487329" cy="287317"/>
+          </a:xfrm>
+          <a:prstGeom prst="rect">
+            <a:avLst/>
+          </a:prstGeom>
+          <a:ln w="12700">
+            <a:miter lim="400000"/>
+          </a:ln>
+          <a:extLst>
+            <a:ext uri="{C572A759-6A51-4108-AA02-DFA0A04FC94B}">
+              <ma14:wrappingTextBoxFlag xmlns:ma14="http://schemas.microsoft.com/office/mac/drawingml/2011/main" val="1"/>
+            </a:ext>
+          </a:extLst>
+        </p:spPr>
+        <p:txBody>
+          <a:bodyPr lIns="45718" tIns="45718" rIns="45718" bIns="45718"/>
+          <a:lstStyle>
+            <a:lvl1pPr>
+              <a:defRPr sz="1200">
+                <a:solidFill>
+                  <a:srgbClr val="1E8900"/>
+                </a:solidFill>
+                <a:latin typeface="Arial"/>
+                <a:ea typeface="Arial"/>
+                <a:cs typeface="Arial"/>
+                <a:sym typeface="Arial"/>
+              </a:defRPr>
+            </a:lvl1pPr>
+          </a:lstStyle>
+          <a:p>
+            <a:pPr/>
+            <a:r>
+              <a:t>Public subnet</a:t>
+            </a:r>
+          </a:p>
+        </p:txBody>
+      </p:sp>
       <p:grpSp>
         <p:nvGrpSpPr>
-          <p:cNvPr id="22" name="Rectangle 55"/>
+          <p:cNvPr id="23" name="Rectangle 56"/>
           <p:cNvGrpSpPr/>
           <p:nvPr/>
         </p:nvGrpSpPr>
         <p:grpSpPr>
           <a:xfrm>
-            <a:off x="1377604" y="1553519"/>
-            <a:ext cx="2649889" cy="1924283"/>
+            <a:off x="898441" y="584740"/>
+            <a:ext cx="10061167" cy="5296212"/>
             <a:chOff x="-1" y="0"/>
-            <a:chExt cx="2649888" cy="1924281"/>
+            <a:chExt cx="10061166" cy="5296210"/>
           </a:xfrm>
         </p:grpSpPr>
         <p:sp>
           <p:nvSpPr>
-            <p:cNvPr id="20" name="Rectangle"/>
+            <p:cNvPr id="21" name="Rectangle"/>
             <p:cNvSpPr/>
             <p:nvPr/>
           </p:nvSpPr>
           <p:spPr>
             <a:xfrm>
-              <a:off x="-2" y="-1"/>
-              <a:ext cx="2649889" cy="1924283"/>
+              <a:off x="-2" y="0"/>
+              <a:ext cx="10061168" cy="5296211"/>
             </a:xfrm>
             <a:prstGeom prst="rect">
               <a:avLst/>
             </a:prstGeom>
-            <a:solidFill>
-              <a:schemeClr val="accent5">
-                <a:alpha val="9804"/>
-              </a:schemeClr>
-            </a:solidFill>
+            <a:noFill/>
             <a:ln w="12700" cap="flat">
-              <a:noFill/>
-              <a:miter lim="400000"/>
+              <a:solidFill>
+                <a:srgbClr val="1E8900"/>
+              </a:solidFill>
+              <a:prstDash val="solid"/>
+              <a:miter lim="800000"/>
             </a:ln>
             <a:effectLst/>
           </p:spPr>
@@ -1470,14 +1515,14 @@
         </p:sp>
         <p:sp>
           <p:nvSpPr>
-            <p:cNvPr id="21" name="Public subnet"/>
+            <p:cNvPr id="22" name="VPC"/>
             <p:cNvSpPr txBox="1"/>
             <p:nvPr/>
           </p:nvSpPr>
           <p:spPr>
             <a:xfrm>
-              <a:off x="313293" y="-1"/>
-              <a:ext cx="2287643" cy="264253"/>
+              <a:off x="543003" y="67669"/>
+              <a:ext cx="9450494" cy="343416"/>
             </a:xfrm>
             <a:prstGeom prst="rect">
               <a:avLst/>
@@ -1496,228 +1541,7 @@
           </p:spPr>
           <p:txBody>
             <a:bodyPr wrap="square" lIns="45718" tIns="45718" rIns="45718" bIns="45718" numCol="1" anchor="t">
-              <a:spAutoFit/>
-            </a:bodyPr>
-            <a:lstStyle>
-              <a:lvl1pPr>
-                <a:defRPr sz="1200">
-                  <a:solidFill>
-                    <a:srgbClr val="1E8900"/>
-                  </a:solidFill>
-                  <a:latin typeface="Arial"/>
-                  <a:ea typeface="Arial"/>
-                  <a:cs typeface="Arial"/>
-                  <a:sym typeface="Arial"/>
-                </a:defRPr>
-              </a:lvl1pPr>
-            </a:lstStyle>
-            <a:p>
-              <a:pPr/>
-              <a:r>
-                <a:t>Public subnet</a:t>
-              </a:r>
-            </a:p>
-          </p:txBody>
-        </p:sp>
-      </p:grpSp>
-      <p:grpSp>
-        <p:nvGrpSpPr>
-          <p:cNvPr id="25" name="Rectangle 52"/>
-          <p:cNvGrpSpPr/>
-          <p:nvPr/>
-        </p:nvGrpSpPr>
-        <p:grpSpPr>
-          <a:xfrm>
-            <a:off x="5601023" y="1552881"/>
-            <a:ext cx="3683664" cy="1915131"/>
-            <a:chOff x="0" y="0"/>
-            <a:chExt cx="3683662" cy="1915131"/>
-          </a:xfrm>
-        </p:grpSpPr>
-        <p:sp>
-          <p:nvSpPr>
-            <p:cNvPr id="23" name="Rectangle"/>
-            <p:cNvSpPr/>
-            <p:nvPr/>
-          </p:nvSpPr>
-          <p:spPr>
-            <a:xfrm>
-              <a:off x="-1" y="10429"/>
-              <a:ext cx="2637293" cy="1904703"/>
-            </a:xfrm>
-            <a:prstGeom prst="rect">
-              <a:avLst/>
-            </a:prstGeom>
-            <a:solidFill>
-              <a:schemeClr val="accent5">
-                <a:alpha val="9804"/>
-              </a:schemeClr>
-            </a:solidFill>
-            <a:ln w="12700" cap="flat">
-              <a:noFill/>
-              <a:miter lim="400000"/>
-            </a:ln>
-            <a:effectLst/>
-          </p:spPr>
-          <p:txBody>
-            <a:bodyPr wrap="square" lIns="45718" tIns="45718" rIns="45718" bIns="45718" numCol="1" anchor="t">
               <a:noAutofit/>
-            </a:bodyPr>
-            <a:lstStyle/>
-            <a:p>
-              <a:pPr>
-                <a:defRPr>
-                  <a:solidFill>
-                    <a:srgbClr val="FAFAFA"/>
-                  </a:solidFill>
-                  <a:latin typeface="Arial"/>
-                  <a:ea typeface="Arial"/>
-                  <a:cs typeface="Arial"/>
-                  <a:sym typeface="Arial"/>
-                </a:defRPr>
-              </a:pPr>
-            </a:p>
-          </p:txBody>
-        </p:sp>
-        <p:sp>
-          <p:nvSpPr>
-            <p:cNvPr id="24" name="Public subnet"/>
-            <p:cNvSpPr txBox="1"/>
-            <p:nvPr/>
-          </p:nvSpPr>
-          <p:spPr>
-            <a:xfrm>
-              <a:off x="1406893" y="-1"/>
-              <a:ext cx="2276770" cy="264254"/>
-            </a:xfrm>
-            <a:prstGeom prst="rect">
-              <a:avLst/>
-            </a:prstGeom>
-            <a:noFill/>
-            <a:ln w="12700" cap="flat">
-              <a:noFill/>
-              <a:miter lim="400000"/>
-            </a:ln>
-            <a:effectLst/>
-            <a:extLst>
-              <a:ext uri="{C572A759-6A51-4108-AA02-DFA0A04FC94B}">
-                <ma14:wrappingTextBoxFlag xmlns:ma14="http://schemas.microsoft.com/office/mac/drawingml/2011/main" val="1"/>
-              </a:ext>
-            </a:extLst>
-          </p:spPr>
-          <p:txBody>
-            <a:bodyPr wrap="square" lIns="45718" tIns="45718" rIns="45718" bIns="45718" numCol="1" anchor="t">
-              <a:spAutoFit/>
-            </a:bodyPr>
-            <a:lstStyle>
-              <a:lvl1pPr>
-                <a:defRPr sz="1200">
-                  <a:solidFill>
-                    <a:srgbClr val="1E8900"/>
-                  </a:solidFill>
-                  <a:latin typeface="Arial"/>
-                  <a:ea typeface="Arial"/>
-                  <a:cs typeface="Arial"/>
-                  <a:sym typeface="Arial"/>
-                </a:defRPr>
-              </a:lvl1pPr>
-            </a:lstStyle>
-            <a:p>
-              <a:pPr/>
-              <a:r>
-                <a:t>Public subnet</a:t>
-              </a:r>
-            </a:p>
-          </p:txBody>
-        </p:sp>
-      </p:grpSp>
-      <p:grpSp>
-        <p:nvGrpSpPr>
-          <p:cNvPr id="28" name="Rectangle 56"/>
-          <p:cNvGrpSpPr/>
-          <p:nvPr/>
-        </p:nvGrpSpPr>
-        <p:grpSpPr>
-          <a:xfrm>
-            <a:off x="898442" y="1195188"/>
-            <a:ext cx="7741843" cy="4075314"/>
-            <a:chOff x="0" y="0"/>
-            <a:chExt cx="7741842" cy="4075312"/>
-          </a:xfrm>
-        </p:grpSpPr>
-        <p:sp>
-          <p:nvSpPr>
-            <p:cNvPr id="26" name="Rectangle"/>
-            <p:cNvSpPr/>
-            <p:nvPr/>
-          </p:nvSpPr>
-          <p:spPr>
-            <a:xfrm>
-              <a:off x="-1" y="0"/>
-              <a:ext cx="7741843" cy="4075314"/>
-            </a:xfrm>
-            <a:prstGeom prst="rect">
-              <a:avLst/>
-            </a:prstGeom>
-            <a:noFill/>
-            <a:ln w="12700" cap="flat">
-              <a:solidFill>
-                <a:srgbClr val="1E8900"/>
-              </a:solidFill>
-              <a:prstDash val="solid"/>
-              <a:miter lim="800000"/>
-            </a:ln>
-            <a:effectLst/>
-          </p:spPr>
-          <p:txBody>
-            <a:bodyPr wrap="square" lIns="45718" tIns="45718" rIns="45718" bIns="45718" numCol="1" anchor="t">
-              <a:noAutofit/>
-            </a:bodyPr>
-            <a:lstStyle/>
-            <a:p>
-              <a:pPr>
-                <a:defRPr>
-                  <a:solidFill>
-                    <a:srgbClr val="FAFAFA"/>
-                  </a:solidFill>
-                  <a:latin typeface="Arial"/>
-                  <a:ea typeface="Arial"/>
-                  <a:cs typeface="Arial"/>
-                  <a:sym typeface="Arial"/>
-                </a:defRPr>
-              </a:pPr>
-            </a:p>
-          </p:txBody>
-        </p:sp>
-        <p:sp>
-          <p:nvSpPr>
-            <p:cNvPr id="27" name="VPC"/>
-            <p:cNvSpPr txBox="1"/>
-            <p:nvPr/>
-          </p:nvSpPr>
-          <p:spPr>
-            <a:xfrm>
-              <a:off x="417829" y="52070"/>
-              <a:ext cx="7271943" cy="264253"/>
-            </a:xfrm>
-            <a:prstGeom prst="rect">
-              <a:avLst/>
-            </a:prstGeom>
-            <a:noFill/>
-            <a:ln w="12700" cap="flat">
-              <a:noFill/>
-              <a:miter lim="400000"/>
-            </a:ln>
-            <a:effectLst/>
-            <a:extLst>
-              <a:ext uri="{C572A759-6A51-4108-AA02-DFA0A04FC94B}">
-                <ma14:wrappingTextBoxFlag xmlns:ma14="http://schemas.microsoft.com/office/mac/drawingml/2011/main" val="1"/>
-              </a:ext>
-            </a:extLst>
-          </p:spPr>
-          <p:txBody>
-            <a:bodyPr wrap="square" lIns="45718" tIns="45718" rIns="45718" bIns="45718" numCol="1" anchor="t">
-              <a:spAutoFit/>
             </a:bodyPr>
             <a:lstStyle>
               <a:lvl1pPr>
@@ -1743,28 +1567,28 @@
       </p:grpSp>
       <p:grpSp>
         <p:nvGrpSpPr>
-          <p:cNvPr id="31" name="Rectangle 58"/>
+          <p:cNvPr id="26" name="Rectangle 58"/>
           <p:cNvGrpSpPr/>
           <p:nvPr/>
         </p:nvGrpSpPr>
         <p:grpSpPr>
           <a:xfrm>
-            <a:off x="706502" y="341187"/>
-            <a:ext cx="9585601" cy="5157916"/>
-            <a:chOff x="0" y="0"/>
-            <a:chExt cx="9585600" cy="5157915"/>
+            <a:off x="706500" y="341186"/>
+            <a:ext cx="10779000" cy="5800072"/>
+            <a:chOff x="-1" y="0"/>
+            <a:chExt cx="10778998" cy="5800071"/>
           </a:xfrm>
         </p:grpSpPr>
         <p:sp>
           <p:nvSpPr>
-            <p:cNvPr id="29" name="Rectangle"/>
+            <p:cNvPr id="24" name="Rectangle"/>
             <p:cNvSpPr/>
             <p:nvPr/>
           </p:nvSpPr>
           <p:spPr>
             <a:xfrm>
-              <a:off x="-1" y="-1"/>
-              <a:ext cx="9585601" cy="5157916"/>
+              <a:off x="-2" y="-1"/>
+              <a:ext cx="10779000" cy="5800072"/>
             </a:xfrm>
             <a:prstGeom prst="rect">
               <a:avLst/>
@@ -1801,14 +1625,14 @@
         </p:sp>
         <p:sp>
           <p:nvSpPr>
-            <p:cNvPr id="30" name="AWS Cloud"/>
+            <p:cNvPr id="25" name="AWS Cloud"/>
             <p:cNvSpPr txBox="1"/>
             <p:nvPr/>
           </p:nvSpPr>
           <p:spPr>
             <a:xfrm>
-              <a:off x="417829" y="52069"/>
-              <a:ext cx="9115701" cy="264253"/>
+              <a:off x="469848" y="58551"/>
+              <a:ext cx="10250597" cy="297150"/>
             </a:xfrm>
             <a:prstGeom prst="rect">
               <a:avLst/>
@@ -1827,7 +1651,7 @@
           </p:spPr>
           <p:txBody>
             <a:bodyPr wrap="square" lIns="45718" tIns="45718" rIns="45718" bIns="45718" numCol="1" anchor="t">
-              <a:spAutoFit/>
+              <a:noAutofit/>
             </a:bodyPr>
             <a:lstStyle>
               <a:lvl1pPr>
@@ -1853,28 +1677,28 @@
       </p:grpSp>
       <p:grpSp>
         <p:nvGrpSpPr>
-          <p:cNvPr id="34" name="Rectangle 59"/>
+          <p:cNvPr id="29" name="Rectangle 59"/>
           <p:cNvGrpSpPr/>
           <p:nvPr/>
         </p:nvGrpSpPr>
         <p:grpSpPr>
           <a:xfrm>
-            <a:off x="1300212" y="668854"/>
-            <a:ext cx="2927299" cy="4835882"/>
+            <a:off x="1267445" y="814905"/>
+            <a:ext cx="2927301" cy="4835883"/>
             <a:chOff x="0" y="0"/>
-            <a:chExt cx="2927298" cy="4835880"/>
+            <a:chExt cx="2927300" cy="4835881"/>
           </a:xfrm>
         </p:grpSpPr>
         <p:sp>
           <p:nvSpPr>
-            <p:cNvPr id="32" name="Rectangle"/>
+            <p:cNvPr id="27" name="Rectangle"/>
             <p:cNvSpPr/>
             <p:nvPr/>
           </p:nvSpPr>
           <p:spPr>
             <a:xfrm>
-              <a:off x="0" y="-1"/>
-              <a:ext cx="2927299" cy="4835881"/>
+              <a:off x="-1" y="-1"/>
+              <a:ext cx="2927301" cy="4835883"/>
             </a:xfrm>
             <a:prstGeom prst="rect">
               <a:avLst/>
@@ -1911,14 +1735,14 @@
         </p:sp>
         <p:sp>
           <p:nvSpPr>
-            <p:cNvPr id="33" name="Availability Zone 1"/>
+            <p:cNvPr id="28" name="Availability Zone 1"/>
             <p:cNvSpPr txBox="1"/>
             <p:nvPr/>
           </p:nvSpPr>
           <p:spPr>
             <a:xfrm>
-              <a:off x="54786" y="54787"/>
-              <a:ext cx="2817726" cy="264253"/>
+              <a:off x="54785" y="54787"/>
+              <a:ext cx="2817729" cy="264251"/>
             </a:xfrm>
             <a:prstGeom prst="rect">
               <a:avLst/>
@@ -1963,7 +1787,7 @@
       </p:grpSp>
       <p:pic>
         <p:nvPicPr>
-          <p:cNvPr id="35" name="Graphic 61" descr="Graphic 61"/>
+          <p:cNvPr id="30" name="Graphic 61" descr="Graphic 61"/>
           <p:cNvPicPr>
             <a:picLocks noChangeAspect="1"/>
           </p:cNvPicPr>
@@ -1980,7 +1804,7 @@
         <p:spPr>
           <a:xfrm>
             <a:off x="706504" y="341189"/>
-            <a:ext cx="330202" cy="330202"/>
+            <a:ext cx="330203" cy="330203"/>
           </a:xfrm>
           <a:prstGeom prst="rect">
             <a:avLst/>
@@ -1992,7 +1816,7 @@
       </p:pic>
       <p:pic>
         <p:nvPicPr>
-          <p:cNvPr id="36" name="Graphic 62" descr="Graphic 62"/>
+          <p:cNvPr id="31" name="Graphic 62" descr="Graphic 62"/>
           <p:cNvPicPr>
             <a:picLocks noChangeAspect="1"/>
           </p:cNvPicPr>
@@ -2007,10 +1831,6 @@
           </a:stretch>
         </p:blipFill>
         <p:spPr>
-          <a:xfrm>
-            <a:off x="898443" y="1195187"/>
-            <a:ext cx="330202" cy="330202"/>
-          </a:xfrm>
           <a:prstGeom prst="rect">
             <a:avLst/>
           </a:prstGeom>
@@ -2021,7 +1841,7 @@
       </p:pic>
       <p:pic>
         <p:nvPicPr>
-          <p:cNvPr id="37" name="Graphic 63" descr="Graphic 63"/>
+          <p:cNvPr id="32" name="Graphic 63" descr="Graphic 63"/>
           <p:cNvPicPr>
             <a:picLocks noChangeAspect="1"/>
           </p:cNvPicPr>
@@ -2037,8 +1857,8 @@
         </p:blipFill>
         <p:spPr>
           <a:xfrm>
-            <a:off x="1465084" y="1551162"/>
-            <a:ext cx="274322" cy="274322"/>
+            <a:off x="1275509" y="845343"/>
+            <a:ext cx="274323" cy="274323"/>
           </a:xfrm>
           <a:prstGeom prst="rect">
             <a:avLst/>
@@ -2050,14 +1870,14 @@
       </p:pic>
       <p:sp>
         <p:nvSpPr>
-          <p:cNvPr id="38" name="TextBox 65"/>
+          <p:cNvPr id="33" name="TextBox 65"/>
           <p:cNvSpPr txBox="1"/>
           <p:nvPr/>
         </p:nvSpPr>
         <p:spPr>
           <a:xfrm>
-            <a:off x="1387143" y="2515660"/>
-            <a:ext cx="1061740" cy="264254"/>
+            <a:off x="2048848" y="2061484"/>
+            <a:ext cx="1061741" cy="264252"/>
           </a:xfrm>
           <a:prstGeom prst="rect">
             <a:avLst/>
@@ -2095,7 +1915,7 @@
       </p:sp>
       <p:pic>
         <p:nvPicPr>
-          <p:cNvPr id="39" name="Graphic 66" descr="Graphic 66"/>
+          <p:cNvPr id="34" name="Graphic 66" descr="Graphic 66"/>
           <p:cNvPicPr>
             <a:picLocks noChangeAspect="1"/>
           </p:cNvPicPr>
@@ -2111,8 +1931,8 @@
         </p:blipFill>
         <p:spPr>
           <a:xfrm>
-            <a:off x="1555453" y="1936550"/>
-            <a:ext cx="469903" cy="469902"/>
+            <a:off x="2344766" y="1494975"/>
+            <a:ext cx="469904" cy="469903"/>
           </a:xfrm>
           <a:prstGeom prst="rect">
             <a:avLst/>
@@ -2124,28 +1944,28 @@
       </p:pic>
       <p:grpSp>
         <p:nvGrpSpPr>
-          <p:cNvPr id="42" name="Rectangle 80"/>
+          <p:cNvPr id="37" name="Rectangle 80"/>
           <p:cNvGrpSpPr/>
           <p:nvPr/>
         </p:nvGrpSpPr>
         <p:grpSpPr>
           <a:xfrm>
-            <a:off x="5517334" y="678900"/>
-            <a:ext cx="2927299" cy="4825580"/>
-            <a:chOff x="0" y="-1"/>
-            <a:chExt cx="2927298" cy="4825579"/>
+            <a:off x="7578353" y="820055"/>
+            <a:ext cx="2927302" cy="4825582"/>
+            <a:chOff x="-1" y="-1"/>
+            <a:chExt cx="2927300" cy="4825581"/>
           </a:xfrm>
         </p:grpSpPr>
         <p:sp>
           <p:nvSpPr>
-            <p:cNvPr id="40" name="Rectangle"/>
+            <p:cNvPr id="35" name="Rectangle"/>
             <p:cNvSpPr/>
             <p:nvPr/>
           </p:nvSpPr>
           <p:spPr>
             <a:xfrm>
-              <a:off x="-1" y="-2"/>
-              <a:ext cx="2927300" cy="4825580"/>
+              <a:off x="-2" y="-2"/>
+              <a:ext cx="2927302" cy="4825582"/>
             </a:xfrm>
             <a:prstGeom prst="rect">
               <a:avLst/>
@@ -2182,14 +2002,14 @@
         </p:sp>
         <p:sp>
           <p:nvSpPr>
-            <p:cNvPr id="41" name="Availability Zone 2"/>
+            <p:cNvPr id="36" name="Availability Zone 2"/>
             <p:cNvSpPr txBox="1"/>
             <p:nvPr/>
           </p:nvSpPr>
           <p:spPr>
             <a:xfrm>
-              <a:off x="54786" y="54786"/>
-              <a:ext cx="2817724" cy="264254"/>
+              <a:off x="54785" y="54786"/>
+              <a:ext cx="2817727" cy="264252"/>
             </a:xfrm>
             <a:prstGeom prst="rect">
               <a:avLst/>
@@ -2226,7 +2046,7 @@
             <a:p>
               <a:pPr/>
               <a:r>
-                <a:t>Availability Zone 2</a:t>
+                <a:t>Availability Zone 3</a:t>
               </a:r>
             </a:p>
           </p:txBody>
@@ -2234,7 +2054,7 @@
       </p:grpSp>
       <p:pic>
         <p:nvPicPr>
-          <p:cNvPr id="43" name="Graphic 81" descr="Graphic 81"/>
+          <p:cNvPr id="38" name="Graphic 81" descr="Graphic 81"/>
           <p:cNvPicPr>
             <a:picLocks noChangeAspect="1"/>
           </p:cNvPicPr>
@@ -2249,10 +2069,6 @@
           </a:stretch>
         </p:blipFill>
         <p:spPr>
-          <a:xfrm>
-            <a:off x="7997538" y="1551162"/>
-            <a:ext cx="274322" cy="274322"/>
-          </a:xfrm>
           <a:prstGeom prst="rect">
             <a:avLst/>
           </a:prstGeom>
@@ -2263,14 +2079,14 @@
       </p:pic>
       <p:sp>
         <p:nvSpPr>
-          <p:cNvPr id="44" name="TextBox 83"/>
+          <p:cNvPr id="39" name="TextBox 83"/>
           <p:cNvSpPr txBox="1"/>
           <p:nvPr/>
         </p:nvSpPr>
         <p:spPr>
           <a:xfrm>
-            <a:off x="7241848" y="2510446"/>
-            <a:ext cx="1067787" cy="264254"/>
+            <a:off x="5395130" y="2056043"/>
+            <a:ext cx="1067788" cy="264251"/>
           </a:xfrm>
           <a:prstGeom prst="rect">
             <a:avLst/>
@@ -2308,7 +2124,7 @@
       </p:sp>
       <p:pic>
         <p:nvPicPr>
-          <p:cNvPr id="45" name="Graphic 84" descr="Graphic 84"/>
+          <p:cNvPr id="40" name="Graphic 84" descr="Graphic 84"/>
           <p:cNvPicPr>
             <a:picLocks noChangeAspect="1"/>
           </p:cNvPicPr>
@@ -2324,8 +2140,8 @@
         </p:blipFill>
         <p:spPr>
           <a:xfrm>
-            <a:off x="7616377" y="1936550"/>
-            <a:ext cx="469902" cy="469902"/>
+            <a:off x="5694074" y="1494976"/>
+            <a:ext cx="469903" cy="469903"/>
           </a:xfrm>
           <a:prstGeom prst="rect">
             <a:avLst/>
@@ -2337,14 +2153,14 @@
       </p:pic>
       <p:sp>
         <p:nvSpPr>
-          <p:cNvPr id="46" name="Rectangle"/>
+          <p:cNvPr id="41" name="Rectangle"/>
           <p:cNvSpPr/>
           <p:nvPr/>
         </p:nvSpPr>
         <p:spPr>
           <a:xfrm>
-            <a:off x="2631338" y="1938945"/>
-            <a:ext cx="4428054" cy="1265385"/>
+            <a:off x="1899354" y="2854381"/>
+            <a:ext cx="8059340" cy="1681329"/>
           </a:xfrm>
           <a:prstGeom prst="rect">
             <a:avLst/>
@@ -2380,7 +2196,7 @@
       </p:sp>
       <p:pic>
         <p:nvPicPr>
-          <p:cNvPr id="47" name="Graphic 60" descr="Graphic 60"/>
+          <p:cNvPr id="42" name="Graphic 60" descr="Graphic 60"/>
           <p:cNvPicPr>
             <a:picLocks noChangeAspect="1"/>
           </p:cNvPicPr>
@@ -2396,8 +2212,8 @@
         </p:blipFill>
         <p:spPr>
           <a:xfrm>
-            <a:off x="4707321" y="1764748"/>
-            <a:ext cx="330202" cy="330202"/>
+            <a:off x="5686534" y="2713812"/>
+            <a:ext cx="330203" cy="330203"/>
           </a:xfrm>
           <a:prstGeom prst="rect">
             <a:avLst/>
@@ -2409,14 +2225,14 @@
       </p:pic>
       <p:sp>
         <p:nvSpPr>
-          <p:cNvPr id="48" name="Auto Scaling group"/>
+          <p:cNvPr id="43" name="Auto Scaling group"/>
           <p:cNvSpPr txBox="1"/>
           <p:nvPr/>
         </p:nvSpPr>
         <p:spPr>
           <a:xfrm>
-            <a:off x="4092231" y="1950474"/>
-            <a:ext cx="1560382" cy="442054"/>
+            <a:off x="5071443" y="2929780"/>
+            <a:ext cx="1560383" cy="442051"/>
           </a:xfrm>
           <a:prstGeom prst="rect">
             <a:avLst/>
@@ -2471,7 +2287,7 @@
       </p:sp>
       <p:pic>
         <p:nvPicPr>
-          <p:cNvPr id="49" name="Res_Amazon-EC2_Instances_48_Light.png" descr="Res_Amazon-EC2_Instances_48_Light.png"/>
+          <p:cNvPr id="44" name="Res_Amazon-EC2_Instances_48_Light.png" descr="Res_Amazon-EC2_Instances_48_Light.png"/>
           <p:cNvPicPr>
             <a:picLocks noChangeAspect="1"/>
           </p:cNvPicPr>
@@ -2487,8 +2303,8 @@
         </p:blipFill>
         <p:spPr>
           <a:xfrm>
-            <a:off x="3084016" y="2205645"/>
-            <a:ext cx="609603" cy="609603"/>
+            <a:off x="2274919" y="3482087"/>
+            <a:ext cx="609604" cy="609604"/>
           </a:xfrm>
           <a:prstGeom prst="rect">
             <a:avLst/>
@@ -2500,7 +2316,7 @@
       </p:pic>
       <p:pic>
         <p:nvPicPr>
-          <p:cNvPr id="50" name="Res_Amazon-EC2_Instances_48_Light.png" descr="Res_Amazon-EC2_Instances_48_Light.png"/>
+          <p:cNvPr id="45" name="Res_Amazon-EC2_Instances_48_Light.png" descr="Res_Amazon-EC2_Instances_48_Light.png"/>
           <p:cNvPicPr>
             <a:picLocks noChangeAspect="1"/>
           </p:cNvPicPr>
@@ -2516,8 +2332,8 @@
         </p:blipFill>
         <p:spPr>
           <a:xfrm>
-            <a:off x="6026963" y="2205645"/>
-            <a:ext cx="609602" cy="609603"/>
+            <a:off x="8818729" y="3482087"/>
+            <a:ext cx="609603" cy="609604"/>
           </a:xfrm>
           <a:prstGeom prst="rect">
             <a:avLst/>
@@ -2529,14 +2345,14 @@
       </p:pic>
       <p:sp>
         <p:nvSpPr>
-          <p:cNvPr id="51" name="172.31.0.0/16"/>
+          <p:cNvPr id="46" name="172.31.0.0/16"/>
           <p:cNvSpPr txBox="1"/>
           <p:nvPr/>
         </p:nvSpPr>
         <p:spPr>
           <a:xfrm>
-            <a:off x="2955413" y="2868191"/>
-            <a:ext cx="1036324" cy="269239"/>
+            <a:off x="2074265" y="4093620"/>
+            <a:ext cx="1036322" cy="269237"/>
           </a:xfrm>
           <a:prstGeom prst="rect">
             <a:avLst/>
@@ -2556,7 +2372,12 @@
           </a:bodyPr>
           <a:lstStyle>
             <a:lvl1pPr>
-              <a:defRPr sz="1200"/>
+              <a:defRPr sz="1200">
+                <a:latin typeface="+mj-lt"/>
+                <a:ea typeface="+mj-ea"/>
+                <a:cs typeface="+mj-cs"/>
+                <a:sym typeface="Helvetica"/>
+              </a:defRPr>
             </a:lvl1pPr>
           </a:lstStyle>
           <a:p>
@@ -2569,14 +2390,14 @@
       </p:sp>
       <p:sp>
         <p:nvSpPr>
-          <p:cNvPr id="52" name="172.31.0.0/16"/>
+          <p:cNvPr id="47" name="172.31.0.0/16"/>
           <p:cNvSpPr txBox="1"/>
           <p:nvPr/>
         </p:nvSpPr>
         <p:spPr>
           <a:xfrm>
-            <a:off x="5898359" y="2868191"/>
-            <a:ext cx="1036324" cy="269239"/>
+            <a:off x="5309880" y="4093620"/>
+            <a:ext cx="1036322" cy="269237"/>
           </a:xfrm>
           <a:prstGeom prst="rect">
             <a:avLst/>
@@ -2596,7 +2417,570 @@
           </a:bodyPr>
           <a:lstStyle>
             <a:lvl1pPr>
-              <a:defRPr sz="1200"/>
+              <a:defRPr sz="1200">
+                <a:latin typeface="+mj-lt"/>
+                <a:ea typeface="+mj-ea"/>
+                <a:cs typeface="+mj-cs"/>
+                <a:sym typeface="Helvetica"/>
+              </a:defRPr>
+            </a:lvl1pPr>
+          </a:lstStyle>
+          <a:p>
+            <a:pPr/>
+            <a:r>
+              <a:t>172.31.0.0/16</a:t>
+            </a:r>
+          </a:p>
+        </p:txBody>
+      </p:sp>
+      <p:grpSp>
+        <p:nvGrpSpPr>
+          <p:cNvPr id="50" name="Rectangle 80"/>
+          <p:cNvGrpSpPr/>
+          <p:nvPr/>
+        </p:nvGrpSpPr>
+        <p:grpSpPr>
+          <a:xfrm>
+            <a:off x="4422899" y="820055"/>
+            <a:ext cx="2927301" cy="4825582"/>
+            <a:chOff x="-1" y="-1"/>
+            <a:chExt cx="2927300" cy="4825581"/>
+          </a:xfrm>
+        </p:grpSpPr>
+        <p:sp>
+          <p:nvSpPr>
+            <p:cNvPr id="48" name="Rectangle"/>
+            <p:cNvSpPr/>
+            <p:nvPr/>
+          </p:nvSpPr>
+          <p:spPr>
+            <a:xfrm>
+              <a:off x="-2" y="-2"/>
+              <a:ext cx="2927302" cy="4825582"/>
+            </a:xfrm>
+            <a:prstGeom prst="rect">
+              <a:avLst/>
+            </a:prstGeom>
+            <a:noFill/>
+            <a:ln w="12700" cap="flat">
+              <a:solidFill>
+                <a:srgbClr val="007DBC"/>
+              </a:solidFill>
+              <a:prstDash val="dash"/>
+              <a:miter lim="800000"/>
+            </a:ln>
+            <a:effectLst/>
+          </p:spPr>
+          <p:txBody>
+            <a:bodyPr wrap="square" lIns="45718" tIns="45718" rIns="45718" bIns="45718" numCol="1" anchor="t">
+              <a:noAutofit/>
+            </a:bodyPr>
+            <a:lstStyle/>
+            <a:p>
+              <a:pPr algn="ctr">
+                <a:defRPr>
+                  <a:solidFill>
+                    <a:srgbClr val="FAFAFA"/>
+                  </a:solidFill>
+                  <a:latin typeface="Arial"/>
+                  <a:ea typeface="Arial"/>
+                  <a:cs typeface="Arial"/>
+                  <a:sym typeface="Arial"/>
+                </a:defRPr>
+              </a:pPr>
+            </a:p>
+          </p:txBody>
+        </p:sp>
+        <p:sp>
+          <p:nvSpPr>
+            <p:cNvPr id="49" name="Availability Zone 2"/>
+            <p:cNvSpPr txBox="1"/>
+            <p:nvPr/>
+          </p:nvSpPr>
+          <p:spPr>
+            <a:xfrm>
+              <a:off x="54785" y="54786"/>
+              <a:ext cx="2817727" cy="264252"/>
+            </a:xfrm>
+            <a:prstGeom prst="rect">
+              <a:avLst/>
+            </a:prstGeom>
+            <a:noFill/>
+            <a:ln w="12700" cap="flat">
+              <a:noFill/>
+              <a:miter lim="400000"/>
+            </a:ln>
+            <a:effectLst/>
+            <a:extLst>
+              <a:ext uri="{C572A759-6A51-4108-AA02-DFA0A04FC94B}">
+                <ma14:wrappingTextBoxFlag xmlns:ma14="http://schemas.microsoft.com/office/mac/drawingml/2011/main" val="1"/>
+              </a:ext>
+            </a:extLst>
+          </p:spPr>
+          <p:txBody>
+            <a:bodyPr wrap="square" lIns="45718" tIns="45718" rIns="45718" bIns="45718" numCol="1" anchor="t">
+              <a:spAutoFit/>
+            </a:bodyPr>
+            <a:lstStyle>
+              <a:lvl1pPr algn="ctr">
+                <a:defRPr sz="1200">
+                  <a:solidFill>
+                    <a:srgbClr val="007DBC"/>
+                  </a:solidFill>
+                  <a:latin typeface="Arial"/>
+                  <a:ea typeface="Arial"/>
+                  <a:cs typeface="Arial"/>
+                  <a:sym typeface="Arial"/>
+                </a:defRPr>
+              </a:lvl1pPr>
+            </a:lstStyle>
+            <a:p>
+              <a:pPr/>
+              <a:r>
+                <a:t>Availability Zone 2</a:t>
+              </a:r>
+            </a:p>
+          </p:txBody>
+        </p:sp>
+      </p:grpSp>
+      <p:grpSp>
+        <p:nvGrpSpPr>
+          <p:cNvPr id="54" name="Rectangle 55"/>
+          <p:cNvGrpSpPr/>
+          <p:nvPr/>
+        </p:nvGrpSpPr>
+        <p:grpSpPr>
+          <a:xfrm>
+            <a:off x="1562441" y="1112946"/>
+            <a:ext cx="8961754" cy="4471229"/>
+            <a:chOff x="0" y="0"/>
+            <a:chExt cx="8961752" cy="4471227"/>
+          </a:xfrm>
+        </p:grpSpPr>
+        <p:sp>
+          <p:nvSpPr>
+            <p:cNvPr id="51" name="Rectangle"/>
+            <p:cNvSpPr/>
+            <p:nvPr/>
+          </p:nvSpPr>
+          <p:spPr>
+            <a:xfrm>
+              <a:off x="0" y="0"/>
+              <a:ext cx="2649890" cy="4471228"/>
+            </a:xfrm>
+            <a:prstGeom prst="rect">
+              <a:avLst/>
+            </a:prstGeom>
+            <a:solidFill>
+              <a:schemeClr val="accent5">
+                <a:alpha val="9804"/>
+              </a:schemeClr>
+            </a:solidFill>
+            <a:ln w="12700" cap="flat">
+              <a:noFill/>
+              <a:miter lim="400000"/>
+            </a:ln>
+            <a:effectLst/>
+          </p:spPr>
+          <p:txBody>
+            <a:bodyPr wrap="square" lIns="45718" tIns="45718" rIns="45718" bIns="45718" numCol="1" anchor="t">
+              <a:noAutofit/>
+            </a:bodyPr>
+            <a:lstStyle/>
+            <a:p>
+              <a:pPr>
+                <a:defRPr>
+                  <a:solidFill>
+                    <a:srgbClr val="FAFAFA"/>
+                  </a:solidFill>
+                  <a:latin typeface="Arial"/>
+                  <a:ea typeface="Arial"/>
+                  <a:cs typeface="Arial"/>
+                  <a:sym typeface="Arial"/>
+                </a:defRPr>
+              </a:pPr>
+            </a:p>
+          </p:txBody>
+        </p:sp>
+        <p:sp>
+          <p:nvSpPr>
+            <p:cNvPr id="52" name="Rectangle"/>
+            <p:cNvSpPr/>
+            <p:nvPr/>
+          </p:nvSpPr>
+          <p:spPr>
+            <a:xfrm>
+              <a:off x="3112795" y="0"/>
+              <a:ext cx="2649891" cy="4471228"/>
+            </a:xfrm>
+            <a:prstGeom prst="rect">
+              <a:avLst/>
+            </a:prstGeom>
+            <a:solidFill>
+              <a:schemeClr val="accent5">
+                <a:alpha val="9804"/>
+              </a:schemeClr>
+            </a:solidFill>
+            <a:ln w="12700" cap="flat">
+              <a:noFill/>
+              <a:miter lim="400000"/>
+            </a:ln>
+            <a:effectLst/>
+          </p:spPr>
+          <p:txBody>
+            <a:bodyPr wrap="square" lIns="45718" tIns="45718" rIns="45718" bIns="45718" numCol="1" anchor="t">
+              <a:noAutofit/>
+            </a:bodyPr>
+            <a:lstStyle/>
+            <a:p>
+              <a:pPr>
+                <a:defRPr>
+                  <a:solidFill>
+                    <a:srgbClr val="FAFAFA"/>
+                  </a:solidFill>
+                  <a:latin typeface="Arial"/>
+                  <a:ea typeface="Arial"/>
+                  <a:cs typeface="Arial"/>
+                  <a:sym typeface="Arial"/>
+                </a:defRPr>
+              </a:pPr>
+            </a:p>
+          </p:txBody>
+        </p:sp>
+        <p:sp>
+          <p:nvSpPr>
+            <p:cNvPr id="53" name="Rectangle"/>
+            <p:cNvSpPr/>
+            <p:nvPr/>
+          </p:nvSpPr>
+          <p:spPr>
+            <a:xfrm>
+              <a:off x="6311862" y="0"/>
+              <a:ext cx="2649891" cy="4471228"/>
+            </a:xfrm>
+            <a:prstGeom prst="rect">
+              <a:avLst/>
+            </a:prstGeom>
+            <a:solidFill>
+              <a:schemeClr val="accent5">
+                <a:alpha val="9804"/>
+              </a:schemeClr>
+            </a:solidFill>
+            <a:ln w="12700" cap="flat">
+              <a:noFill/>
+              <a:miter lim="400000"/>
+            </a:ln>
+            <a:effectLst/>
+          </p:spPr>
+          <p:txBody>
+            <a:bodyPr wrap="square" lIns="45718" tIns="45718" rIns="45718" bIns="45718" numCol="1" anchor="t">
+              <a:noAutofit/>
+            </a:bodyPr>
+            <a:lstStyle/>
+            <a:p>
+              <a:pPr>
+                <a:defRPr>
+                  <a:solidFill>
+                    <a:srgbClr val="FAFAFA"/>
+                  </a:solidFill>
+                  <a:latin typeface="Arial"/>
+                  <a:ea typeface="Arial"/>
+                  <a:cs typeface="Arial"/>
+                  <a:sym typeface="Arial"/>
+                </a:defRPr>
+              </a:pPr>
+            </a:p>
+          </p:txBody>
+        </p:sp>
+      </p:grpSp>
+      <p:pic>
+        <p:nvPicPr>
+          <p:cNvPr id="55" name="Graphic 63" descr="Graphic 63"/>
+          <p:cNvPicPr>
+            <a:picLocks noChangeAspect="1"/>
+          </p:cNvPicPr>
+          <p:nvPr/>
+        </p:nvPicPr>
+        <p:blipFill>
+          <a:blip r:embed="rId4">
+            <a:extLst/>
+          </a:blip>
+          <a:stretch>
+            <a:fillRect/>
+          </a:stretch>
+        </p:blipFill>
+        <p:spPr>
+          <a:xfrm>
+            <a:off x="4426931" y="845343"/>
+            <a:ext cx="274323" cy="274323"/>
+          </a:xfrm>
+          <a:prstGeom prst="rect">
+            <a:avLst/>
+          </a:prstGeom>
+          <a:ln w="12700">
+            <a:miter lim="400000"/>
+          </a:ln>
+        </p:spPr>
+      </p:pic>
+      <p:pic>
+        <p:nvPicPr>
+          <p:cNvPr id="56" name="Graphic 63" descr="Graphic 63"/>
+          <p:cNvPicPr>
+            <a:picLocks noChangeAspect="1"/>
+          </p:cNvPicPr>
+          <p:nvPr/>
+        </p:nvPicPr>
+        <p:blipFill>
+          <a:blip r:embed="rId4">
+            <a:extLst/>
+          </a:blip>
+          <a:stretch>
+            <a:fillRect/>
+          </a:stretch>
+        </p:blipFill>
+        <p:spPr>
+          <a:xfrm>
+            <a:off x="7582386" y="845343"/>
+            <a:ext cx="274323" cy="274323"/>
+          </a:xfrm>
+          <a:prstGeom prst="rect">
+            <a:avLst/>
+          </a:prstGeom>
+          <a:ln w="12700">
+            <a:miter lim="400000"/>
+          </a:ln>
+        </p:spPr>
+      </p:pic>
+      <p:sp>
+        <p:nvSpPr>
+          <p:cNvPr id="57" name="Rectangle 55"/>
+          <p:cNvSpPr txBox="1"/>
+          <p:nvPr/>
+        </p:nvSpPr>
+        <p:spPr>
+          <a:xfrm>
+            <a:off x="5309880" y="1116493"/>
+            <a:ext cx="2487329" cy="287317"/>
+          </a:xfrm>
+          <a:prstGeom prst="rect">
+            <a:avLst/>
+          </a:prstGeom>
+          <a:ln w="12700">
+            <a:miter lim="400000"/>
+          </a:ln>
+          <a:extLst>
+            <a:ext uri="{C572A759-6A51-4108-AA02-DFA0A04FC94B}">
+              <ma14:wrappingTextBoxFlag xmlns:ma14="http://schemas.microsoft.com/office/mac/drawingml/2011/main" val="1"/>
+            </a:ext>
+          </a:extLst>
+        </p:spPr>
+        <p:txBody>
+          <a:bodyPr lIns="45718" tIns="45718" rIns="45718" bIns="45718"/>
+          <a:lstStyle>
+            <a:lvl1pPr>
+              <a:defRPr sz="1200">
+                <a:solidFill>
+                  <a:srgbClr val="1E8900"/>
+                </a:solidFill>
+                <a:latin typeface="Arial"/>
+                <a:ea typeface="Arial"/>
+                <a:cs typeface="Arial"/>
+                <a:sym typeface="Arial"/>
+              </a:defRPr>
+            </a:lvl1pPr>
+          </a:lstStyle>
+          <a:p>
+            <a:pPr/>
+            <a:r>
+              <a:t>Public subnet</a:t>
+            </a:r>
+          </a:p>
+        </p:txBody>
+      </p:sp>
+      <p:sp>
+        <p:nvSpPr>
+          <p:cNvPr id="58" name="Rectangle 55"/>
+          <p:cNvSpPr txBox="1"/>
+          <p:nvPr/>
+        </p:nvSpPr>
+        <p:spPr>
+          <a:xfrm>
+            <a:off x="8523842" y="1116493"/>
+            <a:ext cx="2487329" cy="287317"/>
+          </a:xfrm>
+          <a:prstGeom prst="rect">
+            <a:avLst/>
+          </a:prstGeom>
+          <a:ln w="12700">
+            <a:miter lim="400000"/>
+          </a:ln>
+          <a:extLst>
+            <a:ext uri="{C572A759-6A51-4108-AA02-DFA0A04FC94B}">
+              <ma14:wrappingTextBoxFlag xmlns:ma14="http://schemas.microsoft.com/office/mac/drawingml/2011/main" val="1"/>
+            </a:ext>
+          </a:extLst>
+        </p:spPr>
+        <p:txBody>
+          <a:bodyPr lIns="45718" tIns="45718" rIns="45718" bIns="45718"/>
+          <a:lstStyle>
+            <a:lvl1pPr>
+              <a:defRPr sz="1200">
+                <a:solidFill>
+                  <a:srgbClr val="1E8900"/>
+                </a:solidFill>
+                <a:latin typeface="Arial"/>
+                <a:ea typeface="Arial"/>
+                <a:cs typeface="Arial"/>
+                <a:sym typeface="Arial"/>
+              </a:defRPr>
+            </a:lvl1pPr>
+          </a:lstStyle>
+          <a:p>
+            <a:pPr/>
+            <a:r>
+              <a:t>Public subnet</a:t>
+            </a:r>
+          </a:p>
+        </p:txBody>
+      </p:sp>
+      <p:pic>
+        <p:nvPicPr>
+          <p:cNvPr id="59" name="Graphic 84" descr="Graphic 84"/>
+          <p:cNvPicPr>
+            <a:picLocks noChangeAspect="1"/>
+          </p:cNvPicPr>
+          <p:nvPr/>
+        </p:nvPicPr>
+        <p:blipFill>
+          <a:blip r:embed="rId5">
+            <a:extLst/>
+          </a:blip>
+          <a:stretch>
+            <a:fillRect/>
+          </a:stretch>
+        </p:blipFill>
+        <p:spPr>
+          <a:xfrm>
+            <a:off x="8888579" y="1494976"/>
+            <a:ext cx="469903" cy="469903"/>
+          </a:xfrm>
+          <a:prstGeom prst="rect">
+            <a:avLst/>
+          </a:prstGeom>
+          <a:ln w="12700">
+            <a:miter lim="400000"/>
+          </a:ln>
+        </p:spPr>
+      </p:pic>
+      <p:sp>
+        <p:nvSpPr>
+          <p:cNvPr id="60" name="TextBox 83"/>
+          <p:cNvSpPr txBox="1"/>
+          <p:nvPr/>
+        </p:nvSpPr>
+        <p:spPr>
+          <a:xfrm>
+            <a:off x="8662510" y="2056043"/>
+            <a:ext cx="1067788" cy="264251"/>
+          </a:xfrm>
+          <a:prstGeom prst="rect">
+            <a:avLst/>
+          </a:prstGeom>
+          <a:ln w="12700">
+            <a:miter lim="400000"/>
+          </a:ln>
+          <a:extLst>
+            <a:ext uri="{C572A759-6A51-4108-AA02-DFA0A04FC94B}">
+              <ma14:wrappingTextBoxFlag xmlns:ma14="http://schemas.microsoft.com/office/mac/drawingml/2011/main" val="1"/>
+            </a:ext>
+          </a:extLst>
+        </p:spPr>
+        <p:txBody>
+          <a:bodyPr lIns="45718" tIns="45718" rIns="45718" bIns="45718">
+            <a:spAutoFit/>
+          </a:bodyPr>
+          <a:lstStyle>
+            <a:lvl1pPr algn="ctr">
+              <a:defRPr sz="1200">
+                <a:latin typeface="Arial"/>
+                <a:ea typeface="Arial"/>
+                <a:cs typeface="Arial"/>
+                <a:sym typeface="Arial"/>
+              </a:defRPr>
+            </a:lvl1pPr>
+          </a:lstStyle>
+          <a:p>
+            <a:pPr/>
+            <a:r>
+              <a:t>NAT gateway</a:t>
+            </a:r>
+          </a:p>
+        </p:txBody>
+      </p:sp>
+      <p:pic>
+        <p:nvPicPr>
+          <p:cNvPr id="61" name="Res_Amazon-EC2_Instances_48_Light.png" descr="Res_Amazon-EC2_Instances_48_Light.png"/>
+          <p:cNvPicPr>
+            <a:picLocks noChangeAspect="1"/>
+          </p:cNvPicPr>
+          <p:nvPr/>
+        </p:nvPicPr>
+        <p:blipFill>
+          <a:blip r:embed="rId7">
+            <a:extLst/>
+          </a:blip>
+          <a:stretch>
+            <a:fillRect/>
+          </a:stretch>
+        </p:blipFill>
+        <p:spPr>
+          <a:xfrm>
+            <a:off x="5523242" y="3482087"/>
+            <a:ext cx="609603" cy="609604"/>
+          </a:xfrm>
+          <a:prstGeom prst="rect">
+            <a:avLst/>
+          </a:prstGeom>
+          <a:ln w="12700">
+            <a:miter lim="400000"/>
+          </a:ln>
+        </p:spPr>
+      </p:pic>
+      <p:sp>
+        <p:nvSpPr>
+          <p:cNvPr id="62" name="172.31.0.0/16"/>
+          <p:cNvSpPr txBox="1"/>
+          <p:nvPr/>
+        </p:nvSpPr>
+        <p:spPr>
+          <a:xfrm>
+            <a:off x="8605367" y="4093620"/>
+            <a:ext cx="1036322" cy="269237"/>
+          </a:xfrm>
+          <a:prstGeom prst="rect">
+            <a:avLst/>
+          </a:prstGeom>
+          <a:ln w="12700">
+            <a:miter lim="400000"/>
+          </a:ln>
+          <a:extLst>
+            <a:ext uri="{C572A759-6A51-4108-AA02-DFA0A04FC94B}">
+              <ma14:wrappingTextBoxFlag xmlns:ma14="http://schemas.microsoft.com/office/mac/drawingml/2011/main" val="1"/>
+            </a:ext>
+          </a:extLst>
+        </p:spPr>
+        <p:txBody>
+          <a:bodyPr wrap="none" lIns="45718" tIns="45718" rIns="45718" bIns="45718">
+            <a:spAutoFit/>
+          </a:bodyPr>
+          <a:lstStyle>
+            <a:lvl1pPr>
+              <a:defRPr sz="1200">
+                <a:latin typeface="+mj-lt"/>
+                <a:ea typeface="+mj-ea"/>
+                <a:cs typeface="+mj-cs"/>
+                <a:sym typeface="Helvetica"/>
+              </a:defRPr>
             </a:lvl1pPr>
           </a:lstStyle>
           <a:p>
@@ -2847,10 +3231,10 @@
             </a:solidFill>
             <a:effectLst/>
             <a:uFillTx/>
-            <a:latin typeface="+mj-lt"/>
-            <a:ea typeface="+mj-ea"/>
-            <a:cs typeface="+mj-cs"/>
-            <a:sym typeface="Helvetica"/>
+            <a:latin typeface="+mn-lt"/>
+            <a:ea typeface="+mn-ea"/>
+            <a:cs typeface="+mn-cs"/>
+            <a:sym typeface="Calibri"/>
           </a:defRPr>
         </a:defPPr>
         <a:lvl1pPr marL="0" marR="0" indent="0" algn="l" defTabSz="914400" rtl="0" fontAlgn="auto" latinLnBrk="1" hangingPunct="0">
@@ -3418,10 +3802,10 @@
             </a:solidFill>
             <a:effectLst/>
             <a:uFillTx/>
-            <a:latin typeface="+mj-lt"/>
-            <a:ea typeface="+mj-ea"/>
-            <a:cs typeface="+mj-cs"/>
-            <a:sym typeface="Helvetica"/>
+            <a:latin typeface="+mn-lt"/>
+            <a:ea typeface="+mn-ea"/>
+            <a:cs typeface="+mn-cs"/>
+            <a:sym typeface="Calibri"/>
           </a:defRPr>
         </a:defPPr>
         <a:lvl1pPr marL="0" marR="0" indent="0" algn="l" defTabSz="914400" rtl="0" fontAlgn="auto" latinLnBrk="1" hangingPunct="0">
@@ -3901,10 +4285,10 @@
             </a:solidFill>
             <a:effectLst/>
             <a:uFillTx/>
-            <a:latin typeface="+mj-lt"/>
-            <a:ea typeface="+mj-ea"/>
-            <a:cs typeface="+mj-cs"/>
-            <a:sym typeface="Helvetica"/>
+            <a:latin typeface="+mn-lt"/>
+            <a:ea typeface="+mn-ea"/>
+            <a:cs typeface="+mn-cs"/>
+            <a:sym typeface="Calibri"/>
           </a:defRPr>
         </a:defPPr>
         <a:lvl1pPr marL="0" marR="0" indent="0" algn="l" defTabSz="914400" rtl="0" fontAlgn="auto" latinLnBrk="1" hangingPunct="0">
@@ -4472,10 +4856,10 @@
             </a:solidFill>
             <a:effectLst/>
             <a:uFillTx/>
-            <a:latin typeface="+mj-lt"/>
-            <a:ea typeface="+mj-ea"/>
-            <a:cs typeface="+mj-cs"/>
-            <a:sym typeface="Helvetica"/>
+            <a:latin typeface="+mn-lt"/>
+            <a:ea typeface="+mn-ea"/>
+            <a:cs typeface="+mn-cs"/>
+            <a:sym typeface="Calibri"/>
           </a:defRPr>
         </a:defPPr>
         <a:lvl1pPr marL="0" marR="0" indent="0" algn="l" defTabSz="914400" rtl="0" fontAlgn="auto" latinLnBrk="1" hangingPunct="0">

--- a/docs/images/neo4j_architecture_diagram.pptx
+++ b/docs/images/neo4j_architecture_diagram.pptx
@@ -1417,7 +1417,7 @@
         </p:nvSpPr>
         <p:spPr>
           <a:xfrm>
-            <a:off x="2213925" y="1116493"/>
+            <a:off x="2189878" y="1212682"/>
             <a:ext cx="2487329" cy="287317"/>
           </a:xfrm>
           <a:prstGeom prst="rect">
@@ -1683,10 +1683,10 @@
         </p:nvGrpSpPr>
         <p:grpSpPr>
           <a:xfrm>
-            <a:off x="1267445" y="814905"/>
-            <a:ext cx="2927301" cy="4835883"/>
+            <a:off x="1238849" y="918595"/>
+            <a:ext cx="3040846" cy="4835883"/>
             <a:chOff x="0" y="0"/>
-            <a:chExt cx="2927300" cy="4835881"/>
+            <a:chExt cx="3040845" cy="4835881"/>
           </a:xfrm>
         </p:grpSpPr>
         <p:sp>
@@ -1697,8 +1697,8 @@
           </p:nvSpPr>
           <p:spPr>
             <a:xfrm>
-              <a:off x="-1" y="-1"/>
-              <a:ext cx="2927301" cy="4835883"/>
+              <a:off x="113545" y="0"/>
+              <a:ext cx="2927301" cy="4835882"/>
             </a:xfrm>
             <a:prstGeom prst="rect">
               <a:avLst/>
@@ -1736,17 +1736,51 @@
         <p:sp>
           <p:nvSpPr>
             <p:cNvPr id="28" name="Availability Zone 1"/>
-            <p:cNvSpPr txBox="1"/>
+            <p:cNvSpPr/>
             <p:nvPr/>
           </p:nvSpPr>
           <p:spPr>
             <a:xfrm>
-              <a:off x="54785" y="54787"/>
-              <a:ext cx="2817729" cy="264251"/>
+              <a:off x="0" y="78835"/>
+              <a:ext cx="2817728" cy="1"/>
             </a:xfrm>
-            <a:prstGeom prst="rect">
+            <a:custGeom>
               <a:avLst/>
-            </a:prstGeom>
+              <a:gdLst/>
+              <a:ahLst/>
+              <a:cxnLst>
+                <a:cxn ang="0">
+                  <a:pos x="wd2" y="hd2"/>
+                </a:cxn>
+                <a:cxn ang="5400000">
+                  <a:pos x="wd2" y="hd2"/>
+                </a:cxn>
+                <a:cxn ang="10800000">
+                  <a:pos x="wd2" y="hd2"/>
+                </a:cxn>
+                <a:cxn ang="16200000">
+                  <a:pos x="wd2" y="hd2"/>
+                </a:cxn>
+              </a:cxnLst>
+              <a:rect l="0" t="0" r="r" b="b"/>
+              <a:pathLst>
+                <a:path w="21600" h="0" fill="norm" stroke="1" extrusionOk="0">
+                  <a:moveTo>
+                    <a:pt x="0" y="0"/>
+                  </a:moveTo>
+                  <a:lnTo>
+                    <a:pt x="21600" y="0"/>
+                  </a:lnTo>
+                  <a:lnTo>
+                    <a:pt x="21600" y="0"/>
+                  </a:lnTo>
+                  <a:lnTo>
+                    <a:pt x="0" y="0"/>
+                  </a:lnTo>
+                  <a:close/>
+                </a:path>
+              </a:pathLst>
+            </a:custGeom>
             <a:noFill/>
             <a:ln w="12700" cap="flat">
               <a:noFill/>
@@ -1857,7 +1891,7 @@
         </p:blipFill>
         <p:spPr>
           <a:xfrm>
-            <a:off x="1275509" y="845343"/>
+            <a:off x="1367666" y="941532"/>
             <a:ext cx="274323" cy="274323"/>
           </a:xfrm>
           <a:prstGeom prst="rect">
@@ -1876,8 +1910,8 @@
         </p:nvSpPr>
         <p:spPr>
           <a:xfrm>
-            <a:off x="2048848" y="2061484"/>
-            <a:ext cx="1061741" cy="264252"/>
+            <a:off x="2083210" y="2041888"/>
+            <a:ext cx="1061741" cy="264251"/>
           </a:xfrm>
           <a:prstGeom prst="rect">
             <a:avLst/>
@@ -1931,7 +1965,7 @@
         </p:blipFill>
         <p:spPr>
           <a:xfrm>
-            <a:off x="2344766" y="1494975"/>
+            <a:off x="2414616" y="1593320"/>
             <a:ext cx="469904" cy="469903"/>
           </a:xfrm>
           <a:prstGeom prst="rect">
@@ -1950,7 +1984,7 @@
         </p:nvGrpSpPr>
         <p:grpSpPr>
           <a:xfrm>
-            <a:off x="7578353" y="820055"/>
+            <a:off x="7578353" y="923746"/>
             <a:ext cx="2927302" cy="4825582"/>
             <a:chOff x="-1" y="-1"/>
             <a:chExt cx="2927300" cy="4825581"/>
@@ -2140,7 +2174,7 @@
         </p:blipFill>
         <p:spPr>
           <a:xfrm>
-            <a:off x="5694074" y="1494976"/>
+            <a:off x="5694074" y="1593321"/>
             <a:ext cx="469903" cy="469903"/>
           </a:xfrm>
           <a:prstGeom prst="rect">
@@ -2303,7 +2337,7 @@
         </p:blipFill>
         <p:spPr>
           <a:xfrm>
-            <a:off x="2274919" y="3482087"/>
+            <a:off x="2309280" y="3482087"/>
             <a:ext cx="609604" cy="609604"/>
           </a:xfrm>
           <a:prstGeom prst="rect">
@@ -2332,7 +2366,7 @@
         </p:blipFill>
         <p:spPr>
           <a:xfrm>
-            <a:off x="8818729" y="3482087"/>
+            <a:off x="8737204" y="3482087"/>
             <a:ext cx="609603" cy="609604"/>
           </a:xfrm>
           <a:prstGeom prst="rect">
@@ -2351,7 +2385,7 @@
         </p:nvSpPr>
         <p:spPr>
           <a:xfrm>
-            <a:off x="2074265" y="4093620"/>
+            <a:off x="2131408" y="4093620"/>
             <a:ext cx="1036322" cy="269237"/>
           </a:xfrm>
           <a:prstGeom prst="rect">
@@ -2441,8 +2475,8 @@
         </p:nvGrpSpPr>
         <p:grpSpPr>
           <a:xfrm>
-            <a:off x="4422899" y="820055"/>
-            <a:ext cx="2927301" cy="4825582"/>
+            <a:off x="4459336" y="923746"/>
+            <a:ext cx="2927302" cy="4825582"/>
             <a:chOff x="-1" y="-1"/>
             <a:chExt cx="2927300" cy="4825581"/>
           </a:xfrm>
@@ -2551,7 +2585,7 @@
         </p:nvGrpSpPr>
         <p:grpSpPr>
           <a:xfrm>
-            <a:off x="1562441" y="1112946"/>
+            <a:off x="1442110" y="1290703"/>
             <a:ext cx="8961754" cy="4471229"/>
             <a:chOff x="0" y="0"/>
             <a:chExt cx="8961752" cy="4471227"/>
@@ -2711,7 +2745,7 @@
         </p:blipFill>
         <p:spPr>
           <a:xfrm>
-            <a:off x="4426931" y="845343"/>
+            <a:off x="4473010" y="941532"/>
             <a:ext cx="274323" cy="274323"/>
           </a:xfrm>
           <a:prstGeom prst="rect">
@@ -2740,7 +2774,7 @@
         </p:blipFill>
         <p:spPr>
           <a:xfrm>
-            <a:off x="7582386" y="845343"/>
+            <a:off x="7578353" y="941532"/>
             <a:ext cx="274323" cy="274323"/>
           </a:xfrm>
           <a:prstGeom prst="rect">
@@ -2759,7 +2793,7 @@
         </p:nvSpPr>
         <p:spPr>
           <a:xfrm>
-            <a:off x="5309880" y="1116493"/>
+            <a:off x="5395130" y="1212682"/>
             <a:ext cx="2487329" cy="287317"/>
           </a:xfrm>
           <a:prstGeom prst="rect">
@@ -2805,7 +2839,7 @@
         </p:nvSpPr>
         <p:spPr>
           <a:xfrm>
-            <a:off x="8523842" y="1116493"/>
+            <a:off x="8600383" y="1212682"/>
             <a:ext cx="2487329" cy="287317"/>
           </a:xfrm>
           <a:prstGeom prst="rect">
@@ -2861,7 +2895,7 @@
         </p:blipFill>
         <p:spPr>
           <a:xfrm>
-            <a:off x="8888579" y="1494976"/>
+            <a:off x="8973528" y="1593321"/>
             <a:ext cx="469903" cy="469903"/>
           </a:xfrm>
           <a:prstGeom prst="rect">

--- a/docs/images/neo4j_architecture_diagram.pptx
+++ b/docs/images/neo4j_architecture_diagram.pptx
@@ -643,7 +643,7 @@
         <p:spPr>
           <a:xfrm>
             <a:off x="8463948" y="6224225"/>
-            <a:ext cx="273653" cy="264251"/>
+            <a:ext cx="273652" cy="264251"/>
           </a:xfrm>
           <a:prstGeom prst="rect">
             <a:avLst/>
@@ -1522,7 +1522,7 @@
           <p:spPr>
             <a:xfrm>
               <a:off x="543003" y="67669"/>
-              <a:ext cx="9450494" cy="343416"/>
+              <a:ext cx="9450493" cy="343416"/>
             </a:xfrm>
             <a:prstGeom prst="rect">
               <a:avLst/>
@@ -1984,7 +1984,7 @@
         </p:nvGrpSpPr>
         <p:grpSpPr>
           <a:xfrm>
-            <a:off x="7578353" y="923746"/>
+            <a:off x="7578354" y="923746"/>
             <a:ext cx="2927302" cy="4825582"/>
             <a:chOff x="-1" y="-1"/>
             <a:chExt cx="2927300" cy="4825581"/>
@@ -2193,8 +2193,8 @@
         </p:nvSpPr>
         <p:spPr>
           <a:xfrm>
-            <a:off x="1899354" y="2854381"/>
-            <a:ext cx="8059340" cy="1681329"/>
+            <a:off x="1899354" y="2882692"/>
+            <a:ext cx="8059340" cy="1625406"/>
           </a:xfrm>
           <a:prstGeom prst="rect">
             <a:avLst/>
@@ -2246,7 +2246,7 @@
         </p:blipFill>
         <p:spPr>
           <a:xfrm>
-            <a:off x="5686534" y="2713812"/>
+            <a:off x="5757886" y="2713812"/>
             <a:ext cx="330203" cy="330203"/>
           </a:xfrm>
           <a:prstGeom prst="rect">
@@ -2385,7 +2385,7 @@
         </p:nvSpPr>
         <p:spPr>
           <a:xfrm>
-            <a:off x="2131408" y="4093620"/>
+            <a:off x="2131408" y="4093621"/>
             <a:ext cx="1036322" cy="269237"/>
           </a:xfrm>
           <a:prstGeom prst="rect">
@@ -2430,7 +2430,7 @@
         </p:nvSpPr>
         <p:spPr>
           <a:xfrm>
-            <a:off x="5309880" y="4093620"/>
+            <a:off x="5395130" y="4093621"/>
             <a:ext cx="1036322" cy="269237"/>
           </a:xfrm>
           <a:prstGeom prst="rect">
@@ -2586,7 +2586,7 @@
         <p:grpSpPr>
           <a:xfrm>
             <a:off x="1442110" y="1290703"/>
-            <a:ext cx="8961754" cy="4471229"/>
+            <a:ext cx="8961754" cy="4471228"/>
             <a:chOff x="0" y="0"/>
             <a:chExt cx="8961752" cy="4471227"/>
           </a:xfrm>
@@ -2745,7 +2745,7 @@
         </p:blipFill>
         <p:spPr>
           <a:xfrm>
-            <a:off x="4473010" y="941532"/>
+            <a:off x="4473009" y="941532"/>
             <a:ext cx="274323" cy="274323"/>
           </a:xfrm>
           <a:prstGeom prst="rect">
@@ -2895,7 +2895,7 @@
         </p:blipFill>
         <p:spPr>
           <a:xfrm>
-            <a:off x="8973528" y="1593321"/>
+            <a:off x="8807054" y="1593321"/>
             <a:ext cx="469903" cy="469903"/>
           </a:xfrm>
           <a:prstGeom prst="rect">
@@ -2914,7 +2914,7 @@
         </p:nvSpPr>
         <p:spPr>
           <a:xfrm>
-            <a:off x="8662510" y="2056043"/>
+            <a:off x="8508110" y="2056043"/>
             <a:ext cx="1067788" cy="264251"/>
           </a:xfrm>
           <a:prstGeom prst="rect">
@@ -2969,7 +2969,7 @@
         </p:blipFill>
         <p:spPr>
           <a:xfrm>
-            <a:off x="5523242" y="3482087"/>
+            <a:off x="5694074" y="3482087"/>
             <a:ext cx="609603" cy="609604"/>
           </a:xfrm>
           <a:prstGeom prst="rect">
@@ -2988,7 +2988,7 @@
         </p:nvSpPr>
         <p:spPr>
           <a:xfrm>
-            <a:off x="8605367" y="4093620"/>
+            <a:off x="8523842" y="4093621"/>
             <a:ext cx="1036322" cy="269237"/>
           </a:xfrm>
           <a:prstGeom prst="rect">

--- a/docs/images/neo4j_architecture_diagram.pptx
+++ b/docs/images/neo4j_architecture_diagram.pptx
@@ -1417,8 +1417,8 @@
         </p:nvSpPr>
         <p:spPr>
           <a:xfrm>
-            <a:off x="2189878" y="1212682"/>
-            <a:ext cx="2487329" cy="287317"/>
+            <a:off x="2189877" y="1212681"/>
+            <a:ext cx="2487330" cy="264252"/>
           </a:xfrm>
           <a:prstGeom prst="rect">
             <a:avLst/>
@@ -1433,7 +1433,9 @@
           </a:extLst>
         </p:spPr>
         <p:txBody>
-          <a:bodyPr lIns="45718" tIns="45718" rIns="45718" bIns="45718"/>
+          <a:bodyPr lIns="45718" tIns="45718" rIns="45718" bIns="45718">
+            <a:spAutoFit/>
+          </a:bodyPr>
           <a:lstStyle>
             <a:lvl1pPr>
               <a:defRPr sz="1200">
@@ -1463,10 +1465,10 @@
         </p:nvGrpSpPr>
         <p:grpSpPr>
           <a:xfrm>
-            <a:off x="898441" y="584740"/>
-            <a:ext cx="10061167" cy="5296212"/>
-            <a:chOff x="-1" y="0"/>
-            <a:chExt cx="10061166" cy="5296210"/>
+            <a:off x="898440" y="584739"/>
+            <a:ext cx="10061170" cy="5296214"/>
+            <a:chOff x="0" y="0"/>
+            <a:chExt cx="10061168" cy="5296213"/>
           </a:xfrm>
         </p:grpSpPr>
         <p:sp>
@@ -1477,8 +1479,8 @@
           </p:nvSpPr>
           <p:spPr>
             <a:xfrm>
-              <a:off x="-2" y="0"/>
-              <a:ext cx="10061168" cy="5296211"/>
+              <a:off x="-1" y="-1"/>
+              <a:ext cx="10061170" cy="5296214"/>
             </a:xfrm>
             <a:prstGeom prst="rect">
               <a:avLst/>
@@ -1521,8 +1523,8 @@
           </p:nvSpPr>
           <p:spPr>
             <a:xfrm>
-              <a:off x="543003" y="67669"/>
-              <a:ext cx="9450493" cy="343416"/>
+              <a:off x="543004" y="67669"/>
+              <a:ext cx="9450494" cy="264251"/>
             </a:xfrm>
             <a:prstGeom prst="rect">
               <a:avLst/>
@@ -1541,7 +1543,7 @@
           </p:spPr>
           <p:txBody>
             <a:bodyPr wrap="square" lIns="45718" tIns="45718" rIns="45718" bIns="45718" numCol="1" anchor="t">
-              <a:noAutofit/>
+              <a:spAutoFit/>
             </a:bodyPr>
             <a:lstStyle>
               <a:lvl1pPr>
@@ -1573,10 +1575,10 @@
         </p:nvGrpSpPr>
         <p:grpSpPr>
           <a:xfrm>
-            <a:off x="706500" y="341186"/>
-            <a:ext cx="10779000" cy="5800072"/>
-            <a:chOff x="-1" y="0"/>
-            <a:chExt cx="10778998" cy="5800071"/>
+            <a:off x="706498" y="270767"/>
+            <a:ext cx="10712290" cy="5870491"/>
+            <a:chOff x="0" y="0"/>
+            <a:chExt cx="10712288" cy="5870490"/>
           </a:xfrm>
         </p:grpSpPr>
         <p:sp>
@@ -1587,8 +1589,8 @@
           </p:nvSpPr>
           <p:spPr>
             <a:xfrm>
-              <a:off x="-2" y="-1"/>
-              <a:ext cx="10779000" cy="5800072"/>
+              <a:off x="0" y="0"/>
+              <a:ext cx="10548624" cy="5870491"/>
             </a:xfrm>
             <a:prstGeom prst="rect">
               <a:avLst/>
@@ -1626,17 +1628,51 @@
         <p:sp>
           <p:nvSpPr>
             <p:cNvPr id="25" name="AWS Cloud"/>
-            <p:cNvSpPr txBox="1"/>
+            <p:cNvSpPr/>
             <p:nvPr/>
           </p:nvSpPr>
           <p:spPr>
             <a:xfrm>
-              <a:off x="469848" y="58551"/>
-              <a:ext cx="10250597" cy="297150"/>
+              <a:off x="461689" y="47363"/>
+              <a:ext cx="10250600" cy="1"/>
             </a:xfrm>
-            <a:prstGeom prst="rect">
+            <a:custGeom>
               <a:avLst/>
-            </a:prstGeom>
+              <a:gdLst/>
+              <a:ahLst/>
+              <a:cxnLst>
+                <a:cxn ang="0">
+                  <a:pos x="wd2" y="hd2"/>
+                </a:cxn>
+                <a:cxn ang="5400000">
+                  <a:pos x="wd2" y="hd2"/>
+                </a:cxn>
+                <a:cxn ang="10800000">
+                  <a:pos x="wd2" y="hd2"/>
+                </a:cxn>
+                <a:cxn ang="16200000">
+                  <a:pos x="wd2" y="hd2"/>
+                </a:cxn>
+              </a:cxnLst>
+              <a:rect l="0" t="0" r="r" b="b"/>
+              <a:pathLst>
+                <a:path w="21600" h="0" fill="norm" stroke="1" extrusionOk="0">
+                  <a:moveTo>
+                    <a:pt x="0" y="0"/>
+                  </a:moveTo>
+                  <a:lnTo>
+                    <a:pt x="21600" y="0"/>
+                  </a:lnTo>
+                  <a:lnTo>
+                    <a:pt x="21600" y="0"/>
+                  </a:lnTo>
+                  <a:lnTo>
+                    <a:pt x="0" y="0"/>
+                  </a:lnTo>
+                  <a:close/>
+                </a:path>
+              </a:pathLst>
+            </a:custGeom>
             <a:noFill/>
             <a:ln w="12700" cap="flat">
               <a:noFill/>
@@ -1651,7 +1687,7 @@
           </p:spPr>
           <p:txBody>
             <a:bodyPr wrap="square" lIns="45718" tIns="45718" rIns="45718" bIns="45718" numCol="1" anchor="t">
-              <a:noAutofit/>
+              <a:spAutoFit/>
             </a:bodyPr>
             <a:lstStyle>
               <a:lvl1pPr>
@@ -1684,9 +1720,9 @@
         <p:grpSpPr>
           <a:xfrm>
             <a:off x="1238849" y="918595"/>
-            <a:ext cx="3040846" cy="4835883"/>
+            <a:ext cx="3040848" cy="4835884"/>
             <a:chOff x="0" y="0"/>
-            <a:chExt cx="3040845" cy="4835881"/>
+            <a:chExt cx="3040847" cy="4835883"/>
           </a:xfrm>
         </p:grpSpPr>
         <p:sp>
@@ -1697,8 +1733,8 @@
           </p:nvSpPr>
           <p:spPr>
             <a:xfrm>
-              <a:off x="113545" y="0"/>
-              <a:ext cx="2927301" cy="4835882"/>
+              <a:off x="113544" y="0"/>
+              <a:ext cx="2927304" cy="4835884"/>
             </a:xfrm>
             <a:prstGeom prst="rect">
               <a:avLst/>
@@ -1741,8 +1777,8 @@
           </p:nvSpPr>
           <p:spPr>
             <a:xfrm>
-              <a:off x="0" y="78835"/>
-              <a:ext cx="2817728" cy="1"/>
+              <a:off x="0" y="78834"/>
+              <a:ext cx="2817729" cy="1"/>
             </a:xfrm>
             <a:custGeom>
               <a:avLst/>
@@ -1837,8 +1873,8 @@
         </p:blipFill>
         <p:spPr>
           <a:xfrm>
-            <a:off x="706504" y="341189"/>
-            <a:ext cx="330203" cy="330203"/>
+            <a:off x="698343" y="267743"/>
+            <a:ext cx="330204" cy="330204"/>
           </a:xfrm>
           <a:prstGeom prst="rect">
             <a:avLst/>
@@ -1850,7 +1886,7 @@
       </p:pic>
       <p:pic>
         <p:nvPicPr>
-          <p:cNvPr id="31" name="Graphic 62" descr="Graphic 62"/>
+          <p:cNvPr id="31" name="Graphic 63" descr="Graphic 63"/>
           <p:cNvPicPr>
             <a:picLocks noChangeAspect="1"/>
           </p:cNvPicPr>
@@ -1865,34 +1901,9 @@
           </a:stretch>
         </p:blipFill>
         <p:spPr>
-          <a:prstGeom prst="rect">
-            <a:avLst/>
-          </a:prstGeom>
-          <a:ln w="12700">
-            <a:miter lim="400000"/>
-          </a:ln>
-        </p:spPr>
-      </p:pic>
-      <p:pic>
-        <p:nvPicPr>
-          <p:cNvPr id="32" name="Graphic 63" descr="Graphic 63"/>
-          <p:cNvPicPr>
-            <a:picLocks noChangeAspect="1"/>
-          </p:cNvPicPr>
-          <p:nvPr/>
-        </p:nvPicPr>
-        <p:blipFill>
-          <a:blip r:embed="rId4">
-            <a:extLst/>
-          </a:blip>
-          <a:stretch>
-            <a:fillRect/>
-          </a:stretch>
-        </p:blipFill>
-        <p:spPr>
           <a:xfrm>
-            <a:off x="1367666" y="941532"/>
-            <a:ext cx="274323" cy="274323"/>
+            <a:off x="1367666" y="941531"/>
+            <a:ext cx="274324" cy="274324"/>
           </a:xfrm>
           <a:prstGeom prst="rect">
             <a:avLst/>
@@ -1904,14 +1915,14 @@
       </p:pic>
       <p:sp>
         <p:nvSpPr>
-          <p:cNvPr id="33" name="TextBox 65"/>
+          <p:cNvPr id="32" name="TextBox 65"/>
           <p:cNvSpPr txBox="1"/>
           <p:nvPr/>
         </p:nvSpPr>
         <p:spPr>
           <a:xfrm>
-            <a:off x="2083210" y="2041888"/>
-            <a:ext cx="1061741" cy="264251"/>
+            <a:off x="2083210" y="2041887"/>
+            <a:ext cx="1061742" cy="264252"/>
           </a:xfrm>
           <a:prstGeom prst="rect">
             <a:avLst/>
@@ -1949,14 +1960,14 @@
       </p:sp>
       <p:pic>
         <p:nvPicPr>
-          <p:cNvPr id="34" name="Graphic 66" descr="Graphic 66"/>
+          <p:cNvPr id="33" name="Graphic 66" descr="Graphic 66"/>
           <p:cNvPicPr>
             <a:picLocks noChangeAspect="1"/>
           </p:cNvPicPr>
           <p:nvPr/>
         </p:nvPicPr>
         <p:blipFill>
-          <a:blip r:embed="rId5">
+          <a:blip r:embed="rId4">
             <a:extLst/>
           </a:blip>
           <a:stretch>
@@ -1965,8 +1976,8 @@
         </p:blipFill>
         <p:spPr>
           <a:xfrm>
-            <a:off x="2414616" y="1593320"/>
-            <a:ext cx="469904" cy="469903"/>
+            <a:off x="2414615" y="1593319"/>
+            <a:ext cx="469906" cy="469904"/>
           </a:xfrm>
           <a:prstGeom prst="rect">
             <a:avLst/>
@@ -1978,28 +1989,28 @@
       </p:pic>
       <p:grpSp>
         <p:nvGrpSpPr>
-          <p:cNvPr id="37" name="Rectangle 80"/>
+          <p:cNvPr id="36" name="Rectangle 80"/>
           <p:cNvGrpSpPr/>
           <p:nvPr/>
         </p:nvGrpSpPr>
         <p:grpSpPr>
           <a:xfrm>
-            <a:off x="7578354" y="923746"/>
-            <a:ext cx="2927302" cy="4825582"/>
-            <a:chOff x="-1" y="-1"/>
-            <a:chExt cx="2927300" cy="4825581"/>
+            <a:off x="7578352" y="923744"/>
+            <a:ext cx="2927305" cy="4825584"/>
+            <a:chOff x="0" y="-1"/>
+            <a:chExt cx="2927303" cy="4825582"/>
           </a:xfrm>
         </p:grpSpPr>
         <p:sp>
           <p:nvSpPr>
-            <p:cNvPr id="35" name="Rectangle"/>
+            <p:cNvPr id="34" name="Rectangle"/>
             <p:cNvSpPr/>
             <p:nvPr/>
           </p:nvSpPr>
           <p:spPr>
             <a:xfrm>
-              <a:off x="-2" y="-2"/>
-              <a:ext cx="2927302" cy="4825582"/>
+              <a:off x="-1" y="-2"/>
+              <a:ext cx="2927304" cy="4825584"/>
             </a:xfrm>
             <a:prstGeom prst="rect">
               <a:avLst/>
@@ -2036,14 +2047,14 @@
         </p:sp>
         <p:sp>
           <p:nvSpPr>
-            <p:cNvPr id="36" name="Availability Zone 2"/>
+            <p:cNvPr id="35" name="Availability Zone 2"/>
             <p:cNvSpPr txBox="1"/>
             <p:nvPr/>
           </p:nvSpPr>
           <p:spPr>
             <a:xfrm>
-              <a:off x="54785" y="54786"/>
-              <a:ext cx="2817727" cy="264252"/>
+              <a:off x="54786" y="54786"/>
+              <a:ext cx="2817729" cy="264252"/>
             </a:xfrm>
             <a:prstGeom prst="rect">
               <a:avLst/>
@@ -2086,41 +2097,16 @@
           </p:txBody>
         </p:sp>
       </p:grpSp>
-      <p:pic>
-        <p:nvPicPr>
-          <p:cNvPr id="38" name="Graphic 81" descr="Graphic 81"/>
-          <p:cNvPicPr>
-            <a:picLocks noChangeAspect="1"/>
-          </p:cNvPicPr>
-          <p:nvPr/>
-        </p:nvPicPr>
-        <p:blipFill>
-          <a:blip r:embed="rId4">
-            <a:extLst/>
-          </a:blip>
-          <a:stretch>
-            <a:fillRect/>
-          </a:stretch>
-        </p:blipFill>
-        <p:spPr>
-          <a:prstGeom prst="rect">
-            <a:avLst/>
-          </a:prstGeom>
-          <a:ln w="12700">
-            <a:miter lim="400000"/>
-          </a:ln>
-        </p:spPr>
-      </p:pic>
       <p:sp>
         <p:nvSpPr>
-          <p:cNvPr id="39" name="TextBox 83"/>
+          <p:cNvPr id="37" name="TextBox 83"/>
           <p:cNvSpPr txBox="1"/>
           <p:nvPr/>
         </p:nvSpPr>
         <p:spPr>
           <a:xfrm>
-            <a:off x="5395130" y="2056043"/>
-            <a:ext cx="1067788" cy="264251"/>
+            <a:off x="5395129" y="2056042"/>
+            <a:ext cx="1067790" cy="264252"/>
           </a:xfrm>
           <a:prstGeom prst="rect">
             <a:avLst/>
@@ -2158,14 +2144,14 @@
       </p:sp>
       <p:pic>
         <p:nvPicPr>
-          <p:cNvPr id="40" name="Graphic 84" descr="Graphic 84"/>
+          <p:cNvPr id="38" name="Graphic 84" descr="Graphic 84"/>
           <p:cNvPicPr>
             <a:picLocks noChangeAspect="1"/>
           </p:cNvPicPr>
           <p:nvPr/>
         </p:nvPicPr>
         <p:blipFill>
-          <a:blip r:embed="rId5">
+          <a:blip r:embed="rId4">
             <a:extLst/>
           </a:blip>
           <a:stretch>
@@ -2174,8 +2160,8 @@
         </p:blipFill>
         <p:spPr>
           <a:xfrm>
-            <a:off x="5694074" y="1593321"/>
-            <a:ext cx="469903" cy="469903"/>
+            <a:off x="5694074" y="1593320"/>
+            <a:ext cx="469904" cy="469904"/>
           </a:xfrm>
           <a:prstGeom prst="rect">
             <a:avLst/>
@@ -2187,14 +2173,14 @@
       </p:pic>
       <p:sp>
         <p:nvSpPr>
-          <p:cNvPr id="41" name="Rectangle"/>
+          <p:cNvPr id="39" name="Rectangle"/>
           <p:cNvSpPr/>
           <p:nvPr/>
         </p:nvSpPr>
         <p:spPr>
           <a:xfrm>
             <a:off x="1899354" y="2882692"/>
-            <a:ext cx="8059340" cy="1625406"/>
+            <a:ext cx="8059340" cy="1625407"/>
           </a:xfrm>
           <a:prstGeom prst="rect">
             <a:avLst/>
@@ -2230,14 +2216,14 @@
       </p:sp>
       <p:pic>
         <p:nvPicPr>
-          <p:cNvPr id="42" name="Graphic 60" descr="Graphic 60"/>
+          <p:cNvPr id="40" name="Graphic 60" descr="Graphic 60"/>
           <p:cNvPicPr>
             <a:picLocks noChangeAspect="1"/>
           </p:cNvPicPr>
           <p:nvPr/>
         </p:nvPicPr>
         <p:blipFill>
-          <a:blip r:embed="rId6">
+          <a:blip r:embed="rId5">
             <a:extLst/>
           </a:blip>
           <a:stretch>
@@ -2247,7 +2233,7 @@
         <p:spPr>
           <a:xfrm>
             <a:off x="5757886" y="2713812"/>
-            <a:ext cx="330203" cy="330203"/>
+            <a:ext cx="330204" cy="330204"/>
           </a:xfrm>
           <a:prstGeom prst="rect">
             <a:avLst/>
@@ -2259,14 +2245,14 @@
       </p:pic>
       <p:sp>
         <p:nvSpPr>
-          <p:cNvPr id="43" name="Auto Scaling group"/>
+          <p:cNvPr id="41" name="Auto Scaling group"/>
           <p:cNvSpPr txBox="1"/>
           <p:nvPr/>
         </p:nvSpPr>
         <p:spPr>
           <a:xfrm>
             <a:off x="5071443" y="2929780"/>
-            <a:ext cx="1560383" cy="442051"/>
+            <a:ext cx="1560384" cy="442051"/>
           </a:xfrm>
           <a:prstGeom prst="rect">
             <a:avLst/>
@@ -2321,14 +2307,14 @@
       </p:sp>
       <p:pic>
         <p:nvPicPr>
-          <p:cNvPr id="44" name="Res_Amazon-EC2_Instances_48_Light.png" descr="Res_Amazon-EC2_Instances_48_Light.png"/>
+          <p:cNvPr id="42" name="Res_Amazon-EC2_Instances_48_Light.png" descr="Res_Amazon-EC2_Instances_48_Light.png"/>
           <p:cNvPicPr>
             <a:picLocks noChangeAspect="1"/>
           </p:cNvPicPr>
           <p:nvPr/>
         </p:nvPicPr>
         <p:blipFill>
-          <a:blip r:embed="rId7">
+          <a:blip r:embed="rId6">
             <a:extLst/>
           </a:blip>
           <a:stretch>
@@ -2337,8 +2323,8 @@
         </p:blipFill>
         <p:spPr>
           <a:xfrm>
-            <a:off x="2309280" y="3482087"/>
-            <a:ext cx="609604" cy="609604"/>
+            <a:off x="2309279" y="3482087"/>
+            <a:ext cx="609605" cy="609605"/>
           </a:xfrm>
           <a:prstGeom prst="rect">
             <a:avLst/>
@@ -2350,14 +2336,14 @@
       </p:pic>
       <p:pic>
         <p:nvPicPr>
-          <p:cNvPr id="45" name="Res_Amazon-EC2_Instances_48_Light.png" descr="Res_Amazon-EC2_Instances_48_Light.png"/>
+          <p:cNvPr id="43" name="Res_Amazon-EC2_Instances_48_Light.png" descr="Res_Amazon-EC2_Instances_48_Light.png"/>
           <p:cNvPicPr>
             <a:picLocks noChangeAspect="1"/>
           </p:cNvPicPr>
           <p:nvPr/>
         </p:nvPicPr>
         <p:blipFill>
-          <a:blip r:embed="rId7">
+          <a:blip r:embed="rId6">
             <a:extLst/>
           </a:blip>
           <a:stretch>
@@ -2366,8 +2352,8 @@
         </p:blipFill>
         <p:spPr>
           <a:xfrm>
-            <a:off x="8737204" y="3482087"/>
-            <a:ext cx="609603" cy="609604"/>
+            <a:off x="8737203" y="3482087"/>
+            <a:ext cx="609604" cy="609605"/>
           </a:xfrm>
           <a:prstGeom prst="rect">
             <a:avLst/>
@@ -2379,13 +2365,58 @@
       </p:pic>
       <p:sp>
         <p:nvSpPr>
-          <p:cNvPr id="46" name="172.31.0.0/16"/>
+          <p:cNvPr id="44" name="172.31.0.0/16"/>
           <p:cNvSpPr txBox="1"/>
           <p:nvPr/>
         </p:nvSpPr>
         <p:spPr>
           <a:xfrm>
-            <a:off x="2131408" y="4093621"/>
+            <a:off x="2124512" y="4093622"/>
+            <a:ext cx="1121080" cy="269237"/>
+          </a:xfrm>
+          <a:prstGeom prst="rect">
+            <a:avLst/>
+          </a:prstGeom>
+          <a:ln w="12700">
+            <a:miter lim="400000"/>
+          </a:ln>
+          <a:extLst>
+            <a:ext uri="{C572A759-6A51-4108-AA02-DFA0A04FC94B}">
+              <ma14:wrappingTextBoxFlag xmlns:ma14="http://schemas.microsoft.com/office/mac/drawingml/2011/main" val="1"/>
+            </a:ext>
+          </a:extLst>
+        </p:spPr>
+        <p:txBody>
+          <a:bodyPr wrap="none" lIns="45718" tIns="45718" rIns="45718" bIns="45718">
+            <a:spAutoFit/>
+          </a:bodyPr>
+          <a:lstStyle>
+            <a:lvl1pPr>
+              <a:defRPr sz="1200">
+                <a:latin typeface="+mj-lt"/>
+                <a:ea typeface="+mj-ea"/>
+                <a:cs typeface="+mj-cs"/>
+                <a:sym typeface="Helvetica"/>
+              </a:defRPr>
+            </a:lvl1pPr>
+          </a:lstStyle>
+          <a:p>
+            <a:pPr/>
+            <a:r>
+              <a:t>172.31.16.0/20</a:t>
+            </a:r>
+          </a:p>
+        </p:txBody>
+      </p:sp>
+      <p:sp>
+        <p:nvSpPr>
+          <p:cNvPr id="45" name="172.31.0.0/16"/>
+          <p:cNvSpPr txBox="1"/>
+          <p:nvPr/>
+        </p:nvSpPr>
+        <p:spPr>
+          <a:xfrm>
+            <a:off x="5404826" y="4093620"/>
             <a:ext cx="1036322" cy="269237"/>
           </a:xfrm>
           <a:prstGeom prst="rect">
@@ -2417,80 +2448,35 @@
           <a:p>
             <a:pPr/>
             <a:r>
-              <a:t>172.31.0.0/16</a:t>
-            </a:r>
-          </a:p>
-        </p:txBody>
-      </p:sp>
-      <p:sp>
-        <p:nvSpPr>
-          <p:cNvPr id="47" name="172.31.0.0/16"/>
-          <p:cNvSpPr txBox="1"/>
-          <p:nvPr/>
-        </p:nvSpPr>
-        <p:spPr>
-          <a:xfrm>
-            <a:off x="5395130" y="4093621"/>
-            <a:ext cx="1036322" cy="269237"/>
-          </a:xfrm>
-          <a:prstGeom prst="rect">
-            <a:avLst/>
-          </a:prstGeom>
-          <a:ln w="12700">
-            <a:miter lim="400000"/>
-          </a:ln>
-          <a:extLst>
-            <a:ext uri="{C572A759-6A51-4108-AA02-DFA0A04FC94B}">
-              <ma14:wrappingTextBoxFlag xmlns:ma14="http://schemas.microsoft.com/office/mac/drawingml/2011/main" val="1"/>
-            </a:ext>
-          </a:extLst>
-        </p:spPr>
-        <p:txBody>
-          <a:bodyPr wrap="none" lIns="45718" tIns="45718" rIns="45718" bIns="45718">
-            <a:spAutoFit/>
-          </a:bodyPr>
-          <a:lstStyle>
-            <a:lvl1pPr>
-              <a:defRPr sz="1200">
-                <a:latin typeface="+mj-lt"/>
-                <a:ea typeface="+mj-ea"/>
-                <a:cs typeface="+mj-cs"/>
-                <a:sym typeface="Helvetica"/>
-              </a:defRPr>
-            </a:lvl1pPr>
-          </a:lstStyle>
-          <a:p>
-            <a:pPr/>
-            <a:r>
-              <a:t>172.31.0.0/16</a:t>
+              <a:t>172.31.0.0/20</a:t>
             </a:r>
           </a:p>
         </p:txBody>
       </p:sp>
       <p:grpSp>
         <p:nvGrpSpPr>
-          <p:cNvPr id="50" name="Rectangle 80"/>
+          <p:cNvPr id="48" name="Rectangle 80"/>
           <p:cNvGrpSpPr/>
           <p:nvPr/>
         </p:nvGrpSpPr>
         <p:grpSpPr>
           <a:xfrm>
-            <a:off x="4459336" y="923746"/>
-            <a:ext cx="2927302" cy="4825582"/>
-            <a:chOff x="-1" y="-1"/>
-            <a:chExt cx="2927300" cy="4825581"/>
+            <a:off x="4459335" y="923744"/>
+            <a:ext cx="2927304" cy="4825584"/>
+            <a:chOff x="0" y="-1"/>
+            <a:chExt cx="2927303" cy="4825582"/>
           </a:xfrm>
         </p:grpSpPr>
         <p:sp>
           <p:nvSpPr>
-            <p:cNvPr id="48" name="Rectangle"/>
+            <p:cNvPr id="46" name="Rectangle"/>
             <p:cNvSpPr/>
             <p:nvPr/>
           </p:nvSpPr>
           <p:spPr>
             <a:xfrm>
-              <a:off x="-2" y="-2"/>
-              <a:ext cx="2927302" cy="4825582"/>
+              <a:off x="-1" y="-2"/>
+              <a:ext cx="2927304" cy="4825584"/>
             </a:xfrm>
             <a:prstGeom prst="rect">
               <a:avLst/>
@@ -2527,14 +2513,14 @@
         </p:sp>
         <p:sp>
           <p:nvSpPr>
-            <p:cNvPr id="49" name="Availability Zone 2"/>
+            <p:cNvPr id="47" name="Availability Zone 2"/>
             <p:cNvSpPr txBox="1"/>
             <p:nvPr/>
           </p:nvSpPr>
           <p:spPr>
             <a:xfrm>
-              <a:off x="54785" y="54786"/>
-              <a:ext cx="2817727" cy="264252"/>
+              <a:off x="54786" y="54786"/>
+              <a:ext cx="2817729" cy="264252"/>
             </a:xfrm>
             <a:prstGeom prst="rect">
               <a:avLst/>
@@ -2579,28 +2565,28 @@
       </p:grpSp>
       <p:grpSp>
         <p:nvGrpSpPr>
-          <p:cNvPr id="54" name="Rectangle 55"/>
+          <p:cNvPr id="52" name="Rectangle 55"/>
           <p:cNvGrpSpPr/>
           <p:nvPr/>
         </p:nvGrpSpPr>
         <p:grpSpPr>
           <a:xfrm>
-            <a:off x="1442110" y="1290703"/>
-            <a:ext cx="8961754" cy="4471228"/>
+            <a:off x="1442110" y="1273627"/>
+            <a:ext cx="8961755" cy="4471230"/>
             <a:chOff x="0" y="0"/>
-            <a:chExt cx="8961752" cy="4471227"/>
+            <a:chExt cx="8961754" cy="4471229"/>
           </a:xfrm>
         </p:grpSpPr>
         <p:sp>
           <p:nvSpPr>
-            <p:cNvPr id="51" name="Rectangle"/>
+            <p:cNvPr id="49" name="Rectangle"/>
             <p:cNvSpPr/>
             <p:nvPr/>
           </p:nvSpPr>
           <p:spPr>
             <a:xfrm>
-              <a:off x="0" y="0"/>
-              <a:ext cx="2649890" cy="4471228"/>
+              <a:off x="-1" y="-1"/>
+              <a:ext cx="2649891" cy="4471230"/>
             </a:xfrm>
             <a:prstGeom prst="rect">
               <a:avLst/>
@@ -2638,14 +2624,14 @@
         </p:sp>
         <p:sp>
           <p:nvSpPr>
-            <p:cNvPr id="52" name="Rectangle"/>
+            <p:cNvPr id="50" name="Rectangle"/>
             <p:cNvSpPr/>
             <p:nvPr/>
           </p:nvSpPr>
           <p:spPr>
             <a:xfrm>
-              <a:off x="3112795" y="0"/>
-              <a:ext cx="2649891" cy="4471228"/>
+              <a:off x="3112795" y="-1"/>
+              <a:ext cx="2649892" cy="4471230"/>
             </a:xfrm>
             <a:prstGeom prst="rect">
               <a:avLst/>
@@ -2683,14 +2669,14 @@
         </p:sp>
         <p:sp>
           <p:nvSpPr>
-            <p:cNvPr id="53" name="Rectangle"/>
+            <p:cNvPr id="51" name="Rectangle"/>
             <p:cNvSpPr/>
             <p:nvPr/>
           </p:nvSpPr>
           <p:spPr>
             <a:xfrm>
-              <a:off x="6311862" y="0"/>
-              <a:ext cx="2649891" cy="4471228"/>
+              <a:off x="6311863" y="-1"/>
+              <a:ext cx="2649892" cy="4471230"/>
             </a:xfrm>
             <a:prstGeom prst="rect">
               <a:avLst/>
@@ -2729,14 +2715,14 @@
       </p:grpSp>
       <p:pic>
         <p:nvPicPr>
-          <p:cNvPr id="55" name="Graphic 63" descr="Graphic 63"/>
+          <p:cNvPr id="53" name="Graphic 63" descr="Graphic 63"/>
           <p:cNvPicPr>
             <a:picLocks noChangeAspect="1"/>
           </p:cNvPicPr>
           <p:nvPr/>
         </p:nvPicPr>
         <p:blipFill>
-          <a:blip r:embed="rId4">
+          <a:blip r:embed="rId3">
             <a:extLst/>
           </a:blip>
           <a:stretch>
@@ -2745,8 +2731,8 @@
         </p:blipFill>
         <p:spPr>
           <a:xfrm>
-            <a:off x="4473009" y="941532"/>
-            <a:ext cx="274323" cy="274323"/>
+            <a:off x="4473009" y="941531"/>
+            <a:ext cx="274324" cy="274324"/>
           </a:xfrm>
           <a:prstGeom prst="rect">
             <a:avLst/>
@@ -2758,14 +2744,14 @@
       </p:pic>
       <p:pic>
         <p:nvPicPr>
-          <p:cNvPr id="56" name="Graphic 63" descr="Graphic 63"/>
+          <p:cNvPr id="54" name="Graphic 63" descr="Graphic 63"/>
           <p:cNvPicPr>
             <a:picLocks noChangeAspect="1"/>
           </p:cNvPicPr>
           <p:nvPr/>
         </p:nvPicPr>
         <p:blipFill>
-          <a:blip r:embed="rId4">
+          <a:blip r:embed="rId3">
             <a:extLst/>
           </a:blip>
           <a:stretch>
@@ -2774,8 +2760,8 @@
         </p:blipFill>
         <p:spPr>
           <a:xfrm>
-            <a:off x="7578353" y="941532"/>
-            <a:ext cx="274323" cy="274323"/>
+            <a:off x="7578352" y="941531"/>
+            <a:ext cx="274324" cy="274324"/>
           </a:xfrm>
           <a:prstGeom prst="rect">
             <a:avLst/>
@@ -2787,14 +2773,14 @@
       </p:pic>
       <p:sp>
         <p:nvSpPr>
-          <p:cNvPr id="57" name="Rectangle 55"/>
+          <p:cNvPr id="55" name="Rectangle 55"/>
           <p:cNvSpPr txBox="1"/>
           <p:nvPr/>
         </p:nvSpPr>
         <p:spPr>
           <a:xfrm>
-            <a:off x="5395130" y="1212682"/>
-            <a:ext cx="2487329" cy="287317"/>
+            <a:off x="5395129" y="1212681"/>
+            <a:ext cx="2487330" cy="264252"/>
           </a:xfrm>
           <a:prstGeom prst="rect">
             <a:avLst/>
@@ -2809,7 +2795,9 @@
           </a:extLst>
         </p:spPr>
         <p:txBody>
-          <a:bodyPr lIns="45718" tIns="45718" rIns="45718" bIns="45718"/>
+          <a:bodyPr lIns="45718" tIns="45718" rIns="45718" bIns="45718">
+            <a:spAutoFit/>
+          </a:bodyPr>
           <a:lstStyle>
             <a:lvl1pPr>
               <a:defRPr sz="1200">
@@ -2833,14 +2821,14 @@
       </p:sp>
       <p:sp>
         <p:nvSpPr>
-          <p:cNvPr id="58" name="Rectangle 55"/>
+          <p:cNvPr id="56" name="Rectangle 55"/>
           <p:cNvSpPr txBox="1"/>
           <p:nvPr/>
         </p:nvSpPr>
         <p:spPr>
           <a:xfrm>
-            <a:off x="8600383" y="1212682"/>
-            <a:ext cx="2487329" cy="287317"/>
+            <a:off x="8600382" y="1212681"/>
+            <a:ext cx="2487330" cy="264252"/>
           </a:xfrm>
           <a:prstGeom prst="rect">
             <a:avLst/>
@@ -2855,7 +2843,9 @@
           </a:extLst>
         </p:spPr>
         <p:txBody>
-          <a:bodyPr lIns="45718" tIns="45718" rIns="45718" bIns="45718"/>
+          <a:bodyPr lIns="45718" tIns="45718" rIns="45718" bIns="45718">
+            <a:spAutoFit/>
+          </a:bodyPr>
           <a:lstStyle>
             <a:lvl1pPr>
               <a:defRPr sz="1200">
@@ -2879,14 +2869,14 @@
       </p:sp>
       <p:pic>
         <p:nvPicPr>
-          <p:cNvPr id="59" name="Graphic 84" descr="Graphic 84"/>
+          <p:cNvPr id="57" name="Graphic 84" descr="Graphic 84"/>
           <p:cNvPicPr>
             <a:picLocks noChangeAspect="1"/>
           </p:cNvPicPr>
           <p:nvPr/>
         </p:nvPicPr>
         <p:blipFill>
-          <a:blip r:embed="rId5">
+          <a:blip r:embed="rId4">
             <a:extLst/>
           </a:blip>
           <a:stretch>
@@ -2895,8 +2885,8 @@
         </p:blipFill>
         <p:spPr>
           <a:xfrm>
-            <a:off x="8807054" y="1593321"/>
-            <a:ext cx="469903" cy="469903"/>
+            <a:off x="8807053" y="1593320"/>
+            <a:ext cx="469904" cy="469904"/>
           </a:xfrm>
           <a:prstGeom prst="rect">
             <a:avLst/>
@@ -2908,14 +2898,14 @@
       </p:pic>
       <p:sp>
         <p:nvSpPr>
-          <p:cNvPr id="60" name="TextBox 83"/>
+          <p:cNvPr id="58" name="TextBox 83"/>
           <p:cNvSpPr txBox="1"/>
           <p:nvPr/>
         </p:nvSpPr>
         <p:spPr>
           <a:xfrm>
-            <a:off x="8508110" y="2056043"/>
-            <a:ext cx="1067788" cy="264251"/>
+            <a:off x="8508110" y="2056042"/>
+            <a:ext cx="1067789" cy="264252"/>
           </a:xfrm>
           <a:prstGeom prst="rect">
             <a:avLst/>
@@ -2953,14 +2943,14 @@
       </p:sp>
       <p:pic>
         <p:nvPicPr>
-          <p:cNvPr id="61" name="Res_Amazon-EC2_Instances_48_Light.png" descr="Res_Amazon-EC2_Instances_48_Light.png"/>
+          <p:cNvPr id="59" name="Res_Amazon-EC2_Instances_48_Light.png" descr="Res_Amazon-EC2_Instances_48_Light.png"/>
           <p:cNvPicPr>
             <a:picLocks noChangeAspect="1"/>
           </p:cNvPicPr>
           <p:nvPr/>
         </p:nvPicPr>
         <p:blipFill>
-          <a:blip r:embed="rId7">
+          <a:blip r:embed="rId6">
             <a:extLst/>
           </a:blip>
           <a:stretch>
@@ -2970,7 +2960,7 @@
         <p:spPr>
           <a:xfrm>
             <a:off x="5694074" y="3482087"/>
-            <a:ext cx="609603" cy="609604"/>
+            <a:ext cx="609604" cy="609605"/>
           </a:xfrm>
           <a:prstGeom prst="rect">
             <a:avLst/>
@@ -2982,14 +2972,14 @@
       </p:pic>
       <p:sp>
         <p:nvSpPr>
-          <p:cNvPr id="62" name="172.31.0.0/16"/>
+          <p:cNvPr id="60" name="172.31.0.0/16"/>
           <p:cNvSpPr txBox="1"/>
           <p:nvPr/>
         </p:nvSpPr>
         <p:spPr>
           <a:xfrm>
-            <a:off x="8523842" y="4093621"/>
-            <a:ext cx="1036322" cy="269237"/>
+            <a:off x="8523841" y="4093621"/>
+            <a:ext cx="1121080" cy="269237"/>
           </a:xfrm>
           <a:prstGeom prst="rect">
             <a:avLst/>
@@ -3020,7 +3010,7 @@
           <a:p>
             <a:pPr/>
             <a:r>
-              <a:t>172.31.0.0/16</a:t>
+              <a:t>172.31.32.0/20</a:t>
             </a:r>
           </a:p>
         </p:txBody>

--- a/docs/images/neo4j_architecture_diagram.pptx
+++ b/docs/images/neo4j_architecture_diagram.pptx
@@ -1,14 +1,15 @@
 
 <file path=ppt/presentation.xml><?xml version="1.0" encoding="utf-8"?>
-<p:presentation xmlns:a="http://schemas.openxmlformats.org/drawingml/2006/main" xmlns:r="http://schemas.openxmlformats.org/officeDocument/2006/relationships" xmlns:p="http://schemas.openxmlformats.org/presentationml/2006/main" xmlns:m="http://schemas.openxmlformats.org/officeDocument/2006/math" xmlns:a14="http://schemas.microsoft.com/office/drawing/2010/main">
+<p:presentation xmlns:a="http://schemas.openxmlformats.org/drawingml/2006/main" xmlns:r="http://schemas.openxmlformats.org/officeDocument/2006/relationships" xmlns:p="http://schemas.openxmlformats.org/presentationml/2006/main">
   <p:sldMasterIdLst>
-    <p:sldMasterId id="2147483648" r:id="rId5"/>
+    <p:sldMasterId id="2147483648" r:id="rId1"/>
   </p:sldMasterIdLst>
   <p:notesMasterIdLst>
-    <p:notesMasterId r:id="rId7"/>
+    <p:notesMasterId r:id="rId4"/>
   </p:notesMasterIdLst>
   <p:sldIdLst>
-    <p:sldId id="256" r:id="rId8"/>
+    <p:sldId id="256" r:id="rId2"/>
+    <p:sldId id="257" r:id="rId3"/>
   </p:sldIdLst>
   <p:sldSz cx="12192000" cy="6858000"/>
   <p:notesSz cx="6858000" cy="9144000"/>
@@ -28,7 +29,7 @@
       <a:buFontTx/>
       <a:buNone/>
       <a:tabLst/>
-      <a:defRPr b="0" baseline="0" cap="none" i="0" spc="0" strike="noStrike" sz="1800" u="none" kumimoji="0" normalizeH="0">
+      <a:defRPr kumimoji="0" sz="1800" b="0" i="0" u="none" strike="noStrike" cap="none" spc="0" normalizeH="0" baseline="0">
         <a:ln>
           <a:noFill/>
         </a:ln>
@@ -54,7 +55,7 @@
       <a:buFontTx/>
       <a:buNone/>
       <a:tabLst/>
-      <a:defRPr b="0" baseline="0" cap="none" i="0" spc="0" strike="noStrike" sz="1800" u="none" kumimoji="0" normalizeH="0">
+      <a:defRPr kumimoji="0" sz="1800" b="0" i="0" u="none" strike="noStrike" cap="none" spc="0" normalizeH="0" baseline="0">
         <a:ln>
           <a:noFill/>
         </a:ln>
@@ -84,7 +85,7 @@
       <a:buFontTx/>
       <a:buNone/>
       <a:tabLst/>
-      <a:defRPr b="0" baseline="0" cap="none" i="0" spc="0" strike="noStrike" sz="1800" u="none" kumimoji="0" normalizeH="0">
+      <a:defRPr kumimoji="0" sz="1800" b="0" i="0" u="none" strike="noStrike" cap="none" spc="0" normalizeH="0" baseline="0">
         <a:ln>
           <a:noFill/>
         </a:ln>
@@ -114,7 +115,7 @@
       <a:buFontTx/>
       <a:buNone/>
       <a:tabLst/>
-      <a:defRPr b="0" baseline="0" cap="none" i="0" spc="0" strike="noStrike" sz="1800" u="none" kumimoji="0" normalizeH="0">
+      <a:defRPr kumimoji="0" sz="1800" b="0" i="0" u="none" strike="noStrike" cap="none" spc="0" normalizeH="0" baseline="0">
         <a:ln>
           <a:noFill/>
         </a:ln>
@@ -144,7 +145,7 @@
       <a:buFontTx/>
       <a:buNone/>
       <a:tabLst/>
-      <a:defRPr b="0" baseline="0" cap="none" i="0" spc="0" strike="noStrike" sz="1800" u="none" kumimoji="0" normalizeH="0">
+      <a:defRPr kumimoji="0" sz="1800" b="0" i="0" u="none" strike="noStrike" cap="none" spc="0" normalizeH="0" baseline="0">
         <a:ln>
           <a:noFill/>
         </a:ln>
@@ -174,7 +175,7 @@
       <a:buFontTx/>
       <a:buNone/>
       <a:tabLst/>
-      <a:defRPr b="0" baseline="0" cap="none" i="0" spc="0" strike="noStrike" sz="1800" u="none" kumimoji="0" normalizeH="0">
+      <a:defRPr kumimoji="0" sz="1800" b="0" i="0" u="none" strike="noStrike" cap="none" spc="0" normalizeH="0" baseline="0">
         <a:ln>
           <a:noFill/>
         </a:ln>
@@ -204,7 +205,7 @@
       <a:buFontTx/>
       <a:buNone/>
       <a:tabLst/>
-      <a:defRPr b="0" baseline="0" cap="none" i="0" spc="0" strike="noStrike" sz="1800" u="none" kumimoji="0" normalizeH="0">
+      <a:defRPr kumimoji="0" sz="1800" b="0" i="0" u="none" strike="noStrike" cap="none" spc="0" normalizeH="0" baseline="0">
         <a:ln>
           <a:noFill/>
         </a:ln>
@@ -234,7 +235,7 @@
       <a:buFontTx/>
       <a:buNone/>
       <a:tabLst/>
-      <a:defRPr b="0" baseline="0" cap="none" i="0" spc="0" strike="noStrike" sz="1800" u="none" kumimoji="0" normalizeH="0">
+      <a:defRPr kumimoji="0" sz="1800" b="0" i="0" u="none" strike="noStrike" cap="none" spc="0" normalizeH="0" baseline="0">
         <a:ln>
           <a:noFill/>
         </a:ln>
@@ -264,7 +265,7 @@
       <a:buFontTx/>
       <a:buNone/>
       <a:tabLst/>
-      <a:defRPr b="0" baseline="0" cap="none" i="0" spc="0" strike="noStrike" sz="1800" u="none" kumimoji="0" normalizeH="0">
+      <a:defRPr kumimoji="0" sz="1800" b="0" i="0" u="none" strike="noStrike" cap="none" spc="0" normalizeH="0" baseline="0">
         <a:ln>
           <a:noFill/>
         </a:ln>
@@ -294,7 +295,7 @@
       <a:buFontTx/>
       <a:buNone/>
       <a:tabLst/>
-      <a:defRPr b="0" baseline="0" cap="none" i="0" spc="0" strike="noStrike" sz="1800" u="none" kumimoji="0" normalizeH="0">
+      <a:defRPr kumimoji="0" sz="1800" b="0" i="0" u="none" strike="noStrike" cap="none" spc="0" normalizeH="0" baseline="0">
         <a:ln>
           <a:noFill/>
         </a:ln>
@@ -313,13 +314,14 @@
 </p:presentation>
 </file>
 
-<file path=ppt/commentAuthors.xml><?xml version="1.0" encoding="utf-8"?>
-<p:cmAuthorLst xmlns:a="http://schemas.openxmlformats.org/drawingml/2006/main" xmlns:r="http://schemas.openxmlformats.org/officeDocument/2006/relationships" xmlns:p="http://schemas.openxmlformats.org/presentationml/2006/main" xmlns:m="http://schemas.openxmlformats.org/officeDocument/2006/math" xmlns:a14="http://schemas.microsoft.com/office/drawing/2010/main"/>
-</file>
-
 <file path=ppt/notesMasters/notesMaster1.xml><?xml version="1.0" encoding="utf-8"?>
-<p:notesMaster xmlns:a="http://schemas.openxmlformats.org/drawingml/2006/main" xmlns:r="http://schemas.openxmlformats.org/officeDocument/2006/relationships" xmlns:p="http://schemas.openxmlformats.org/presentationml/2006/main" xmlns:m="http://schemas.openxmlformats.org/officeDocument/2006/math" xmlns:a14="http://schemas.microsoft.com/office/drawing/2010/main">
+<p:notesMaster xmlns:a="http://schemas.openxmlformats.org/drawingml/2006/main" xmlns:r="http://schemas.openxmlformats.org/officeDocument/2006/relationships" xmlns:p="http://schemas.openxmlformats.org/presentationml/2006/main">
   <p:cSld>
+    <p:bg>
+      <p:bgRef idx="1001">
+        <a:schemeClr val="bg1"/>
+      </p:bgRef>
+    </p:bg>
     <p:spTree>
       <p:nvGrpSpPr>
         <p:cNvPr id="1" name=""/>
@@ -337,7 +339,9 @@
       <p:sp>
         <p:nvSpPr>
           <p:cNvPr id="17" name="Shape 17"/>
-          <p:cNvSpPr/>
+          <p:cNvSpPr>
+            <a:spLocks noGrp="1" noRot="1" noChangeAspect="1"/>
+          </p:cNvSpPr>
           <p:nvPr>
             <p:ph type="sldImg"/>
           </p:nvPr>
@@ -355,14 +359,16 @@
           <a:bodyPr/>
           <a:lstStyle/>
           <a:p>
-            <a:pPr/>
+            <a:endParaRPr/>
           </a:p>
         </p:txBody>
       </p:sp>
       <p:sp>
         <p:nvSpPr>
           <p:cNvPr id="18" name="Shape 18"/>
-          <p:cNvSpPr/>
+          <p:cNvSpPr>
+            <a:spLocks noGrp="1"/>
+          </p:cNvSpPr>
           <p:nvPr>
             <p:ph type="body" sz="quarter" idx="1"/>
           </p:nvPr>
@@ -380,7 +386,7 @@
           <a:bodyPr/>
           <a:lstStyle/>
           <a:p>
-            <a:pPr/>
+            <a:endParaRPr/>
           </a:p>
         </p:txBody>
       </p:sp>
@@ -465,7 +471,7 @@
 </file>
 
 <file path=ppt/slideLayouts/slideLayout1.xml><?xml version="1.0" encoding="utf-8"?>
-<p:sldLayout xmlns:a="http://schemas.openxmlformats.org/drawingml/2006/main" xmlns:r="http://schemas.openxmlformats.org/officeDocument/2006/relationships" xmlns:p="http://schemas.openxmlformats.org/presentationml/2006/main" xmlns:m="http://schemas.openxmlformats.org/officeDocument/2006/math" xmlns:a14="http://schemas.microsoft.com/office/drawing/2010/main" type="tx" showMasterSp="1" showMasterPhAnim="1">
+<p:sldLayout xmlns:a="http://schemas.openxmlformats.org/drawingml/2006/main" xmlns:r="http://schemas.openxmlformats.org/officeDocument/2006/relationships" xmlns:p="http://schemas.openxmlformats.org/presentationml/2006/main" type="tx">
   <p:cSld name="Blank">
     <p:spTree>
       <p:nvGrpSpPr>
@@ -484,7 +490,9 @@
       <p:sp>
         <p:nvSpPr>
           <p:cNvPr id="11" name="Slide Number"/>
-          <p:cNvSpPr txBox="1"/>
+          <p:cNvSpPr txBox="1">
+            <a:spLocks noGrp="1"/>
+          </p:cNvSpPr>
           <p:nvPr>
             <p:ph type="sldNum" sz="quarter" idx="2"/>
           </p:nvPr>
@@ -498,8 +506,10 @@
           <a:bodyPr/>
           <a:lstStyle/>
           <a:p>
-            <a:pPr/>
-            <a:fld id="{86CB4B4D-7CA3-9044-876B-883B54F8677D}" type="slidenum"/>
+            <a:fld id="{86CB4B4D-7CA3-9044-876B-883B54F8677D}" type="slidenum">
+              <a:t>‹#›</a:t>
+            </a:fld>
+            <a:endParaRPr/>
           </a:p>
         </p:txBody>
       </p:sp>
@@ -508,18 +518,19 @@
   <p:clrMapOvr>
     <a:masterClrMapping/>
   </p:clrMapOvr>
-  <p:transition xmlns:p14="http://schemas.microsoft.com/office/powerpoint/2010/main" spd="med" advClick="1"/>
+  <p:transition spd="med"/>
 </p:sldLayout>
 </file>
 
 <file path=ppt/slideMasters/slideMaster1.xml><?xml version="1.0" encoding="utf-8"?>
-<p:sldMaster xmlns:a="http://schemas.openxmlformats.org/drawingml/2006/main" xmlns:r="http://schemas.openxmlformats.org/officeDocument/2006/relationships" xmlns:p="http://schemas.openxmlformats.org/presentationml/2006/main" xmlns:m="http://schemas.openxmlformats.org/officeDocument/2006/math" xmlns:a14="http://schemas.microsoft.com/office/drawing/2010/main">
+<p:sldMaster xmlns:a="http://schemas.openxmlformats.org/drawingml/2006/main" xmlns:r="http://schemas.openxmlformats.org/officeDocument/2006/relationships" xmlns:p="http://schemas.openxmlformats.org/presentationml/2006/main">
   <p:cSld>
     <p:bg>
       <p:bgPr>
         <a:solidFill>
           <a:srgbClr val="FFFFFF"/>
         </a:solidFill>
+        <a:effectLst/>
       </p:bgPr>
     </p:bg>
     <p:spTree>
@@ -539,7 +550,9 @@
       <p:sp>
         <p:nvSpPr>
           <p:cNvPr id="2" name="Title Text"/>
-          <p:cNvSpPr txBox="1"/>
+          <p:cNvSpPr txBox="1">
+            <a:spLocks noGrp="1"/>
+          </p:cNvSpPr>
           <p:nvPr>
             <p:ph type="title"/>
           </p:nvPr>
@@ -557,7 +570,7 @@
           </a:ln>
           <a:extLst>
             <a:ext uri="{C572A759-6A51-4108-AA02-DFA0A04FC94B}">
-              <ma14:wrappingTextBoxFlag xmlns:ma14="http://schemas.microsoft.com/office/mac/drawingml/2011/main" val="1"/>
+              <ma14:wrappingTextBoxFlag xmlns:ma14="http://schemas.microsoft.com/office/mac/drawingml/2011/main" xmlns:a14="http://schemas.microsoft.com/office/drawing/2010/main" xmlns:m="http://schemas.openxmlformats.org/officeDocument/2006/math" xmlns="" val="1"/>
             </a:ext>
           </a:extLst>
         </p:spPr>
@@ -565,7 +578,6 @@
           <a:bodyPr lIns="45718" tIns="45718" rIns="45718" bIns="45718" anchor="ctr"/>
           <a:lstStyle/>
           <a:p>
-            <a:pPr/>
             <a:r>
               <a:t>Title Text</a:t>
             </a:r>
@@ -575,7 +587,9 @@
       <p:sp>
         <p:nvSpPr>
           <p:cNvPr id="3" name="Body Level One…"/>
-          <p:cNvSpPr txBox="1"/>
+          <p:cNvSpPr txBox="1">
+            <a:spLocks noGrp="1"/>
+          </p:cNvSpPr>
           <p:nvPr>
             <p:ph type="body" idx="1"/>
           </p:nvPr>
@@ -593,7 +607,7 @@
           </a:ln>
           <a:extLst>
             <a:ext uri="{C572A759-6A51-4108-AA02-DFA0A04FC94B}">
-              <ma14:wrappingTextBoxFlag xmlns:ma14="http://schemas.microsoft.com/office/mac/drawingml/2011/main" val="1"/>
+              <ma14:wrappingTextBoxFlag xmlns:ma14="http://schemas.microsoft.com/office/mac/drawingml/2011/main" xmlns:a14="http://schemas.microsoft.com/office/drawing/2010/main" xmlns:m="http://schemas.openxmlformats.org/officeDocument/2006/math" xmlns="" val="1"/>
             </a:ext>
           </a:extLst>
         </p:spPr>
@@ -601,7 +615,6 @@
           <a:bodyPr lIns="45718" tIns="45718" rIns="45718" bIns="45718"/>
           <a:lstStyle/>
           <a:p>
-            <a:pPr/>
             <a:r>
               <a:t>Body Level One</a:t>
             </a:r>
@@ -635,7 +648,9 @@
       <p:sp>
         <p:nvSpPr>
           <p:cNvPr id="4" name="Slide Number"/>
-          <p:cNvSpPr txBox="1"/>
+          <p:cNvSpPr txBox="1">
+            <a:spLocks noGrp="1"/>
+          </p:cNvSpPr>
           <p:nvPr>
             <p:ph type="sldNum" sz="quarter" idx="2"/>
           </p:nvPr>
@@ -667,8 +682,10 @@
             </a:lvl1pPr>
           </a:lstStyle>
           <a:p>
-            <a:pPr/>
-            <a:fld id="{86CB4B4D-7CA3-9044-876B-883B54F8677D}" type="slidenum"/>
+            <a:fld id="{86CB4B4D-7CA3-9044-876B-883B54F8677D}" type="slidenum">
+              <a:t>‹#›</a:t>
+            </a:fld>
+            <a:endParaRPr/>
           </a:p>
         </p:txBody>
       </p:sp>
@@ -676,9 +693,9 @@
   </p:cSld>
   <p:clrMap bg1="lt1" tx1="dk1" bg2="lt2" tx2="dk2" accent1="accent1" accent2="accent2" accent3="accent3" accent4="accent4" accent5="accent5" accent6="accent6" hlink="hlink" folHlink="folHlink"/>
   <p:sldLayoutIdLst>
-    <p:sldLayoutId id="2147483649" r:id="rId2"/>
+    <p:sldLayoutId id="2147483649" r:id="rId1"/>
   </p:sldLayoutIdLst>
-  <p:transition xmlns:p14="http://schemas.microsoft.com/office/powerpoint/2010/main" spd="med" advClick="1"/>
+  <p:transition spd="med"/>
   <p:txStyles>
     <p:titleStyle>
       <a:lvl1pPr marL="0" marR="0" indent="0" algn="l" defTabSz="914400" rtl="0" latinLnBrk="0">
@@ -696,7 +713,7 @@
         <a:buFontTx/>
         <a:buNone/>
         <a:tabLst/>
-        <a:defRPr b="0" baseline="0" cap="none" i="0" spc="0" strike="noStrike" sz="3600" u="none">
+        <a:defRPr sz="3600" b="0" i="0" u="none" strike="noStrike" cap="none" spc="0" baseline="0">
           <a:solidFill>
             <a:srgbClr val="232F3D"/>
           </a:solidFill>
@@ -722,7 +739,7 @@
         <a:buFontTx/>
         <a:buNone/>
         <a:tabLst/>
-        <a:defRPr b="0" baseline="0" cap="none" i="0" spc="0" strike="noStrike" sz="3600" u="none">
+        <a:defRPr sz="3600" b="0" i="0" u="none" strike="noStrike" cap="none" spc="0" baseline="0">
           <a:solidFill>
             <a:srgbClr val="232F3D"/>
           </a:solidFill>
@@ -748,7 +765,7 @@
         <a:buFontTx/>
         <a:buNone/>
         <a:tabLst/>
-        <a:defRPr b="0" baseline="0" cap="none" i="0" spc="0" strike="noStrike" sz="3600" u="none">
+        <a:defRPr sz="3600" b="0" i="0" u="none" strike="noStrike" cap="none" spc="0" baseline="0">
           <a:solidFill>
             <a:srgbClr val="232F3D"/>
           </a:solidFill>
@@ -774,7 +791,7 @@
         <a:buFontTx/>
         <a:buNone/>
         <a:tabLst/>
-        <a:defRPr b="0" baseline="0" cap="none" i="0" spc="0" strike="noStrike" sz="3600" u="none">
+        <a:defRPr sz="3600" b="0" i="0" u="none" strike="noStrike" cap="none" spc="0" baseline="0">
           <a:solidFill>
             <a:srgbClr val="232F3D"/>
           </a:solidFill>
@@ -800,7 +817,7 @@
         <a:buFontTx/>
         <a:buNone/>
         <a:tabLst/>
-        <a:defRPr b="0" baseline="0" cap="none" i="0" spc="0" strike="noStrike" sz="3600" u="none">
+        <a:defRPr sz="3600" b="0" i="0" u="none" strike="noStrike" cap="none" spc="0" baseline="0">
           <a:solidFill>
             <a:srgbClr val="232F3D"/>
           </a:solidFill>
@@ -826,7 +843,7 @@
         <a:buFontTx/>
         <a:buNone/>
         <a:tabLst/>
-        <a:defRPr b="0" baseline="0" cap="none" i="0" spc="0" strike="noStrike" sz="3600" u="none">
+        <a:defRPr sz="3600" b="0" i="0" u="none" strike="noStrike" cap="none" spc="0" baseline="0">
           <a:solidFill>
             <a:srgbClr val="232F3D"/>
           </a:solidFill>
@@ -852,7 +869,7 @@
         <a:buFontTx/>
         <a:buNone/>
         <a:tabLst/>
-        <a:defRPr b="0" baseline="0" cap="none" i="0" spc="0" strike="noStrike" sz="3600" u="none">
+        <a:defRPr sz="3600" b="0" i="0" u="none" strike="noStrike" cap="none" spc="0" baseline="0">
           <a:solidFill>
             <a:srgbClr val="232F3D"/>
           </a:solidFill>
@@ -878,7 +895,7 @@
         <a:buFontTx/>
         <a:buNone/>
         <a:tabLst/>
-        <a:defRPr b="0" baseline="0" cap="none" i="0" spc="0" strike="noStrike" sz="3600" u="none">
+        <a:defRPr sz="3600" b="0" i="0" u="none" strike="noStrike" cap="none" spc="0" baseline="0">
           <a:solidFill>
             <a:srgbClr val="232F3D"/>
           </a:solidFill>
@@ -904,7 +921,7 @@
         <a:buFontTx/>
         <a:buNone/>
         <a:tabLst/>
-        <a:defRPr b="0" baseline="0" cap="none" i="0" spc="0" strike="noStrike" sz="3600" u="none">
+        <a:defRPr sz="3600" b="0" i="0" u="none" strike="noStrike" cap="none" spc="0" baseline="0">
           <a:solidFill>
             <a:srgbClr val="232F3D"/>
           </a:solidFill>
@@ -932,7 +949,7 @@
         <a:buFont typeface="Arial"/>
         <a:buChar char="•"/>
         <a:tabLst/>
-        <a:defRPr b="0" baseline="0" cap="none" i="0" spc="0" strike="noStrike" sz="2400" u="none">
+        <a:defRPr sz="2400" b="0" i="0" u="none" strike="noStrike" cap="none" spc="0" baseline="0">
           <a:solidFill>
             <a:srgbClr val="232F3D"/>
           </a:solidFill>
@@ -958,7 +975,7 @@
         <a:buFont typeface="Arial"/>
         <a:buChar char="•"/>
         <a:tabLst/>
-        <a:defRPr b="0" baseline="0" cap="none" i="0" spc="0" strike="noStrike" sz="2400" u="none">
+        <a:defRPr sz="2400" b="0" i="0" u="none" strike="noStrike" cap="none" spc="0" baseline="0">
           <a:solidFill>
             <a:srgbClr val="232F3D"/>
           </a:solidFill>
@@ -984,7 +1001,7 @@
         <a:buFont typeface="Arial"/>
         <a:buChar char="•"/>
         <a:tabLst/>
-        <a:defRPr b="0" baseline="0" cap="none" i="0" spc="0" strike="noStrike" sz="2400" u="none">
+        <a:defRPr sz="2400" b="0" i="0" u="none" strike="noStrike" cap="none" spc="0" baseline="0">
           <a:solidFill>
             <a:srgbClr val="232F3D"/>
           </a:solidFill>
@@ -1010,7 +1027,7 @@
         <a:buFont typeface="Arial"/>
         <a:buChar char="•"/>
         <a:tabLst/>
-        <a:defRPr b="0" baseline="0" cap="none" i="0" spc="0" strike="noStrike" sz="2400" u="none">
+        <a:defRPr sz="2400" b="0" i="0" u="none" strike="noStrike" cap="none" spc="0" baseline="0">
           <a:solidFill>
             <a:srgbClr val="232F3D"/>
           </a:solidFill>
@@ -1036,7 +1053,7 @@
         <a:buFont typeface="Arial"/>
         <a:buChar char="•"/>
         <a:tabLst/>
-        <a:defRPr b="0" baseline="0" cap="none" i="0" spc="0" strike="noStrike" sz="2400" u="none">
+        <a:defRPr sz="2400" b="0" i="0" u="none" strike="noStrike" cap="none" spc="0" baseline="0">
           <a:solidFill>
             <a:srgbClr val="232F3D"/>
           </a:solidFill>
@@ -1062,7 +1079,7 @@
         <a:buFont typeface="Arial"/>
         <a:buChar char="•"/>
         <a:tabLst/>
-        <a:defRPr b="0" baseline="0" cap="none" i="0" spc="0" strike="noStrike" sz="2400" u="none">
+        <a:defRPr sz="2400" b="0" i="0" u="none" strike="noStrike" cap="none" spc="0" baseline="0">
           <a:solidFill>
             <a:srgbClr val="232F3D"/>
           </a:solidFill>
@@ -1088,7 +1105,7 @@
         <a:buFont typeface="Arial"/>
         <a:buChar char="•"/>
         <a:tabLst/>
-        <a:defRPr b="0" baseline="0" cap="none" i="0" spc="0" strike="noStrike" sz="2400" u="none">
+        <a:defRPr sz="2400" b="0" i="0" u="none" strike="noStrike" cap="none" spc="0" baseline="0">
           <a:solidFill>
             <a:srgbClr val="232F3D"/>
           </a:solidFill>
@@ -1114,7 +1131,7 @@
         <a:buFont typeface="Arial"/>
         <a:buChar char="•"/>
         <a:tabLst/>
-        <a:defRPr b="0" baseline="0" cap="none" i="0" spc="0" strike="noStrike" sz="2400" u="none">
+        <a:defRPr sz="2400" b="0" i="0" u="none" strike="noStrike" cap="none" spc="0" baseline="0">
           <a:solidFill>
             <a:srgbClr val="232F3D"/>
           </a:solidFill>
@@ -1140,7 +1157,7 @@
         <a:buFont typeface="Arial"/>
         <a:buChar char="•"/>
         <a:tabLst/>
-        <a:defRPr b="0" baseline="0" cap="none" i="0" spc="0" strike="noStrike" sz="2400" u="none">
+        <a:defRPr sz="2400" b="0" i="0" u="none" strike="noStrike" cap="none" spc="0" baseline="0">
           <a:solidFill>
             <a:srgbClr val="232F3D"/>
           </a:solidFill>
@@ -1168,7 +1185,7 @@
         <a:buFontTx/>
         <a:buNone/>
         <a:tabLst/>
-        <a:defRPr b="0" baseline="0" cap="none" i="0" spc="0" strike="noStrike" sz="1200" u="none">
+        <a:defRPr sz="1200" b="0" i="0" u="none" strike="noStrike" cap="none" spc="0" baseline="0">
           <a:solidFill>
             <a:schemeClr val="tx1"/>
           </a:solidFill>
@@ -1194,7 +1211,7 @@
         <a:buFontTx/>
         <a:buNone/>
         <a:tabLst/>
-        <a:defRPr b="0" baseline="0" cap="none" i="0" spc="0" strike="noStrike" sz="1200" u="none">
+        <a:defRPr sz="1200" b="0" i="0" u="none" strike="noStrike" cap="none" spc="0" baseline="0">
           <a:solidFill>
             <a:schemeClr val="tx1"/>
           </a:solidFill>
@@ -1220,7 +1237,7 @@
         <a:buFontTx/>
         <a:buNone/>
         <a:tabLst/>
-        <a:defRPr b="0" baseline="0" cap="none" i="0" spc="0" strike="noStrike" sz="1200" u="none">
+        <a:defRPr sz="1200" b="0" i="0" u="none" strike="noStrike" cap="none" spc="0" baseline="0">
           <a:solidFill>
             <a:schemeClr val="tx1"/>
           </a:solidFill>
@@ -1246,7 +1263,7 @@
         <a:buFontTx/>
         <a:buNone/>
         <a:tabLst/>
-        <a:defRPr b="0" baseline="0" cap="none" i="0" spc="0" strike="noStrike" sz="1200" u="none">
+        <a:defRPr sz="1200" b="0" i="0" u="none" strike="noStrike" cap="none" spc="0" baseline="0">
           <a:solidFill>
             <a:schemeClr val="tx1"/>
           </a:solidFill>
@@ -1272,7 +1289,7 @@
         <a:buFontTx/>
         <a:buNone/>
         <a:tabLst/>
-        <a:defRPr b="0" baseline="0" cap="none" i="0" spc="0" strike="noStrike" sz="1200" u="none">
+        <a:defRPr sz="1200" b="0" i="0" u="none" strike="noStrike" cap="none" spc="0" baseline="0">
           <a:solidFill>
             <a:schemeClr val="tx1"/>
           </a:solidFill>
@@ -1298,7 +1315,7 @@
         <a:buFontTx/>
         <a:buNone/>
         <a:tabLst/>
-        <a:defRPr b="0" baseline="0" cap="none" i="0" spc="0" strike="noStrike" sz="1200" u="none">
+        <a:defRPr sz="1200" b="0" i="0" u="none" strike="noStrike" cap="none" spc="0" baseline="0">
           <a:solidFill>
             <a:schemeClr val="tx1"/>
           </a:solidFill>
@@ -1324,7 +1341,7 @@
         <a:buFontTx/>
         <a:buNone/>
         <a:tabLst/>
-        <a:defRPr b="0" baseline="0" cap="none" i="0" spc="0" strike="noStrike" sz="1200" u="none">
+        <a:defRPr sz="1200" b="0" i="0" u="none" strike="noStrike" cap="none" spc="0" baseline="0">
           <a:solidFill>
             <a:schemeClr val="tx1"/>
           </a:solidFill>
@@ -1350,7 +1367,7 @@
         <a:buFontTx/>
         <a:buNone/>
         <a:tabLst/>
-        <a:defRPr b="0" baseline="0" cap="none" i="0" spc="0" strike="noStrike" sz="1200" u="none">
+        <a:defRPr sz="1200" b="0" i="0" u="none" strike="noStrike" cap="none" spc="0" baseline="0">
           <a:solidFill>
             <a:schemeClr val="tx1"/>
           </a:solidFill>
@@ -1376,7 +1393,7 @@
         <a:buFontTx/>
         <a:buNone/>
         <a:tabLst/>
-        <a:defRPr b="0" baseline="0" cap="none" i="0" spc="0" strike="noStrike" sz="1200" u="none">
+        <a:defRPr sz="1200" b="0" i="0" u="none" strike="noStrike" cap="none" spc="0" baseline="0">
           <a:solidFill>
             <a:schemeClr val="tx1"/>
           </a:solidFill>
@@ -1393,7 +1410,7 @@
 </file>
 
 <file path=ppt/slides/slide1.xml><?xml version="1.0" encoding="utf-8"?>
-<p:sld xmlns:a="http://schemas.openxmlformats.org/drawingml/2006/main" xmlns:r="http://schemas.openxmlformats.org/officeDocument/2006/relationships" xmlns:p="http://schemas.openxmlformats.org/presentationml/2006/main" xmlns:m="http://schemas.openxmlformats.org/officeDocument/2006/math" xmlns:a14="http://schemas.microsoft.com/office/drawing/2010/main" showMasterSp="1" showMasterPhAnim="1">
+<p:sld xmlns:a="http://schemas.openxmlformats.org/drawingml/2006/main" xmlns:r="http://schemas.openxmlformats.org/officeDocument/2006/relationships" xmlns:p="http://schemas.openxmlformats.org/presentationml/2006/main">
   <p:cSld>
     <p:spTree>
       <p:nvGrpSpPr>
@@ -1428,7 +1445,7 @@
           </a:ln>
           <a:extLst>
             <a:ext uri="{C572A759-6A51-4108-AA02-DFA0A04FC94B}">
-              <ma14:wrappingTextBoxFlag xmlns:ma14="http://schemas.microsoft.com/office/mac/drawingml/2011/main" val="1"/>
+              <ma14:wrappingTextBoxFlag xmlns:ma14="http://schemas.microsoft.com/office/mac/drawingml/2011/main" xmlns:a14="http://schemas.microsoft.com/office/drawing/2010/main" xmlns:m="http://schemas.openxmlformats.org/officeDocument/2006/math" xmlns="" val="1"/>
             </a:ext>
           </a:extLst>
         </p:spPr>
@@ -1450,7 +1467,6 @@
             </a:lvl1pPr>
           </a:lstStyle>
           <a:p>
-            <a:pPr/>
             <a:r>
               <a:t>Public subnet</a:t>
             </a:r>
@@ -1465,10 +1481,10 @@
         </p:nvGrpSpPr>
         <p:grpSpPr>
           <a:xfrm>
-            <a:off x="898440" y="584739"/>
-            <a:ext cx="10061170" cy="5296214"/>
-            <a:chOff x="0" y="0"/>
-            <a:chExt cx="10061168" cy="5296213"/>
+            <a:off x="1057504" y="655984"/>
+            <a:ext cx="10061172" cy="5296215"/>
+            <a:chOff x="69850" y="65394"/>
+            <a:chExt cx="10061170" cy="5296214"/>
           </a:xfrm>
         </p:grpSpPr>
         <p:sp>
@@ -1479,7 +1495,7 @@
           </p:nvSpPr>
           <p:spPr>
             <a:xfrm>
-              <a:off x="-1" y="-1"/>
+              <a:off x="69850" y="65394"/>
               <a:ext cx="10061170" cy="5296214"/>
             </a:xfrm>
             <a:prstGeom prst="rect">
@@ -1512,6 +1528,7 @@
                   <a:sym typeface="Arial"/>
                 </a:defRPr>
               </a:pPr>
+              <a:endParaRPr/>
             </a:p>
           </p:txBody>
         </p:sp>
@@ -1537,7 +1554,7 @@
             <a:effectLst/>
             <a:extLst>
               <a:ext uri="{C572A759-6A51-4108-AA02-DFA0A04FC94B}">
-                <ma14:wrappingTextBoxFlag xmlns:ma14="http://schemas.microsoft.com/office/mac/drawingml/2011/main" val="1"/>
+                <ma14:wrappingTextBoxFlag xmlns:ma14="http://schemas.microsoft.com/office/mac/drawingml/2011/main" xmlns:a14="http://schemas.microsoft.com/office/drawing/2010/main" xmlns:m="http://schemas.openxmlformats.org/officeDocument/2006/math" xmlns="" val="1"/>
               </a:ext>
             </a:extLst>
           </p:spPr>
@@ -1559,8 +1576,8 @@
               </a:lvl1pPr>
             </a:lstStyle>
             <a:p>
-              <a:pPr/>
               <a:r>
+                <a:rPr dirty="0"/>
                 <a:t>VPC</a:t>
               </a:r>
             </a:p>
@@ -1622,6 +1639,7 @@
                   <a:sym typeface="Arial"/>
                 </a:defRPr>
               </a:pPr>
+              <a:endParaRPr/>
             </a:p>
           </p:txBody>
         </p:sp>
@@ -1656,7 +1674,7 @@
               </a:cxnLst>
               <a:rect l="0" t="0" r="r" b="b"/>
               <a:pathLst>
-                <a:path w="21600" h="0" fill="norm" stroke="1" extrusionOk="0">
+                <a:path w="21600" extrusionOk="0">
                   <a:moveTo>
                     <a:pt x="0" y="0"/>
                   </a:moveTo>
@@ -1681,7 +1699,7 @@
             <a:effectLst/>
             <a:extLst>
               <a:ext uri="{C572A759-6A51-4108-AA02-DFA0A04FC94B}">
-                <ma14:wrappingTextBoxFlag xmlns:ma14="http://schemas.microsoft.com/office/mac/drawingml/2011/main" val="1"/>
+                <ma14:wrappingTextBoxFlag xmlns:ma14="http://schemas.microsoft.com/office/mac/drawingml/2011/main" xmlns:a14="http://schemas.microsoft.com/office/drawing/2010/main" xmlns:m="http://schemas.openxmlformats.org/officeDocument/2006/math" xmlns="" val="1"/>
               </a:ext>
             </a:extLst>
           </p:spPr>
@@ -1703,8 +1721,8 @@
               </a:lvl1pPr>
             </a:lstStyle>
             <a:p>
-              <a:pPr/>
               <a:r>
+                <a:rPr dirty="0"/>
                 <a:t>AWS Cloud</a:t>
               </a:r>
             </a:p>
@@ -1766,6 +1784,7 @@
                   <a:sym typeface="Arial"/>
                 </a:defRPr>
               </a:pPr>
+              <a:endParaRPr/>
             </a:p>
           </p:txBody>
         </p:sp>
@@ -1800,7 +1819,7 @@
               </a:cxnLst>
               <a:rect l="0" t="0" r="r" b="b"/>
               <a:pathLst>
-                <a:path w="21600" h="0" fill="norm" stroke="1" extrusionOk="0">
+                <a:path w="21600" extrusionOk="0">
                   <a:moveTo>
                     <a:pt x="0" y="0"/>
                   </a:moveTo>
@@ -1825,7 +1844,7 @@
             <a:effectLst/>
             <a:extLst>
               <a:ext uri="{C572A759-6A51-4108-AA02-DFA0A04FC94B}">
-                <ma14:wrappingTextBoxFlag xmlns:ma14="http://schemas.microsoft.com/office/mac/drawingml/2011/main" val="1"/>
+                <ma14:wrappingTextBoxFlag xmlns:ma14="http://schemas.microsoft.com/office/mac/drawingml/2011/main" xmlns:a14="http://schemas.microsoft.com/office/drawing/2010/main" xmlns:m="http://schemas.openxmlformats.org/officeDocument/2006/math" xmlns="" val="1"/>
               </a:ext>
             </a:extLst>
           </p:spPr>
@@ -1847,7 +1866,6 @@
               </a:lvl1pPr>
             </a:lstStyle>
             <a:p>
-              <a:pPr/>
               <a:r>
                 <a:t>Availability Zone 1</a:t>
               </a:r>
@@ -1857,35 +1875,6 @@
       </p:grpSp>
       <p:pic>
         <p:nvPicPr>
-          <p:cNvPr id="30" name="Graphic 61" descr="Graphic 61"/>
-          <p:cNvPicPr>
-            <a:picLocks noChangeAspect="1"/>
-          </p:cNvPicPr>
-          <p:nvPr/>
-        </p:nvPicPr>
-        <p:blipFill>
-          <a:blip r:embed="rId2">
-            <a:extLst/>
-          </a:blip>
-          <a:stretch>
-            <a:fillRect/>
-          </a:stretch>
-        </p:blipFill>
-        <p:spPr>
-          <a:xfrm>
-            <a:off x="698343" y="267743"/>
-            <a:ext cx="330204" cy="330204"/>
-          </a:xfrm>
-          <a:prstGeom prst="rect">
-            <a:avLst/>
-          </a:prstGeom>
-          <a:ln w="12700">
-            <a:miter lim="400000"/>
-          </a:ln>
-        </p:spPr>
-      </p:pic>
-      <p:pic>
-        <p:nvPicPr>
           <p:cNvPr id="31" name="Graphic 63" descr="Graphic 63"/>
           <p:cNvPicPr>
             <a:picLocks noChangeAspect="1"/>
@@ -1893,9 +1882,7 @@
           <p:nvPr/>
         </p:nvPicPr>
         <p:blipFill>
-          <a:blip r:embed="rId3">
-            <a:extLst/>
-          </a:blip>
+          <a:blip r:embed="rId2"/>
           <a:stretch>
             <a:fillRect/>
           </a:stretch>
@@ -1932,7 +1919,7 @@
           </a:ln>
           <a:extLst>
             <a:ext uri="{C572A759-6A51-4108-AA02-DFA0A04FC94B}">
-              <ma14:wrappingTextBoxFlag xmlns:ma14="http://schemas.microsoft.com/office/mac/drawingml/2011/main" val="1"/>
+              <ma14:wrappingTextBoxFlag xmlns:ma14="http://schemas.microsoft.com/office/mac/drawingml/2011/main" xmlns:a14="http://schemas.microsoft.com/office/drawing/2010/main" xmlns:m="http://schemas.openxmlformats.org/officeDocument/2006/math" xmlns="" val="1"/>
             </a:ext>
           </a:extLst>
         </p:spPr>
@@ -1951,7 +1938,6 @@
             </a:lvl1pPr>
           </a:lstStyle>
           <a:p>
-            <a:pPr/>
             <a:r>
               <a:t>NAT gateway</a:t>
             </a:r>
@@ -1967,9 +1953,7 @@
           <p:nvPr/>
         </p:nvPicPr>
         <p:blipFill>
-          <a:blip r:embed="rId4">
-            <a:extLst/>
-          </a:blip>
+          <a:blip r:embed="rId3"/>
           <a:stretch>
             <a:fillRect/>
           </a:stretch>
@@ -2042,6 +2026,7 @@
                   <a:sym typeface="Arial"/>
                 </a:defRPr>
               </a:pPr>
+              <a:endParaRPr/>
             </a:p>
           </p:txBody>
         </p:sp>
@@ -2067,7 +2052,7 @@
             <a:effectLst/>
             <a:extLst>
               <a:ext uri="{C572A759-6A51-4108-AA02-DFA0A04FC94B}">
-                <ma14:wrappingTextBoxFlag xmlns:ma14="http://schemas.microsoft.com/office/mac/drawingml/2011/main" val="1"/>
+                <ma14:wrappingTextBoxFlag xmlns:ma14="http://schemas.microsoft.com/office/mac/drawingml/2011/main" xmlns:a14="http://schemas.microsoft.com/office/drawing/2010/main" xmlns:m="http://schemas.openxmlformats.org/officeDocument/2006/math" xmlns="" val="1"/>
               </a:ext>
             </a:extLst>
           </p:spPr>
@@ -2089,7 +2074,6 @@
               </a:lvl1pPr>
             </a:lstStyle>
             <a:p>
-              <a:pPr/>
               <a:r>
                 <a:t>Availability Zone 3</a:t>
               </a:r>
@@ -2116,7 +2100,7 @@
           </a:ln>
           <a:extLst>
             <a:ext uri="{C572A759-6A51-4108-AA02-DFA0A04FC94B}">
-              <ma14:wrappingTextBoxFlag xmlns:ma14="http://schemas.microsoft.com/office/mac/drawingml/2011/main" val="1"/>
+              <ma14:wrappingTextBoxFlag xmlns:ma14="http://schemas.microsoft.com/office/mac/drawingml/2011/main" xmlns:a14="http://schemas.microsoft.com/office/drawing/2010/main" xmlns:m="http://schemas.openxmlformats.org/officeDocument/2006/math" xmlns="" val="1"/>
             </a:ext>
           </a:extLst>
         </p:spPr>
@@ -2135,7 +2119,6 @@
             </a:lvl1pPr>
           </a:lstStyle>
           <a:p>
-            <a:pPr/>
             <a:r>
               <a:t>NAT gateway</a:t>
             </a:r>
@@ -2151,9 +2134,7 @@
           <p:nvPr/>
         </p:nvPicPr>
         <p:blipFill>
-          <a:blip r:embed="rId4">
-            <a:extLst/>
-          </a:blip>
+          <a:blip r:embed="rId3"/>
           <a:stretch>
             <a:fillRect/>
           </a:stretch>
@@ -2211,6 +2192,7 @@
                 <a:sym typeface="Arial"/>
               </a:defRPr>
             </a:pPr>
+            <a:endParaRPr/>
           </a:p>
         </p:txBody>
       </p:sp>
@@ -2223,9 +2205,7 @@
           <p:nvPr/>
         </p:nvPicPr>
         <p:blipFill>
-          <a:blip r:embed="rId5">
-            <a:extLst/>
-          </a:blip>
+          <a:blip r:embed="rId4"/>
           <a:stretch>
             <a:fillRect/>
           </a:stretch>
@@ -2262,7 +2242,7 @@
           </a:ln>
           <a:extLst>
             <a:ext uri="{C572A759-6A51-4108-AA02-DFA0A04FC94B}">
-              <ma14:wrappingTextBoxFlag xmlns:ma14="http://schemas.microsoft.com/office/mac/drawingml/2011/main" val="1"/>
+              <ma14:wrappingTextBoxFlag xmlns:ma14="http://schemas.microsoft.com/office/mac/drawingml/2011/main" xmlns:a14="http://schemas.microsoft.com/office/drawing/2010/main" xmlns:m="http://schemas.openxmlformats.org/officeDocument/2006/math" xmlns="" val="1"/>
             </a:ext>
           </a:extLst>
         </p:spPr>
@@ -2283,6 +2263,7 @@
                 <a:sym typeface="Arial"/>
               </a:defRPr>
             </a:pPr>
+            <a:endParaRPr/>
           </a:p>
           <a:p>
             <a:pPr algn="ctr">
@@ -2314,9 +2295,7 @@
           <p:nvPr/>
         </p:nvPicPr>
         <p:blipFill>
-          <a:blip r:embed="rId6">
-            <a:extLst/>
-          </a:blip>
+          <a:blip r:embed="rId5"/>
           <a:stretch>
             <a:fillRect/>
           </a:stretch>
@@ -2343,9 +2322,7 @@
           <p:nvPr/>
         </p:nvPicPr>
         <p:blipFill>
-          <a:blip r:embed="rId6">
-            <a:extLst/>
-          </a:blip>
+          <a:blip r:embed="rId5"/>
           <a:stretch>
             <a:fillRect/>
           </a:stretch>
@@ -2382,7 +2359,7 @@
           </a:ln>
           <a:extLst>
             <a:ext uri="{C572A759-6A51-4108-AA02-DFA0A04FC94B}">
-              <ma14:wrappingTextBoxFlag xmlns:ma14="http://schemas.microsoft.com/office/mac/drawingml/2011/main" val="1"/>
+              <ma14:wrappingTextBoxFlag xmlns:ma14="http://schemas.microsoft.com/office/mac/drawingml/2011/main" xmlns:a14="http://schemas.microsoft.com/office/drawing/2010/main" xmlns:m="http://schemas.openxmlformats.org/officeDocument/2006/math" xmlns="" val="1"/>
             </a:ext>
           </a:extLst>
         </p:spPr>
@@ -2401,7 +2378,6 @@
             </a:lvl1pPr>
           </a:lstStyle>
           <a:p>
-            <a:pPr/>
             <a:r>
               <a:t>172.31.16.0/20</a:t>
             </a:r>
@@ -2427,7 +2403,7 @@
           </a:ln>
           <a:extLst>
             <a:ext uri="{C572A759-6A51-4108-AA02-DFA0A04FC94B}">
-              <ma14:wrappingTextBoxFlag xmlns:ma14="http://schemas.microsoft.com/office/mac/drawingml/2011/main" val="1"/>
+              <ma14:wrappingTextBoxFlag xmlns:ma14="http://schemas.microsoft.com/office/mac/drawingml/2011/main" xmlns:a14="http://schemas.microsoft.com/office/drawing/2010/main" xmlns:m="http://schemas.openxmlformats.org/officeDocument/2006/math" xmlns="" val="1"/>
             </a:ext>
           </a:extLst>
         </p:spPr>
@@ -2446,7 +2422,6 @@
             </a:lvl1pPr>
           </a:lstStyle>
           <a:p>
-            <a:pPr/>
             <a:r>
               <a:t>172.31.0.0/20</a:t>
             </a:r>
@@ -2508,6 +2483,7 @@
                   <a:sym typeface="Arial"/>
                 </a:defRPr>
               </a:pPr>
+              <a:endParaRPr/>
             </a:p>
           </p:txBody>
         </p:sp>
@@ -2533,7 +2509,7 @@
             <a:effectLst/>
             <a:extLst>
               <a:ext uri="{C572A759-6A51-4108-AA02-DFA0A04FC94B}">
-                <ma14:wrappingTextBoxFlag xmlns:ma14="http://schemas.microsoft.com/office/mac/drawingml/2011/main" val="1"/>
+                <ma14:wrappingTextBoxFlag xmlns:ma14="http://schemas.microsoft.com/office/mac/drawingml/2011/main" xmlns:a14="http://schemas.microsoft.com/office/drawing/2010/main" xmlns:m="http://schemas.openxmlformats.org/officeDocument/2006/math" xmlns="" val="1"/>
               </a:ext>
             </a:extLst>
           </p:spPr>
@@ -2555,7 +2531,6 @@
               </a:lvl1pPr>
             </a:lstStyle>
             <a:p>
-              <a:pPr/>
               <a:r>
                 <a:t>Availability Zone 2</a:t>
               </a:r>
@@ -2619,6 +2594,7 @@
                   <a:sym typeface="Arial"/>
                 </a:defRPr>
               </a:pPr>
+              <a:endParaRPr/>
             </a:p>
           </p:txBody>
         </p:sp>
@@ -2664,6 +2640,7 @@
                   <a:sym typeface="Arial"/>
                 </a:defRPr>
               </a:pPr>
+              <a:endParaRPr/>
             </a:p>
           </p:txBody>
         </p:sp>
@@ -2709,6 +2686,7 @@
                   <a:sym typeface="Arial"/>
                 </a:defRPr>
               </a:pPr>
+              <a:endParaRPr/>
             </a:p>
           </p:txBody>
         </p:sp>
@@ -2722,9 +2700,7 @@
           <p:nvPr/>
         </p:nvPicPr>
         <p:blipFill>
-          <a:blip r:embed="rId3">
-            <a:extLst/>
-          </a:blip>
+          <a:blip r:embed="rId2"/>
           <a:stretch>
             <a:fillRect/>
           </a:stretch>
@@ -2751,9 +2727,7 @@
           <p:nvPr/>
         </p:nvPicPr>
         <p:blipFill>
-          <a:blip r:embed="rId3">
-            <a:extLst/>
-          </a:blip>
+          <a:blip r:embed="rId2"/>
           <a:stretch>
             <a:fillRect/>
           </a:stretch>
@@ -2790,7 +2764,7 @@
           </a:ln>
           <a:extLst>
             <a:ext uri="{C572A759-6A51-4108-AA02-DFA0A04FC94B}">
-              <ma14:wrappingTextBoxFlag xmlns:ma14="http://schemas.microsoft.com/office/mac/drawingml/2011/main" val="1"/>
+              <ma14:wrappingTextBoxFlag xmlns:ma14="http://schemas.microsoft.com/office/mac/drawingml/2011/main" xmlns:a14="http://schemas.microsoft.com/office/drawing/2010/main" xmlns:m="http://schemas.openxmlformats.org/officeDocument/2006/math" xmlns="" val="1"/>
             </a:ext>
           </a:extLst>
         </p:spPr>
@@ -2812,7 +2786,6 @@
             </a:lvl1pPr>
           </a:lstStyle>
           <a:p>
-            <a:pPr/>
             <a:r>
               <a:t>Public subnet</a:t>
             </a:r>
@@ -2838,7 +2811,7 @@
           </a:ln>
           <a:extLst>
             <a:ext uri="{C572A759-6A51-4108-AA02-DFA0A04FC94B}">
-              <ma14:wrappingTextBoxFlag xmlns:ma14="http://schemas.microsoft.com/office/mac/drawingml/2011/main" val="1"/>
+              <ma14:wrappingTextBoxFlag xmlns:ma14="http://schemas.microsoft.com/office/mac/drawingml/2011/main" xmlns:a14="http://schemas.microsoft.com/office/drawing/2010/main" xmlns:m="http://schemas.openxmlformats.org/officeDocument/2006/math" xmlns="" val="1"/>
             </a:ext>
           </a:extLst>
         </p:spPr>
@@ -2860,7 +2833,6 @@
             </a:lvl1pPr>
           </a:lstStyle>
           <a:p>
-            <a:pPr/>
             <a:r>
               <a:t>Public subnet</a:t>
             </a:r>
@@ -2876,9 +2848,7 @@
           <p:nvPr/>
         </p:nvPicPr>
         <p:blipFill>
-          <a:blip r:embed="rId4">
-            <a:extLst/>
-          </a:blip>
+          <a:blip r:embed="rId3"/>
           <a:stretch>
             <a:fillRect/>
           </a:stretch>
@@ -2915,7 +2885,7 @@
           </a:ln>
           <a:extLst>
             <a:ext uri="{C572A759-6A51-4108-AA02-DFA0A04FC94B}">
-              <ma14:wrappingTextBoxFlag xmlns:ma14="http://schemas.microsoft.com/office/mac/drawingml/2011/main" val="1"/>
+              <ma14:wrappingTextBoxFlag xmlns:ma14="http://schemas.microsoft.com/office/mac/drawingml/2011/main" xmlns:a14="http://schemas.microsoft.com/office/drawing/2010/main" xmlns:m="http://schemas.openxmlformats.org/officeDocument/2006/math" xmlns="" val="1"/>
             </a:ext>
           </a:extLst>
         </p:spPr>
@@ -2934,7 +2904,6 @@
             </a:lvl1pPr>
           </a:lstStyle>
           <a:p>
-            <a:pPr/>
             <a:r>
               <a:t>NAT gateway</a:t>
             </a:r>
@@ -2950,9 +2919,7 @@
           <p:nvPr/>
         </p:nvPicPr>
         <p:blipFill>
-          <a:blip r:embed="rId6">
-            <a:extLst/>
-          </a:blip>
+          <a:blip r:embed="rId5"/>
           <a:stretch>
             <a:fillRect/>
           </a:stretch>
@@ -2989,7 +2956,7 @@
           </a:ln>
           <a:extLst>
             <a:ext uri="{C572A759-6A51-4108-AA02-DFA0A04FC94B}">
-              <ma14:wrappingTextBoxFlag xmlns:ma14="http://schemas.microsoft.com/office/mac/drawingml/2011/main" val="1"/>
+              <ma14:wrappingTextBoxFlag xmlns:ma14="http://schemas.microsoft.com/office/mac/drawingml/2011/main" xmlns:a14="http://schemas.microsoft.com/office/drawing/2010/main" xmlns:m="http://schemas.openxmlformats.org/officeDocument/2006/math" xmlns="" val="1"/>
             </a:ext>
           </a:extLst>
         </p:spPr>
@@ -3008,24 +2975,4989 @@
             </a:lvl1pPr>
           </a:lstStyle>
           <a:p>
-            <a:pPr/>
             <a:r>
               <a:t>172.31.32.0/20</a:t>
             </a:r>
           </a:p>
         </p:txBody>
       </p:sp>
+      <p:pic>
+        <p:nvPicPr>
+          <p:cNvPr id="62" name="Graphic 61">
+            <a:extLst>
+              <a:ext uri="{FF2B5EF4-FFF2-40B4-BE49-F238E27FC236}">
+                <a16:creationId xmlns:a16="http://schemas.microsoft.com/office/drawing/2014/main" id="{270B4520-23B7-3F46-A160-60D82CE31B36}"/>
+              </a:ext>
+            </a:extLst>
+          </p:cNvPr>
+          <p:cNvPicPr>
+            <a:picLocks noChangeAspect="1"/>
+          </p:cNvPicPr>
+          <p:nvPr/>
+        </p:nvPicPr>
+        <p:blipFill>
+          <a:blip r:embed="rId6">
+            <a:extLst>
+              <a:ext uri="{96DAC541-7B7A-43D3-8B79-37D633B846F1}">
+                <asvg:svgBlip xmlns:asvg="http://schemas.microsoft.com/office/drawing/2016/SVG/main" r:embed="rId7"/>
+              </a:ext>
+            </a:extLst>
+          </a:blip>
+          <a:stretch>
+            <a:fillRect/>
+          </a:stretch>
+        </p:blipFill>
+        <p:spPr>
+          <a:xfrm>
+            <a:off x="1054295" y="664111"/>
+            <a:ext cx="381000" cy="381000"/>
+          </a:xfrm>
+          <a:prstGeom prst="rect">
+            <a:avLst/>
+          </a:prstGeom>
+        </p:spPr>
+      </p:pic>
+      <p:pic>
+        <p:nvPicPr>
+          <p:cNvPr id="63" name="Graphic 62">
+            <a:extLst>
+              <a:ext uri="{FF2B5EF4-FFF2-40B4-BE49-F238E27FC236}">
+                <a16:creationId xmlns:a16="http://schemas.microsoft.com/office/drawing/2014/main" id="{01022325-06B7-3348-816F-32920F5F8679}"/>
+              </a:ext>
+            </a:extLst>
+          </p:cNvPr>
+          <p:cNvPicPr>
+            <a:picLocks noChangeAspect="1"/>
+          </p:cNvPicPr>
+          <p:nvPr/>
+        </p:nvPicPr>
+        <p:blipFill>
+          <a:blip r:embed="rId8">
+            <a:extLst>
+              <a:ext uri="{96DAC541-7B7A-43D3-8B79-37D633B846F1}">
+                <asvg:svgBlip xmlns:asvg="http://schemas.microsoft.com/office/drawing/2016/SVG/main" r:embed="rId9"/>
+              </a:ext>
+            </a:extLst>
+          </a:blip>
+          <a:srcRect/>
+          <a:stretch/>
+        </p:blipFill>
+        <p:spPr>
+          <a:xfrm>
+            <a:off x="719540" y="264722"/>
+            <a:ext cx="381000" cy="381000"/>
+          </a:xfrm>
+          <a:prstGeom prst="rect">
+            <a:avLst/>
+          </a:prstGeom>
+        </p:spPr>
+      </p:pic>
     </p:spTree>
   </p:cSld>
   <p:clrMapOvr>
     <a:masterClrMapping/>
   </p:clrMapOvr>
-  <p:transition xmlns:p14="http://schemas.microsoft.com/office/powerpoint/2010/main" spd="med" advClick="1"/>
+  <p:transition spd="med"/>
+</p:sld>
+</file>
+
+<file path=ppt/slides/slide2.xml><?xml version="1.0" encoding="utf-8"?>
+<p:sld xmlns:a="http://schemas.openxmlformats.org/drawingml/2006/main" xmlns:r="http://schemas.openxmlformats.org/officeDocument/2006/relationships" xmlns:p="http://schemas.openxmlformats.org/presentationml/2006/main">
+  <p:cSld>
+    <p:spTree>
+      <p:nvGrpSpPr>
+        <p:cNvPr id="1" name=""/>
+        <p:cNvGrpSpPr/>
+        <p:nvPr/>
+      </p:nvGrpSpPr>
+      <p:grpSpPr>
+        <a:xfrm>
+          <a:off x="0" y="0"/>
+          <a:ext cx="0" cy="0"/>
+          <a:chOff x="0" y="0"/>
+          <a:chExt cx="0" cy="0"/>
+        </a:xfrm>
+      </p:grpSpPr>
+      <p:sp>
+        <p:nvSpPr>
+          <p:cNvPr id="103" name="Rectangle 102">
+            <a:extLst>
+              <a:ext uri="{FF2B5EF4-FFF2-40B4-BE49-F238E27FC236}">
+                <a16:creationId xmlns:a16="http://schemas.microsoft.com/office/drawing/2014/main" id="{DDB36582-E345-504B-96E1-6A1B7DD4504A}"/>
+              </a:ext>
+            </a:extLst>
+          </p:cNvPr>
+          <p:cNvSpPr/>
+          <p:nvPr/>
+        </p:nvSpPr>
+        <p:spPr>
+          <a:xfrm>
+            <a:off x="1072330" y="1422852"/>
+            <a:ext cx="720491" cy="748624"/>
+          </a:xfrm>
+          <a:prstGeom prst="rect">
+            <a:avLst/>
+          </a:prstGeom>
+          <a:solidFill>
+            <a:srgbClr val="5A6B86">
+              <a:alpha val="9804"/>
+            </a:srgbClr>
+          </a:solidFill>
+          <a:ln w="12700">
+            <a:noFill/>
+            <a:prstDash val="dash"/>
+          </a:ln>
+        </p:spPr>
+        <p:style>
+          <a:lnRef idx="2">
+            <a:schemeClr val="accent1">
+              <a:shade val="50000"/>
+            </a:schemeClr>
+          </a:lnRef>
+          <a:fillRef idx="1">
+            <a:schemeClr val="accent1"/>
+          </a:fillRef>
+          <a:effectRef idx="0">
+            <a:schemeClr val="accent1"/>
+          </a:effectRef>
+          <a:fontRef idx="minor">
+            <a:schemeClr val="lt1"/>
+          </a:fontRef>
+        </p:style>
+        <p:txBody>
+          <a:bodyPr tIns="91440" anchor="b"/>
+          <a:lstStyle/>
+          <a:p>
+            <a:pPr algn="ctr" eaLnBrk="1" fontAlgn="auto" hangingPunct="1">
+              <a:spcBef>
+                <a:spcPts val="0"/>
+              </a:spcBef>
+              <a:spcAft>
+                <a:spcPts val="0"/>
+              </a:spcAft>
+              <a:defRPr/>
+            </a:pPr>
+            <a:r>
+              <a:rPr lang="en-US" sz="1050" dirty="0">
+                <a:solidFill>
+                  <a:schemeClr val="tx1"/>
+                </a:solidFill>
+                <a:latin typeface="Calibri" panose="020F0502020204030204" pitchFamily="34" charset="0"/>
+                <a:cs typeface="Calibri" panose="020F0502020204030204" pitchFamily="34" charset="0"/>
+              </a:rPr>
+              <a:t>Bloom</a:t>
+            </a:r>
+            <a:endParaRPr lang="en-US" sz="1200" dirty="0">
+              <a:solidFill>
+                <a:schemeClr val="tx1"/>
+              </a:solidFill>
+              <a:latin typeface="Calibri" panose="020F0502020204030204" pitchFamily="34" charset="0"/>
+              <a:cs typeface="Calibri" panose="020F0502020204030204" pitchFamily="34" charset="0"/>
+            </a:endParaRPr>
+          </a:p>
+        </p:txBody>
+      </p:sp>
+      <p:sp>
+        <p:nvSpPr>
+          <p:cNvPr id="77" name="Rectangle 76">
+            <a:extLst>
+              <a:ext uri="{FF2B5EF4-FFF2-40B4-BE49-F238E27FC236}">
+                <a16:creationId xmlns:a16="http://schemas.microsoft.com/office/drawing/2014/main" id="{12AFF757-FF1D-F945-94A5-952EE51395C6}"/>
+              </a:ext>
+            </a:extLst>
+          </p:cNvPr>
+          <p:cNvSpPr/>
+          <p:nvPr/>
+        </p:nvSpPr>
+        <p:spPr>
+          <a:xfrm>
+            <a:off x="3731773" y="1730727"/>
+            <a:ext cx="1932547" cy="3763067"/>
+          </a:xfrm>
+          <a:prstGeom prst="rect">
+            <a:avLst/>
+          </a:prstGeom>
+          <a:solidFill>
+            <a:srgbClr val="1D8900">
+              <a:alpha val="9804"/>
+            </a:srgbClr>
+          </a:solidFill>
+          <a:ln w="12700">
+            <a:noFill/>
+            <a:prstDash val="dash"/>
+          </a:ln>
+        </p:spPr>
+        <p:style>
+          <a:lnRef idx="2">
+            <a:schemeClr val="accent1">
+              <a:shade val="50000"/>
+            </a:schemeClr>
+          </a:lnRef>
+          <a:fillRef idx="1">
+            <a:schemeClr val="accent1"/>
+          </a:fillRef>
+          <a:effectRef idx="0">
+            <a:schemeClr val="accent1"/>
+          </a:effectRef>
+          <a:fontRef idx="minor">
+            <a:schemeClr val="lt1"/>
+          </a:fontRef>
+        </p:style>
+        <p:txBody>
+          <a:bodyPr lIns="502920"/>
+          <a:lstStyle/>
+          <a:p>
+            <a:pPr eaLnBrk="1" fontAlgn="auto" hangingPunct="1">
+              <a:spcBef>
+                <a:spcPts val="0"/>
+              </a:spcBef>
+              <a:spcAft>
+                <a:spcPts val="0"/>
+              </a:spcAft>
+              <a:defRPr/>
+            </a:pPr>
+            <a:r>
+              <a:rPr lang="en-US" sz="1200" dirty="0">
+                <a:solidFill>
+                  <a:srgbClr val="1E8900"/>
+                </a:solidFill>
+                <a:latin typeface="Calibri" panose="020F0502020204030204" pitchFamily="34" charset="0"/>
+                <a:cs typeface="Calibri" panose="020F0502020204030204" pitchFamily="34" charset="0"/>
+              </a:rPr>
+              <a:t>Public subnet</a:t>
+            </a:r>
+          </a:p>
+        </p:txBody>
+      </p:sp>
+      <p:sp>
+        <p:nvSpPr>
+          <p:cNvPr id="79" name="Rectangle 78">
+            <a:extLst>
+              <a:ext uri="{FF2B5EF4-FFF2-40B4-BE49-F238E27FC236}">
+                <a16:creationId xmlns:a16="http://schemas.microsoft.com/office/drawing/2014/main" id="{90554ED7-2D69-FF4A-8886-64D2E684102F}"/>
+              </a:ext>
+            </a:extLst>
+          </p:cNvPr>
+          <p:cNvSpPr/>
+          <p:nvPr/>
+        </p:nvSpPr>
+        <p:spPr>
+          <a:xfrm>
+            <a:off x="6668384" y="1691431"/>
+            <a:ext cx="1932547" cy="3763067"/>
+          </a:xfrm>
+          <a:prstGeom prst="rect">
+            <a:avLst/>
+          </a:prstGeom>
+          <a:solidFill>
+            <a:srgbClr val="1D8900">
+              <a:alpha val="9804"/>
+            </a:srgbClr>
+          </a:solidFill>
+          <a:ln w="12700">
+            <a:noFill/>
+            <a:prstDash val="dash"/>
+          </a:ln>
+        </p:spPr>
+        <p:style>
+          <a:lnRef idx="2">
+            <a:schemeClr val="accent1">
+              <a:shade val="50000"/>
+            </a:schemeClr>
+          </a:lnRef>
+          <a:fillRef idx="1">
+            <a:schemeClr val="accent1"/>
+          </a:fillRef>
+          <a:effectRef idx="0">
+            <a:schemeClr val="accent1"/>
+          </a:effectRef>
+          <a:fontRef idx="minor">
+            <a:schemeClr val="lt1"/>
+          </a:fontRef>
+        </p:style>
+        <p:txBody>
+          <a:bodyPr lIns="502920"/>
+          <a:lstStyle/>
+          <a:p>
+            <a:pPr eaLnBrk="1" fontAlgn="auto" hangingPunct="1">
+              <a:spcBef>
+                <a:spcPts val="0"/>
+              </a:spcBef>
+              <a:spcAft>
+                <a:spcPts val="0"/>
+              </a:spcAft>
+              <a:defRPr/>
+            </a:pPr>
+            <a:r>
+              <a:rPr lang="en-US" sz="1200" dirty="0">
+                <a:solidFill>
+                  <a:srgbClr val="1E8900"/>
+                </a:solidFill>
+                <a:latin typeface="Calibri" panose="020F0502020204030204" pitchFamily="34" charset="0"/>
+                <a:cs typeface="Calibri" panose="020F0502020204030204" pitchFamily="34" charset="0"/>
+              </a:rPr>
+              <a:t>Public subnet</a:t>
+            </a:r>
+          </a:p>
+        </p:txBody>
+      </p:sp>
+      <p:grpSp>
+        <p:nvGrpSpPr>
+          <p:cNvPr id="23" name="Rectangle 56"/>
+          <p:cNvGrpSpPr/>
+          <p:nvPr/>
+        </p:nvGrpSpPr>
+        <p:grpSpPr>
+          <a:xfrm>
+            <a:off x="2870596" y="1560959"/>
+            <a:ext cx="8499368" cy="4419085"/>
+            <a:chOff x="1923512" y="49989"/>
+            <a:chExt cx="8207508" cy="5311619"/>
+          </a:xfrm>
+        </p:grpSpPr>
+        <p:sp>
+          <p:nvSpPr>
+            <p:cNvPr id="21" name="Rectangle"/>
+            <p:cNvSpPr/>
+            <p:nvPr/>
+          </p:nvSpPr>
+          <p:spPr>
+            <a:xfrm>
+              <a:off x="1923512" y="65394"/>
+              <a:ext cx="8207508" cy="5296214"/>
+            </a:xfrm>
+            <a:prstGeom prst="rect">
+              <a:avLst/>
+            </a:prstGeom>
+            <a:noFill/>
+            <a:ln w="12700" cap="flat">
+              <a:solidFill>
+                <a:srgbClr val="1E8900"/>
+              </a:solidFill>
+              <a:prstDash val="solid"/>
+              <a:miter lim="800000"/>
+            </a:ln>
+            <a:effectLst/>
+          </p:spPr>
+          <p:txBody>
+            <a:bodyPr wrap="square" lIns="45718" tIns="45718" rIns="45718" bIns="45718" numCol="1" anchor="t">
+              <a:noAutofit/>
+            </a:bodyPr>
+            <a:lstStyle/>
+            <a:p>
+              <a:pPr>
+                <a:defRPr>
+                  <a:solidFill>
+                    <a:srgbClr val="FAFAFA"/>
+                  </a:solidFill>
+                  <a:latin typeface="Arial"/>
+                  <a:ea typeface="Arial"/>
+                  <a:cs typeface="Arial"/>
+                  <a:sym typeface="Arial"/>
+                </a:defRPr>
+              </a:pPr>
+              <a:endParaRPr>
+                <a:latin typeface="Calibri" panose="020F0502020204030204" pitchFamily="34" charset="0"/>
+                <a:cs typeface="Calibri" panose="020F0502020204030204" pitchFamily="34" charset="0"/>
+              </a:endParaRPr>
+            </a:p>
+          </p:txBody>
+        </p:sp>
+        <p:sp>
+          <p:nvSpPr>
+            <p:cNvPr id="22" name="VPC"/>
+            <p:cNvSpPr txBox="1"/>
+            <p:nvPr/>
+          </p:nvSpPr>
+          <p:spPr>
+            <a:xfrm>
+              <a:off x="2325440" y="49989"/>
+              <a:ext cx="7805580" cy="332940"/>
+            </a:xfrm>
+            <a:prstGeom prst="rect">
+              <a:avLst/>
+            </a:prstGeom>
+            <a:noFill/>
+            <a:ln w="12700" cap="flat">
+              <a:noFill/>
+              <a:miter lim="400000"/>
+            </a:ln>
+            <a:effectLst/>
+            <a:extLst>
+              <a:ext uri="{C572A759-6A51-4108-AA02-DFA0A04FC94B}">
+                <ma14:wrappingTextBoxFlag xmlns="" xmlns:m="http://schemas.openxmlformats.org/officeDocument/2006/math" xmlns:a14="http://schemas.microsoft.com/office/drawing/2010/main" xmlns:ma14="http://schemas.microsoft.com/office/mac/drawingml/2011/main" val="1"/>
+              </a:ext>
+            </a:extLst>
+          </p:spPr>
+          <p:txBody>
+            <a:bodyPr wrap="square" lIns="45718" tIns="45718" rIns="45718" bIns="45718" numCol="1" anchor="t">
+              <a:spAutoFit/>
+            </a:bodyPr>
+            <a:lstStyle>
+              <a:lvl1pPr>
+                <a:defRPr sz="1200">
+                  <a:solidFill>
+                    <a:srgbClr val="1E8900"/>
+                  </a:solidFill>
+                  <a:latin typeface="Arial"/>
+                  <a:ea typeface="Arial"/>
+                  <a:cs typeface="Arial"/>
+                  <a:sym typeface="Arial"/>
+                </a:defRPr>
+              </a:lvl1pPr>
+            </a:lstStyle>
+            <a:p>
+              <a:r>
+                <a:rPr dirty="0">
+                  <a:latin typeface="Calibri" panose="020F0502020204030204" pitchFamily="34" charset="0"/>
+                  <a:cs typeface="Calibri" panose="020F0502020204030204" pitchFamily="34" charset="0"/>
+                </a:rPr>
+                <a:t>VPC</a:t>
+              </a:r>
+            </a:p>
+          </p:txBody>
+        </p:sp>
+      </p:grpSp>
+      <p:pic>
+        <p:nvPicPr>
+          <p:cNvPr id="62" name="Graphic 61">
+            <a:extLst>
+              <a:ext uri="{FF2B5EF4-FFF2-40B4-BE49-F238E27FC236}">
+                <a16:creationId xmlns:a16="http://schemas.microsoft.com/office/drawing/2014/main" id="{270B4520-23B7-3F46-A160-60D82CE31B36}"/>
+              </a:ext>
+            </a:extLst>
+          </p:cNvPr>
+          <p:cNvPicPr>
+            <a:picLocks noChangeAspect="1"/>
+          </p:cNvPicPr>
+          <p:nvPr/>
+        </p:nvPicPr>
+        <p:blipFill>
+          <a:blip r:embed="rId2">
+            <a:extLst>
+              <a:ext uri="{96DAC541-7B7A-43D3-8B79-37D633B846F1}">
+                <asvg:svgBlip xmlns:asvg="http://schemas.microsoft.com/office/drawing/2016/SVG/main" r:embed="rId3"/>
+              </a:ext>
+            </a:extLst>
+          </a:blip>
+          <a:stretch>
+            <a:fillRect/>
+          </a:stretch>
+        </p:blipFill>
+        <p:spPr>
+          <a:xfrm>
+            <a:off x="2881746" y="1571426"/>
+            <a:ext cx="381000" cy="381000"/>
+          </a:xfrm>
+          <a:prstGeom prst="rect">
+            <a:avLst/>
+          </a:prstGeom>
+        </p:spPr>
+      </p:pic>
+      <p:grpSp>
+        <p:nvGrpSpPr>
+          <p:cNvPr id="26" name="Rectangle 58"/>
+          <p:cNvGrpSpPr/>
+          <p:nvPr/>
+        </p:nvGrpSpPr>
+        <p:grpSpPr>
+          <a:xfrm>
+            <a:off x="2346036" y="323273"/>
+            <a:ext cx="9344600" cy="6299201"/>
+            <a:chOff x="0" y="0"/>
+            <a:chExt cx="10712289" cy="5870491"/>
+          </a:xfrm>
+        </p:grpSpPr>
+        <p:sp>
+          <p:nvSpPr>
+            <p:cNvPr id="24" name="Rectangle"/>
+            <p:cNvSpPr/>
+            <p:nvPr/>
+          </p:nvSpPr>
+          <p:spPr>
+            <a:xfrm>
+              <a:off x="0" y="0"/>
+              <a:ext cx="10548624" cy="5870491"/>
+            </a:xfrm>
+            <a:prstGeom prst="rect">
+              <a:avLst/>
+            </a:prstGeom>
+            <a:noFill/>
+            <a:ln w="12700" cap="flat">
+              <a:solidFill>
+                <a:srgbClr val="232F3D"/>
+              </a:solidFill>
+              <a:prstDash val="solid"/>
+              <a:miter lim="800000"/>
+            </a:ln>
+            <a:effectLst/>
+          </p:spPr>
+          <p:txBody>
+            <a:bodyPr wrap="square" lIns="45718" tIns="45718" rIns="45718" bIns="45718" numCol="1" anchor="t">
+              <a:noAutofit/>
+            </a:bodyPr>
+            <a:lstStyle/>
+            <a:p>
+              <a:pPr>
+                <a:defRPr>
+                  <a:solidFill>
+                    <a:srgbClr val="FAFAFA"/>
+                  </a:solidFill>
+                  <a:latin typeface="Arial"/>
+                  <a:ea typeface="Arial"/>
+                  <a:cs typeface="Arial"/>
+                  <a:sym typeface="Arial"/>
+                </a:defRPr>
+              </a:pPr>
+              <a:endParaRPr>
+                <a:latin typeface="Calibri" panose="020F0502020204030204" pitchFamily="34" charset="0"/>
+                <a:cs typeface="Calibri" panose="020F0502020204030204" pitchFamily="34" charset="0"/>
+              </a:endParaRPr>
+            </a:p>
+          </p:txBody>
+        </p:sp>
+        <p:sp>
+          <p:nvSpPr>
+            <p:cNvPr id="25" name="AWS Cloud"/>
+            <p:cNvSpPr/>
+            <p:nvPr/>
+          </p:nvSpPr>
+          <p:spPr>
+            <a:xfrm>
+              <a:off x="461689" y="47363"/>
+              <a:ext cx="10250600" cy="258143"/>
+            </a:xfrm>
+            <a:custGeom>
+              <a:avLst/>
+              <a:gdLst/>
+              <a:ahLst/>
+              <a:cxnLst>
+                <a:cxn ang="0">
+                  <a:pos x="wd2" y="hd2"/>
+                </a:cxn>
+                <a:cxn ang="5400000">
+                  <a:pos x="wd2" y="hd2"/>
+                </a:cxn>
+                <a:cxn ang="10800000">
+                  <a:pos x="wd2" y="hd2"/>
+                </a:cxn>
+                <a:cxn ang="16200000">
+                  <a:pos x="wd2" y="hd2"/>
+                </a:cxn>
+              </a:cxnLst>
+              <a:rect l="0" t="0" r="r" b="b"/>
+              <a:pathLst>
+                <a:path w="21600" extrusionOk="0">
+                  <a:moveTo>
+                    <a:pt x="0" y="0"/>
+                  </a:moveTo>
+                  <a:lnTo>
+                    <a:pt x="21600" y="0"/>
+                  </a:lnTo>
+                  <a:lnTo>
+                    <a:pt x="21600" y="0"/>
+                  </a:lnTo>
+                  <a:lnTo>
+                    <a:pt x="0" y="0"/>
+                  </a:lnTo>
+                  <a:close/>
+                </a:path>
+              </a:pathLst>
+            </a:custGeom>
+            <a:noFill/>
+            <a:ln w="12700" cap="flat">
+              <a:noFill/>
+              <a:miter lim="400000"/>
+            </a:ln>
+            <a:effectLst/>
+            <a:extLst>
+              <a:ext uri="{C572A759-6A51-4108-AA02-DFA0A04FC94B}">
+                <ma14:wrappingTextBoxFlag xmlns="" xmlns:m="http://schemas.openxmlformats.org/officeDocument/2006/math" xmlns:a14="http://schemas.microsoft.com/office/drawing/2010/main" xmlns:ma14="http://schemas.microsoft.com/office/mac/drawingml/2011/main" val="1"/>
+              </a:ext>
+            </a:extLst>
+          </p:spPr>
+          <p:txBody>
+            <a:bodyPr wrap="square" lIns="45718" tIns="45718" rIns="45718" bIns="45718" numCol="1" anchor="t">
+              <a:spAutoFit/>
+            </a:bodyPr>
+            <a:lstStyle>
+              <a:lvl1pPr>
+                <a:defRPr sz="1200">
+                  <a:solidFill>
+                    <a:srgbClr val="000000"/>
+                  </a:solidFill>
+                  <a:latin typeface="Arial"/>
+                  <a:ea typeface="Arial"/>
+                  <a:cs typeface="Arial"/>
+                  <a:sym typeface="Arial"/>
+                </a:defRPr>
+              </a:lvl1pPr>
+            </a:lstStyle>
+            <a:p>
+              <a:r>
+                <a:rPr dirty="0">
+                  <a:latin typeface="Calibri" panose="020F0502020204030204" pitchFamily="34" charset="0"/>
+                  <a:cs typeface="Calibri" panose="020F0502020204030204" pitchFamily="34" charset="0"/>
+                </a:rPr>
+                <a:t>AWS Cloud</a:t>
+              </a:r>
+            </a:p>
+          </p:txBody>
+        </p:sp>
+      </p:grpSp>
+      <p:sp>
+        <p:nvSpPr>
+          <p:cNvPr id="61" name="Rectangle 60">
+            <a:extLst>
+              <a:ext uri="{FF2B5EF4-FFF2-40B4-BE49-F238E27FC236}">
+                <a16:creationId xmlns:a16="http://schemas.microsoft.com/office/drawing/2014/main" id="{E751B44F-1ECC-F14A-BDD6-BBBA5AFC5272}"/>
+              </a:ext>
+            </a:extLst>
+          </p:cNvPr>
+          <p:cNvSpPr/>
+          <p:nvPr/>
+        </p:nvSpPr>
+        <p:spPr bwMode="auto">
+          <a:xfrm>
+            <a:off x="3659029" y="1107864"/>
+            <a:ext cx="2078037" cy="5292935"/>
+          </a:xfrm>
+          <a:prstGeom prst="rect">
+            <a:avLst/>
+          </a:prstGeom>
+          <a:noFill/>
+          <a:ln w="12700">
+            <a:solidFill>
+              <a:srgbClr val="5B9CD5"/>
+            </a:solidFill>
+            <a:prstDash val="dash"/>
+          </a:ln>
+        </p:spPr>
+        <p:style>
+          <a:lnRef idx="2">
+            <a:schemeClr val="accent1">
+              <a:shade val="50000"/>
+            </a:schemeClr>
+          </a:lnRef>
+          <a:fillRef idx="1">
+            <a:schemeClr val="accent1"/>
+          </a:fillRef>
+          <a:effectRef idx="0">
+            <a:schemeClr val="accent1"/>
+          </a:effectRef>
+          <a:fontRef idx="minor">
+            <a:schemeClr val="lt1"/>
+          </a:fontRef>
+        </p:style>
+        <p:txBody>
+          <a:bodyPr tIns="91440"/>
+          <a:lstStyle/>
+          <a:p>
+            <a:pPr algn="ctr" eaLnBrk="1" fontAlgn="auto" hangingPunct="1">
+              <a:spcBef>
+                <a:spcPts val="0"/>
+              </a:spcBef>
+              <a:spcAft>
+                <a:spcPts val="0"/>
+              </a:spcAft>
+              <a:defRPr/>
+            </a:pPr>
+            <a:r>
+              <a:rPr lang="en-US" sz="1200" dirty="0">
+                <a:solidFill>
+                  <a:srgbClr val="5B9CD5"/>
+                </a:solidFill>
+                <a:latin typeface="Calibri" panose="020F0502020204030204" pitchFamily="34" charset="0"/>
+                <a:cs typeface="Calibri" panose="020F0502020204030204" pitchFamily="34" charset="0"/>
+              </a:rPr>
+              <a:t>Availability Zone 1</a:t>
+            </a:r>
+          </a:p>
+        </p:txBody>
+      </p:sp>
+      <p:sp>
+        <p:nvSpPr>
+          <p:cNvPr id="64" name="Rectangle 63">
+            <a:extLst>
+              <a:ext uri="{FF2B5EF4-FFF2-40B4-BE49-F238E27FC236}">
+                <a16:creationId xmlns:a16="http://schemas.microsoft.com/office/drawing/2014/main" id="{9D049FB2-F698-AC43-A924-5382FB26677E}"/>
+              </a:ext>
+            </a:extLst>
+          </p:cNvPr>
+          <p:cNvSpPr/>
+          <p:nvPr/>
+        </p:nvSpPr>
+        <p:spPr bwMode="auto">
+          <a:xfrm>
+            <a:off x="6592725" y="1107865"/>
+            <a:ext cx="2087563" cy="5292934"/>
+          </a:xfrm>
+          <a:prstGeom prst="rect">
+            <a:avLst/>
+          </a:prstGeom>
+          <a:noFill/>
+          <a:ln w="12700">
+            <a:solidFill>
+              <a:srgbClr val="5B9CD5"/>
+            </a:solidFill>
+            <a:prstDash val="dash"/>
+          </a:ln>
+        </p:spPr>
+        <p:style>
+          <a:lnRef idx="2">
+            <a:schemeClr val="accent1">
+              <a:shade val="50000"/>
+            </a:schemeClr>
+          </a:lnRef>
+          <a:fillRef idx="1">
+            <a:schemeClr val="accent1"/>
+          </a:fillRef>
+          <a:effectRef idx="0">
+            <a:schemeClr val="accent1"/>
+          </a:effectRef>
+          <a:fontRef idx="minor">
+            <a:schemeClr val="lt1"/>
+          </a:fontRef>
+        </p:style>
+        <p:txBody>
+          <a:bodyPr tIns="91440"/>
+          <a:lstStyle/>
+          <a:p>
+            <a:pPr algn="ctr" eaLnBrk="1" fontAlgn="auto" hangingPunct="1">
+              <a:spcBef>
+                <a:spcPts val="0"/>
+              </a:spcBef>
+              <a:spcAft>
+                <a:spcPts val="0"/>
+              </a:spcAft>
+              <a:defRPr/>
+            </a:pPr>
+            <a:r>
+              <a:rPr lang="en-US" sz="1200" dirty="0">
+                <a:solidFill>
+                  <a:srgbClr val="5B9CD5"/>
+                </a:solidFill>
+                <a:latin typeface="Calibri" panose="020F0502020204030204" pitchFamily="34" charset="0"/>
+                <a:cs typeface="Calibri" panose="020F0502020204030204" pitchFamily="34" charset="0"/>
+              </a:rPr>
+              <a:t>Availability Zone 2</a:t>
+            </a:r>
+          </a:p>
+        </p:txBody>
+      </p:sp>
+      <p:pic>
+        <p:nvPicPr>
+          <p:cNvPr id="65" name="Graphic 13">
+            <a:extLst>
+              <a:ext uri="{FF2B5EF4-FFF2-40B4-BE49-F238E27FC236}">
+                <a16:creationId xmlns:a16="http://schemas.microsoft.com/office/drawing/2014/main" id="{C7715A95-FCB7-C941-A6C6-EF9246FCDBAF}"/>
+              </a:ext>
+            </a:extLst>
+          </p:cNvPr>
+          <p:cNvPicPr>
+            <a:picLocks noChangeAspect="1" noChangeArrowheads="1"/>
+          </p:cNvPicPr>
+          <p:nvPr/>
+        </p:nvPicPr>
+        <p:blipFill>
+          <a:blip r:embed="rId4">
+            <a:extLst>
+              <a:ext uri="{28A0092B-C50C-407E-A947-70E740481C1C}">
+                <a14:useLocalDpi xmlns:a14="http://schemas.microsoft.com/office/drawing/2010/main" val="0"/>
+              </a:ext>
+            </a:extLst>
+          </a:blip>
+          <a:srcRect/>
+          <a:stretch>
+            <a:fillRect/>
+          </a:stretch>
+        </p:blipFill>
+        <p:spPr bwMode="auto">
+          <a:xfrm>
+            <a:off x="4438464" y="2362575"/>
+            <a:ext cx="469900" cy="469900"/>
+          </a:xfrm>
+          <a:prstGeom prst="rect">
+            <a:avLst/>
+          </a:prstGeom>
+          <a:noFill/>
+          <a:ln>
+            <a:noFill/>
+          </a:ln>
+          <a:extLst>
+            <a:ext uri="{909E8E84-426E-40DD-AFC4-6F175D3DCCD1}">
+              <a14:hiddenFill xmlns:a14="http://schemas.microsoft.com/office/drawing/2010/main">
+                <a:solidFill>
+                  <a:srgbClr val="FFFFFF"/>
+                </a:solidFill>
+              </a14:hiddenFill>
+            </a:ext>
+            <a:ext uri="{91240B29-F687-4F45-9708-019B960494DF}">
+              <a14:hiddenLine xmlns:a14="http://schemas.microsoft.com/office/drawing/2010/main" w="9525">
+                <a:solidFill>
+                  <a:srgbClr val="000000"/>
+                </a:solidFill>
+                <a:miter lim="800000"/>
+                <a:headEnd/>
+                <a:tailEnd/>
+              </a14:hiddenLine>
+            </a:ext>
+          </a:extLst>
+        </p:spPr>
+      </p:pic>
+      <p:sp>
+        <p:nvSpPr>
+          <p:cNvPr id="66" name="TextBox 14">
+            <a:extLst>
+              <a:ext uri="{FF2B5EF4-FFF2-40B4-BE49-F238E27FC236}">
+                <a16:creationId xmlns:a16="http://schemas.microsoft.com/office/drawing/2014/main" id="{C10D3239-9520-1347-BEA1-009D66FDF485}"/>
+              </a:ext>
+            </a:extLst>
+          </p:cNvPr>
+          <p:cNvSpPr txBox="1">
+            <a:spLocks noChangeArrowheads="1"/>
+          </p:cNvSpPr>
+          <p:nvPr/>
+        </p:nvSpPr>
+        <p:spPr bwMode="auto">
+          <a:xfrm>
+            <a:off x="3690146" y="2884292"/>
+            <a:ext cx="1767152" cy="276999"/>
+          </a:xfrm>
+          <a:prstGeom prst="rect">
+            <a:avLst/>
+          </a:prstGeom>
+          <a:noFill/>
+          <a:ln>
+            <a:noFill/>
+          </a:ln>
+          <a:extLst>
+            <a:ext uri="{909E8E84-426E-40DD-AFC4-6F175D3DCCD1}">
+              <a14:hiddenFill xmlns:a14="http://schemas.microsoft.com/office/drawing/2010/main">
+                <a:solidFill>
+                  <a:srgbClr val="FFFFFF"/>
+                </a:solidFill>
+              </a14:hiddenFill>
+            </a:ext>
+            <a:ext uri="{91240B29-F687-4F45-9708-019B960494DF}">
+              <a14:hiddenLine xmlns:a14="http://schemas.microsoft.com/office/drawing/2010/main" w="9525">
+                <a:solidFill>
+                  <a:srgbClr val="000000"/>
+                </a:solidFill>
+                <a:miter lim="800000"/>
+                <a:headEnd/>
+                <a:tailEnd/>
+              </a14:hiddenLine>
+            </a:ext>
+          </a:extLst>
+        </p:spPr>
+        <p:txBody>
+          <a:bodyPr>
+            <a:spAutoFit/>
+          </a:bodyPr>
+          <a:lstStyle>
+            <a:lvl1pPr>
+              <a:defRPr>
+                <a:solidFill>
+                  <a:schemeClr val="tx1"/>
+                </a:solidFill>
+                <a:latin typeface="Calibri" panose="020F0502020204030204" pitchFamily="34" charset="0"/>
+              </a:defRPr>
+            </a:lvl1pPr>
+            <a:lvl2pPr marL="742950" indent="-285750">
+              <a:defRPr>
+                <a:solidFill>
+                  <a:schemeClr val="tx1"/>
+                </a:solidFill>
+                <a:latin typeface="Calibri" panose="020F0502020204030204" pitchFamily="34" charset="0"/>
+              </a:defRPr>
+            </a:lvl2pPr>
+            <a:lvl3pPr marL="1143000" indent="-228600">
+              <a:defRPr>
+                <a:solidFill>
+                  <a:schemeClr val="tx1"/>
+                </a:solidFill>
+                <a:latin typeface="Calibri" panose="020F0502020204030204" pitchFamily="34" charset="0"/>
+              </a:defRPr>
+            </a:lvl3pPr>
+            <a:lvl4pPr marL="1600200" indent="-228600">
+              <a:defRPr>
+                <a:solidFill>
+                  <a:schemeClr val="tx1"/>
+                </a:solidFill>
+                <a:latin typeface="Calibri" panose="020F0502020204030204" pitchFamily="34" charset="0"/>
+              </a:defRPr>
+            </a:lvl4pPr>
+            <a:lvl5pPr marL="2057400" indent="-228600">
+              <a:defRPr>
+                <a:solidFill>
+                  <a:schemeClr val="tx1"/>
+                </a:solidFill>
+                <a:latin typeface="Calibri" panose="020F0502020204030204" pitchFamily="34" charset="0"/>
+              </a:defRPr>
+            </a:lvl5pPr>
+            <a:lvl6pPr marL="2514600" indent="-228600" eaLnBrk="0" fontAlgn="base" hangingPunct="0">
+              <a:spcBef>
+                <a:spcPct val="0"/>
+              </a:spcBef>
+              <a:spcAft>
+                <a:spcPct val="0"/>
+              </a:spcAft>
+              <a:defRPr>
+                <a:solidFill>
+                  <a:schemeClr val="tx1"/>
+                </a:solidFill>
+                <a:latin typeface="Calibri" panose="020F0502020204030204" pitchFamily="34" charset="0"/>
+              </a:defRPr>
+            </a:lvl6pPr>
+            <a:lvl7pPr marL="2971800" indent="-228600" eaLnBrk="0" fontAlgn="base" hangingPunct="0">
+              <a:spcBef>
+                <a:spcPct val="0"/>
+              </a:spcBef>
+              <a:spcAft>
+                <a:spcPct val="0"/>
+              </a:spcAft>
+              <a:defRPr>
+                <a:solidFill>
+                  <a:schemeClr val="tx1"/>
+                </a:solidFill>
+                <a:latin typeface="Calibri" panose="020F0502020204030204" pitchFamily="34" charset="0"/>
+              </a:defRPr>
+            </a:lvl7pPr>
+            <a:lvl8pPr marL="3429000" indent="-228600" eaLnBrk="0" fontAlgn="base" hangingPunct="0">
+              <a:spcBef>
+                <a:spcPct val="0"/>
+              </a:spcBef>
+              <a:spcAft>
+                <a:spcPct val="0"/>
+              </a:spcAft>
+              <a:defRPr>
+                <a:solidFill>
+                  <a:schemeClr val="tx1"/>
+                </a:solidFill>
+                <a:latin typeface="Calibri" panose="020F0502020204030204" pitchFamily="34" charset="0"/>
+              </a:defRPr>
+            </a:lvl8pPr>
+            <a:lvl9pPr marL="3886200" indent="-228600" eaLnBrk="0" fontAlgn="base" hangingPunct="0">
+              <a:spcBef>
+                <a:spcPct val="0"/>
+              </a:spcBef>
+              <a:spcAft>
+                <a:spcPct val="0"/>
+              </a:spcAft>
+              <a:defRPr>
+                <a:solidFill>
+                  <a:schemeClr val="tx1"/>
+                </a:solidFill>
+                <a:latin typeface="Calibri" panose="020F0502020204030204" pitchFamily="34" charset="0"/>
+              </a:defRPr>
+            </a:lvl9pPr>
+          </a:lstStyle>
+          <a:p>
+            <a:pPr algn="ctr" eaLnBrk="1" hangingPunct="1"/>
+            <a:r>
+              <a:rPr lang="en-US" altLang="en-US" sz="1200" dirty="0">
+                <a:solidFill>
+                  <a:srgbClr val="232F3E"/>
+                </a:solidFill>
+                <a:cs typeface="Calibri" panose="020F0502020204030204" pitchFamily="34" charset="0"/>
+              </a:rPr>
+              <a:t>NAT gateway</a:t>
+            </a:r>
+          </a:p>
+        </p:txBody>
+      </p:sp>
+      <p:pic>
+        <p:nvPicPr>
+          <p:cNvPr id="67" name="Graphic 15">
+            <a:extLst>
+              <a:ext uri="{FF2B5EF4-FFF2-40B4-BE49-F238E27FC236}">
+                <a16:creationId xmlns:a16="http://schemas.microsoft.com/office/drawing/2014/main" id="{A7BFCC22-A78E-364D-9B24-63D81FB42604}"/>
+              </a:ext>
+            </a:extLst>
+          </p:cNvPr>
+          <p:cNvPicPr>
+            <a:picLocks noChangeAspect="1" noChangeArrowheads="1"/>
+          </p:cNvPicPr>
+          <p:nvPr/>
+        </p:nvPicPr>
+        <p:blipFill>
+          <a:blip r:embed="rId4">
+            <a:extLst>
+              <a:ext uri="{28A0092B-C50C-407E-A947-70E740481C1C}">
+                <a14:useLocalDpi xmlns:a14="http://schemas.microsoft.com/office/drawing/2010/main" val="0"/>
+              </a:ext>
+            </a:extLst>
+          </a:blip>
+          <a:srcRect/>
+          <a:stretch>
+            <a:fillRect/>
+          </a:stretch>
+        </p:blipFill>
+        <p:spPr bwMode="auto">
+          <a:xfrm>
+            <a:off x="7399707" y="2293899"/>
+            <a:ext cx="469900" cy="469900"/>
+          </a:xfrm>
+          <a:prstGeom prst="rect">
+            <a:avLst/>
+          </a:prstGeom>
+          <a:noFill/>
+          <a:ln>
+            <a:noFill/>
+          </a:ln>
+          <a:extLst>
+            <a:ext uri="{909E8E84-426E-40DD-AFC4-6F175D3DCCD1}">
+              <a14:hiddenFill xmlns:a14="http://schemas.microsoft.com/office/drawing/2010/main">
+                <a:solidFill>
+                  <a:srgbClr val="FFFFFF"/>
+                </a:solidFill>
+              </a14:hiddenFill>
+            </a:ext>
+            <a:ext uri="{91240B29-F687-4F45-9708-019B960494DF}">
+              <a14:hiddenLine xmlns:a14="http://schemas.microsoft.com/office/drawing/2010/main" w="9525">
+                <a:solidFill>
+                  <a:srgbClr val="000000"/>
+                </a:solidFill>
+                <a:miter lim="800000"/>
+                <a:headEnd/>
+                <a:tailEnd/>
+              </a14:hiddenLine>
+            </a:ext>
+          </a:extLst>
+        </p:spPr>
+      </p:pic>
+      <p:sp>
+        <p:nvSpPr>
+          <p:cNvPr id="68" name="TextBox 16">
+            <a:extLst>
+              <a:ext uri="{FF2B5EF4-FFF2-40B4-BE49-F238E27FC236}">
+                <a16:creationId xmlns:a16="http://schemas.microsoft.com/office/drawing/2014/main" id="{4CC76158-9F6A-3845-84E8-AC46F96DAADE}"/>
+              </a:ext>
+            </a:extLst>
+          </p:cNvPr>
+          <p:cNvSpPr txBox="1">
+            <a:spLocks noChangeArrowheads="1"/>
+          </p:cNvSpPr>
+          <p:nvPr/>
+        </p:nvSpPr>
+        <p:spPr bwMode="auto">
+          <a:xfrm>
+            <a:off x="6706305" y="2873203"/>
+            <a:ext cx="1767152" cy="276999"/>
+          </a:xfrm>
+          <a:prstGeom prst="rect">
+            <a:avLst/>
+          </a:prstGeom>
+          <a:noFill/>
+          <a:ln>
+            <a:noFill/>
+          </a:ln>
+          <a:extLst>
+            <a:ext uri="{909E8E84-426E-40DD-AFC4-6F175D3DCCD1}">
+              <a14:hiddenFill xmlns:a14="http://schemas.microsoft.com/office/drawing/2010/main">
+                <a:solidFill>
+                  <a:srgbClr val="FFFFFF"/>
+                </a:solidFill>
+              </a14:hiddenFill>
+            </a:ext>
+            <a:ext uri="{91240B29-F687-4F45-9708-019B960494DF}">
+              <a14:hiddenLine xmlns:a14="http://schemas.microsoft.com/office/drawing/2010/main" w="9525">
+                <a:solidFill>
+                  <a:srgbClr val="000000"/>
+                </a:solidFill>
+                <a:miter lim="800000"/>
+                <a:headEnd/>
+                <a:tailEnd/>
+              </a14:hiddenLine>
+            </a:ext>
+          </a:extLst>
+        </p:spPr>
+        <p:txBody>
+          <a:bodyPr>
+            <a:spAutoFit/>
+          </a:bodyPr>
+          <a:lstStyle>
+            <a:lvl1pPr>
+              <a:defRPr>
+                <a:solidFill>
+                  <a:schemeClr val="tx1"/>
+                </a:solidFill>
+                <a:latin typeface="Calibri" panose="020F0502020204030204" pitchFamily="34" charset="0"/>
+              </a:defRPr>
+            </a:lvl1pPr>
+            <a:lvl2pPr marL="742950" indent="-285750">
+              <a:defRPr>
+                <a:solidFill>
+                  <a:schemeClr val="tx1"/>
+                </a:solidFill>
+                <a:latin typeface="Calibri" panose="020F0502020204030204" pitchFamily="34" charset="0"/>
+              </a:defRPr>
+            </a:lvl2pPr>
+            <a:lvl3pPr marL="1143000" indent="-228600">
+              <a:defRPr>
+                <a:solidFill>
+                  <a:schemeClr val="tx1"/>
+                </a:solidFill>
+                <a:latin typeface="Calibri" panose="020F0502020204030204" pitchFamily="34" charset="0"/>
+              </a:defRPr>
+            </a:lvl3pPr>
+            <a:lvl4pPr marL="1600200" indent="-228600">
+              <a:defRPr>
+                <a:solidFill>
+                  <a:schemeClr val="tx1"/>
+                </a:solidFill>
+                <a:latin typeface="Calibri" panose="020F0502020204030204" pitchFamily="34" charset="0"/>
+              </a:defRPr>
+            </a:lvl4pPr>
+            <a:lvl5pPr marL="2057400" indent="-228600">
+              <a:defRPr>
+                <a:solidFill>
+                  <a:schemeClr val="tx1"/>
+                </a:solidFill>
+                <a:latin typeface="Calibri" panose="020F0502020204030204" pitchFamily="34" charset="0"/>
+              </a:defRPr>
+            </a:lvl5pPr>
+            <a:lvl6pPr marL="2514600" indent="-228600" eaLnBrk="0" fontAlgn="base" hangingPunct="0">
+              <a:spcBef>
+                <a:spcPct val="0"/>
+              </a:spcBef>
+              <a:spcAft>
+                <a:spcPct val="0"/>
+              </a:spcAft>
+              <a:defRPr>
+                <a:solidFill>
+                  <a:schemeClr val="tx1"/>
+                </a:solidFill>
+                <a:latin typeface="Calibri" panose="020F0502020204030204" pitchFamily="34" charset="0"/>
+              </a:defRPr>
+            </a:lvl6pPr>
+            <a:lvl7pPr marL="2971800" indent="-228600" eaLnBrk="0" fontAlgn="base" hangingPunct="0">
+              <a:spcBef>
+                <a:spcPct val="0"/>
+              </a:spcBef>
+              <a:spcAft>
+                <a:spcPct val="0"/>
+              </a:spcAft>
+              <a:defRPr>
+                <a:solidFill>
+                  <a:schemeClr val="tx1"/>
+                </a:solidFill>
+                <a:latin typeface="Calibri" panose="020F0502020204030204" pitchFamily="34" charset="0"/>
+              </a:defRPr>
+            </a:lvl7pPr>
+            <a:lvl8pPr marL="3429000" indent="-228600" eaLnBrk="0" fontAlgn="base" hangingPunct="0">
+              <a:spcBef>
+                <a:spcPct val="0"/>
+              </a:spcBef>
+              <a:spcAft>
+                <a:spcPct val="0"/>
+              </a:spcAft>
+              <a:defRPr>
+                <a:solidFill>
+                  <a:schemeClr val="tx1"/>
+                </a:solidFill>
+                <a:latin typeface="Calibri" panose="020F0502020204030204" pitchFamily="34" charset="0"/>
+              </a:defRPr>
+            </a:lvl8pPr>
+            <a:lvl9pPr marL="3886200" indent="-228600" eaLnBrk="0" fontAlgn="base" hangingPunct="0">
+              <a:spcBef>
+                <a:spcPct val="0"/>
+              </a:spcBef>
+              <a:spcAft>
+                <a:spcPct val="0"/>
+              </a:spcAft>
+              <a:defRPr>
+                <a:solidFill>
+                  <a:schemeClr val="tx1"/>
+                </a:solidFill>
+                <a:latin typeface="Calibri" panose="020F0502020204030204" pitchFamily="34" charset="0"/>
+              </a:defRPr>
+            </a:lvl9pPr>
+          </a:lstStyle>
+          <a:p>
+            <a:pPr algn="ctr" eaLnBrk="1" hangingPunct="1"/>
+            <a:r>
+              <a:rPr lang="en-US" altLang="en-US" sz="1200" dirty="0">
+                <a:solidFill>
+                  <a:srgbClr val="232F3E"/>
+                </a:solidFill>
+                <a:cs typeface="Calibri" panose="020F0502020204030204" pitchFamily="34" charset="0"/>
+              </a:rPr>
+              <a:t>NAT gateway</a:t>
+            </a:r>
+          </a:p>
+        </p:txBody>
+      </p:sp>
+      <p:pic>
+        <p:nvPicPr>
+          <p:cNvPr id="78" name="Graphic 77">
+            <a:extLst>
+              <a:ext uri="{FF2B5EF4-FFF2-40B4-BE49-F238E27FC236}">
+                <a16:creationId xmlns:a16="http://schemas.microsoft.com/office/drawing/2014/main" id="{BD421FF4-BAFD-5F40-9A94-2B9D0535681D}"/>
+              </a:ext>
+            </a:extLst>
+          </p:cNvPr>
+          <p:cNvPicPr>
+            <a:picLocks noChangeAspect="1"/>
+          </p:cNvPicPr>
+          <p:nvPr/>
+        </p:nvPicPr>
+        <p:blipFill>
+          <a:blip r:embed="rId5">
+            <a:extLst>
+              <a:ext uri="{96DAC541-7B7A-43D3-8B79-37D633B846F1}">
+                <asvg:svgBlip xmlns:asvg="http://schemas.microsoft.com/office/drawing/2016/SVG/main" r:embed="rId6"/>
+              </a:ext>
+            </a:extLst>
+          </a:blip>
+          <a:stretch>
+            <a:fillRect/>
+          </a:stretch>
+        </p:blipFill>
+        <p:spPr>
+          <a:xfrm>
+            <a:off x="3731773" y="1733850"/>
+            <a:ext cx="381000" cy="381000"/>
+          </a:xfrm>
+          <a:prstGeom prst="rect">
+            <a:avLst/>
+          </a:prstGeom>
+        </p:spPr>
+      </p:pic>
+      <p:pic>
+        <p:nvPicPr>
+          <p:cNvPr id="80" name="Graphic 79">
+            <a:extLst>
+              <a:ext uri="{FF2B5EF4-FFF2-40B4-BE49-F238E27FC236}">
+                <a16:creationId xmlns:a16="http://schemas.microsoft.com/office/drawing/2014/main" id="{9A9DA844-2071-D74E-8CC1-E82085BB4210}"/>
+              </a:ext>
+            </a:extLst>
+          </p:cNvPr>
+          <p:cNvPicPr>
+            <a:picLocks noChangeAspect="1"/>
+          </p:cNvPicPr>
+          <p:nvPr/>
+        </p:nvPicPr>
+        <p:blipFill>
+          <a:blip r:embed="rId5">
+            <a:extLst>
+              <a:ext uri="{96DAC541-7B7A-43D3-8B79-37D633B846F1}">
+                <asvg:svgBlip xmlns:asvg="http://schemas.microsoft.com/office/drawing/2016/SVG/main" r:embed="rId6"/>
+              </a:ext>
+            </a:extLst>
+          </a:blip>
+          <a:stretch>
+            <a:fillRect/>
+          </a:stretch>
+        </p:blipFill>
+        <p:spPr>
+          <a:xfrm>
+            <a:off x="6677847" y="1701864"/>
+            <a:ext cx="381000" cy="381000"/>
+          </a:xfrm>
+          <a:prstGeom prst="rect">
+            <a:avLst/>
+          </a:prstGeom>
+        </p:spPr>
+      </p:pic>
+      <p:pic>
+        <p:nvPicPr>
+          <p:cNvPr id="69" name="Graphic 17">
+            <a:extLst>
+              <a:ext uri="{FF2B5EF4-FFF2-40B4-BE49-F238E27FC236}">
+                <a16:creationId xmlns:a16="http://schemas.microsoft.com/office/drawing/2014/main" id="{0D036B97-7766-BC44-AB3A-FA66E0AEE5EF}"/>
+              </a:ext>
+            </a:extLst>
+          </p:cNvPr>
+          <p:cNvPicPr>
+            <a:picLocks noChangeAspect="1" noChangeArrowheads="1"/>
+          </p:cNvPicPr>
+          <p:nvPr/>
+        </p:nvPicPr>
+        <p:blipFill>
+          <a:blip r:embed="rId7">
+            <a:extLst>
+              <a:ext uri="{28A0092B-C50C-407E-A947-70E740481C1C}">
+                <a14:useLocalDpi xmlns:a14="http://schemas.microsoft.com/office/drawing/2010/main" val="0"/>
+              </a:ext>
+            </a:extLst>
+          </a:blip>
+          <a:srcRect/>
+          <a:stretch>
+            <a:fillRect/>
+          </a:stretch>
+        </p:blipFill>
+        <p:spPr bwMode="auto">
+          <a:xfrm>
+            <a:off x="4480239" y="3761133"/>
+            <a:ext cx="469900" cy="469900"/>
+          </a:xfrm>
+          <a:prstGeom prst="rect">
+            <a:avLst/>
+          </a:prstGeom>
+          <a:noFill/>
+          <a:ln>
+            <a:noFill/>
+          </a:ln>
+          <a:extLst>
+            <a:ext uri="{909E8E84-426E-40DD-AFC4-6F175D3DCCD1}">
+              <a14:hiddenFill xmlns:a14="http://schemas.microsoft.com/office/drawing/2010/main">
+                <a:solidFill>
+                  <a:srgbClr val="FFFFFF"/>
+                </a:solidFill>
+              </a14:hiddenFill>
+            </a:ext>
+            <a:ext uri="{91240B29-F687-4F45-9708-019B960494DF}">
+              <a14:hiddenLine xmlns:a14="http://schemas.microsoft.com/office/drawing/2010/main" w="9525">
+                <a:solidFill>
+                  <a:srgbClr val="000000"/>
+                </a:solidFill>
+                <a:miter lim="800000"/>
+                <a:headEnd/>
+                <a:tailEnd/>
+              </a14:hiddenLine>
+            </a:ext>
+          </a:extLst>
+        </p:spPr>
+      </p:pic>
+      <p:sp>
+        <p:nvSpPr>
+          <p:cNvPr id="70" name="TextBox 18">
+            <a:extLst>
+              <a:ext uri="{FF2B5EF4-FFF2-40B4-BE49-F238E27FC236}">
+                <a16:creationId xmlns:a16="http://schemas.microsoft.com/office/drawing/2014/main" id="{C4E8DC87-C89F-874D-B8DD-E9D5949C20BE}"/>
+              </a:ext>
+            </a:extLst>
+          </p:cNvPr>
+          <p:cNvSpPr txBox="1">
+            <a:spLocks noChangeArrowheads="1"/>
+          </p:cNvSpPr>
+          <p:nvPr/>
+        </p:nvSpPr>
+        <p:spPr bwMode="auto">
+          <a:xfrm>
+            <a:off x="3808595" y="4203621"/>
+            <a:ext cx="1767152" cy="276999"/>
+          </a:xfrm>
+          <a:prstGeom prst="rect">
+            <a:avLst/>
+          </a:prstGeom>
+          <a:noFill/>
+          <a:ln>
+            <a:noFill/>
+          </a:ln>
+          <a:extLst>
+            <a:ext uri="{909E8E84-426E-40DD-AFC4-6F175D3DCCD1}">
+              <a14:hiddenFill xmlns:a14="http://schemas.microsoft.com/office/drawing/2010/main">
+                <a:solidFill>
+                  <a:srgbClr val="FFFFFF"/>
+                </a:solidFill>
+              </a14:hiddenFill>
+            </a:ext>
+            <a:ext uri="{91240B29-F687-4F45-9708-019B960494DF}">
+              <a14:hiddenLine xmlns:a14="http://schemas.microsoft.com/office/drawing/2010/main" w="9525">
+                <a:solidFill>
+                  <a:srgbClr val="000000"/>
+                </a:solidFill>
+                <a:miter lim="800000"/>
+                <a:headEnd/>
+                <a:tailEnd/>
+              </a14:hiddenLine>
+            </a:ext>
+          </a:extLst>
+        </p:spPr>
+        <p:txBody>
+          <a:bodyPr>
+            <a:spAutoFit/>
+          </a:bodyPr>
+          <a:lstStyle>
+            <a:lvl1pPr>
+              <a:defRPr>
+                <a:solidFill>
+                  <a:schemeClr val="tx1"/>
+                </a:solidFill>
+                <a:latin typeface="Calibri" panose="020F0502020204030204" pitchFamily="34" charset="0"/>
+              </a:defRPr>
+            </a:lvl1pPr>
+            <a:lvl2pPr marL="742950" indent="-285750">
+              <a:defRPr>
+                <a:solidFill>
+                  <a:schemeClr val="tx1"/>
+                </a:solidFill>
+                <a:latin typeface="Calibri" panose="020F0502020204030204" pitchFamily="34" charset="0"/>
+              </a:defRPr>
+            </a:lvl2pPr>
+            <a:lvl3pPr marL="1143000" indent="-228600">
+              <a:defRPr>
+                <a:solidFill>
+                  <a:schemeClr val="tx1"/>
+                </a:solidFill>
+                <a:latin typeface="Calibri" panose="020F0502020204030204" pitchFamily="34" charset="0"/>
+              </a:defRPr>
+            </a:lvl3pPr>
+            <a:lvl4pPr marL="1600200" indent="-228600">
+              <a:defRPr>
+                <a:solidFill>
+                  <a:schemeClr val="tx1"/>
+                </a:solidFill>
+                <a:latin typeface="Calibri" panose="020F0502020204030204" pitchFamily="34" charset="0"/>
+              </a:defRPr>
+            </a:lvl4pPr>
+            <a:lvl5pPr marL="2057400" indent="-228600">
+              <a:defRPr>
+                <a:solidFill>
+                  <a:schemeClr val="tx1"/>
+                </a:solidFill>
+                <a:latin typeface="Calibri" panose="020F0502020204030204" pitchFamily="34" charset="0"/>
+              </a:defRPr>
+            </a:lvl5pPr>
+            <a:lvl6pPr marL="2514600" indent="-228600" eaLnBrk="0" fontAlgn="base" hangingPunct="0">
+              <a:spcBef>
+                <a:spcPct val="0"/>
+              </a:spcBef>
+              <a:spcAft>
+                <a:spcPct val="0"/>
+              </a:spcAft>
+              <a:defRPr>
+                <a:solidFill>
+                  <a:schemeClr val="tx1"/>
+                </a:solidFill>
+                <a:latin typeface="Calibri" panose="020F0502020204030204" pitchFamily="34" charset="0"/>
+              </a:defRPr>
+            </a:lvl6pPr>
+            <a:lvl7pPr marL="2971800" indent="-228600" eaLnBrk="0" fontAlgn="base" hangingPunct="0">
+              <a:spcBef>
+                <a:spcPct val="0"/>
+              </a:spcBef>
+              <a:spcAft>
+                <a:spcPct val="0"/>
+              </a:spcAft>
+              <a:defRPr>
+                <a:solidFill>
+                  <a:schemeClr val="tx1"/>
+                </a:solidFill>
+                <a:latin typeface="Calibri" panose="020F0502020204030204" pitchFamily="34" charset="0"/>
+              </a:defRPr>
+            </a:lvl7pPr>
+            <a:lvl8pPr marL="3429000" indent="-228600" eaLnBrk="0" fontAlgn="base" hangingPunct="0">
+              <a:spcBef>
+                <a:spcPct val="0"/>
+              </a:spcBef>
+              <a:spcAft>
+                <a:spcPct val="0"/>
+              </a:spcAft>
+              <a:defRPr>
+                <a:solidFill>
+                  <a:schemeClr val="tx1"/>
+                </a:solidFill>
+                <a:latin typeface="Calibri" panose="020F0502020204030204" pitchFamily="34" charset="0"/>
+              </a:defRPr>
+            </a:lvl8pPr>
+            <a:lvl9pPr marL="3886200" indent="-228600" eaLnBrk="0" fontAlgn="base" hangingPunct="0">
+              <a:spcBef>
+                <a:spcPct val="0"/>
+              </a:spcBef>
+              <a:spcAft>
+                <a:spcPct val="0"/>
+              </a:spcAft>
+              <a:defRPr>
+                <a:solidFill>
+                  <a:schemeClr val="tx1"/>
+                </a:solidFill>
+                <a:latin typeface="Calibri" panose="020F0502020204030204" pitchFamily="34" charset="0"/>
+              </a:defRPr>
+            </a:lvl9pPr>
+          </a:lstStyle>
+          <a:p>
+            <a:pPr algn="ctr" eaLnBrk="1" hangingPunct="1"/>
+            <a:r>
+              <a:rPr lang="en-US" altLang="en-US" sz="1200" dirty="0">
+                <a:solidFill>
+                  <a:srgbClr val="232F3E"/>
+                </a:solidFill>
+                <a:cs typeface="Calibri" panose="020F0502020204030204" pitchFamily="34" charset="0"/>
+              </a:rPr>
+              <a:t>Neo4j Leader</a:t>
+            </a:r>
+          </a:p>
+        </p:txBody>
+      </p:sp>
+      <p:pic>
+        <p:nvPicPr>
+          <p:cNvPr id="71" name="Graphic 19">
+            <a:extLst>
+              <a:ext uri="{FF2B5EF4-FFF2-40B4-BE49-F238E27FC236}">
+                <a16:creationId xmlns:a16="http://schemas.microsoft.com/office/drawing/2014/main" id="{E14E1ED8-F9BB-D14F-B2D0-C835A4887F74}"/>
+              </a:ext>
+            </a:extLst>
+          </p:cNvPr>
+          <p:cNvPicPr>
+            <a:picLocks noChangeAspect="1" noChangeArrowheads="1"/>
+          </p:cNvPicPr>
+          <p:nvPr/>
+        </p:nvPicPr>
+        <p:blipFill>
+          <a:blip r:embed="rId7">
+            <a:extLst>
+              <a:ext uri="{28A0092B-C50C-407E-A947-70E740481C1C}">
+                <a14:useLocalDpi xmlns:a14="http://schemas.microsoft.com/office/drawing/2010/main" val="0"/>
+              </a:ext>
+            </a:extLst>
+          </a:blip>
+          <a:srcRect/>
+          <a:stretch>
+            <a:fillRect/>
+          </a:stretch>
+        </p:blipFill>
+        <p:spPr bwMode="auto">
+          <a:xfrm>
+            <a:off x="7355299" y="3761133"/>
+            <a:ext cx="469900" cy="469900"/>
+          </a:xfrm>
+          <a:prstGeom prst="rect">
+            <a:avLst/>
+          </a:prstGeom>
+          <a:noFill/>
+          <a:ln>
+            <a:noFill/>
+          </a:ln>
+          <a:extLst>
+            <a:ext uri="{909E8E84-426E-40DD-AFC4-6F175D3DCCD1}">
+              <a14:hiddenFill xmlns:a14="http://schemas.microsoft.com/office/drawing/2010/main">
+                <a:solidFill>
+                  <a:srgbClr val="FFFFFF"/>
+                </a:solidFill>
+              </a14:hiddenFill>
+            </a:ext>
+            <a:ext uri="{91240B29-F687-4F45-9708-019B960494DF}">
+              <a14:hiddenLine xmlns:a14="http://schemas.microsoft.com/office/drawing/2010/main" w="9525">
+                <a:solidFill>
+                  <a:srgbClr val="000000"/>
+                </a:solidFill>
+                <a:miter lim="800000"/>
+                <a:headEnd/>
+                <a:tailEnd/>
+              </a14:hiddenLine>
+            </a:ext>
+          </a:extLst>
+        </p:spPr>
+      </p:pic>
+      <p:sp>
+        <p:nvSpPr>
+          <p:cNvPr id="74" name="Rectangle 73">
+            <a:extLst>
+              <a:ext uri="{FF2B5EF4-FFF2-40B4-BE49-F238E27FC236}">
+                <a16:creationId xmlns:a16="http://schemas.microsoft.com/office/drawing/2014/main" id="{DF0720A6-6492-954E-9EAB-AB5E1416C7D3}"/>
+              </a:ext>
+            </a:extLst>
+          </p:cNvPr>
+          <p:cNvSpPr/>
+          <p:nvPr/>
+        </p:nvSpPr>
+        <p:spPr>
+          <a:xfrm>
+            <a:off x="3808595" y="3582086"/>
+            <a:ext cx="7163296" cy="969963"/>
+          </a:xfrm>
+          <a:prstGeom prst="rect">
+            <a:avLst/>
+          </a:prstGeom>
+          <a:noFill/>
+          <a:ln w="12700">
+            <a:solidFill>
+              <a:srgbClr val="D86613"/>
+            </a:solidFill>
+            <a:prstDash val="dash"/>
+          </a:ln>
+        </p:spPr>
+        <p:style>
+          <a:lnRef idx="2">
+            <a:schemeClr val="accent1">
+              <a:shade val="50000"/>
+            </a:schemeClr>
+          </a:lnRef>
+          <a:fillRef idx="1">
+            <a:schemeClr val="accent1"/>
+          </a:fillRef>
+          <a:effectRef idx="0">
+            <a:schemeClr val="accent1"/>
+          </a:effectRef>
+          <a:fontRef idx="minor">
+            <a:schemeClr val="lt1"/>
+          </a:fontRef>
+        </p:style>
+        <p:txBody>
+          <a:bodyPr tIns="91440"/>
+          <a:lstStyle/>
+          <a:p>
+            <a:pPr algn="ctr" eaLnBrk="1" fontAlgn="auto" hangingPunct="1">
+              <a:spcBef>
+                <a:spcPts val="0"/>
+              </a:spcBef>
+              <a:spcAft>
+                <a:spcPts val="0"/>
+              </a:spcAft>
+              <a:defRPr/>
+            </a:pPr>
+            <a:endParaRPr lang="en-US" sz="1200" dirty="0">
+              <a:solidFill>
+                <a:srgbClr val="D86613"/>
+              </a:solidFill>
+              <a:latin typeface="Calibri" panose="020F0502020204030204" pitchFamily="34" charset="0"/>
+              <a:cs typeface="Calibri" panose="020F0502020204030204" pitchFamily="34" charset="0"/>
+            </a:endParaRPr>
+          </a:p>
+        </p:txBody>
+      </p:sp>
+      <p:pic>
+        <p:nvPicPr>
+          <p:cNvPr id="75" name="Graphic 74">
+            <a:extLst>
+              <a:ext uri="{FF2B5EF4-FFF2-40B4-BE49-F238E27FC236}">
+                <a16:creationId xmlns:a16="http://schemas.microsoft.com/office/drawing/2014/main" id="{0AC53F80-D514-2146-9048-40DE1B5896AA}"/>
+              </a:ext>
+            </a:extLst>
+          </p:cNvPr>
+          <p:cNvPicPr>
+            <a:picLocks noChangeAspect="1"/>
+          </p:cNvPicPr>
+          <p:nvPr/>
+        </p:nvPicPr>
+        <p:blipFill>
+          <a:blip r:embed="rId8">
+            <a:extLst>
+              <a:ext uri="{96DAC541-7B7A-43D3-8B79-37D633B846F1}">
+                <asvg:svgBlip xmlns:asvg="http://schemas.microsoft.com/office/drawing/2016/SVG/main" r:embed="rId9"/>
+              </a:ext>
+            </a:extLst>
+          </a:blip>
+          <a:stretch>
+            <a:fillRect/>
+          </a:stretch>
+        </p:blipFill>
+        <p:spPr>
+          <a:xfrm>
+            <a:off x="5965342" y="3398447"/>
+            <a:ext cx="381000" cy="381000"/>
+          </a:xfrm>
+          <a:prstGeom prst="rect">
+            <a:avLst/>
+          </a:prstGeom>
+        </p:spPr>
+      </p:pic>
+      <p:sp>
+        <p:nvSpPr>
+          <p:cNvPr id="81" name="TextBox 18">
+            <a:extLst>
+              <a:ext uri="{FF2B5EF4-FFF2-40B4-BE49-F238E27FC236}">
+                <a16:creationId xmlns:a16="http://schemas.microsoft.com/office/drawing/2014/main" id="{8C2A3376-9FDD-CE49-9496-B7ED3A329AC8}"/>
+              </a:ext>
+            </a:extLst>
+          </p:cNvPr>
+          <p:cNvSpPr txBox="1">
+            <a:spLocks noChangeArrowheads="1"/>
+          </p:cNvSpPr>
+          <p:nvPr/>
+        </p:nvSpPr>
+        <p:spPr bwMode="auto">
+          <a:xfrm>
+            <a:off x="6618796" y="4213245"/>
+            <a:ext cx="1767152" cy="276999"/>
+          </a:xfrm>
+          <a:prstGeom prst="rect">
+            <a:avLst/>
+          </a:prstGeom>
+          <a:noFill/>
+          <a:ln>
+            <a:noFill/>
+          </a:ln>
+          <a:extLst>
+            <a:ext uri="{909E8E84-426E-40DD-AFC4-6F175D3DCCD1}">
+              <a14:hiddenFill xmlns:a14="http://schemas.microsoft.com/office/drawing/2010/main">
+                <a:solidFill>
+                  <a:srgbClr val="FFFFFF"/>
+                </a:solidFill>
+              </a14:hiddenFill>
+            </a:ext>
+            <a:ext uri="{91240B29-F687-4F45-9708-019B960494DF}">
+              <a14:hiddenLine xmlns:a14="http://schemas.microsoft.com/office/drawing/2010/main" w="9525">
+                <a:solidFill>
+                  <a:srgbClr val="000000"/>
+                </a:solidFill>
+                <a:miter lim="800000"/>
+                <a:headEnd/>
+                <a:tailEnd/>
+              </a14:hiddenLine>
+            </a:ext>
+          </a:extLst>
+        </p:spPr>
+        <p:txBody>
+          <a:bodyPr>
+            <a:spAutoFit/>
+          </a:bodyPr>
+          <a:lstStyle>
+            <a:lvl1pPr>
+              <a:defRPr>
+                <a:solidFill>
+                  <a:schemeClr val="tx1"/>
+                </a:solidFill>
+                <a:latin typeface="Calibri" panose="020F0502020204030204" pitchFamily="34" charset="0"/>
+              </a:defRPr>
+            </a:lvl1pPr>
+            <a:lvl2pPr marL="742950" indent="-285750">
+              <a:defRPr>
+                <a:solidFill>
+                  <a:schemeClr val="tx1"/>
+                </a:solidFill>
+                <a:latin typeface="Calibri" panose="020F0502020204030204" pitchFamily="34" charset="0"/>
+              </a:defRPr>
+            </a:lvl2pPr>
+            <a:lvl3pPr marL="1143000" indent="-228600">
+              <a:defRPr>
+                <a:solidFill>
+                  <a:schemeClr val="tx1"/>
+                </a:solidFill>
+                <a:latin typeface="Calibri" panose="020F0502020204030204" pitchFamily="34" charset="0"/>
+              </a:defRPr>
+            </a:lvl3pPr>
+            <a:lvl4pPr marL="1600200" indent="-228600">
+              <a:defRPr>
+                <a:solidFill>
+                  <a:schemeClr val="tx1"/>
+                </a:solidFill>
+                <a:latin typeface="Calibri" panose="020F0502020204030204" pitchFamily="34" charset="0"/>
+              </a:defRPr>
+            </a:lvl4pPr>
+            <a:lvl5pPr marL="2057400" indent="-228600">
+              <a:defRPr>
+                <a:solidFill>
+                  <a:schemeClr val="tx1"/>
+                </a:solidFill>
+                <a:latin typeface="Calibri" panose="020F0502020204030204" pitchFamily="34" charset="0"/>
+              </a:defRPr>
+            </a:lvl5pPr>
+            <a:lvl6pPr marL="2514600" indent="-228600" eaLnBrk="0" fontAlgn="base" hangingPunct="0">
+              <a:spcBef>
+                <a:spcPct val="0"/>
+              </a:spcBef>
+              <a:spcAft>
+                <a:spcPct val="0"/>
+              </a:spcAft>
+              <a:defRPr>
+                <a:solidFill>
+                  <a:schemeClr val="tx1"/>
+                </a:solidFill>
+                <a:latin typeface="Calibri" panose="020F0502020204030204" pitchFamily="34" charset="0"/>
+              </a:defRPr>
+            </a:lvl6pPr>
+            <a:lvl7pPr marL="2971800" indent="-228600" eaLnBrk="0" fontAlgn="base" hangingPunct="0">
+              <a:spcBef>
+                <a:spcPct val="0"/>
+              </a:spcBef>
+              <a:spcAft>
+                <a:spcPct val="0"/>
+              </a:spcAft>
+              <a:defRPr>
+                <a:solidFill>
+                  <a:schemeClr val="tx1"/>
+                </a:solidFill>
+                <a:latin typeface="Calibri" panose="020F0502020204030204" pitchFamily="34" charset="0"/>
+              </a:defRPr>
+            </a:lvl7pPr>
+            <a:lvl8pPr marL="3429000" indent="-228600" eaLnBrk="0" fontAlgn="base" hangingPunct="0">
+              <a:spcBef>
+                <a:spcPct val="0"/>
+              </a:spcBef>
+              <a:spcAft>
+                <a:spcPct val="0"/>
+              </a:spcAft>
+              <a:defRPr>
+                <a:solidFill>
+                  <a:schemeClr val="tx1"/>
+                </a:solidFill>
+                <a:latin typeface="Calibri" panose="020F0502020204030204" pitchFamily="34" charset="0"/>
+              </a:defRPr>
+            </a:lvl8pPr>
+            <a:lvl9pPr marL="3886200" indent="-228600" eaLnBrk="0" fontAlgn="base" hangingPunct="0">
+              <a:spcBef>
+                <a:spcPct val="0"/>
+              </a:spcBef>
+              <a:spcAft>
+                <a:spcPct val="0"/>
+              </a:spcAft>
+              <a:defRPr>
+                <a:solidFill>
+                  <a:schemeClr val="tx1"/>
+                </a:solidFill>
+                <a:latin typeface="Calibri" panose="020F0502020204030204" pitchFamily="34" charset="0"/>
+              </a:defRPr>
+            </a:lvl9pPr>
+          </a:lstStyle>
+          <a:p>
+            <a:pPr algn="ctr" eaLnBrk="1" hangingPunct="1"/>
+            <a:r>
+              <a:rPr lang="en-US" altLang="en-US" sz="1200" dirty="0">
+                <a:solidFill>
+                  <a:srgbClr val="232F3E"/>
+                </a:solidFill>
+                <a:cs typeface="Calibri" panose="020F0502020204030204" pitchFamily="34" charset="0"/>
+              </a:rPr>
+              <a:t>Neo4j Follower</a:t>
+            </a:r>
+          </a:p>
+        </p:txBody>
+      </p:sp>
+      <p:sp>
+        <p:nvSpPr>
+          <p:cNvPr id="83" name="TextBox 18">
+            <a:extLst>
+              <a:ext uri="{FF2B5EF4-FFF2-40B4-BE49-F238E27FC236}">
+                <a16:creationId xmlns:a16="http://schemas.microsoft.com/office/drawing/2014/main" id="{2A2C8684-9F7E-734E-8370-6D55B3BB11C7}"/>
+              </a:ext>
+            </a:extLst>
+          </p:cNvPr>
+          <p:cNvSpPr txBox="1">
+            <a:spLocks noChangeArrowheads="1"/>
+          </p:cNvSpPr>
+          <p:nvPr/>
+        </p:nvSpPr>
+        <p:spPr bwMode="auto">
+          <a:xfrm>
+            <a:off x="2496413" y="3641565"/>
+            <a:ext cx="841466" cy="400110"/>
+          </a:xfrm>
+          <a:prstGeom prst="rect">
+            <a:avLst/>
+          </a:prstGeom>
+          <a:solidFill>
+            <a:srgbClr val="FFFFFF"/>
+          </a:solidFill>
+          <a:ln>
+            <a:noFill/>
+          </a:ln>
+        </p:spPr>
+        <p:txBody>
+          <a:bodyPr wrap="square">
+            <a:spAutoFit/>
+          </a:bodyPr>
+          <a:lstStyle>
+            <a:lvl1pPr>
+              <a:defRPr>
+                <a:solidFill>
+                  <a:schemeClr val="tx1"/>
+                </a:solidFill>
+                <a:latin typeface="Calibri" panose="020F0502020204030204" pitchFamily="34" charset="0"/>
+              </a:defRPr>
+            </a:lvl1pPr>
+            <a:lvl2pPr marL="742950" indent="-285750">
+              <a:defRPr>
+                <a:solidFill>
+                  <a:schemeClr val="tx1"/>
+                </a:solidFill>
+                <a:latin typeface="Calibri" panose="020F0502020204030204" pitchFamily="34" charset="0"/>
+              </a:defRPr>
+            </a:lvl2pPr>
+            <a:lvl3pPr marL="1143000" indent="-228600">
+              <a:defRPr>
+                <a:solidFill>
+                  <a:schemeClr val="tx1"/>
+                </a:solidFill>
+                <a:latin typeface="Calibri" panose="020F0502020204030204" pitchFamily="34" charset="0"/>
+              </a:defRPr>
+            </a:lvl3pPr>
+            <a:lvl4pPr marL="1600200" indent="-228600">
+              <a:defRPr>
+                <a:solidFill>
+                  <a:schemeClr val="tx1"/>
+                </a:solidFill>
+                <a:latin typeface="Calibri" panose="020F0502020204030204" pitchFamily="34" charset="0"/>
+              </a:defRPr>
+            </a:lvl4pPr>
+            <a:lvl5pPr marL="2057400" indent="-228600">
+              <a:defRPr>
+                <a:solidFill>
+                  <a:schemeClr val="tx1"/>
+                </a:solidFill>
+                <a:latin typeface="Calibri" panose="020F0502020204030204" pitchFamily="34" charset="0"/>
+              </a:defRPr>
+            </a:lvl5pPr>
+            <a:lvl6pPr marL="2514600" indent="-228600" eaLnBrk="0" fontAlgn="base" hangingPunct="0">
+              <a:spcBef>
+                <a:spcPct val="0"/>
+              </a:spcBef>
+              <a:spcAft>
+                <a:spcPct val="0"/>
+              </a:spcAft>
+              <a:defRPr>
+                <a:solidFill>
+                  <a:schemeClr val="tx1"/>
+                </a:solidFill>
+                <a:latin typeface="Calibri" panose="020F0502020204030204" pitchFamily="34" charset="0"/>
+              </a:defRPr>
+            </a:lvl6pPr>
+            <a:lvl7pPr marL="2971800" indent="-228600" eaLnBrk="0" fontAlgn="base" hangingPunct="0">
+              <a:spcBef>
+                <a:spcPct val="0"/>
+              </a:spcBef>
+              <a:spcAft>
+                <a:spcPct val="0"/>
+              </a:spcAft>
+              <a:defRPr>
+                <a:solidFill>
+                  <a:schemeClr val="tx1"/>
+                </a:solidFill>
+                <a:latin typeface="Calibri" panose="020F0502020204030204" pitchFamily="34" charset="0"/>
+              </a:defRPr>
+            </a:lvl7pPr>
+            <a:lvl8pPr marL="3429000" indent="-228600" eaLnBrk="0" fontAlgn="base" hangingPunct="0">
+              <a:spcBef>
+                <a:spcPct val="0"/>
+              </a:spcBef>
+              <a:spcAft>
+                <a:spcPct val="0"/>
+              </a:spcAft>
+              <a:defRPr>
+                <a:solidFill>
+                  <a:schemeClr val="tx1"/>
+                </a:solidFill>
+                <a:latin typeface="Calibri" panose="020F0502020204030204" pitchFamily="34" charset="0"/>
+              </a:defRPr>
+            </a:lvl8pPr>
+            <a:lvl9pPr marL="3886200" indent="-228600" eaLnBrk="0" fontAlgn="base" hangingPunct="0">
+              <a:spcBef>
+                <a:spcPct val="0"/>
+              </a:spcBef>
+              <a:spcAft>
+                <a:spcPct val="0"/>
+              </a:spcAft>
+              <a:defRPr>
+                <a:solidFill>
+                  <a:schemeClr val="tx1"/>
+                </a:solidFill>
+                <a:latin typeface="Calibri" panose="020F0502020204030204" pitchFamily="34" charset="0"/>
+              </a:defRPr>
+            </a:lvl9pPr>
+          </a:lstStyle>
+          <a:p>
+            <a:pPr algn="ctr" eaLnBrk="1" hangingPunct="1"/>
+            <a:r>
+              <a:rPr lang="en-US" altLang="en-US" sz="1000" dirty="0">
+                <a:cs typeface="Calibri" panose="020F0502020204030204" pitchFamily="34" charset="0"/>
+              </a:rPr>
+              <a:t>Internet </a:t>
+            </a:r>
+            <a:br>
+              <a:rPr lang="en-US" altLang="en-US" sz="1000" dirty="0">
+                <a:cs typeface="Calibri" panose="020F0502020204030204" pitchFamily="34" charset="0"/>
+              </a:rPr>
+            </a:br>
+            <a:r>
+              <a:rPr lang="en-US" altLang="en-US" sz="1000" dirty="0">
+                <a:cs typeface="Calibri" panose="020F0502020204030204" pitchFamily="34" charset="0"/>
+              </a:rPr>
+              <a:t>gateway</a:t>
+            </a:r>
+          </a:p>
+        </p:txBody>
+      </p:sp>
+      <p:sp>
+        <p:nvSpPr>
+          <p:cNvPr id="84" name="Rectangle 83">
+            <a:extLst>
+              <a:ext uri="{FF2B5EF4-FFF2-40B4-BE49-F238E27FC236}">
+                <a16:creationId xmlns:a16="http://schemas.microsoft.com/office/drawing/2014/main" id="{63E6299C-575C-7748-A2CB-C10A285C06CE}"/>
+              </a:ext>
+            </a:extLst>
+          </p:cNvPr>
+          <p:cNvSpPr/>
+          <p:nvPr/>
+        </p:nvSpPr>
+        <p:spPr>
+          <a:xfrm>
+            <a:off x="9187123" y="1661957"/>
+            <a:ext cx="1932547" cy="3763067"/>
+          </a:xfrm>
+          <a:prstGeom prst="rect">
+            <a:avLst/>
+          </a:prstGeom>
+          <a:solidFill>
+            <a:srgbClr val="1D8900">
+              <a:alpha val="9804"/>
+            </a:srgbClr>
+          </a:solidFill>
+          <a:ln w="12700">
+            <a:noFill/>
+            <a:prstDash val="dash"/>
+          </a:ln>
+        </p:spPr>
+        <p:style>
+          <a:lnRef idx="2">
+            <a:schemeClr val="accent1">
+              <a:shade val="50000"/>
+            </a:schemeClr>
+          </a:lnRef>
+          <a:fillRef idx="1">
+            <a:schemeClr val="accent1"/>
+          </a:fillRef>
+          <a:effectRef idx="0">
+            <a:schemeClr val="accent1"/>
+          </a:effectRef>
+          <a:fontRef idx="minor">
+            <a:schemeClr val="lt1"/>
+          </a:fontRef>
+        </p:style>
+        <p:txBody>
+          <a:bodyPr lIns="502920"/>
+          <a:lstStyle/>
+          <a:p>
+            <a:pPr eaLnBrk="1" fontAlgn="auto" hangingPunct="1">
+              <a:spcBef>
+                <a:spcPts val="0"/>
+              </a:spcBef>
+              <a:spcAft>
+                <a:spcPts val="0"/>
+              </a:spcAft>
+              <a:defRPr/>
+            </a:pPr>
+            <a:r>
+              <a:rPr lang="en-US" sz="1200" dirty="0">
+                <a:solidFill>
+                  <a:srgbClr val="1E8900"/>
+                </a:solidFill>
+                <a:latin typeface="Calibri" panose="020F0502020204030204" pitchFamily="34" charset="0"/>
+                <a:cs typeface="Calibri" panose="020F0502020204030204" pitchFamily="34" charset="0"/>
+              </a:rPr>
+              <a:t>Public subnet</a:t>
+            </a:r>
+          </a:p>
+        </p:txBody>
+      </p:sp>
+      <p:sp>
+        <p:nvSpPr>
+          <p:cNvPr id="85" name="Rectangle 84">
+            <a:extLst>
+              <a:ext uri="{FF2B5EF4-FFF2-40B4-BE49-F238E27FC236}">
+                <a16:creationId xmlns:a16="http://schemas.microsoft.com/office/drawing/2014/main" id="{E050F881-98B5-F84A-A7D5-62ECBAB93EB9}"/>
+              </a:ext>
+            </a:extLst>
+          </p:cNvPr>
+          <p:cNvSpPr/>
+          <p:nvPr/>
+        </p:nvSpPr>
+        <p:spPr bwMode="auto">
+          <a:xfrm>
+            <a:off x="9105789" y="1085137"/>
+            <a:ext cx="2087563" cy="5292934"/>
+          </a:xfrm>
+          <a:prstGeom prst="rect">
+            <a:avLst/>
+          </a:prstGeom>
+          <a:noFill/>
+          <a:ln w="12700">
+            <a:solidFill>
+              <a:srgbClr val="5B9CD5"/>
+            </a:solidFill>
+            <a:prstDash val="dash"/>
+          </a:ln>
+        </p:spPr>
+        <p:style>
+          <a:lnRef idx="2">
+            <a:schemeClr val="accent1">
+              <a:shade val="50000"/>
+            </a:schemeClr>
+          </a:lnRef>
+          <a:fillRef idx="1">
+            <a:schemeClr val="accent1"/>
+          </a:fillRef>
+          <a:effectRef idx="0">
+            <a:schemeClr val="accent1"/>
+          </a:effectRef>
+          <a:fontRef idx="minor">
+            <a:schemeClr val="lt1"/>
+          </a:fontRef>
+        </p:style>
+        <p:txBody>
+          <a:bodyPr tIns="91440"/>
+          <a:lstStyle/>
+          <a:p>
+            <a:pPr algn="ctr" eaLnBrk="1" fontAlgn="auto" hangingPunct="1">
+              <a:spcBef>
+                <a:spcPts val="0"/>
+              </a:spcBef>
+              <a:spcAft>
+                <a:spcPts val="0"/>
+              </a:spcAft>
+              <a:defRPr/>
+            </a:pPr>
+            <a:r>
+              <a:rPr lang="en-US" sz="1200" dirty="0">
+                <a:solidFill>
+                  <a:srgbClr val="5B9CD5"/>
+                </a:solidFill>
+                <a:latin typeface="Calibri" panose="020F0502020204030204" pitchFamily="34" charset="0"/>
+                <a:cs typeface="Calibri" panose="020F0502020204030204" pitchFamily="34" charset="0"/>
+              </a:rPr>
+              <a:t>Availability Zone 3</a:t>
+            </a:r>
+          </a:p>
+        </p:txBody>
+      </p:sp>
+      <p:pic>
+        <p:nvPicPr>
+          <p:cNvPr id="86" name="Graphic 15">
+            <a:extLst>
+              <a:ext uri="{FF2B5EF4-FFF2-40B4-BE49-F238E27FC236}">
+                <a16:creationId xmlns:a16="http://schemas.microsoft.com/office/drawing/2014/main" id="{38B5A089-53E6-C249-9558-76D99562FBAA}"/>
+              </a:ext>
+            </a:extLst>
+          </p:cNvPr>
+          <p:cNvPicPr>
+            <a:picLocks noChangeAspect="1" noChangeArrowheads="1"/>
+          </p:cNvPicPr>
+          <p:nvPr/>
+        </p:nvPicPr>
+        <p:blipFill>
+          <a:blip r:embed="rId4">
+            <a:extLst>
+              <a:ext uri="{28A0092B-C50C-407E-A947-70E740481C1C}">
+                <a14:useLocalDpi xmlns:a14="http://schemas.microsoft.com/office/drawing/2010/main" val="0"/>
+              </a:ext>
+            </a:extLst>
+          </a:blip>
+          <a:srcRect/>
+          <a:stretch>
+            <a:fillRect/>
+          </a:stretch>
+        </p:blipFill>
+        <p:spPr bwMode="auto">
+          <a:xfrm>
+            <a:off x="9909145" y="2291424"/>
+            <a:ext cx="469900" cy="469900"/>
+          </a:xfrm>
+          <a:prstGeom prst="rect">
+            <a:avLst/>
+          </a:prstGeom>
+          <a:noFill/>
+          <a:ln>
+            <a:noFill/>
+          </a:ln>
+          <a:extLst>
+            <a:ext uri="{909E8E84-426E-40DD-AFC4-6F175D3DCCD1}">
+              <a14:hiddenFill xmlns:a14="http://schemas.microsoft.com/office/drawing/2010/main">
+                <a:solidFill>
+                  <a:srgbClr val="FFFFFF"/>
+                </a:solidFill>
+              </a14:hiddenFill>
+            </a:ext>
+            <a:ext uri="{91240B29-F687-4F45-9708-019B960494DF}">
+              <a14:hiddenLine xmlns:a14="http://schemas.microsoft.com/office/drawing/2010/main" w="9525">
+                <a:solidFill>
+                  <a:srgbClr val="000000"/>
+                </a:solidFill>
+                <a:miter lim="800000"/>
+                <a:headEnd/>
+                <a:tailEnd/>
+              </a14:hiddenLine>
+            </a:ext>
+          </a:extLst>
+        </p:spPr>
+      </p:pic>
+      <p:pic>
+        <p:nvPicPr>
+          <p:cNvPr id="87" name="Graphic 19">
+            <a:extLst>
+              <a:ext uri="{FF2B5EF4-FFF2-40B4-BE49-F238E27FC236}">
+                <a16:creationId xmlns:a16="http://schemas.microsoft.com/office/drawing/2014/main" id="{0E5BC5A2-DD1A-824D-8E8E-909F5987A059}"/>
+              </a:ext>
+            </a:extLst>
+          </p:cNvPr>
+          <p:cNvPicPr>
+            <a:picLocks noChangeAspect="1" noChangeArrowheads="1"/>
+          </p:cNvPicPr>
+          <p:nvPr/>
+        </p:nvPicPr>
+        <p:blipFill>
+          <a:blip r:embed="rId7">
+            <a:extLst>
+              <a:ext uri="{28A0092B-C50C-407E-A947-70E740481C1C}">
+                <a14:useLocalDpi xmlns:a14="http://schemas.microsoft.com/office/drawing/2010/main" val="0"/>
+              </a:ext>
+            </a:extLst>
+          </a:blip>
+          <a:srcRect/>
+          <a:stretch>
+            <a:fillRect/>
+          </a:stretch>
+        </p:blipFill>
+        <p:spPr bwMode="auto">
+          <a:xfrm>
+            <a:off x="9892716" y="3761133"/>
+            <a:ext cx="469900" cy="469900"/>
+          </a:xfrm>
+          <a:prstGeom prst="rect">
+            <a:avLst/>
+          </a:prstGeom>
+          <a:noFill/>
+          <a:ln>
+            <a:noFill/>
+          </a:ln>
+          <a:extLst>
+            <a:ext uri="{909E8E84-426E-40DD-AFC4-6F175D3DCCD1}">
+              <a14:hiddenFill xmlns:a14="http://schemas.microsoft.com/office/drawing/2010/main">
+                <a:solidFill>
+                  <a:srgbClr val="FFFFFF"/>
+                </a:solidFill>
+              </a14:hiddenFill>
+            </a:ext>
+            <a:ext uri="{91240B29-F687-4F45-9708-019B960494DF}">
+              <a14:hiddenLine xmlns:a14="http://schemas.microsoft.com/office/drawing/2010/main" w="9525">
+                <a:solidFill>
+                  <a:srgbClr val="000000"/>
+                </a:solidFill>
+                <a:miter lim="800000"/>
+                <a:headEnd/>
+                <a:tailEnd/>
+              </a14:hiddenLine>
+            </a:ext>
+          </a:extLst>
+        </p:spPr>
+      </p:pic>
+      <p:sp>
+        <p:nvSpPr>
+          <p:cNvPr id="88" name="TextBox 18">
+            <a:extLst>
+              <a:ext uri="{FF2B5EF4-FFF2-40B4-BE49-F238E27FC236}">
+                <a16:creationId xmlns:a16="http://schemas.microsoft.com/office/drawing/2014/main" id="{57B7EC89-35F5-054F-AE15-221562F3CC2F}"/>
+              </a:ext>
+            </a:extLst>
+          </p:cNvPr>
+          <p:cNvSpPr txBox="1">
+            <a:spLocks noChangeArrowheads="1"/>
+          </p:cNvSpPr>
+          <p:nvPr/>
+        </p:nvSpPr>
+        <p:spPr bwMode="auto">
+          <a:xfrm>
+            <a:off x="9149016" y="4203621"/>
+            <a:ext cx="1767152" cy="276999"/>
+          </a:xfrm>
+          <a:prstGeom prst="rect">
+            <a:avLst/>
+          </a:prstGeom>
+          <a:noFill/>
+          <a:ln>
+            <a:noFill/>
+          </a:ln>
+          <a:extLst>
+            <a:ext uri="{909E8E84-426E-40DD-AFC4-6F175D3DCCD1}">
+              <a14:hiddenFill xmlns:a14="http://schemas.microsoft.com/office/drawing/2010/main">
+                <a:solidFill>
+                  <a:srgbClr val="FFFFFF"/>
+                </a:solidFill>
+              </a14:hiddenFill>
+            </a:ext>
+            <a:ext uri="{91240B29-F687-4F45-9708-019B960494DF}">
+              <a14:hiddenLine xmlns:a14="http://schemas.microsoft.com/office/drawing/2010/main" w="9525">
+                <a:solidFill>
+                  <a:srgbClr val="000000"/>
+                </a:solidFill>
+                <a:miter lim="800000"/>
+                <a:headEnd/>
+                <a:tailEnd/>
+              </a14:hiddenLine>
+            </a:ext>
+          </a:extLst>
+        </p:spPr>
+        <p:txBody>
+          <a:bodyPr>
+            <a:spAutoFit/>
+          </a:bodyPr>
+          <a:lstStyle>
+            <a:lvl1pPr>
+              <a:defRPr>
+                <a:solidFill>
+                  <a:schemeClr val="tx1"/>
+                </a:solidFill>
+                <a:latin typeface="Calibri" panose="020F0502020204030204" pitchFamily="34" charset="0"/>
+              </a:defRPr>
+            </a:lvl1pPr>
+            <a:lvl2pPr marL="742950" indent="-285750">
+              <a:defRPr>
+                <a:solidFill>
+                  <a:schemeClr val="tx1"/>
+                </a:solidFill>
+                <a:latin typeface="Calibri" panose="020F0502020204030204" pitchFamily="34" charset="0"/>
+              </a:defRPr>
+            </a:lvl2pPr>
+            <a:lvl3pPr marL="1143000" indent="-228600">
+              <a:defRPr>
+                <a:solidFill>
+                  <a:schemeClr val="tx1"/>
+                </a:solidFill>
+                <a:latin typeface="Calibri" panose="020F0502020204030204" pitchFamily="34" charset="0"/>
+              </a:defRPr>
+            </a:lvl3pPr>
+            <a:lvl4pPr marL="1600200" indent="-228600">
+              <a:defRPr>
+                <a:solidFill>
+                  <a:schemeClr val="tx1"/>
+                </a:solidFill>
+                <a:latin typeface="Calibri" panose="020F0502020204030204" pitchFamily="34" charset="0"/>
+              </a:defRPr>
+            </a:lvl4pPr>
+            <a:lvl5pPr marL="2057400" indent="-228600">
+              <a:defRPr>
+                <a:solidFill>
+                  <a:schemeClr val="tx1"/>
+                </a:solidFill>
+                <a:latin typeface="Calibri" panose="020F0502020204030204" pitchFamily="34" charset="0"/>
+              </a:defRPr>
+            </a:lvl5pPr>
+            <a:lvl6pPr marL="2514600" indent="-228600" eaLnBrk="0" fontAlgn="base" hangingPunct="0">
+              <a:spcBef>
+                <a:spcPct val="0"/>
+              </a:spcBef>
+              <a:spcAft>
+                <a:spcPct val="0"/>
+              </a:spcAft>
+              <a:defRPr>
+                <a:solidFill>
+                  <a:schemeClr val="tx1"/>
+                </a:solidFill>
+                <a:latin typeface="Calibri" panose="020F0502020204030204" pitchFamily="34" charset="0"/>
+              </a:defRPr>
+            </a:lvl6pPr>
+            <a:lvl7pPr marL="2971800" indent="-228600" eaLnBrk="0" fontAlgn="base" hangingPunct="0">
+              <a:spcBef>
+                <a:spcPct val="0"/>
+              </a:spcBef>
+              <a:spcAft>
+                <a:spcPct val="0"/>
+              </a:spcAft>
+              <a:defRPr>
+                <a:solidFill>
+                  <a:schemeClr val="tx1"/>
+                </a:solidFill>
+                <a:latin typeface="Calibri" panose="020F0502020204030204" pitchFamily="34" charset="0"/>
+              </a:defRPr>
+            </a:lvl7pPr>
+            <a:lvl8pPr marL="3429000" indent="-228600" eaLnBrk="0" fontAlgn="base" hangingPunct="0">
+              <a:spcBef>
+                <a:spcPct val="0"/>
+              </a:spcBef>
+              <a:spcAft>
+                <a:spcPct val="0"/>
+              </a:spcAft>
+              <a:defRPr>
+                <a:solidFill>
+                  <a:schemeClr val="tx1"/>
+                </a:solidFill>
+                <a:latin typeface="Calibri" panose="020F0502020204030204" pitchFamily="34" charset="0"/>
+              </a:defRPr>
+            </a:lvl8pPr>
+            <a:lvl9pPr marL="3886200" indent="-228600" eaLnBrk="0" fontAlgn="base" hangingPunct="0">
+              <a:spcBef>
+                <a:spcPct val="0"/>
+              </a:spcBef>
+              <a:spcAft>
+                <a:spcPct val="0"/>
+              </a:spcAft>
+              <a:defRPr>
+                <a:solidFill>
+                  <a:schemeClr val="tx1"/>
+                </a:solidFill>
+                <a:latin typeface="Calibri" panose="020F0502020204030204" pitchFamily="34" charset="0"/>
+              </a:defRPr>
+            </a:lvl9pPr>
+          </a:lstStyle>
+          <a:p>
+            <a:pPr algn="ctr" eaLnBrk="1" hangingPunct="1"/>
+            <a:r>
+              <a:rPr lang="en-US" altLang="en-US" sz="1200" dirty="0">
+                <a:solidFill>
+                  <a:srgbClr val="232F3E"/>
+                </a:solidFill>
+                <a:cs typeface="Calibri" panose="020F0502020204030204" pitchFamily="34" charset="0"/>
+              </a:rPr>
+              <a:t>Neo4j Follower</a:t>
+            </a:r>
+          </a:p>
+        </p:txBody>
+      </p:sp>
+      <p:sp>
+        <p:nvSpPr>
+          <p:cNvPr id="4" name="TextBox 3">
+            <a:extLst>
+              <a:ext uri="{FF2B5EF4-FFF2-40B4-BE49-F238E27FC236}">
+                <a16:creationId xmlns:a16="http://schemas.microsoft.com/office/drawing/2014/main" id="{53513B74-20BB-C949-A964-5BBF88A606EE}"/>
+              </a:ext>
+            </a:extLst>
+          </p:cNvPr>
+          <p:cNvSpPr txBox="1"/>
+          <p:nvPr/>
+        </p:nvSpPr>
+        <p:spPr>
+          <a:xfrm>
+            <a:off x="5521478" y="3750042"/>
+            <a:ext cx="1285227" cy="707882"/>
+          </a:xfrm>
+          <a:prstGeom prst="rect">
+            <a:avLst/>
+          </a:prstGeom>
+          <a:noFill/>
+          <a:ln w="12700" cap="flat">
+            <a:noFill/>
+            <a:miter lim="400000"/>
+          </a:ln>
+          <a:effectLst/>
+          <a:sp3d/>
+        </p:spPr>
+        <p:style>
+          <a:lnRef idx="0">
+            <a:scrgbClr r="0" g="0" b="0"/>
+          </a:lnRef>
+          <a:fillRef idx="0">
+            <a:scrgbClr r="0" g="0" b="0"/>
+          </a:fillRef>
+          <a:effectRef idx="0">
+            <a:scrgbClr r="0" g="0" b="0"/>
+          </a:effectRef>
+          <a:fontRef idx="none"/>
+        </p:style>
+        <p:txBody>
+          <a:bodyPr rot="0" spcFirstLastPara="1" vertOverflow="overflow" horzOverflow="overflow" vert="horz" wrap="square" lIns="45718" tIns="45718" rIns="45718" bIns="45718" numCol="1" spcCol="38100" rtlCol="0" anchor="t">
+            <a:spAutoFit/>
+          </a:bodyPr>
+          <a:lstStyle/>
+          <a:p>
+            <a:pPr algn="ctr"/>
+            <a:r>
+              <a:rPr lang="en-US" sz="1100" dirty="0">
+                <a:solidFill>
+                  <a:srgbClr val="D86613"/>
+                </a:solidFill>
+                <a:latin typeface="Calibri" panose="020F0502020204030204" pitchFamily="34" charset="0"/>
+                <a:cs typeface="Calibri" panose="020F0502020204030204" pitchFamily="34" charset="0"/>
+              </a:rPr>
+              <a:t>Auto Scaling</a:t>
+            </a:r>
+            <a:br>
+              <a:rPr lang="en-US" sz="1100" dirty="0">
+                <a:solidFill>
+                  <a:srgbClr val="D86613"/>
+                </a:solidFill>
+                <a:latin typeface="Calibri" panose="020F0502020204030204" pitchFamily="34" charset="0"/>
+                <a:cs typeface="Calibri" panose="020F0502020204030204" pitchFamily="34" charset="0"/>
+              </a:rPr>
+            </a:br>
+            <a:r>
+              <a:rPr lang="en-US" sz="1100" dirty="0">
+                <a:solidFill>
+                  <a:srgbClr val="D86613"/>
+                </a:solidFill>
+                <a:latin typeface="Calibri" panose="020F0502020204030204" pitchFamily="34" charset="0"/>
+                <a:cs typeface="Calibri" panose="020F0502020204030204" pitchFamily="34" charset="0"/>
+              </a:rPr>
+              <a:t>group</a:t>
+            </a:r>
+          </a:p>
+          <a:p>
+            <a:pPr marL="0" marR="0" indent="0" algn="l" defTabSz="914400" rtl="0" fontAlgn="auto" latinLnBrk="0" hangingPunct="0">
+              <a:lnSpc>
+                <a:spcPct val="100000"/>
+              </a:lnSpc>
+              <a:spcBef>
+                <a:spcPts val="0"/>
+              </a:spcBef>
+              <a:spcAft>
+                <a:spcPts val="0"/>
+              </a:spcAft>
+              <a:buClrTx/>
+              <a:buSzTx/>
+              <a:buFontTx/>
+              <a:buNone/>
+              <a:tabLst/>
+            </a:pPr>
+            <a:endParaRPr kumimoji="0" lang="en-US" sz="1800" b="0" i="0" u="none" strike="noStrike" cap="none" spc="0" normalizeH="0" baseline="0" dirty="0">
+              <a:ln>
+                <a:noFill/>
+              </a:ln>
+              <a:solidFill>
+                <a:srgbClr val="232F3D"/>
+              </a:solidFill>
+              <a:effectLst/>
+              <a:uFillTx/>
+              <a:latin typeface="Calibri" panose="020F0502020204030204" pitchFamily="34" charset="0"/>
+              <a:cs typeface="Calibri" panose="020F0502020204030204" pitchFamily="34" charset="0"/>
+              <a:sym typeface="Calibri"/>
+            </a:endParaRPr>
+          </a:p>
+        </p:txBody>
+      </p:sp>
+      <p:sp>
+        <p:nvSpPr>
+          <p:cNvPr id="89" name="TextBox 16">
+            <a:extLst>
+              <a:ext uri="{FF2B5EF4-FFF2-40B4-BE49-F238E27FC236}">
+                <a16:creationId xmlns:a16="http://schemas.microsoft.com/office/drawing/2014/main" id="{478FC747-242C-7543-9865-A4B93B8F8294}"/>
+              </a:ext>
+            </a:extLst>
+          </p:cNvPr>
+          <p:cNvSpPr txBox="1">
+            <a:spLocks noChangeArrowheads="1"/>
+          </p:cNvSpPr>
+          <p:nvPr/>
+        </p:nvSpPr>
+        <p:spPr bwMode="auto">
+          <a:xfrm>
+            <a:off x="9044354" y="2888348"/>
+            <a:ext cx="1767152" cy="276999"/>
+          </a:xfrm>
+          <a:prstGeom prst="rect">
+            <a:avLst/>
+          </a:prstGeom>
+          <a:noFill/>
+          <a:ln>
+            <a:noFill/>
+          </a:ln>
+          <a:extLst>
+            <a:ext uri="{909E8E84-426E-40DD-AFC4-6F175D3DCCD1}">
+              <a14:hiddenFill xmlns:a14="http://schemas.microsoft.com/office/drawing/2010/main">
+                <a:solidFill>
+                  <a:srgbClr val="FFFFFF"/>
+                </a:solidFill>
+              </a14:hiddenFill>
+            </a:ext>
+            <a:ext uri="{91240B29-F687-4F45-9708-019B960494DF}">
+              <a14:hiddenLine xmlns:a14="http://schemas.microsoft.com/office/drawing/2010/main" w="9525">
+                <a:solidFill>
+                  <a:srgbClr val="000000"/>
+                </a:solidFill>
+                <a:miter lim="800000"/>
+                <a:headEnd/>
+                <a:tailEnd/>
+              </a14:hiddenLine>
+            </a:ext>
+          </a:extLst>
+        </p:spPr>
+        <p:txBody>
+          <a:bodyPr>
+            <a:spAutoFit/>
+          </a:bodyPr>
+          <a:lstStyle>
+            <a:lvl1pPr>
+              <a:defRPr>
+                <a:solidFill>
+                  <a:schemeClr val="tx1"/>
+                </a:solidFill>
+                <a:latin typeface="Calibri" panose="020F0502020204030204" pitchFamily="34" charset="0"/>
+              </a:defRPr>
+            </a:lvl1pPr>
+            <a:lvl2pPr marL="742950" indent="-285750">
+              <a:defRPr>
+                <a:solidFill>
+                  <a:schemeClr val="tx1"/>
+                </a:solidFill>
+                <a:latin typeface="Calibri" panose="020F0502020204030204" pitchFamily="34" charset="0"/>
+              </a:defRPr>
+            </a:lvl2pPr>
+            <a:lvl3pPr marL="1143000" indent="-228600">
+              <a:defRPr>
+                <a:solidFill>
+                  <a:schemeClr val="tx1"/>
+                </a:solidFill>
+                <a:latin typeface="Calibri" panose="020F0502020204030204" pitchFamily="34" charset="0"/>
+              </a:defRPr>
+            </a:lvl3pPr>
+            <a:lvl4pPr marL="1600200" indent="-228600">
+              <a:defRPr>
+                <a:solidFill>
+                  <a:schemeClr val="tx1"/>
+                </a:solidFill>
+                <a:latin typeface="Calibri" panose="020F0502020204030204" pitchFamily="34" charset="0"/>
+              </a:defRPr>
+            </a:lvl4pPr>
+            <a:lvl5pPr marL="2057400" indent="-228600">
+              <a:defRPr>
+                <a:solidFill>
+                  <a:schemeClr val="tx1"/>
+                </a:solidFill>
+                <a:latin typeface="Calibri" panose="020F0502020204030204" pitchFamily="34" charset="0"/>
+              </a:defRPr>
+            </a:lvl5pPr>
+            <a:lvl6pPr marL="2514600" indent="-228600" eaLnBrk="0" fontAlgn="base" hangingPunct="0">
+              <a:spcBef>
+                <a:spcPct val="0"/>
+              </a:spcBef>
+              <a:spcAft>
+                <a:spcPct val="0"/>
+              </a:spcAft>
+              <a:defRPr>
+                <a:solidFill>
+                  <a:schemeClr val="tx1"/>
+                </a:solidFill>
+                <a:latin typeface="Calibri" panose="020F0502020204030204" pitchFamily="34" charset="0"/>
+              </a:defRPr>
+            </a:lvl6pPr>
+            <a:lvl7pPr marL="2971800" indent="-228600" eaLnBrk="0" fontAlgn="base" hangingPunct="0">
+              <a:spcBef>
+                <a:spcPct val="0"/>
+              </a:spcBef>
+              <a:spcAft>
+                <a:spcPct val="0"/>
+              </a:spcAft>
+              <a:defRPr>
+                <a:solidFill>
+                  <a:schemeClr val="tx1"/>
+                </a:solidFill>
+                <a:latin typeface="Calibri" panose="020F0502020204030204" pitchFamily="34" charset="0"/>
+              </a:defRPr>
+            </a:lvl7pPr>
+            <a:lvl8pPr marL="3429000" indent="-228600" eaLnBrk="0" fontAlgn="base" hangingPunct="0">
+              <a:spcBef>
+                <a:spcPct val="0"/>
+              </a:spcBef>
+              <a:spcAft>
+                <a:spcPct val="0"/>
+              </a:spcAft>
+              <a:defRPr>
+                <a:solidFill>
+                  <a:schemeClr val="tx1"/>
+                </a:solidFill>
+                <a:latin typeface="Calibri" panose="020F0502020204030204" pitchFamily="34" charset="0"/>
+              </a:defRPr>
+            </a:lvl8pPr>
+            <a:lvl9pPr marL="3886200" indent="-228600" eaLnBrk="0" fontAlgn="base" hangingPunct="0">
+              <a:spcBef>
+                <a:spcPct val="0"/>
+              </a:spcBef>
+              <a:spcAft>
+                <a:spcPct val="0"/>
+              </a:spcAft>
+              <a:defRPr>
+                <a:solidFill>
+                  <a:schemeClr val="tx1"/>
+                </a:solidFill>
+                <a:latin typeface="Calibri" panose="020F0502020204030204" pitchFamily="34" charset="0"/>
+              </a:defRPr>
+            </a:lvl9pPr>
+          </a:lstStyle>
+          <a:p>
+            <a:pPr algn="ctr" eaLnBrk="1" hangingPunct="1"/>
+            <a:r>
+              <a:rPr lang="en-US" altLang="en-US" sz="1200" dirty="0">
+                <a:solidFill>
+                  <a:srgbClr val="232F3E"/>
+                </a:solidFill>
+                <a:cs typeface="Calibri" panose="020F0502020204030204" pitchFamily="34" charset="0"/>
+              </a:rPr>
+              <a:t>NAT gateway</a:t>
+            </a:r>
+          </a:p>
+        </p:txBody>
+      </p:sp>
+      <p:pic>
+        <p:nvPicPr>
+          <p:cNvPr id="91" name="Graphic 90">
+            <a:extLst>
+              <a:ext uri="{FF2B5EF4-FFF2-40B4-BE49-F238E27FC236}">
+                <a16:creationId xmlns:a16="http://schemas.microsoft.com/office/drawing/2014/main" id="{AB256155-6B04-144E-BD7F-79C8696392AB}"/>
+              </a:ext>
+            </a:extLst>
+          </p:cNvPr>
+          <p:cNvPicPr>
+            <a:picLocks noChangeAspect="1"/>
+          </p:cNvPicPr>
+          <p:nvPr/>
+        </p:nvPicPr>
+        <p:blipFill>
+          <a:blip r:embed="rId5">
+            <a:extLst>
+              <a:ext uri="{96DAC541-7B7A-43D3-8B79-37D633B846F1}">
+                <asvg:svgBlip xmlns:asvg="http://schemas.microsoft.com/office/drawing/2016/SVG/main" r:embed="rId6"/>
+              </a:ext>
+            </a:extLst>
+          </a:blip>
+          <a:stretch>
+            <a:fillRect/>
+          </a:stretch>
+        </p:blipFill>
+        <p:spPr>
+          <a:xfrm>
+            <a:off x="9204848" y="1663210"/>
+            <a:ext cx="381000" cy="381000"/>
+          </a:xfrm>
+          <a:prstGeom prst="rect">
+            <a:avLst/>
+          </a:prstGeom>
+        </p:spPr>
+      </p:pic>
+      <p:pic>
+        <p:nvPicPr>
+          <p:cNvPr id="92" name="Graphic 91">
+            <a:extLst>
+              <a:ext uri="{FF2B5EF4-FFF2-40B4-BE49-F238E27FC236}">
+                <a16:creationId xmlns:a16="http://schemas.microsoft.com/office/drawing/2014/main" id="{D3E4A265-F15E-FF4E-98E3-49ADB0BCAFC7}"/>
+              </a:ext>
+            </a:extLst>
+          </p:cNvPr>
+          <p:cNvPicPr>
+            <a:picLocks noChangeAspect="1"/>
+          </p:cNvPicPr>
+          <p:nvPr/>
+        </p:nvPicPr>
+        <p:blipFill>
+          <a:blip r:embed="rId10">
+            <a:extLst>
+              <a:ext uri="{96DAC541-7B7A-43D3-8B79-37D633B846F1}">
+                <asvg:svgBlip xmlns:asvg="http://schemas.microsoft.com/office/drawing/2016/SVG/main" r:embed="rId11"/>
+              </a:ext>
+            </a:extLst>
+          </a:blip>
+          <a:stretch>
+            <a:fillRect/>
+          </a:stretch>
+        </p:blipFill>
+        <p:spPr>
+          <a:xfrm>
+            <a:off x="4451164" y="4653426"/>
+            <a:ext cx="457200" cy="457200"/>
+          </a:xfrm>
+          <a:prstGeom prst="rect">
+            <a:avLst/>
+          </a:prstGeom>
+        </p:spPr>
+      </p:pic>
+      <p:pic>
+        <p:nvPicPr>
+          <p:cNvPr id="93" name="Graphic 92">
+            <a:extLst>
+              <a:ext uri="{FF2B5EF4-FFF2-40B4-BE49-F238E27FC236}">
+                <a16:creationId xmlns:a16="http://schemas.microsoft.com/office/drawing/2014/main" id="{99844379-4EF1-7B4D-8936-DE2F918A01B2}"/>
+              </a:ext>
+            </a:extLst>
+          </p:cNvPr>
+          <p:cNvPicPr>
+            <a:picLocks noChangeAspect="1"/>
+          </p:cNvPicPr>
+          <p:nvPr/>
+        </p:nvPicPr>
+        <p:blipFill>
+          <a:blip r:embed="rId10">
+            <a:extLst>
+              <a:ext uri="{96DAC541-7B7A-43D3-8B79-37D633B846F1}">
+                <asvg:svgBlip xmlns:asvg="http://schemas.microsoft.com/office/drawing/2016/SVG/main" r:embed="rId11"/>
+              </a:ext>
+            </a:extLst>
+          </a:blip>
+          <a:stretch>
+            <a:fillRect/>
+          </a:stretch>
+        </p:blipFill>
+        <p:spPr>
+          <a:xfrm>
+            <a:off x="7417423" y="4649978"/>
+            <a:ext cx="457200" cy="457200"/>
+          </a:xfrm>
+          <a:prstGeom prst="rect">
+            <a:avLst/>
+          </a:prstGeom>
+        </p:spPr>
+      </p:pic>
+      <p:pic>
+        <p:nvPicPr>
+          <p:cNvPr id="94" name="Graphic 93">
+            <a:extLst>
+              <a:ext uri="{FF2B5EF4-FFF2-40B4-BE49-F238E27FC236}">
+                <a16:creationId xmlns:a16="http://schemas.microsoft.com/office/drawing/2014/main" id="{16D23500-F2BA-244D-8893-8352DBE3F770}"/>
+              </a:ext>
+            </a:extLst>
+          </p:cNvPr>
+          <p:cNvPicPr>
+            <a:picLocks noChangeAspect="1"/>
+          </p:cNvPicPr>
+          <p:nvPr/>
+        </p:nvPicPr>
+        <p:blipFill>
+          <a:blip r:embed="rId10">
+            <a:extLst>
+              <a:ext uri="{96DAC541-7B7A-43D3-8B79-37D633B846F1}">
+                <asvg:svgBlip xmlns:asvg="http://schemas.microsoft.com/office/drawing/2016/SVG/main" r:embed="rId11"/>
+              </a:ext>
+            </a:extLst>
+          </a:blip>
+          <a:stretch>
+            <a:fillRect/>
+          </a:stretch>
+        </p:blipFill>
+        <p:spPr>
+          <a:xfrm>
+            <a:off x="9927930" y="4649978"/>
+            <a:ext cx="457200" cy="457200"/>
+          </a:xfrm>
+          <a:prstGeom prst="rect">
+            <a:avLst/>
+          </a:prstGeom>
+        </p:spPr>
+      </p:pic>
+      <p:sp>
+        <p:nvSpPr>
+          <p:cNvPr id="5" name="TextBox 4">
+            <a:extLst>
+              <a:ext uri="{FF2B5EF4-FFF2-40B4-BE49-F238E27FC236}">
+                <a16:creationId xmlns:a16="http://schemas.microsoft.com/office/drawing/2014/main" id="{11D6F79F-53D8-AE4B-8BCE-2AB56ACF6399}"/>
+              </a:ext>
+            </a:extLst>
+          </p:cNvPr>
+          <p:cNvSpPr txBox="1"/>
+          <p:nvPr/>
+        </p:nvSpPr>
+        <p:spPr>
+          <a:xfrm>
+            <a:off x="4107806" y="5064701"/>
+            <a:ext cx="1276949" cy="276995"/>
+          </a:xfrm>
+          <a:prstGeom prst="rect">
+            <a:avLst/>
+          </a:prstGeom>
+          <a:noFill/>
+          <a:ln w="12700" cap="flat">
+            <a:noFill/>
+            <a:miter lim="400000"/>
+          </a:ln>
+          <a:effectLst/>
+          <a:sp3d/>
+        </p:spPr>
+        <p:style>
+          <a:lnRef idx="0">
+            <a:scrgbClr r="0" g="0" b="0"/>
+          </a:lnRef>
+          <a:fillRef idx="0">
+            <a:scrgbClr r="0" g="0" b="0"/>
+          </a:fillRef>
+          <a:effectRef idx="0">
+            <a:scrgbClr r="0" g="0" b="0"/>
+          </a:effectRef>
+          <a:fontRef idx="none"/>
+        </p:style>
+        <p:txBody>
+          <a:bodyPr rot="0" spcFirstLastPara="1" vertOverflow="overflow" horzOverflow="overflow" vert="horz" wrap="none" lIns="45718" tIns="45718" rIns="45718" bIns="45718" numCol="1" spcCol="38100" rtlCol="0" anchor="t">
+            <a:spAutoFit/>
+          </a:bodyPr>
+          <a:lstStyle/>
+          <a:p>
+            <a:pPr marL="0" marR="0" indent="0" algn="l" defTabSz="914400" rtl="0" fontAlgn="auto" latinLnBrk="0" hangingPunct="0">
+              <a:lnSpc>
+                <a:spcPct val="100000"/>
+              </a:lnSpc>
+              <a:spcBef>
+                <a:spcPts val="0"/>
+              </a:spcBef>
+              <a:spcAft>
+                <a:spcPts val="0"/>
+              </a:spcAft>
+              <a:buClrTx/>
+              <a:buSzTx/>
+              <a:buFontTx/>
+              <a:buNone/>
+              <a:tabLst/>
+            </a:pPr>
+            <a:r>
+              <a:rPr kumimoji="0" lang="en-US" sz="1200" b="0" i="0" u="none" strike="noStrike" cap="none" spc="0" normalizeH="0" baseline="0" dirty="0">
+                <a:ln>
+                  <a:noFill/>
+                </a:ln>
+                <a:solidFill>
+                  <a:srgbClr val="232F3D"/>
+                </a:solidFill>
+                <a:effectLst/>
+                <a:uFillTx/>
+                <a:latin typeface="Calibri" panose="020F0502020204030204" pitchFamily="34" charset="0"/>
+                <a:cs typeface="Calibri" panose="020F0502020204030204" pitchFamily="34" charset="0"/>
+                <a:sym typeface="Calibri"/>
+              </a:rPr>
+              <a:t>Neo4j Disk Storage</a:t>
+            </a:r>
+          </a:p>
+        </p:txBody>
+      </p:sp>
+      <p:pic>
+        <p:nvPicPr>
+          <p:cNvPr id="82" name="Graphic 19">
+            <a:extLst>
+              <a:ext uri="{FF2B5EF4-FFF2-40B4-BE49-F238E27FC236}">
+                <a16:creationId xmlns:a16="http://schemas.microsoft.com/office/drawing/2014/main" id="{7AB0BF0B-DB5D-C647-A2B2-5C2F0CFCED0E}"/>
+              </a:ext>
+            </a:extLst>
+          </p:cNvPr>
+          <p:cNvPicPr>
+            <a:picLocks noChangeAspect="1" noChangeArrowheads="1"/>
+          </p:cNvPicPr>
+          <p:nvPr/>
+        </p:nvPicPr>
+        <p:blipFill>
+          <a:blip r:embed="rId12">
+            <a:extLst>
+              <a:ext uri="{28A0092B-C50C-407E-A947-70E740481C1C}">
+                <a14:useLocalDpi xmlns:a14="http://schemas.microsoft.com/office/drawing/2010/main" val="0"/>
+              </a:ext>
+            </a:extLst>
+          </a:blip>
+          <a:srcRect/>
+          <a:stretch>
+            <a:fillRect/>
+          </a:stretch>
+        </p:blipFill>
+        <p:spPr bwMode="auto">
+          <a:xfrm>
+            <a:off x="2656032" y="3119047"/>
+            <a:ext cx="469900" cy="469900"/>
+          </a:xfrm>
+          <a:prstGeom prst="rect">
+            <a:avLst/>
+          </a:prstGeom>
+          <a:solidFill>
+            <a:srgbClr val="FFFFFF"/>
+          </a:solidFill>
+          <a:ln>
+            <a:noFill/>
+          </a:ln>
+        </p:spPr>
+      </p:pic>
+      <p:pic>
+        <p:nvPicPr>
+          <p:cNvPr id="98" name="Graphic 22">
+            <a:extLst>
+              <a:ext uri="{FF2B5EF4-FFF2-40B4-BE49-F238E27FC236}">
+                <a16:creationId xmlns:a16="http://schemas.microsoft.com/office/drawing/2014/main" id="{8794B229-127D-5E4D-82F0-B39DE3C41E7E}"/>
+              </a:ext>
+            </a:extLst>
+          </p:cNvPr>
+          <p:cNvPicPr>
+            <a:picLocks noChangeAspect="1" noChangeArrowheads="1"/>
+          </p:cNvPicPr>
+          <p:nvPr/>
+        </p:nvPicPr>
+        <p:blipFill>
+          <a:blip r:embed="rId13">
+            <a:extLst>
+              <a:ext uri="{96DAC541-7B7A-43D3-8B79-37D633B846F1}">
+                <asvg:svgBlip xmlns:asvg="http://schemas.microsoft.com/office/drawing/2016/SVG/main" r:embed="rId14"/>
+              </a:ext>
+            </a:extLst>
+          </a:blip>
+          <a:srcRect/>
+          <a:stretch/>
+        </p:blipFill>
+        <p:spPr bwMode="auto">
+          <a:xfrm>
+            <a:off x="377862" y="3237923"/>
+            <a:ext cx="469900" cy="469900"/>
+          </a:xfrm>
+          <a:prstGeom prst="rect">
+            <a:avLst/>
+          </a:prstGeom>
+          <a:noFill/>
+          <a:ln>
+            <a:noFill/>
+          </a:ln>
+          <a:extLst>
+            <a:ext uri="{909E8E84-426E-40DD-AFC4-6F175D3DCCD1}">
+              <a14:hiddenFill xmlns:a14="http://schemas.microsoft.com/office/drawing/2010/main">
+                <a:solidFill>
+                  <a:srgbClr val="FFFFFF"/>
+                </a:solidFill>
+              </a14:hiddenFill>
+            </a:ext>
+            <a:ext uri="{91240B29-F687-4F45-9708-019B960494DF}">
+              <a14:hiddenLine xmlns:a14="http://schemas.microsoft.com/office/drawing/2010/main" w="9525">
+                <a:solidFill>
+                  <a:srgbClr val="000000"/>
+                </a:solidFill>
+                <a:miter lim="800000"/>
+                <a:headEnd/>
+                <a:tailEnd/>
+              </a14:hiddenLine>
+            </a:ext>
+          </a:extLst>
+        </p:spPr>
+      </p:pic>
+      <p:pic>
+        <p:nvPicPr>
+          <p:cNvPr id="99" name="Graphic 22">
+            <a:extLst>
+              <a:ext uri="{FF2B5EF4-FFF2-40B4-BE49-F238E27FC236}">
+                <a16:creationId xmlns:a16="http://schemas.microsoft.com/office/drawing/2014/main" id="{23FD69F0-59F9-9647-922F-68E9910BE681}"/>
+              </a:ext>
+            </a:extLst>
+          </p:cNvPr>
+          <p:cNvPicPr>
+            <a:picLocks noChangeAspect="1" noChangeArrowheads="1"/>
+          </p:cNvPicPr>
+          <p:nvPr/>
+        </p:nvPicPr>
+        <p:blipFill>
+          <a:blip r:embed="rId13">
+            <a:extLst>
+              <a:ext uri="{96DAC541-7B7A-43D3-8B79-37D633B846F1}">
+                <asvg:svgBlip xmlns:asvg="http://schemas.microsoft.com/office/drawing/2016/SVG/main" r:embed="rId14"/>
+              </a:ext>
+            </a:extLst>
+          </a:blip>
+          <a:srcRect/>
+          <a:stretch/>
+        </p:blipFill>
+        <p:spPr bwMode="auto">
+          <a:xfrm>
+            <a:off x="368887" y="4984598"/>
+            <a:ext cx="469900" cy="469900"/>
+          </a:xfrm>
+          <a:prstGeom prst="rect">
+            <a:avLst/>
+          </a:prstGeom>
+          <a:noFill/>
+          <a:ln>
+            <a:noFill/>
+          </a:ln>
+          <a:extLst>
+            <a:ext uri="{909E8E84-426E-40DD-AFC4-6F175D3DCCD1}">
+              <a14:hiddenFill xmlns:a14="http://schemas.microsoft.com/office/drawing/2010/main">
+                <a:solidFill>
+                  <a:srgbClr val="FFFFFF"/>
+                </a:solidFill>
+              </a14:hiddenFill>
+            </a:ext>
+            <a:ext uri="{91240B29-F687-4F45-9708-019B960494DF}">
+              <a14:hiddenLine xmlns:a14="http://schemas.microsoft.com/office/drawing/2010/main" w="9525">
+                <a:solidFill>
+                  <a:srgbClr val="000000"/>
+                </a:solidFill>
+                <a:miter lim="800000"/>
+                <a:headEnd/>
+                <a:tailEnd/>
+              </a14:hiddenLine>
+            </a:ext>
+          </a:extLst>
+        </p:spPr>
+      </p:pic>
+      <p:sp>
+        <p:nvSpPr>
+          <p:cNvPr id="6" name="TextBox 5">
+            <a:extLst>
+              <a:ext uri="{FF2B5EF4-FFF2-40B4-BE49-F238E27FC236}">
+                <a16:creationId xmlns:a16="http://schemas.microsoft.com/office/drawing/2014/main" id="{85B4983C-4933-634E-B2F0-0384FE0493FD}"/>
+              </a:ext>
+            </a:extLst>
+          </p:cNvPr>
+          <p:cNvSpPr txBox="1"/>
+          <p:nvPr/>
+        </p:nvSpPr>
+        <p:spPr>
+          <a:xfrm>
+            <a:off x="99846" y="1998640"/>
+            <a:ext cx="999629" cy="400105"/>
+          </a:xfrm>
+          <a:prstGeom prst="rect">
+            <a:avLst/>
+          </a:prstGeom>
+          <a:noFill/>
+          <a:ln w="12700" cap="flat">
+            <a:noFill/>
+            <a:miter lim="400000"/>
+          </a:ln>
+          <a:effectLst/>
+          <a:sp3d/>
+        </p:spPr>
+        <p:style>
+          <a:lnRef idx="0">
+            <a:scrgbClr r="0" g="0" b="0"/>
+          </a:lnRef>
+          <a:fillRef idx="0">
+            <a:scrgbClr r="0" g="0" b="0"/>
+          </a:fillRef>
+          <a:effectRef idx="0">
+            <a:scrgbClr r="0" g="0" b="0"/>
+          </a:effectRef>
+          <a:fontRef idx="none"/>
+        </p:style>
+        <p:txBody>
+          <a:bodyPr rot="0" spcFirstLastPara="1" vertOverflow="overflow" horzOverflow="overflow" vert="horz" wrap="none" lIns="45718" tIns="45718" rIns="45718" bIns="45718" numCol="1" spcCol="38100" rtlCol="0" anchor="t">
+            <a:spAutoFit/>
+          </a:bodyPr>
+          <a:lstStyle/>
+          <a:p>
+            <a:pPr marL="0" marR="0" indent="0" algn="ctr" defTabSz="914400" rtl="0" fontAlgn="auto" latinLnBrk="0" hangingPunct="0">
+              <a:lnSpc>
+                <a:spcPct val="100000"/>
+              </a:lnSpc>
+              <a:spcBef>
+                <a:spcPts val="0"/>
+              </a:spcBef>
+              <a:spcAft>
+                <a:spcPts val="0"/>
+              </a:spcAft>
+              <a:buClrTx/>
+              <a:buSzTx/>
+              <a:buFontTx/>
+              <a:buNone/>
+              <a:tabLst/>
+            </a:pPr>
+            <a:r>
+              <a:rPr kumimoji="0" lang="en-US" sz="1000" b="0" i="0" u="none" strike="noStrike" cap="none" spc="0" normalizeH="0" baseline="0" dirty="0">
+                <a:ln>
+                  <a:noFill/>
+                </a:ln>
+                <a:solidFill>
+                  <a:srgbClr val="232F3D"/>
+                </a:solidFill>
+                <a:effectLst/>
+                <a:uFillTx/>
+                <a:latin typeface="Calibri" panose="020F0502020204030204" pitchFamily="34" charset="0"/>
+                <a:cs typeface="Calibri" panose="020F0502020204030204" pitchFamily="34" charset="0"/>
+                <a:sym typeface="Calibri"/>
+              </a:rPr>
+              <a:t>Business Analysts</a:t>
+            </a:r>
+            <a:br>
+              <a:rPr kumimoji="0" lang="en-US" sz="1000" b="0" i="0" u="none" strike="noStrike" cap="none" spc="0" normalizeH="0" baseline="0" dirty="0">
+                <a:ln>
+                  <a:noFill/>
+                </a:ln>
+                <a:solidFill>
+                  <a:srgbClr val="232F3D"/>
+                </a:solidFill>
+                <a:effectLst/>
+                <a:uFillTx/>
+                <a:latin typeface="Calibri" panose="020F0502020204030204" pitchFamily="34" charset="0"/>
+                <a:cs typeface="Calibri" panose="020F0502020204030204" pitchFamily="34" charset="0"/>
+                <a:sym typeface="Calibri"/>
+              </a:rPr>
+            </a:br>
+            <a:r>
+              <a:rPr kumimoji="0" lang="en-US" sz="1000" b="0" i="0" u="none" strike="noStrike" cap="none" spc="0" normalizeH="0" baseline="0" dirty="0">
+                <a:ln>
+                  <a:noFill/>
+                </a:ln>
+                <a:solidFill>
+                  <a:srgbClr val="232F3D"/>
+                </a:solidFill>
+                <a:effectLst/>
+                <a:uFillTx/>
+                <a:latin typeface="Calibri" panose="020F0502020204030204" pitchFamily="34" charset="0"/>
+                <a:cs typeface="Calibri" panose="020F0502020204030204" pitchFamily="34" charset="0"/>
+                <a:sym typeface="Calibri"/>
+              </a:rPr>
+              <a:t>Data Scientists</a:t>
+            </a:r>
+          </a:p>
+        </p:txBody>
+      </p:sp>
+      <p:pic>
+        <p:nvPicPr>
+          <p:cNvPr id="100" name="Graphic 23">
+            <a:extLst>
+              <a:ext uri="{FF2B5EF4-FFF2-40B4-BE49-F238E27FC236}">
+                <a16:creationId xmlns:a16="http://schemas.microsoft.com/office/drawing/2014/main" id="{27BBF687-D0B1-F84C-A61D-AEEE04B3B62C}"/>
+              </a:ext>
+            </a:extLst>
+          </p:cNvPr>
+          <p:cNvPicPr>
+            <a:picLocks noChangeAspect="1" noChangeArrowheads="1"/>
+          </p:cNvPicPr>
+          <p:nvPr/>
+        </p:nvPicPr>
+        <p:blipFill>
+          <a:blip r:embed="rId15">
+            <a:extLst>
+              <a:ext uri="{96DAC541-7B7A-43D3-8B79-37D633B846F1}">
+                <asvg:svgBlip xmlns:asvg="http://schemas.microsoft.com/office/drawing/2016/SVG/main" r:embed="rId16"/>
+              </a:ext>
+            </a:extLst>
+          </a:blip>
+          <a:srcRect/>
+          <a:stretch/>
+        </p:blipFill>
+        <p:spPr bwMode="auto">
+          <a:xfrm flipH="1">
+            <a:off x="375257" y="1562214"/>
+            <a:ext cx="469900" cy="469900"/>
+          </a:xfrm>
+          <a:prstGeom prst="rect">
+            <a:avLst/>
+          </a:prstGeom>
+          <a:noFill/>
+          <a:ln>
+            <a:noFill/>
+          </a:ln>
+          <a:extLst>
+            <a:ext uri="{909E8E84-426E-40DD-AFC4-6F175D3DCCD1}">
+              <a14:hiddenFill xmlns:a14="http://schemas.microsoft.com/office/drawing/2010/main">
+                <a:solidFill>
+                  <a:srgbClr val="FFFFFF"/>
+                </a:solidFill>
+              </a14:hiddenFill>
+            </a:ext>
+            <a:ext uri="{91240B29-F687-4F45-9708-019B960494DF}">
+              <a14:hiddenLine xmlns:a14="http://schemas.microsoft.com/office/drawing/2010/main" w="9525">
+                <a:solidFill>
+                  <a:srgbClr val="000000"/>
+                </a:solidFill>
+                <a:miter lim="800000"/>
+                <a:headEnd/>
+                <a:tailEnd/>
+              </a14:hiddenLine>
+            </a:ext>
+          </a:extLst>
+        </p:spPr>
+      </p:pic>
+      <p:sp>
+        <p:nvSpPr>
+          <p:cNvPr id="101" name="TextBox 100">
+            <a:extLst>
+              <a:ext uri="{FF2B5EF4-FFF2-40B4-BE49-F238E27FC236}">
+                <a16:creationId xmlns:a16="http://schemas.microsoft.com/office/drawing/2014/main" id="{63F107EB-808A-9C41-996E-23B53E182C68}"/>
+              </a:ext>
+            </a:extLst>
+          </p:cNvPr>
+          <p:cNvSpPr txBox="1"/>
+          <p:nvPr/>
+        </p:nvSpPr>
+        <p:spPr>
+          <a:xfrm>
+            <a:off x="291565" y="3687210"/>
+            <a:ext cx="629334" cy="246217"/>
+          </a:xfrm>
+          <a:prstGeom prst="rect">
+            <a:avLst/>
+          </a:prstGeom>
+          <a:noFill/>
+          <a:ln w="12700" cap="flat">
+            <a:noFill/>
+            <a:miter lim="400000"/>
+          </a:ln>
+          <a:effectLst/>
+          <a:sp3d/>
+        </p:spPr>
+        <p:style>
+          <a:lnRef idx="0">
+            <a:scrgbClr r="0" g="0" b="0"/>
+          </a:lnRef>
+          <a:fillRef idx="0">
+            <a:scrgbClr r="0" g="0" b="0"/>
+          </a:fillRef>
+          <a:effectRef idx="0">
+            <a:scrgbClr r="0" g="0" b="0"/>
+          </a:effectRef>
+          <a:fontRef idx="none"/>
+        </p:style>
+        <p:txBody>
+          <a:bodyPr rot="0" spcFirstLastPara="1" vertOverflow="overflow" horzOverflow="overflow" vert="horz" wrap="none" lIns="45718" tIns="45718" rIns="45718" bIns="45718" numCol="1" spcCol="38100" rtlCol="0" anchor="t">
+            <a:spAutoFit/>
+          </a:bodyPr>
+          <a:lstStyle/>
+          <a:p>
+            <a:pPr marL="0" marR="0" indent="0" algn="ctr" defTabSz="914400" rtl="0" fontAlgn="auto" latinLnBrk="0" hangingPunct="0">
+              <a:lnSpc>
+                <a:spcPct val="100000"/>
+              </a:lnSpc>
+              <a:spcBef>
+                <a:spcPts val="0"/>
+              </a:spcBef>
+              <a:spcAft>
+                <a:spcPts val="0"/>
+              </a:spcAft>
+              <a:buClrTx/>
+              <a:buSzTx/>
+              <a:buFontTx/>
+              <a:buNone/>
+              <a:tabLst/>
+            </a:pPr>
+            <a:r>
+              <a:rPr kumimoji="0" lang="en-US" sz="1000" b="0" i="0" u="none" strike="noStrike" cap="none" spc="0" normalizeH="0" baseline="0" dirty="0">
+                <a:ln>
+                  <a:noFill/>
+                </a:ln>
+                <a:solidFill>
+                  <a:srgbClr val="232F3D"/>
+                </a:solidFill>
+                <a:effectLst/>
+                <a:uFillTx/>
+                <a:latin typeface="Calibri" panose="020F0502020204030204" pitchFamily="34" charset="0"/>
+                <a:cs typeface="Calibri" panose="020F0502020204030204" pitchFamily="34" charset="0"/>
+                <a:sym typeface="Calibri"/>
+              </a:rPr>
+              <a:t>Developer</a:t>
+            </a:r>
+          </a:p>
+        </p:txBody>
+      </p:sp>
+      <p:sp>
+        <p:nvSpPr>
+          <p:cNvPr id="102" name="TextBox 101">
+            <a:extLst>
+              <a:ext uri="{FF2B5EF4-FFF2-40B4-BE49-F238E27FC236}">
+                <a16:creationId xmlns:a16="http://schemas.microsoft.com/office/drawing/2014/main" id="{000472F1-338E-2646-B349-850704CAB204}"/>
+              </a:ext>
+            </a:extLst>
+          </p:cNvPr>
+          <p:cNvSpPr txBox="1"/>
+          <p:nvPr/>
+        </p:nvSpPr>
+        <p:spPr>
+          <a:xfrm>
+            <a:off x="114777" y="5501323"/>
+            <a:ext cx="901845" cy="246217"/>
+          </a:xfrm>
+          <a:prstGeom prst="rect">
+            <a:avLst/>
+          </a:prstGeom>
+          <a:noFill/>
+          <a:ln w="12700" cap="flat">
+            <a:noFill/>
+            <a:miter lim="400000"/>
+          </a:ln>
+          <a:effectLst/>
+          <a:sp3d/>
+        </p:spPr>
+        <p:style>
+          <a:lnRef idx="0">
+            <a:scrgbClr r="0" g="0" b="0"/>
+          </a:lnRef>
+          <a:fillRef idx="0">
+            <a:scrgbClr r="0" g="0" b="0"/>
+          </a:fillRef>
+          <a:effectRef idx="0">
+            <a:scrgbClr r="0" g="0" b="0"/>
+          </a:effectRef>
+          <a:fontRef idx="none"/>
+        </p:style>
+        <p:txBody>
+          <a:bodyPr rot="0" spcFirstLastPara="1" vertOverflow="overflow" horzOverflow="overflow" vert="horz" wrap="none" lIns="45718" tIns="45718" rIns="45718" bIns="45718" numCol="1" spcCol="38100" rtlCol="0" anchor="t">
+            <a:spAutoFit/>
+          </a:bodyPr>
+          <a:lstStyle/>
+          <a:p>
+            <a:pPr marL="0" marR="0" indent="0" algn="ctr" defTabSz="914400" rtl="0" fontAlgn="auto" latinLnBrk="0" hangingPunct="0">
+              <a:lnSpc>
+                <a:spcPct val="100000"/>
+              </a:lnSpc>
+              <a:spcBef>
+                <a:spcPts val="0"/>
+              </a:spcBef>
+              <a:spcAft>
+                <a:spcPts val="0"/>
+              </a:spcAft>
+              <a:buClrTx/>
+              <a:buSzTx/>
+              <a:buFontTx/>
+              <a:buNone/>
+              <a:tabLst/>
+            </a:pPr>
+            <a:r>
+              <a:rPr kumimoji="0" lang="en-US" sz="1000" b="0" i="0" u="none" strike="noStrike" cap="none" spc="0" normalizeH="0" baseline="0" dirty="0">
+                <a:ln>
+                  <a:noFill/>
+                </a:ln>
+                <a:solidFill>
+                  <a:srgbClr val="232F3D"/>
+                </a:solidFill>
+                <a:effectLst/>
+                <a:uFillTx/>
+                <a:latin typeface="Calibri" panose="020F0502020204030204" pitchFamily="34" charset="0"/>
+                <a:cs typeface="Calibri" panose="020F0502020204030204" pitchFamily="34" charset="0"/>
+                <a:sym typeface="Calibri"/>
+              </a:rPr>
+              <a:t>Developer/DBA</a:t>
+            </a:r>
+          </a:p>
+        </p:txBody>
+      </p:sp>
+      <p:sp>
+        <p:nvSpPr>
+          <p:cNvPr id="7" name="TextBox 6">
+            <a:extLst>
+              <a:ext uri="{FF2B5EF4-FFF2-40B4-BE49-F238E27FC236}">
+                <a16:creationId xmlns:a16="http://schemas.microsoft.com/office/drawing/2014/main" id="{A79EA311-DF7A-A14A-ACE0-4C4B87A6D0C2}"/>
+              </a:ext>
+            </a:extLst>
+          </p:cNvPr>
+          <p:cNvSpPr txBox="1"/>
+          <p:nvPr/>
+        </p:nvSpPr>
+        <p:spPr>
+          <a:xfrm>
+            <a:off x="454710" y="820702"/>
+            <a:ext cx="1042910" cy="307773"/>
+          </a:xfrm>
+          <a:prstGeom prst="rect">
+            <a:avLst/>
+          </a:prstGeom>
+          <a:noFill/>
+          <a:ln w="12700" cap="flat">
+            <a:noFill/>
+            <a:miter lim="400000"/>
+          </a:ln>
+          <a:effectLst/>
+          <a:sp3d/>
+        </p:spPr>
+        <p:style>
+          <a:lnRef idx="0">
+            <a:scrgbClr r="0" g="0" b="0"/>
+          </a:lnRef>
+          <a:fillRef idx="0">
+            <a:scrgbClr r="0" g="0" b="0"/>
+          </a:fillRef>
+          <a:effectRef idx="0">
+            <a:scrgbClr r="0" g="0" b="0"/>
+          </a:effectRef>
+          <a:fontRef idx="none"/>
+        </p:style>
+        <p:txBody>
+          <a:bodyPr rot="0" spcFirstLastPara="1" vertOverflow="overflow" horzOverflow="overflow" vert="horz" wrap="none" lIns="45718" tIns="45718" rIns="45718" bIns="45718" numCol="1" spcCol="38100" rtlCol="0" anchor="t">
+            <a:spAutoFit/>
+          </a:bodyPr>
+          <a:lstStyle/>
+          <a:p>
+            <a:pPr marL="0" marR="0" indent="0" algn="l" defTabSz="914400" rtl="0" fontAlgn="auto" latinLnBrk="0" hangingPunct="0">
+              <a:lnSpc>
+                <a:spcPct val="100000"/>
+              </a:lnSpc>
+              <a:spcBef>
+                <a:spcPts val="0"/>
+              </a:spcBef>
+              <a:spcAft>
+                <a:spcPts val="0"/>
+              </a:spcAft>
+              <a:buClrTx/>
+              <a:buSzTx/>
+              <a:buFontTx/>
+              <a:buNone/>
+              <a:tabLst/>
+            </a:pPr>
+            <a:r>
+              <a:rPr kumimoji="0" lang="en-US" sz="1400" b="0" i="0" u="sng" strike="noStrike" cap="none" spc="0" normalizeH="0" baseline="0" dirty="0">
+                <a:ln>
+                  <a:noFill/>
+                </a:ln>
+                <a:solidFill>
+                  <a:srgbClr val="232F3D"/>
+                </a:solidFill>
+                <a:effectLst/>
+                <a:uFillTx/>
+                <a:latin typeface="Calibri" panose="020F0502020204030204" pitchFamily="34" charset="0"/>
+                <a:cs typeface="Calibri" panose="020F0502020204030204" pitchFamily="34" charset="0"/>
+                <a:sym typeface="Calibri"/>
+              </a:rPr>
+              <a:t>Client Access</a:t>
+            </a:r>
+          </a:p>
+        </p:txBody>
+      </p:sp>
+      <p:pic>
+        <p:nvPicPr>
+          <p:cNvPr id="1026" name="Picture 2">
+            <a:extLst>
+              <a:ext uri="{FF2B5EF4-FFF2-40B4-BE49-F238E27FC236}">
+                <a16:creationId xmlns:a16="http://schemas.microsoft.com/office/drawing/2014/main" id="{E70404B9-0C61-C942-97E2-B9A45F3ACEE6}"/>
+              </a:ext>
+            </a:extLst>
+          </p:cNvPr>
+          <p:cNvPicPr>
+            <a:picLocks noChangeAspect="1" noChangeArrowheads="1"/>
+          </p:cNvPicPr>
+          <p:nvPr/>
+        </p:nvPicPr>
+        <p:blipFill>
+          <a:blip r:embed="rId17">
+            <a:extLst>
+              <a:ext uri="{28A0092B-C50C-407E-A947-70E740481C1C}">
+                <a14:useLocalDpi xmlns:a14="http://schemas.microsoft.com/office/drawing/2010/main" val="0"/>
+              </a:ext>
+            </a:extLst>
+          </a:blip>
+          <a:srcRect/>
+          <a:stretch>
+            <a:fillRect/>
+          </a:stretch>
+        </p:blipFill>
+        <p:spPr bwMode="auto">
+          <a:xfrm>
+            <a:off x="1222782" y="1500448"/>
+            <a:ext cx="398016" cy="398016"/>
+          </a:xfrm>
+          <a:prstGeom prst="rect">
+            <a:avLst/>
+          </a:prstGeom>
+          <a:noFill/>
+          <a:extLst>
+            <a:ext uri="{909E8E84-426E-40DD-AFC4-6F175D3DCCD1}">
+              <a14:hiddenFill xmlns:a14="http://schemas.microsoft.com/office/drawing/2010/main">
+                <a:solidFill>
+                  <a:srgbClr val="FFFFFF"/>
+                </a:solidFill>
+              </a14:hiddenFill>
+            </a:ext>
+          </a:extLst>
+        </p:spPr>
+      </p:pic>
+      <p:cxnSp>
+        <p:nvCxnSpPr>
+          <p:cNvPr id="106" name="Straight Arrow Connector 105">
+            <a:extLst>
+              <a:ext uri="{FF2B5EF4-FFF2-40B4-BE49-F238E27FC236}">
+                <a16:creationId xmlns:a16="http://schemas.microsoft.com/office/drawing/2014/main" id="{2741F194-BBD1-C44F-AE31-999C13F60258}"/>
+              </a:ext>
+            </a:extLst>
+          </p:cNvPr>
+          <p:cNvCxnSpPr>
+            <a:cxnSpLocks/>
+          </p:cNvCxnSpPr>
+          <p:nvPr/>
+        </p:nvCxnSpPr>
+        <p:spPr bwMode="auto">
+          <a:xfrm flipV="1">
+            <a:off x="1421790" y="3150202"/>
+            <a:ext cx="1268886" cy="1"/>
+          </a:xfrm>
+          <a:prstGeom prst="straightConnector1">
+            <a:avLst/>
+          </a:prstGeom>
+          <a:ln w="12700">
+            <a:solidFill>
+              <a:srgbClr val="545B64"/>
+            </a:solidFill>
+            <a:headEnd type="none" w="med" len="sm"/>
+            <a:tailEnd type="arrow" w="med" len="sm"/>
+          </a:ln>
+        </p:spPr>
+        <p:style>
+          <a:lnRef idx="1">
+            <a:schemeClr val="accent1"/>
+          </a:lnRef>
+          <a:fillRef idx="0">
+            <a:schemeClr val="accent1"/>
+          </a:fillRef>
+          <a:effectRef idx="0">
+            <a:schemeClr val="accent1"/>
+          </a:effectRef>
+          <a:fontRef idx="minor">
+            <a:schemeClr val="tx1"/>
+          </a:fontRef>
+        </p:style>
+      </p:cxnSp>
+      <p:cxnSp>
+        <p:nvCxnSpPr>
+          <p:cNvPr id="107" name="Straight Arrow Connector 106">
+            <a:extLst>
+              <a:ext uri="{FF2B5EF4-FFF2-40B4-BE49-F238E27FC236}">
+                <a16:creationId xmlns:a16="http://schemas.microsoft.com/office/drawing/2014/main" id="{86C9C147-E266-1A42-B7ED-F8C897238BB3}"/>
+              </a:ext>
+            </a:extLst>
+          </p:cNvPr>
+          <p:cNvCxnSpPr>
+            <a:cxnSpLocks/>
+          </p:cNvCxnSpPr>
+          <p:nvPr/>
+        </p:nvCxnSpPr>
+        <p:spPr bwMode="auto">
+          <a:xfrm>
+            <a:off x="1421790" y="2159720"/>
+            <a:ext cx="0" cy="993704"/>
+          </a:xfrm>
+          <a:prstGeom prst="straightConnector1">
+            <a:avLst/>
+          </a:prstGeom>
+          <a:ln w="12700">
+            <a:solidFill>
+              <a:srgbClr val="545B64"/>
+            </a:solidFill>
+            <a:headEnd type="none" w="med" len="sm"/>
+            <a:tailEnd type="none" w="med" len="sm"/>
+          </a:ln>
+        </p:spPr>
+        <p:style>
+          <a:lnRef idx="1">
+            <a:schemeClr val="accent1"/>
+          </a:lnRef>
+          <a:fillRef idx="0">
+            <a:schemeClr val="accent1"/>
+          </a:fillRef>
+          <a:effectRef idx="0">
+            <a:schemeClr val="accent1"/>
+          </a:effectRef>
+          <a:fontRef idx="minor">
+            <a:schemeClr val="tx1"/>
+          </a:fontRef>
+        </p:style>
+      </p:cxnSp>
+      <p:sp>
+        <p:nvSpPr>
+          <p:cNvPr id="108" name="TextBox 107">
+            <a:extLst>
+              <a:ext uri="{FF2B5EF4-FFF2-40B4-BE49-F238E27FC236}">
+                <a16:creationId xmlns:a16="http://schemas.microsoft.com/office/drawing/2014/main" id="{619F5A1D-EEDC-2045-8E58-E1C1CF66C79D}"/>
+              </a:ext>
+            </a:extLst>
+          </p:cNvPr>
+          <p:cNvSpPr txBox="1"/>
+          <p:nvPr/>
+        </p:nvSpPr>
+        <p:spPr>
+          <a:xfrm>
+            <a:off x="1763797" y="2695542"/>
+            <a:ext cx="616511" cy="461661"/>
+          </a:xfrm>
+          <a:prstGeom prst="rect">
+            <a:avLst/>
+          </a:prstGeom>
+          <a:noFill/>
+          <a:ln w="12700" cap="flat">
+            <a:noFill/>
+            <a:miter lim="400000"/>
+          </a:ln>
+          <a:effectLst/>
+          <a:sp3d/>
+        </p:spPr>
+        <p:style>
+          <a:lnRef idx="0">
+            <a:scrgbClr r="0" g="0" b="0"/>
+          </a:lnRef>
+          <a:fillRef idx="0">
+            <a:scrgbClr r="0" g="0" b="0"/>
+          </a:fillRef>
+          <a:effectRef idx="0">
+            <a:scrgbClr r="0" g="0" b="0"/>
+          </a:effectRef>
+          <a:fontRef idx="none"/>
+        </p:style>
+        <p:txBody>
+          <a:bodyPr rot="0" spcFirstLastPara="1" vertOverflow="overflow" horzOverflow="overflow" vert="horz" wrap="none" lIns="45718" tIns="45718" rIns="45718" bIns="45718" numCol="1" spcCol="38100" rtlCol="0" anchor="t">
+            <a:spAutoFit/>
+          </a:bodyPr>
+          <a:lstStyle/>
+          <a:p>
+            <a:pPr marL="0" marR="0" indent="0" algn="l" defTabSz="914400" rtl="0" fontAlgn="auto" latinLnBrk="0" hangingPunct="0">
+              <a:lnSpc>
+                <a:spcPct val="100000"/>
+              </a:lnSpc>
+              <a:spcBef>
+                <a:spcPts val="0"/>
+              </a:spcBef>
+              <a:spcAft>
+                <a:spcPts val="0"/>
+              </a:spcAft>
+              <a:buClrTx/>
+              <a:buSzTx/>
+              <a:buFontTx/>
+              <a:buNone/>
+              <a:tabLst/>
+            </a:pPr>
+            <a:r>
+              <a:rPr kumimoji="0" lang="en-US" sz="800" b="1" i="0" u="none" strike="noStrike" cap="none" spc="0" normalizeH="0" baseline="0" dirty="0">
+                <a:ln>
+                  <a:noFill/>
+                </a:ln>
+                <a:solidFill>
+                  <a:srgbClr val="232F3D"/>
+                </a:solidFill>
+                <a:effectLst/>
+                <a:uFillTx/>
+                <a:latin typeface="Calibri" panose="020F0502020204030204" pitchFamily="34" charset="0"/>
+                <a:cs typeface="Calibri" panose="020F0502020204030204" pitchFamily="34" charset="0"/>
+                <a:sym typeface="Calibri"/>
+              </a:rPr>
+              <a:t>BOLT</a:t>
+            </a:r>
+            <a:r>
+              <a:rPr kumimoji="0" lang="en-US" sz="800" b="0" i="0" u="none" strike="noStrike" cap="none" spc="0" normalizeH="0" baseline="0" dirty="0">
+                <a:ln>
+                  <a:noFill/>
+                </a:ln>
+                <a:solidFill>
+                  <a:srgbClr val="232F3D"/>
+                </a:solidFill>
+                <a:effectLst/>
+                <a:uFillTx/>
+                <a:latin typeface="Calibri" panose="020F0502020204030204" pitchFamily="34" charset="0"/>
+                <a:cs typeface="Calibri" panose="020F0502020204030204" pitchFamily="34" charset="0"/>
+                <a:sym typeface="Calibri"/>
+              </a:rPr>
+              <a:t>: 7687</a:t>
+            </a:r>
+            <a:br>
+              <a:rPr kumimoji="0" lang="en-US" sz="800" b="0" i="0" u="none" strike="noStrike" cap="none" spc="0" normalizeH="0" baseline="0" dirty="0">
+                <a:ln>
+                  <a:noFill/>
+                </a:ln>
+                <a:solidFill>
+                  <a:srgbClr val="232F3D"/>
+                </a:solidFill>
+                <a:effectLst/>
+                <a:uFillTx/>
+                <a:latin typeface="Calibri" panose="020F0502020204030204" pitchFamily="34" charset="0"/>
+                <a:cs typeface="Calibri" panose="020F0502020204030204" pitchFamily="34" charset="0"/>
+                <a:sym typeface="Calibri"/>
+              </a:rPr>
+            </a:br>
+            <a:r>
+              <a:rPr kumimoji="0" lang="en-US" sz="800" b="1" i="0" u="none" strike="noStrike" cap="none" spc="0" normalizeH="0" baseline="0" dirty="0">
+                <a:ln>
+                  <a:noFill/>
+                </a:ln>
+                <a:solidFill>
+                  <a:srgbClr val="232F3D"/>
+                </a:solidFill>
+                <a:effectLst/>
+                <a:uFillTx/>
+                <a:latin typeface="Calibri" panose="020F0502020204030204" pitchFamily="34" charset="0"/>
+                <a:cs typeface="Calibri" panose="020F0502020204030204" pitchFamily="34" charset="0"/>
+                <a:sym typeface="Calibri"/>
+              </a:rPr>
+              <a:t>HTTP</a:t>
+            </a:r>
+            <a:r>
+              <a:rPr kumimoji="0" lang="en-US" sz="800" b="0" i="0" u="none" strike="noStrike" cap="none" spc="0" normalizeH="0" baseline="0" dirty="0">
+                <a:ln>
+                  <a:noFill/>
+                </a:ln>
+                <a:solidFill>
+                  <a:srgbClr val="232F3D"/>
+                </a:solidFill>
+                <a:effectLst/>
+                <a:uFillTx/>
+                <a:latin typeface="Calibri" panose="020F0502020204030204" pitchFamily="34" charset="0"/>
+                <a:cs typeface="Calibri" panose="020F0502020204030204" pitchFamily="34" charset="0"/>
+                <a:sym typeface="Calibri"/>
+              </a:rPr>
+              <a:t>: 7474</a:t>
+            </a:r>
+            <a:br>
+              <a:rPr kumimoji="0" lang="en-US" sz="800" b="0" i="0" u="none" strike="noStrike" cap="none" spc="0" normalizeH="0" baseline="0" dirty="0">
+                <a:ln>
+                  <a:noFill/>
+                </a:ln>
+                <a:solidFill>
+                  <a:srgbClr val="232F3D"/>
+                </a:solidFill>
+                <a:effectLst/>
+                <a:uFillTx/>
+                <a:latin typeface="Calibri" panose="020F0502020204030204" pitchFamily="34" charset="0"/>
+                <a:cs typeface="Calibri" panose="020F0502020204030204" pitchFamily="34" charset="0"/>
+                <a:sym typeface="Calibri"/>
+              </a:rPr>
+            </a:br>
+            <a:r>
+              <a:rPr kumimoji="0" lang="en-US" sz="800" b="1" i="0" u="none" strike="noStrike" cap="none" spc="0" normalizeH="0" baseline="0" dirty="0">
+                <a:ln>
+                  <a:noFill/>
+                </a:ln>
+                <a:solidFill>
+                  <a:srgbClr val="232F3D"/>
+                </a:solidFill>
+                <a:effectLst/>
+                <a:uFillTx/>
+                <a:latin typeface="Calibri" panose="020F0502020204030204" pitchFamily="34" charset="0"/>
+                <a:cs typeface="Calibri" panose="020F0502020204030204" pitchFamily="34" charset="0"/>
+                <a:sym typeface="Calibri"/>
+              </a:rPr>
+              <a:t>HTTPS</a:t>
+            </a:r>
+            <a:r>
+              <a:rPr kumimoji="0" lang="en-US" sz="800" b="0" i="0" u="none" strike="noStrike" cap="none" spc="0" normalizeH="0" baseline="0" dirty="0">
+                <a:ln>
+                  <a:noFill/>
+                </a:ln>
+                <a:solidFill>
+                  <a:srgbClr val="232F3D"/>
+                </a:solidFill>
+                <a:effectLst/>
+                <a:uFillTx/>
+                <a:latin typeface="Calibri" panose="020F0502020204030204" pitchFamily="34" charset="0"/>
+                <a:cs typeface="Calibri" panose="020F0502020204030204" pitchFamily="34" charset="0"/>
+                <a:sym typeface="Calibri"/>
+              </a:rPr>
+              <a:t>: 7473</a:t>
+            </a:r>
+          </a:p>
+        </p:txBody>
+      </p:sp>
+      <p:cxnSp>
+        <p:nvCxnSpPr>
+          <p:cNvPr id="111" name="Straight Arrow Connector 110">
+            <a:extLst>
+              <a:ext uri="{FF2B5EF4-FFF2-40B4-BE49-F238E27FC236}">
+                <a16:creationId xmlns:a16="http://schemas.microsoft.com/office/drawing/2014/main" id="{1C48953E-CD81-144E-813D-99D3D333D79B}"/>
+              </a:ext>
+            </a:extLst>
+          </p:cNvPr>
+          <p:cNvCxnSpPr>
+            <a:cxnSpLocks/>
+          </p:cNvCxnSpPr>
+          <p:nvPr/>
+        </p:nvCxnSpPr>
+        <p:spPr bwMode="auto">
+          <a:xfrm flipV="1">
+            <a:off x="1762106" y="3429000"/>
+            <a:ext cx="893926" cy="3400"/>
+          </a:xfrm>
+          <a:prstGeom prst="straightConnector1">
+            <a:avLst/>
+          </a:prstGeom>
+          <a:ln w="12700">
+            <a:solidFill>
+              <a:srgbClr val="545B64"/>
+            </a:solidFill>
+            <a:headEnd type="none" w="med" len="sm"/>
+            <a:tailEnd type="arrow" w="med" len="sm"/>
+          </a:ln>
+        </p:spPr>
+        <p:style>
+          <a:lnRef idx="1">
+            <a:schemeClr val="accent1"/>
+          </a:lnRef>
+          <a:fillRef idx="0">
+            <a:schemeClr val="accent1"/>
+          </a:fillRef>
+          <a:effectRef idx="0">
+            <a:schemeClr val="accent1"/>
+          </a:effectRef>
+          <a:fontRef idx="minor">
+            <a:schemeClr val="tx1"/>
+          </a:fontRef>
+        </p:style>
+      </p:cxnSp>
+      <p:sp>
+        <p:nvSpPr>
+          <p:cNvPr id="112" name="Rectangle 111">
+            <a:extLst>
+              <a:ext uri="{FF2B5EF4-FFF2-40B4-BE49-F238E27FC236}">
+                <a16:creationId xmlns:a16="http://schemas.microsoft.com/office/drawing/2014/main" id="{6FB5A1D9-7197-4E40-A189-F719C56F2EC3}"/>
+              </a:ext>
+            </a:extLst>
+          </p:cNvPr>
+          <p:cNvSpPr/>
+          <p:nvPr/>
+        </p:nvSpPr>
+        <p:spPr>
+          <a:xfrm>
+            <a:off x="1053461" y="3207774"/>
+            <a:ext cx="720491" cy="748624"/>
+          </a:xfrm>
+          <a:prstGeom prst="rect">
+            <a:avLst/>
+          </a:prstGeom>
+          <a:solidFill>
+            <a:srgbClr val="5A6B86">
+              <a:alpha val="9804"/>
+            </a:srgbClr>
+          </a:solidFill>
+          <a:ln w="12700">
+            <a:noFill/>
+            <a:prstDash val="dash"/>
+          </a:ln>
+        </p:spPr>
+        <p:style>
+          <a:lnRef idx="2">
+            <a:schemeClr val="accent1">
+              <a:shade val="50000"/>
+            </a:schemeClr>
+          </a:lnRef>
+          <a:fillRef idx="1">
+            <a:schemeClr val="accent1"/>
+          </a:fillRef>
+          <a:effectRef idx="0">
+            <a:schemeClr val="accent1"/>
+          </a:effectRef>
+          <a:fontRef idx="minor">
+            <a:schemeClr val="lt1"/>
+          </a:fontRef>
+        </p:style>
+        <p:txBody>
+          <a:bodyPr tIns="91440" anchor="ctr"/>
+          <a:lstStyle/>
+          <a:p>
+            <a:pPr algn="ctr" eaLnBrk="1" fontAlgn="auto" hangingPunct="1">
+              <a:spcBef>
+                <a:spcPts val="0"/>
+              </a:spcBef>
+              <a:spcAft>
+                <a:spcPts val="0"/>
+              </a:spcAft>
+              <a:defRPr/>
+            </a:pPr>
+            <a:r>
+              <a:rPr lang="en-US" sz="900" dirty="0">
+                <a:solidFill>
+                  <a:schemeClr val="tx1"/>
+                </a:solidFill>
+                <a:latin typeface="Calibri" panose="020F0502020204030204" pitchFamily="34" charset="0"/>
+                <a:cs typeface="Calibri" panose="020F0502020204030204" pitchFamily="34" charset="0"/>
+              </a:rPr>
+              <a:t>DRIVERS</a:t>
+            </a:r>
+            <a:endParaRPr lang="en-US" sz="1050" dirty="0">
+              <a:solidFill>
+                <a:schemeClr val="tx1"/>
+              </a:solidFill>
+              <a:latin typeface="Calibri" panose="020F0502020204030204" pitchFamily="34" charset="0"/>
+              <a:cs typeface="Calibri" panose="020F0502020204030204" pitchFamily="34" charset="0"/>
+            </a:endParaRPr>
+          </a:p>
+        </p:txBody>
+      </p:sp>
+      <p:sp>
+        <p:nvSpPr>
+          <p:cNvPr id="110" name="TextBox 109">
+            <a:extLst>
+              <a:ext uri="{FF2B5EF4-FFF2-40B4-BE49-F238E27FC236}">
+                <a16:creationId xmlns:a16="http://schemas.microsoft.com/office/drawing/2014/main" id="{1D8E0377-DEBD-F045-BCE0-5E8CC9D3175A}"/>
+              </a:ext>
+            </a:extLst>
+          </p:cNvPr>
+          <p:cNvSpPr txBox="1"/>
+          <p:nvPr/>
+        </p:nvSpPr>
+        <p:spPr>
+          <a:xfrm>
+            <a:off x="1405226" y="4155052"/>
+            <a:ext cx="92394" cy="369328"/>
+          </a:xfrm>
+          <a:prstGeom prst="rect">
+            <a:avLst/>
+          </a:prstGeom>
+          <a:noFill/>
+          <a:ln w="12700" cap="flat">
+            <a:noFill/>
+            <a:miter lim="400000"/>
+          </a:ln>
+          <a:effectLst/>
+          <a:sp3d/>
+        </p:spPr>
+        <p:style>
+          <a:lnRef idx="0">
+            <a:scrgbClr r="0" g="0" b="0"/>
+          </a:lnRef>
+          <a:fillRef idx="0">
+            <a:scrgbClr r="0" g="0" b="0"/>
+          </a:fillRef>
+          <a:effectRef idx="0">
+            <a:scrgbClr r="0" g="0" b="0"/>
+          </a:effectRef>
+          <a:fontRef idx="none"/>
+        </p:style>
+        <p:txBody>
+          <a:bodyPr rot="0" spcFirstLastPara="1" vertOverflow="overflow" horzOverflow="overflow" vert="horz" wrap="none" lIns="45718" tIns="45718" rIns="45718" bIns="45718" numCol="1" spcCol="38100" rtlCol="0" anchor="t">
+            <a:spAutoFit/>
+          </a:bodyPr>
+          <a:lstStyle/>
+          <a:p>
+            <a:pPr marL="0" marR="0" indent="0" algn="l" defTabSz="914400" rtl="0" fontAlgn="auto" latinLnBrk="0" hangingPunct="0">
+              <a:lnSpc>
+                <a:spcPct val="100000"/>
+              </a:lnSpc>
+              <a:spcBef>
+                <a:spcPts val="0"/>
+              </a:spcBef>
+              <a:spcAft>
+                <a:spcPts val="0"/>
+              </a:spcAft>
+              <a:buClrTx/>
+              <a:buSzTx/>
+              <a:buFontTx/>
+              <a:buNone/>
+              <a:tabLst/>
+            </a:pPr>
+            <a:endParaRPr kumimoji="0" lang="en-US" sz="1800" b="0" i="0" u="none" strike="noStrike" cap="none" spc="0" normalizeH="0" baseline="0" dirty="0">
+              <a:ln>
+                <a:noFill/>
+              </a:ln>
+              <a:solidFill>
+                <a:srgbClr val="232F3D"/>
+              </a:solidFill>
+              <a:effectLst/>
+              <a:uFillTx/>
+              <a:latin typeface="Calibri" panose="020F0502020204030204" pitchFamily="34" charset="0"/>
+              <a:cs typeface="Calibri" panose="020F0502020204030204" pitchFamily="34" charset="0"/>
+              <a:sym typeface="Calibri"/>
+            </a:endParaRPr>
+          </a:p>
+        </p:txBody>
+      </p:sp>
+      <p:sp>
+        <p:nvSpPr>
+          <p:cNvPr id="113" name="TextBox 112">
+            <a:extLst>
+              <a:ext uri="{FF2B5EF4-FFF2-40B4-BE49-F238E27FC236}">
+                <a16:creationId xmlns:a16="http://schemas.microsoft.com/office/drawing/2014/main" id="{7C2171E8-B16B-A942-9D56-6730ECD6348F}"/>
+              </a:ext>
+            </a:extLst>
+          </p:cNvPr>
+          <p:cNvSpPr txBox="1"/>
+          <p:nvPr/>
+        </p:nvSpPr>
+        <p:spPr>
+          <a:xfrm>
+            <a:off x="1081474" y="3687210"/>
+            <a:ext cx="680632" cy="246217"/>
+          </a:xfrm>
+          <a:prstGeom prst="rect">
+            <a:avLst/>
+          </a:prstGeom>
+          <a:noFill/>
+          <a:ln w="9525" cap="flat">
+            <a:solidFill>
+              <a:schemeClr val="tx1"/>
+            </a:solidFill>
+            <a:miter lim="400000"/>
+          </a:ln>
+          <a:effectLst/>
+          <a:sp3d/>
+        </p:spPr>
+        <p:style>
+          <a:lnRef idx="0">
+            <a:scrgbClr r="0" g="0" b="0"/>
+          </a:lnRef>
+          <a:fillRef idx="0">
+            <a:scrgbClr r="0" g="0" b="0"/>
+          </a:fillRef>
+          <a:effectRef idx="0">
+            <a:scrgbClr r="0" g="0" b="0"/>
+          </a:effectRef>
+          <a:fontRef idx="none"/>
+        </p:style>
+        <p:txBody>
+          <a:bodyPr rot="0" spcFirstLastPara="1" vertOverflow="overflow" horzOverflow="overflow" vert="horz" wrap="none" lIns="45718" tIns="45718" rIns="45718" bIns="45718" numCol="1" spcCol="38100" rtlCol="0" anchor="t">
+            <a:spAutoFit/>
+          </a:bodyPr>
+          <a:lstStyle/>
+          <a:p>
+            <a:pPr marL="0" marR="0" indent="0" algn="l" defTabSz="914400" rtl="0" fontAlgn="auto" latinLnBrk="0" hangingPunct="0">
+              <a:lnSpc>
+                <a:spcPct val="100000"/>
+              </a:lnSpc>
+              <a:spcBef>
+                <a:spcPts val="0"/>
+              </a:spcBef>
+              <a:spcAft>
+                <a:spcPts val="0"/>
+              </a:spcAft>
+              <a:buClrTx/>
+              <a:buSzTx/>
+              <a:buFontTx/>
+              <a:buNone/>
+              <a:tabLst/>
+            </a:pPr>
+            <a:r>
+              <a:rPr kumimoji="0" lang="en-US" sz="1000" b="0" i="0" u="none" strike="noStrike" cap="none" spc="0" normalizeH="0" baseline="0" dirty="0">
+                <a:ln>
+                  <a:noFill/>
+                </a:ln>
+                <a:solidFill>
+                  <a:srgbClr val="232F3D"/>
+                </a:solidFill>
+                <a:effectLst/>
+                <a:uFillTx/>
+                <a:latin typeface="Calibri" panose="020F0502020204030204" pitchFamily="34" charset="0"/>
+                <a:cs typeface="Calibri" panose="020F0502020204030204" pitchFamily="34" charset="0"/>
+                <a:sym typeface="Calibri"/>
+              </a:rPr>
+              <a:t>Application</a:t>
+            </a:r>
+          </a:p>
+        </p:txBody>
+      </p:sp>
+      <p:sp>
+        <p:nvSpPr>
+          <p:cNvPr id="115" name="Rectangle 114">
+            <a:extLst>
+              <a:ext uri="{FF2B5EF4-FFF2-40B4-BE49-F238E27FC236}">
+                <a16:creationId xmlns:a16="http://schemas.microsoft.com/office/drawing/2014/main" id="{E725F479-B5D8-7148-9ED9-84C95B11FCC3}"/>
+              </a:ext>
+            </a:extLst>
+          </p:cNvPr>
+          <p:cNvSpPr/>
+          <p:nvPr/>
+        </p:nvSpPr>
+        <p:spPr>
+          <a:xfrm>
+            <a:off x="1065960" y="4934266"/>
+            <a:ext cx="774717" cy="813274"/>
+          </a:xfrm>
+          <a:prstGeom prst="rect">
+            <a:avLst/>
+          </a:prstGeom>
+          <a:solidFill>
+            <a:srgbClr val="5A6B86">
+              <a:alpha val="9804"/>
+            </a:srgbClr>
+          </a:solidFill>
+          <a:ln w="12700">
+            <a:noFill/>
+            <a:prstDash val="dash"/>
+          </a:ln>
+        </p:spPr>
+        <p:style>
+          <a:lnRef idx="2">
+            <a:schemeClr val="accent1">
+              <a:shade val="50000"/>
+            </a:schemeClr>
+          </a:lnRef>
+          <a:fillRef idx="1">
+            <a:schemeClr val="accent1"/>
+          </a:fillRef>
+          <a:effectRef idx="0">
+            <a:schemeClr val="accent1"/>
+          </a:effectRef>
+          <a:fontRef idx="minor">
+            <a:schemeClr val="lt1"/>
+          </a:fontRef>
+        </p:style>
+        <p:txBody>
+          <a:bodyPr tIns="91440" anchor="ctr"/>
+          <a:lstStyle/>
+          <a:p>
+            <a:pPr algn="ctr" eaLnBrk="1" fontAlgn="auto" hangingPunct="1">
+              <a:spcBef>
+                <a:spcPts val="0"/>
+              </a:spcBef>
+              <a:spcAft>
+                <a:spcPts val="0"/>
+              </a:spcAft>
+              <a:defRPr/>
+            </a:pPr>
+            <a:endParaRPr lang="en-US" sz="1050" dirty="0">
+              <a:solidFill>
+                <a:schemeClr val="tx1"/>
+              </a:solidFill>
+              <a:latin typeface="Calibri" panose="020F0502020204030204" pitchFamily="34" charset="0"/>
+              <a:cs typeface="Calibri" panose="020F0502020204030204" pitchFamily="34" charset="0"/>
+            </a:endParaRPr>
+          </a:p>
+        </p:txBody>
+      </p:sp>
+      <p:cxnSp>
+        <p:nvCxnSpPr>
+          <p:cNvPr id="120" name="Straight Arrow Connector 119">
+            <a:extLst>
+              <a:ext uri="{FF2B5EF4-FFF2-40B4-BE49-F238E27FC236}">
+                <a16:creationId xmlns:a16="http://schemas.microsoft.com/office/drawing/2014/main" id="{72C19C3B-8CCF-7944-B6CD-6C61BE98977A}"/>
+              </a:ext>
+            </a:extLst>
+          </p:cNvPr>
+          <p:cNvCxnSpPr>
+            <a:cxnSpLocks/>
+          </p:cNvCxnSpPr>
+          <p:nvPr/>
+        </p:nvCxnSpPr>
+        <p:spPr bwMode="auto">
+          <a:xfrm flipV="1">
+            <a:off x="2651556" y="3572850"/>
+            <a:ext cx="0" cy="754384"/>
+          </a:xfrm>
+          <a:prstGeom prst="straightConnector1">
+            <a:avLst/>
+          </a:prstGeom>
+          <a:ln w="12700">
+            <a:solidFill>
+              <a:srgbClr val="545B64"/>
+            </a:solidFill>
+            <a:headEnd type="none" w="med" len="sm"/>
+            <a:tailEnd type="arrow" w="med" len="sm"/>
+          </a:ln>
+        </p:spPr>
+        <p:style>
+          <a:lnRef idx="1">
+            <a:schemeClr val="accent1"/>
+          </a:lnRef>
+          <a:fillRef idx="0">
+            <a:schemeClr val="accent1"/>
+          </a:fillRef>
+          <a:effectRef idx="0">
+            <a:schemeClr val="accent1"/>
+          </a:effectRef>
+          <a:fontRef idx="minor">
+            <a:schemeClr val="tx1"/>
+          </a:fontRef>
+        </p:style>
+      </p:cxnSp>
+      <p:cxnSp>
+        <p:nvCxnSpPr>
+          <p:cNvPr id="121" name="Straight Arrow Connector 120">
+            <a:extLst>
+              <a:ext uri="{FF2B5EF4-FFF2-40B4-BE49-F238E27FC236}">
+                <a16:creationId xmlns:a16="http://schemas.microsoft.com/office/drawing/2014/main" id="{2E1E9C82-C0E8-8741-AE67-9A1591FA2432}"/>
+              </a:ext>
+            </a:extLst>
+          </p:cNvPr>
+          <p:cNvCxnSpPr>
+            <a:cxnSpLocks/>
+          </p:cNvCxnSpPr>
+          <p:nvPr/>
+        </p:nvCxnSpPr>
+        <p:spPr bwMode="auto">
+          <a:xfrm flipV="1">
+            <a:off x="1434847" y="4320340"/>
+            <a:ext cx="0" cy="613926"/>
+          </a:xfrm>
+          <a:prstGeom prst="straightConnector1">
+            <a:avLst/>
+          </a:prstGeom>
+          <a:ln w="12700">
+            <a:solidFill>
+              <a:srgbClr val="545B64"/>
+            </a:solidFill>
+            <a:headEnd type="none" w="med" len="sm"/>
+            <a:tailEnd type="none" w="med" len="sm"/>
+          </a:ln>
+        </p:spPr>
+        <p:style>
+          <a:lnRef idx="1">
+            <a:schemeClr val="accent1"/>
+          </a:lnRef>
+          <a:fillRef idx="0">
+            <a:schemeClr val="accent1"/>
+          </a:fillRef>
+          <a:effectRef idx="0">
+            <a:schemeClr val="accent1"/>
+          </a:effectRef>
+          <a:fontRef idx="minor">
+            <a:schemeClr val="tx1"/>
+          </a:fontRef>
+        </p:style>
+      </p:cxnSp>
+      <p:cxnSp>
+        <p:nvCxnSpPr>
+          <p:cNvPr id="136" name="Straight Arrow Connector 135">
+            <a:extLst>
+              <a:ext uri="{FF2B5EF4-FFF2-40B4-BE49-F238E27FC236}">
+                <a16:creationId xmlns:a16="http://schemas.microsoft.com/office/drawing/2014/main" id="{F3D295D1-A8F6-474A-BC83-494B0BA08651}"/>
+              </a:ext>
+            </a:extLst>
+          </p:cNvPr>
+          <p:cNvCxnSpPr>
+            <a:cxnSpLocks/>
+          </p:cNvCxnSpPr>
+          <p:nvPr/>
+        </p:nvCxnSpPr>
+        <p:spPr bwMode="auto">
+          <a:xfrm flipH="1">
+            <a:off x="1432934" y="4321244"/>
+            <a:ext cx="1222679" cy="0"/>
+          </a:xfrm>
+          <a:prstGeom prst="straightConnector1">
+            <a:avLst/>
+          </a:prstGeom>
+          <a:ln w="12700">
+            <a:solidFill>
+              <a:srgbClr val="545B64"/>
+            </a:solidFill>
+            <a:headEnd type="none" w="med" len="sm"/>
+            <a:tailEnd type="none" w="med" len="sm"/>
+          </a:ln>
+        </p:spPr>
+        <p:style>
+          <a:lnRef idx="1">
+            <a:schemeClr val="accent1"/>
+          </a:lnRef>
+          <a:fillRef idx="0">
+            <a:schemeClr val="accent1"/>
+          </a:fillRef>
+          <a:effectRef idx="0">
+            <a:schemeClr val="accent1"/>
+          </a:effectRef>
+          <a:fontRef idx="minor">
+            <a:schemeClr val="tx1"/>
+          </a:fontRef>
+        </p:style>
+      </p:cxnSp>
+      <p:pic>
+        <p:nvPicPr>
+          <p:cNvPr id="141" name="Graphic 24">
+            <a:extLst>
+              <a:ext uri="{FF2B5EF4-FFF2-40B4-BE49-F238E27FC236}">
+                <a16:creationId xmlns:a16="http://schemas.microsoft.com/office/drawing/2014/main" id="{C93BA4F6-82E5-924F-BBC4-5EEC112D85EB}"/>
+              </a:ext>
+            </a:extLst>
+          </p:cNvPr>
+          <p:cNvPicPr>
+            <a:picLocks noChangeAspect="1" noChangeArrowheads="1"/>
+          </p:cNvPicPr>
+          <p:nvPr/>
+        </p:nvPicPr>
+        <p:blipFill>
+          <a:blip r:embed="rId18">
+            <a:extLst>
+              <a:ext uri="{28A0092B-C50C-407E-A947-70E740481C1C}">
+                <a14:useLocalDpi xmlns:a14="http://schemas.microsoft.com/office/drawing/2010/main" val="0"/>
+              </a:ext>
+            </a:extLst>
+          </a:blip>
+          <a:srcRect/>
+          <a:stretch>
+            <a:fillRect/>
+          </a:stretch>
+        </p:blipFill>
+        <p:spPr bwMode="auto">
+          <a:xfrm>
+            <a:off x="1241420" y="4999678"/>
+            <a:ext cx="469900" cy="469900"/>
+          </a:xfrm>
+          <a:prstGeom prst="rect">
+            <a:avLst/>
+          </a:prstGeom>
+          <a:noFill/>
+          <a:ln>
+            <a:noFill/>
+          </a:ln>
+          <a:extLst>
+            <a:ext uri="{909E8E84-426E-40DD-AFC4-6F175D3DCCD1}">
+              <a14:hiddenFill xmlns:a14="http://schemas.microsoft.com/office/drawing/2010/main">
+                <a:solidFill>
+                  <a:srgbClr val="FFFFFF"/>
+                </a:solidFill>
+              </a14:hiddenFill>
+            </a:ext>
+            <a:ext uri="{91240B29-F687-4F45-9708-019B960494DF}">
+              <a14:hiddenLine xmlns:a14="http://schemas.microsoft.com/office/drawing/2010/main" w="9525">
+                <a:solidFill>
+                  <a:srgbClr val="000000"/>
+                </a:solidFill>
+                <a:miter lim="800000"/>
+                <a:headEnd/>
+                <a:tailEnd/>
+              </a14:hiddenLine>
+            </a:ext>
+          </a:extLst>
+        </p:spPr>
+      </p:pic>
+      <p:sp>
+        <p:nvSpPr>
+          <p:cNvPr id="142" name="TextBox 141">
+            <a:extLst>
+              <a:ext uri="{FF2B5EF4-FFF2-40B4-BE49-F238E27FC236}">
+                <a16:creationId xmlns:a16="http://schemas.microsoft.com/office/drawing/2014/main" id="{DCA82E29-80B6-1541-95D0-BDEF1E576404}"/>
+              </a:ext>
+            </a:extLst>
+          </p:cNvPr>
+          <p:cNvSpPr txBox="1"/>
+          <p:nvPr/>
+        </p:nvSpPr>
+        <p:spPr>
+          <a:xfrm>
+            <a:off x="1110708" y="5454498"/>
+            <a:ext cx="680631" cy="246217"/>
+          </a:xfrm>
+          <a:prstGeom prst="rect">
+            <a:avLst/>
+          </a:prstGeom>
+          <a:noFill/>
+          <a:ln w="9525" cap="flat">
+            <a:solidFill>
+              <a:schemeClr val="tx1"/>
+            </a:solidFill>
+            <a:miter lim="400000"/>
+          </a:ln>
+          <a:effectLst/>
+          <a:sp3d/>
+        </p:spPr>
+        <p:style>
+          <a:lnRef idx="0">
+            <a:scrgbClr r="0" g="0" b="0"/>
+          </a:lnRef>
+          <a:fillRef idx="0">
+            <a:scrgbClr r="0" g="0" b="0"/>
+          </a:fillRef>
+          <a:effectRef idx="0">
+            <a:scrgbClr r="0" g="0" b="0"/>
+          </a:effectRef>
+          <a:fontRef idx="none"/>
+        </p:style>
+        <p:txBody>
+          <a:bodyPr rot="0" spcFirstLastPara="1" vertOverflow="overflow" horzOverflow="overflow" vert="horz" wrap="square" lIns="45718" tIns="45718" rIns="45718" bIns="45718" numCol="1" spcCol="38100" rtlCol="0" anchor="t">
+            <a:spAutoFit/>
+          </a:bodyPr>
+          <a:lstStyle/>
+          <a:p>
+            <a:pPr marL="0" marR="0" indent="0" algn="l" defTabSz="914400" rtl="0" fontAlgn="auto" latinLnBrk="0" hangingPunct="0">
+              <a:lnSpc>
+                <a:spcPct val="100000"/>
+              </a:lnSpc>
+              <a:spcBef>
+                <a:spcPts val="0"/>
+              </a:spcBef>
+              <a:spcAft>
+                <a:spcPts val="0"/>
+              </a:spcAft>
+              <a:buClrTx/>
+              <a:buSzTx/>
+              <a:buFontTx/>
+              <a:buNone/>
+              <a:tabLst/>
+            </a:pPr>
+            <a:r>
+              <a:rPr kumimoji="0" lang="en-US" sz="1000" b="0" i="0" u="none" strike="noStrike" cap="none" spc="0" normalizeH="0" baseline="0" dirty="0">
+                <a:ln>
+                  <a:noFill/>
+                </a:ln>
+                <a:solidFill>
+                  <a:srgbClr val="232F3D"/>
+                </a:solidFill>
+                <a:effectLst/>
+                <a:uFillTx/>
+                <a:latin typeface="Calibri" panose="020F0502020204030204" pitchFamily="34" charset="0"/>
+                <a:cs typeface="Calibri" panose="020F0502020204030204" pitchFamily="34" charset="0"/>
+                <a:sym typeface="Calibri"/>
+              </a:rPr>
+              <a:t>Browser</a:t>
+            </a:r>
+          </a:p>
+        </p:txBody>
+      </p:sp>
+      <p:sp>
+        <p:nvSpPr>
+          <p:cNvPr id="148" name="TextBox 147">
+            <a:extLst>
+              <a:ext uri="{FF2B5EF4-FFF2-40B4-BE49-F238E27FC236}">
+                <a16:creationId xmlns:a16="http://schemas.microsoft.com/office/drawing/2014/main" id="{380359D6-FE24-294C-AC5A-C904BF1679DC}"/>
+              </a:ext>
+            </a:extLst>
+          </p:cNvPr>
+          <p:cNvSpPr txBox="1"/>
+          <p:nvPr/>
+        </p:nvSpPr>
+        <p:spPr>
+          <a:xfrm>
+            <a:off x="1755341" y="3434805"/>
+            <a:ext cx="616511" cy="461661"/>
+          </a:xfrm>
+          <a:prstGeom prst="rect">
+            <a:avLst/>
+          </a:prstGeom>
+          <a:noFill/>
+          <a:ln w="12700" cap="flat">
+            <a:noFill/>
+            <a:miter lim="400000"/>
+          </a:ln>
+          <a:effectLst/>
+          <a:sp3d/>
+        </p:spPr>
+        <p:style>
+          <a:lnRef idx="0">
+            <a:scrgbClr r="0" g="0" b="0"/>
+          </a:lnRef>
+          <a:fillRef idx="0">
+            <a:scrgbClr r="0" g="0" b="0"/>
+          </a:fillRef>
+          <a:effectRef idx="0">
+            <a:scrgbClr r="0" g="0" b="0"/>
+          </a:effectRef>
+          <a:fontRef idx="none"/>
+        </p:style>
+        <p:txBody>
+          <a:bodyPr rot="0" spcFirstLastPara="1" vertOverflow="overflow" horzOverflow="overflow" vert="horz" wrap="none" lIns="45718" tIns="45718" rIns="45718" bIns="45718" numCol="1" spcCol="38100" rtlCol="0" anchor="t">
+            <a:spAutoFit/>
+          </a:bodyPr>
+          <a:lstStyle/>
+          <a:p>
+            <a:pPr marL="0" marR="0" indent="0" algn="l" defTabSz="914400" rtl="0" fontAlgn="auto" latinLnBrk="0" hangingPunct="0">
+              <a:lnSpc>
+                <a:spcPct val="100000"/>
+              </a:lnSpc>
+              <a:spcBef>
+                <a:spcPts val="0"/>
+              </a:spcBef>
+              <a:spcAft>
+                <a:spcPts val="0"/>
+              </a:spcAft>
+              <a:buClrTx/>
+              <a:buSzTx/>
+              <a:buFontTx/>
+              <a:buNone/>
+              <a:tabLst/>
+            </a:pPr>
+            <a:r>
+              <a:rPr kumimoji="0" lang="en-US" sz="800" b="1" i="0" u="none" strike="noStrike" cap="none" spc="0" normalizeH="0" baseline="0" dirty="0">
+                <a:ln>
+                  <a:noFill/>
+                </a:ln>
+                <a:solidFill>
+                  <a:srgbClr val="232F3D"/>
+                </a:solidFill>
+                <a:effectLst/>
+                <a:uFillTx/>
+                <a:latin typeface="Calibri" panose="020F0502020204030204" pitchFamily="34" charset="0"/>
+                <a:cs typeface="Calibri" panose="020F0502020204030204" pitchFamily="34" charset="0"/>
+                <a:sym typeface="Calibri"/>
+              </a:rPr>
+              <a:t>BOLT</a:t>
+            </a:r>
+            <a:r>
+              <a:rPr kumimoji="0" lang="en-US" sz="800" b="0" i="0" u="none" strike="noStrike" cap="none" spc="0" normalizeH="0" baseline="0" dirty="0">
+                <a:ln>
+                  <a:noFill/>
+                </a:ln>
+                <a:solidFill>
+                  <a:srgbClr val="232F3D"/>
+                </a:solidFill>
+                <a:effectLst/>
+                <a:uFillTx/>
+                <a:latin typeface="Calibri" panose="020F0502020204030204" pitchFamily="34" charset="0"/>
+                <a:cs typeface="Calibri" panose="020F0502020204030204" pitchFamily="34" charset="0"/>
+                <a:sym typeface="Calibri"/>
+              </a:rPr>
+              <a:t>: 7687</a:t>
+            </a:r>
+            <a:br>
+              <a:rPr kumimoji="0" lang="en-US" sz="800" b="0" i="0" u="none" strike="noStrike" cap="none" spc="0" normalizeH="0" baseline="0" dirty="0">
+                <a:ln>
+                  <a:noFill/>
+                </a:ln>
+                <a:solidFill>
+                  <a:srgbClr val="232F3D"/>
+                </a:solidFill>
+                <a:effectLst/>
+                <a:uFillTx/>
+                <a:latin typeface="Calibri" panose="020F0502020204030204" pitchFamily="34" charset="0"/>
+                <a:cs typeface="Calibri" panose="020F0502020204030204" pitchFamily="34" charset="0"/>
+                <a:sym typeface="Calibri"/>
+              </a:rPr>
+            </a:br>
+            <a:r>
+              <a:rPr kumimoji="0" lang="en-US" sz="800" b="1" i="0" u="none" strike="noStrike" cap="none" spc="0" normalizeH="0" baseline="0" dirty="0">
+                <a:ln>
+                  <a:noFill/>
+                </a:ln>
+                <a:solidFill>
+                  <a:srgbClr val="232F3D"/>
+                </a:solidFill>
+                <a:effectLst/>
+                <a:uFillTx/>
+                <a:latin typeface="Calibri" panose="020F0502020204030204" pitchFamily="34" charset="0"/>
+                <a:cs typeface="Calibri" panose="020F0502020204030204" pitchFamily="34" charset="0"/>
+                <a:sym typeface="Calibri"/>
+              </a:rPr>
+              <a:t>HTTP</a:t>
+            </a:r>
+            <a:r>
+              <a:rPr kumimoji="0" lang="en-US" sz="800" b="0" i="0" u="none" strike="noStrike" cap="none" spc="0" normalizeH="0" baseline="0" dirty="0">
+                <a:ln>
+                  <a:noFill/>
+                </a:ln>
+                <a:solidFill>
+                  <a:srgbClr val="232F3D"/>
+                </a:solidFill>
+                <a:effectLst/>
+                <a:uFillTx/>
+                <a:latin typeface="Calibri" panose="020F0502020204030204" pitchFamily="34" charset="0"/>
+                <a:cs typeface="Calibri" panose="020F0502020204030204" pitchFamily="34" charset="0"/>
+                <a:sym typeface="Calibri"/>
+              </a:rPr>
+              <a:t>: 7474</a:t>
+            </a:r>
+            <a:br>
+              <a:rPr kumimoji="0" lang="en-US" sz="800" b="0" i="0" u="none" strike="noStrike" cap="none" spc="0" normalizeH="0" baseline="0" dirty="0">
+                <a:ln>
+                  <a:noFill/>
+                </a:ln>
+                <a:solidFill>
+                  <a:srgbClr val="232F3D"/>
+                </a:solidFill>
+                <a:effectLst/>
+                <a:uFillTx/>
+                <a:latin typeface="Calibri" panose="020F0502020204030204" pitchFamily="34" charset="0"/>
+                <a:cs typeface="Calibri" panose="020F0502020204030204" pitchFamily="34" charset="0"/>
+                <a:sym typeface="Calibri"/>
+              </a:rPr>
+            </a:br>
+            <a:r>
+              <a:rPr kumimoji="0" lang="en-US" sz="800" b="1" i="0" u="none" strike="noStrike" cap="none" spc="0" normalizeH="0" baseline="0" dirty="0">
+                <a:ln>
+                  <a:noFill/>
+                </a:ln>
+                <a:solidFill>
+                  <a:srgbClr val="232F3D"/>
+                </a:solidFill>
+                <a:effectLst/>
+                <a:uFillTx/>
+                <a:latin typeface="Calibri" panose="020F0502020204030204" pitchFamily="34" charset="0"/>
+                <a:cs typeface="Calibri" panose="020F0502020204030204" pitchFamily="34" charset="0"/>
+                <a:sym typeface="Calibri"/>
+              </a:rPr>
+              <a:t>HTTPS</a:t>
+            </a:r>
+            <a:r>
+              <a:rPr kumimoji="0" lang="en-US" sz="800" b="0" i="0" u="none" strike="noStrike" cap="none" spc="0" normalizeH="0" baseline="0" dirty="0">
+                <a:ln>
+                  <a:noFill/>
+                </a:ln>
+                <a:solidFill>
+                  <a:srgbClr val="232F3D"/>
+                </a:solidFill>
+                <a:effectLst/>
+                <a:uFillTx/>
+                <a:latin typeface="Calibri" panose="020F0502020204030204" pitchFamily="34" charset="0"/>
+                <a:cs typeface="Calibri" panose="020F0502020204030204" pitchFamily="34" charset="0"/>
+                <a:sym typeface="Calibri"/>
+              </a:rPr>
+              <a:t>: 7473</a:t>
+            </a:r>
+          </a:p>
+        </p:txBody>
+      </p:sp>
+      <p:sp>
+        <p:nvSpPr>
+          <p:cNvPr id="157" name="TextBox 156">
+            <a:extLst>
+              <a:ext uri="{FF2B5EF4-FFF2-40B4-BE49-F238E27FC236}">
+                <a16:creationId xmlns:a16="http://schemas.microsoft.com/office/drawing/2014/main" id="{E33F31C0-4A9B-A94A-A1DB-C3045670C34A}"/>
+              </a:ext>
+            </a:extLst>
+          </p:cNvPr>
+          <p:cNvSpPr txBox="1"/>
+          <p:nvPr/>
+        </p:nvSpPr>
+        <p:spPr>
+          <a:xfrm>
+            <a:off x="1754029" y="4311147"/>
+            <a:ext cx="568421" cy="215440"/>
+          </a:xfrm>
+          <a:prstGeom prst="rect">
+            <a:avLst/>
+          </a:prstGeom>
+          <a:noFill/>
+          <a:ln w="12700" cap="flat">
+            <a:noFill/>
+            <a:miter lim="400000"/>
+          </a:ln>
+          <a:effectLst/>
+          <a:sp3d/>
+        </p:spPr>
+        <p:style>
+          <a:lnRef idx="0">
+            <a:scrgbClr r="0" g="0" b="0"/>
+          </a:lnRef>
+          <a:fillRef idx="0">
+            <a:scrgbClr r="0" g="0" b="0"/>
+          </a:fillRef>
+          <a:effectRef idx="0">
+            <a:scrgbClr r="0" g="0" b="0"/>
+          </a:effectRef>
+          <a:fontRef idx="none"/>
+        </p:style>
+        <p:txBody>
+          <a:bodyPr rot="0" spcFirstLastPara="1" vertOverflow="overflow" horzOverflow="overflow" vert="horz" wrap="none" lIns="45718" tIns="45718" rIns="45718" bIns="45718" numCol="1" spcCol="38100" rtlCol="0" anchor="t">
+            <a:spAutoFit/>
+          </a:bodyPr>
+          <a:lstStyle/>
+          <a:p>
+            <a:pPr marL="0" marR="0" indent="0" algn="l" defTabSz="914400" rtl="0" fontAlgn="auto" latinLnBrk="0" hangingPunct="0">
+              <a:lnSpc>
+                <a:spcPct val="100000"/>
+              </a:lnSpc>
+              <a:spcBef>
+                <a:spcPts val="0"/>
+              </a:spcBef>
+              <a:spcAft>
+                <a:spcPts val="0"/>
+              </a:spcAft>
+              <a:buClrTx/>
+              <a:buSzTx/>
+              <a:buFontTx/>
+              <a:buNone/>
+              <a:tabLst/>
+            </a:pPr>
+            <a:r>
+              <a:rPr kumimoji="0" lang="en-US" sz="800" b="1" i="0" u="none" strike="noStrike" cap="none" spc="0" normalizeH="0" baseline="0" dirty="0">
+                <a:ln>
+                  <a:noFill/>
+                </a:ln>
+                <a:solidFill>
+                  <a:srgbClr val="232F3D"/>
+                </a:solidFill>
+                <a:effectLst/>
+                <a:uFillTx/>
+                <a:latin typeface="Calibri" panose="020F0502020204030204" pitchFamily="34" charset="0"/>
+                <a:cs typeface="Calibri" panose="020F0502020204030204" pitchFamily="34" charset="0"/>
+                <a:sym typeface="Calibri"/>
+              </a:rPr>
+              <a:t>BOLT</a:t>
+            </a:r>
+            <a:r>
+              <a:rPr kumimoji="0" lang="en-US" sz="800" b="0" i="0" u="none" strike="noStrike" cap="none" spc="0" normalizeH="0" baseline="0" dirty="0">
+                <a:ln>
+                  <a:noFill/>
+                </a:ln>
+                <a:solidFill>
+                  <a:srgbClr val="232F3D"/>
+                </a:solidFill>
+                <a:effectLst/>
+                <a:uFillTx/>
+                <a:latin typeface="Calibri" panose="020F0502020204030204" pitchFamily="34" charset="0"/>
+                <a:cs typeface="Calibri" panose="020F0502020204030204" pitchFamily="34" charset="0"/>
+                <a:sym typeface="Calibri"/>
+              </a:rPr>
+              <a:t>: 7687</a:t>
+            </a:r>
+          </a:p>
+        </p:txBody>
+      </p:sp>
+      <p:pic>
+        <p:nvPicPr>
+          <p:cNvPr id="170" name="Graphic 12">
+            <a:extLst>
+              <a:ext uri="{FF2B5EF4-FFF2-40B4-BE49-F238E27FC236}">
+                <a16:creationId xmlns:a16="http://schemas.microsoft.com/office/drawing/2014/main" id="{D31C3430-D275-B942-96AC-C2C410400B1B}"/>
+              </a:ext>
+            </a:extLst>
+          </p:cNvPr>
+          <p:cNvPicPr>
+            <a:picLocks noChangeAspect="1" noChangeArrowheads="1"/>
+          </p:cNvPicPr>
+          <p:nvPr/>
+        </p:nvPicPr>
+        <p:blipFill>
+          <a:blip r:embed="rId19">
+            <a:extLst>
+              <a:ext uri="{28A0092B-C50C-407E-A947-70E740481C1C}">
+                <a14:useLocalDpi xmlns:a14="http://schemas.microsoft.com/office/drawing/2010/main" val="0"/>
+              </a:ext>
+            </a:extLst>
+          </a:blip>
+          <a:srcRect/>
+          <a:stretch>
+            <a:fillRect/>
+          </a:stretch>
+        </p:blipFill>
+        <p:spPr bwMode="auto">
+          <a:xfrm>
+            <a:off x="2230531" y="3176321"/>
+            <a:ext cx="254898" cy="254898"/>
+          </a:xfrm>
+          <a:prstGeom prst="rect">
+            <a:avLst/>
+          </a:prstGeom>
+          <a:solidFill>
+            <a:srgbClr val="FFFFFF"/>
+          </a:solidFill>
+          <a:ln>
+            <a:noFill/>
+          </a:ln>
+        </p:spPr>
+      </p:pic>
+      <p:pic>
+        <p:nvPicPr>
+          <p:cNvPr id="172" name="Graphic 171">
+            <a:extLst>
+              <a:ext uri="{FF2B5EF4-FFF2-40B4-BE49-F238E27FC236}">
+                <a16:creationId xmlns:a16="http://schemas.microsoft.com/office/drawing/2014/main" id="{C7F06409-5E30-6C4F-8A7E-20721D1E6B42}"/>
+              </a:ext>
+            </a:extLst>
+          </p:cNvPr>
+          <p:cNvPicPr>
+            <a:picLocks noChangeAspect="1"/>
+          </p:cNvPicPr>
+          <p:nvPr/>
+        </p:nvPicPr>
+        <p:blipFill>
+          <a:blip r:embed="rId20">
+            <a:extLst>
+              <a:ext uri="{96DAC541-7B7A-43D3-8B79-37D633B846F1}">
+                <asvg:svgBlip xmlns:asvg="http://schemas.microsoft.com/office/drawing/2016/SVG/main" r:embed="rId21"/>
+              </a:ext>
+            </a:extLst>
+          </a:blip>
+          <a:srcRect/>
+          <a:stretch/>
+        </p:blipFill>
+        <p:spPr>
+          <a:xfrm>
+            <a:off x="2346036" y="322092"/>
+            <a:ext cx="381000" cy="381000"/>
+          </a:xfrm>
+          <a:prstGeom prst="rect">
+            <a:avLst/>
+          </a:prstGeom>
+        </p:spPr>
+      </p:pic>
+      <p:sp>
+        <p:nvSpPr>
+          <p:cNvPr id="173" name="TextBox 172">
+            <a:extLst>
+              <a:ext uri="{FF2B5EF4-FFF2-40B4-BE49-F238E27FC236}">
+                <a16:creationId xmlns:a16="http://schemas.microsoft.com/office/drawing/2014/main" id="{37938198-F87C-E548-B7AF-743EE0B8E0E3}"/>
+              </a:ext>
+            </a:extLst>
+          </p:cNvPr>
+          <p:cNvSpPr txBox="1"/>
+          <p:nvPr/>
+        </p:nvSpPr>
+        <p:spPr>
+          <a:xfrm>
+            <a:off x="7029247" y="5079518"/>
+            <a:ext cx="1276949" cy="276995"/>
+          </a:xfrm>
+          <a:prstGeom prst="rect">
+            <a:avLst/>
+          </a:prstGeom>
+          <a:noFill/>
+          <a:ln w="12700" cap="flat">
+            <a:noFill/>
+            <a:miter lim="400000"/>
+          </a:ln>
+          <a:effectLst/>
+          <a:sp3d/>
+        </p:spPr>
+        <p:style>
+          <a:lnRef idx="0">
+            <a:scrgbClr r="0" g="0" b="0"/>
+          </a:lnRef>
+          <a:fillRef idx="0">
+            <a:scrgbClr r="0" g="0" b="0"/>
+          </a:fillRef>
+          <a:effectRef idx="0">
+            <a:scrgbClr r="0" g="0" b="0"/>
+          </a:effectRef>
+          <a:fontRef idx="none"/>
+        </p:style>
+        <p:txBody>
+          <a:bodyPr rot="0" spcFirstLastPara="1" vertOverflow="overflow" horzOverflow="overflow" vert="horz" wrap="none" lIns="45718" tIns="45718" rIns="45718" bIns="45718" numCol="1" spcCol="38100" rtlCol="0" anchor="t">
+            <a:spAutoFit/>
+          </a:bodyPr>
+          <a:lstStyle/>
+          <a:p>
+            <a:pPr marL="0" marR="0" indent="0" algn="l" defTabSz="914400" rtl="0" fontAlgn="auto" latinLnBrk="0" hangingPunct="0">
+              <a:lnSpc>
+                <a:spcPct val="100000"/>
+              </a:lnSpc>
+              <a:spcBef>
+                <a:spcPts val="0"/>
+              </a:spcBef>
+              <a:spcAft>
+                <a:spcPts val="0"/>
+              </a:spcAft>
+              <a:buClrTx/>
+              <a:buSzTx/>
+              <a:buFontTx/>
+              <a:buNone/>
+              <a:tabLst/>
+            </a:pPr>
+            <a:r>
+              <a:rPr kumimoji="0" lang="en-US" sz="1200" b="0" i="0" u="none" strike="noStrike" cap="none" spc="0" normalizeH="0" baseline="0" dirty="0">
+                <a:ln>
+                  <a:noFill/>
+                </a:ln>
+                <a:solidFill>
+                  <a:srgbClr val="232F3D"/>
+                </a:solidFill>
+                <a:effectLst/>
+                <a:uFillTx/>
+                <a:latin typeface="Calibri" panose="020F0502020204030204" pitchFamily="34" charset="0"/>
+                <a:cs typeface="Calibri" panose="020F0502020204030204" pitchFamily="34" charset="0"/>
+                <a:sym typeface="Calibri"/>
+              </a:rPr>
+              <a:t>Neo4j Disk Storage</a:t>
+            </a:r>
+          </a:p>
+        </p:txBody>
+      </p:sp>
+      <p:sp>
+        <p:nvSpPr>
+          <p:cNvPr id="174" name="TextBox 173">
+            <a:extLst>
+              <a:ext uri="{FF2B5EF4-FFF2-40B4-BE49-F238E27FC236}">
+                <a16:creationId xmlns:a16="http://schemas.microsoft.com/office/drawing/2014/main" id="{4E1CF976-9669-8240-BFC8-358FE96313C9}"/>
+              </a:ext>
+            </a:extLst>
+          </p:cNvPr>
+          <p:cNvSpPr txBox="1"/>
+          <p:nvPr/>
+        </p:nvSpPr>
+        <p:spPr>
+          <a:xfrm>
+            <a:off x="9525176" y="5096130"/>
+            <a:ext cx="1276949" cy="276995"/>
+          </a:xfrm>
+          <a:prstGeom prst="rect">
+            <a:avLst/>
+          </a:prstGeom>
+          <a:noFill/>
+          <a:ln w="12700" cap="flat">
+            <a:noFill/>
+            <a:miter lim="400000"/>
+          </a:ln>
+          <a:effectLst/>
+          <a:sp3d/>
+        </p:spPr>
+        <p:style>
+          <a:lnRef idx="0">
+            <a:scrgbClr r="0" g="0" b="0"/>
+          </a:lnRef>
+          <a:fillRef idx="0">
+            <a:scrgbClr r="0" g="0" b="0"/>
+          </a:fillRef>
+          <a:effectRef idx="0">
+            <a:scrgbClr r="0" g="0" b="0"/>
+          </a:effectRef>
+          <a:fontRef idx="none"/>
+        </p:style>
+        <p:txBody>
+          <a:bodyPr rot="0" spcFirstLastPara="1" vertOverflow="overflow" horzOverflow="overflow" vert="horz" wrap="none" lIns="45718" tIns="45718" rIns="45718" bIns="45718" numCol="1" spcCol="38100" rtlCol="0" anchor="t">
+            <a:spAutoFit/>
+          </a:bodyPr>
+          <a:lstStyle/>
+          <a:p>
+            <a:pPr marL="0" marR="0" indent="0" algn="l" defTabSz="914400" rtl="0" fontAlgn="auto" latinLnBrk="0" hangingPunct="0">
+              <a:lnSpc>
+                <a:spcPct val="100000"/>
+              </a:lnSpc>
+              <a:spcBef>
+                <a:spcPts val="0"/>
+              </a:spcBef>
+              <a:spcAft>
+                <a:spcPts val="0"/>
+              </a:spcAft>
+              <a:buClrTx/>
+              <a:buSzTx/>
+              <a:buFontTx/>
+              <a:buNone/>
+              <a:tabLst/>
+            </a:pPr>
+            <a:r>
+              <a:rPr kumimoji="0" lang="en-US" sz="1200" b="0" i="0" u="none" strike="noStrike" cap="none" spc="0" normalizeH="0" baseline="0" dirty="0">
+                <a:ln>
+                  <a:noFill/>
+                </a:ln>
+                <a:solidFill>
+                  <a:srgbClr val="232F3D"/>
+                </a:solidFill>
+                <a:effectLst/>
+                <a:uFillTx/>
+                <a:latin typeface="Calibri" panose="020F0502020204030204" pitchFamily="34" charset="0"/>
+                <a:cs typeface="Calibri" panose="020F0502020204030204" pitchFamily="34" charset="0"/>
+                <a:sym typeface="Calibri"/>
+              </a:rPr>
+              <a:t>Neo4j Disk Storage</a:t>
+            </a:r>
+          </a:p>
+        </p:txBody>
+      </p:sp>
+    </p:spTree>
+    <p:extLst>
+      <p:ext uri="{BB962C8B-B14F-4D97-AF65-F5344CB8AC3E}">
+        <p14:creationId xmlns:p14="http://schemas.microsoft.com/office/powerpoint/2010/main" val="3380041932"/>
+      </p:ext>
+    </p:extLst>
+  </p:cSld>
+  <p:clrMapOvr>
+    <a:masterClrMapping/>
+  </p:clrMapOvr>
+  <p:transition spd="med"/>
 </p:sld>
 </file>
 
 <file path=ppt/theme/theme1.xml><?xml version="1.0" encoding="utf-8"?>
-<a:theme xmlns:a="http://schemas.openxmlformats.org/drawingml/2006/main" xmlns:r="http://schemas.openxmlformats.org/officeDocument/2006/relationships" name="2_Office Theme">
+<a:theme xmlns:a="http://schemas.openxmlformats.org/drawingml/2006/main" name="2_Office Theme">
   <a:themeElements>
     <a:clrScheme name="2_Office Theme">
       <a:dk1>
@@ -3227,7 +8159,7 @@
         <a:effectLst/>
         <a:sp3d/>
       </a:spPr>
-      <a:bodyPr rot="0" spcFirstLastPara="1" vertOverflow="overflow" horzOverflow="overflow" vert="horz" wrap="square" lIns="45718" tIns="45718" rIns="45718" bIns="45718" numCol="1" spcCol="38100" rtlCol="0" anchor="t" upright="0">
+      <a:bodyPr rot="0" spcFirstLastPara="1" vertOverflow="overflow" horzOverflow="overflow" vert="horz" wrap="square" lIns="45718" tIns="45718" rIns="45718" bIns="45718" numCol="1" spcCol="38100" rtlCol="0" anchor="t">
         <a:spAutoFit/>
       </a:bodyPr>
       <a:lstStyle>
@@ -3246,7 +8178,7 @@
           <a:buFontTx/>
           <a:buNone/>
           <a:tabLst/>
-          <a:defRPr b="0" baseline="0" cap="none" i="0" spc="0" strike="noStrike" sz="1800" u="none" kumimoji="0" normalizeH="0">
+          <a:defRPr kumimoji="0" sz="1800" b="0" i="0" u="none" strike="noStrike" cap="none" spc="0" normalizeH="0" baseline="0">
             <a:ln>
               <a:noFill/>
             </a:ln>
@@ -3276,7 +8208,7 @@
           <a:buFontTx/>
           <a:buNone/>
           <a:tabLst/>
-          <a:defRPr b="0" baseline="0" cap="none" i="0" spc="0" strike="noStrike" sz="1800" u="none" kumimoji="0" normalizeH="0">
+          <a:defRPr kumimoji="0" sz="1800" b="0" i="0" u="none" strike="noStrike" cap="none" spc="0" normalizeH="0" baseline="0">
             <a:ln>
               <a:noFill/>
             </a:ln>
@@ -3302,7 +8234,7 @@
           <a:buFontTx/>
           <a:buNone/>
           <a:tabLst/>
-          <a:defRPr b="0" baseline="0" cap="none" i="0" spc="0" strike="noStrike" sz="1800" u="none" kumimoji="0" normalizeH="0">
+          <a:defRPr kumimoji="0" sz="1800" b="0" i="0" u="none" strike="noStrike" cap="none" spc="0" normalizeH="0" baseline="0">
             <a:ln>
               <a:noFill/>
             </a:ln>
@@ -3328,7 +8260,7 @@
           <a:buFontTx/>
           <a:buNone/>
           <a:tabLst/>
-          <a:defRPr b="0" baseline="0" cap="none" i="0" spc="0" strike="noStrike" sz="1800" u="none" kumimoji="0" normalizeH="0">
+          <a:defRPr kumimoji="0" sz="1800" b="0" i="0" u="none" strike="noStrike" cap="none" spc="0" normalizeH="0" baseline="0">
             <a:ln>
               <a:noFill/>
             </a:ln>
@@ -3354,7 +8286,7 @@
           <a:buFontTx/>
           <a:buNone/>
           <a:tabLst/>
-          <a:defRPr b="0" baseline="0" cap="none" i="0" spc="0" strike="noStrike" sz="1800" u="none" kumimoji="0" normalizeH="0">
+          <a:defRPr kumimoji="0" sz="1800" b="0" i="0" u="none" strike="noStrike" cap="none" spc="0" normalizeH="0" baseline="0">
             <a:ln>
               <a:noFill/>
             </a:ln>
@@ -3380,7 +8312,7 @@
           <a:buFontTx/>
           <a:buNone/>
           <a:tabLst/>
-          <a:defRPr b="0" baseline="0" cap="none" i="0" spc="0" strike="noStrike" sz="1800" u="none" kumimoji="0" normalizeH="0">
+          <a:defRPr kumimoji="0" sz="1800" b="0" i="0" u="none" strike="noStrike" cap="none" spc="0" normalizeH="0" baseline="0">
             <a:ln>
               <a:noFill/>
             </a:ln>
@@ -3406,7 +8338,7 @@
           <a:buFontTx/>
           <a:buNone/>
           <a:tabLst/>
-          <a:defRPr b="0" baseline="0" cap="none" i="0" spc="0" strike="noStrike" sz="1800" u="none" kumimoji="0" normalizeH="0">
+          <a:defRPr kumimoji="0" sz="1800" b="0" i="0" u="none" strike="noStrike" cap="none" spc="0" normalizeH="0" baseline="0">
             <a:ln>
               <a:noFill/>
             </a:ln>
@@ -3432,7 +8364,7 @@
           <a:buFontTx/>
           <a:buNone/>
           <a:tabLst/>
-          <a:defRPr b="0" baseline="0" cap="none" i="0" spc="0" strike="noStrike" sz="1800" u="none" kumimoji="0" normalizeH="0">
+          <a:defRPr kumimoji="0" sz="1800" b="0" i="0" u="none" strike="noStrike" cap="none" spc="0" normalizeH="0" baseline="0">
             <a:ln>
               <a:noFill/>
             </a:ln>
@@ -3458,7 +8390,7 @@
           <a:buFontTx/>
           <a:buNone/>
           <a:tabLst/>
-          <a:defRPr b="0" baseline="0" cap="none" i="0" spc="0" strike="noStrike" sz="1800" u="none" kumimoji="0" normalizeH="0">
+          <a:defRPr kumimoji="0" sz="1800" b="0" i="0" u="none" strike="noStrike" cap="none" spc="0" normalizeH="0" baseline="0">
             <a:ln>
               <a:noFill/>
             </a:ln>
@@ -3484,7 +8416,7 @@
           <a:buFontTx/>
           <a:buNone/>
           <a:tabLst/>
-          <a:defRPr b="0" baseline="0" cap="none" i="0" spc="0" strike="noStrike" sz="1800" u="none" kumimoji="0" normalizeH="0">
+          <a:defRPr kumimoji="0" sz="1800" b="0" i="0" u="none" strike="noStrike" cap="none" spc="0" normalizeH="0" baseline="0">
             <a:ln>
               <a:noFill/>
             </a:ln>
@@ -3497,9 +8429,15 @@
         </a:lvl9pPr>
       </a:lstStyle>
       <a:style>
-        <a:lnRef idx="0"/>
-        <a:fillRef idx="0"/>
-        <a:effectRef idx="0"/>
+        <a:lnRef idx="0">
+          <a:scrgbClr r="0" g="0" b="0"/>
+        </a:lnRef>
+        <a:fillRef idx="0">
+          <a:scrgbClr r="0" g="0" b="0"/>
+        </a:fillRef>
+        <a:effectRef idx="0">
+          <a:scrgbClr r="0" g="0" b="0"/>
+        </a:effectRef>
         <a:fontRef idx="none"/>
       </a:style>
     </a:spDef>
@@ -3516,7 +8454,7 @@
         <a:effectLst/>
         <a:sp3d/>
       </a:spPr>
-      <a:bodyPr rot="0" spcFirstLastPara="1" vertOverflow="overflow" horzOverflow="overflow" vert="horz" wrap="square" lIns="91439" tIns="45719" rIns="91439" bIns="45719" numCol="1" spcCol="38100" rtlCol="0" anchor="t" upright="0">
+      <a:bodyPr rot="0" spcFirstLastPara="1" vertOverflow="overflow" horzOverflow="overflow" vert="horz" wrap="square" lIns="91439" tIns="45719" rIns="91439" bIns="45719" numCol="1" spcCol="38100" rtlCol="0" anchor="t">
         <a:noAutofit/>
       </a:bodyPr>
       <a:lstStyle>
@@ -3535,7 +8473,7 @@
           <a:buFontTx/>
           <a:buNone/>
           <a:tabLst/>
-          <a:defRPr b="0" baseline="0" cap="none" i="0" spc="0" strike="noStrike" sz="1800" u="none" kumimoji="0" normalizeH="0">
+          <a:defRPr kumimoji="0" sz="1800" b="0" i="0" u="none" strike="noStrike" cap="none" spc="0" normalizeH="0" baseline="0">
             <a:ln>
               <a:noFill/>
             </a:ln>
@@ -3561,7 +8499,7 @@
           <a:buFontTx/>
           <a:buNone/>
           <a:tabLst/>
-          <a:defRPr b="0" baseline="0" cap="none" i="0" spc="0" strike="noStrike" sz="1800" u="none" kumimoji="0" normalizeH="0">
+          <a:defRPr kumimoji="0" sz="1800" b="0" i="0" u="none" strike="noStrike" cap="none" spc="0" normalizeH="0" baseline="0">
             <a:ln>
               <a:noFill/>
             </a:ln>
@@ -3587,7 +8525,7 @@
           <a:buFontTx/>
           <a:buNone/>
           <a:tabLst/>
-          <a:defRPr b="0" baseline="0" cap="none" i="0" spc="0" strike="noStrike" sz="1800" u="none" kumimoji="0" normalizeH="0">
+          <a:defRPr kumimoji="0" sz="1800" b="0" i="0" u="none" strike="noStrike" cap="none" spc="0" normalizeH="0" baseline="0">
             <a:ln>
               <a:noFill/>
             </a:ln>
@@ -3613,7 +8551,7 @@
           <a:buFontTx/>
           <a:buNone/>
           <a:tabLst/>
-          <a:defRPr b="0" baseline="0" cap="none" i="0" spc="0" strike="noStrike" sz="1800" u="none" kumimoji="0" normalizeH="0">
+          <a:defRPr kumimoji="0" sz="1800" b="0" i="0" u="none" strike="noStrike" cap="none" spc="0" normalizeH="0" baseline="0">
             <a:ln>
               <a:noFill/>
             </a:ln>
@@ -3639,7 +8577,7 @@
           <a:buFontTx/>
           <a:buNone/>
           <a:tabLst/>
-          <a:defRPr b="0" baseline="0" cap="none" i="0" spc="0" strike="noStrike" sz="1800" u="none" kumimoji="0" normalizeH="0">
+          <a:defRPr kumimoji="0" sz="1800" b="0" i="0" u="none" strike="noStrike" cap="none" spc="0" normalizeH="0" baseline="0">
             <a:ln>
               <a:noFill/>
             </a:ln>
@@ -3665,7 +8603,7 @@
           <a:buFontTx/>
           <a:buNone/>
           <a:tabLst/>
-          <a:defRPr b="0" baseline="0" cap="none" i="0" spc="0" strike="noStrike" sz="1800" u="none" kumimoji="0" normalizeH="0">
+          <a:defRPr kumimoji="0" sz="1800" b="0" i="0" u="none" strike="noStrike" cap="none" spc="0" normalizeH="0" baseline="0">
             <a:ln>
               <a:noFill/>
             </a:ln>
@@ -3691,7 +8629,7 @@
           <a:buFontTx/>
           <a:buNone/>
           <a:tabLst/>
-          <a:defRPr b="0" baseline="0" cap="none" i="0" spc="0" strike="noStrike" sz="1800" u="none" kumimoji="0" normalizeH="0">
+          <a:defRPr kumimoji="0" sz="1800" b="0" i="0" u="none" strike="noStrike" cap="none" spc="0" normalizeH="0" baseline="0">
             <a:ln>
               <a:noFill/>
             </a:ln>
@@ -3717,7 +8655,7 @@
           <a:buFontTx/>
           <a:buNone/>
           <a:tabLst/>
-          <a:defRPr b="0" baseline="0" cap="none" i="0" spc="0" strike="noStrike" sz="1800" u="none" kumimoji="0" normalizeH="0">
+          <a:defRPr kumimoji="0" sz="1800" b="0" i="0" u="none" strike="noStrike" cap="none" spc="0" normalizeH="0" baseline="0">
             <a:ln>
               <a:noFill/>
             </a:ln>
@@ -3743,7 +8681,7 @@
           <a:buFontTx/>
           <a:buNone/>
           <a:tabLst/>
-          <a:defRPr b="0" baseline="0" cap="none" i="0" spc="0" strike="noStrike" sz="1800" u="none" kumimoji="0" normalizeH="0">
+          <a:defRPr kumimoji="0" sz="1800" b="0" i="0" u="none" strike="noStrike" cap="none" spc="0" normalizeH="0" baseline="0">
             <a:ln>
               <a:noFill/>
             </a:ln>
@@ -3769,7 +8707,7 @@
           <a:buFontTx/>
           <a:buNone/>
           <a:tabLst/>
-          <a:defRPr b="0" baseline="0" cap="none" i="0" spc="0" strike="noStrike" sz="1800" u="none" kumimoji="0" normalizeH="0">
+          <a:defRPr kumimoji="0" sz="1800" b="0" i="0" u="none" strike="noStrike" cap="none" spc="0" normalizeH="0" baseline="0">
             <a:ln>
               <a:noFill/>
             </a:ln>
@@ -3782,9 +8720,15 @@
         </a:lvl9pPr>
       </a:lstStyle>
       <a:style>
-        <a:lnRef idx="0"/>
-        <a:fillRef idx="0"/>
-        <a:effectRef idx="0"/>
+        <a:lnRef idx="0">
+          <a:scrgbClr r="0" g="0" b="0"/>
+        </a:lnRef>
+        <a:fillRef idx="0">
+          <a:scrgbClr r="0" g="0" b="0"/>
+        </a:fillRef>
+        <a:effectRef idx="0">
+          <a:scrgbClr r="0" g="0" b="0"/>
+        </a:effectRef>
         <a:fontRef idx="none"/>
       </a:style>
     </a:lnDef>
@@ -3798,7 +8742,7 @@
         <a:effectLst/>
         <a:sp3d/>
       </a:spPr>
-      <a:bodyPr rot="0" spcFirstLastPara="1" vertOverflow="overflow" horzOverflow="overflow" vert="horz" wrap="square" lIns="45718" tIns="45718" rIns="45718" bIns="45718" numCol="1" spcCol="38100" rtlCol="0" anchor="t" upright="0">
+      <a:bodyPr rot="0" spcFirstLastPara="1" vertOverflow="overflow" horzOverflow="overflow" vert="horz" wrap="square" lIns="45718" tIns="45718" rIns="45718" bIns="45718" numCol="1" spcCol="38100" rtlCol="0" anchor="t">
         <a:spAutoFit/>
       </a:bodyPr>
       <a:lstStyle>
@@ -3817,7 +8761,7 @@
           <a:buFontTx/>
           <a:buNone/>
           <a:tabLst/>
-          <a:defRPr b="0" baseline="0" cap="none" i="0" spc="0" strike="noStrike" sz="1800" u="none" kumimoji="0" normalizeH="0">
+          <a:defRPr kumimoji="0" sz="1800" b="0" i="0" u="none" strike="noStrike" cap="none" spc="0" normalizeH="0" baseline="0">
             <a:ln>
               <a:noFill/>
             </a:ln>
@@ -3847,7 +8791,7 @@
           <a:buFontTx/>
           <a:buNone/>
           <a:tabLst/>
-          <a:defRPr b="0" baseline="0" cap="none" i="0" spc="0" strike="noStrike" sz="1800" u="none" kumimoji="0" normalizeH="0">
+          <a:defRPr kumimoji="0" sz="1800" b="0" i="0" u="none" strike="noStrike" cap="none" spc="0" normalizeH="0" baseline="0">
             <a:ln>
               <a:noFill/>
             </a:ln>
@@ -3873,7 +8817,7 @@
           <a:buFontTx/>
           <a:buNone/>
           <a:tabLst/>
-          <a:defRPr b="0" baseline="0" cap="none" i="0" spc="0" strike="noStrike" sz="1800" u="none" kumimoji="0" normalizeH="0">
+          <a:defRPr kumimoji="0" sz="1800" b="0" i="0" u="none" strike="noStrike" cap="none" spc="0" normalizeH="0" baseline="0">
             <a:ln>
               <a:noFill/>
             </a:ln>
@@ -3899,7 +8843,7 @@
           <a:buFontTx/>
           <a:buNone/>
           <a:tabLst/>
-          <a:defRPr b="0" baseline="0" cap="none" i="0" spc="0" strike="noStrike" sz="1800" u="none" kumimoji="0" normalizeH="0">
+          <a:defRPr kumimoji="0" sz="1800" b="0" i="0" u="none" strike="noStrike" cap="none" spc="0" normalizeH="0" baseline="0">
             <a:ln>
               <a:noFill/>
             </a:ln>
@@ -3925,7 +8869,7 @@
           <a:buFontTx/>
           <a:buNone/>
           <a:tabLst/>
-          <a:defRPr b="0" baseline="0" cap="none" i="0" spc="0" strike="noStrike" sz="1800" u="none" kumimoji="0" normalizeH="0">
+          <a:defRPr kumimoji="0" sz="1800" b="0" i="0" u="none" strike="noStrike" cap="none" spc="0" normalizeH="0" baseline="0">
             <a:ln>
               <a:noFill/>
             </a:ln>
@@ -3951,7 +8895,7 @@
           <a:buFontTx/>
           <a:buNone/>
           <a:tabLst/>
-          <a:defRPr b="0" baseline="0" cap="none" i="0" spc="0" strike="noStrike" sz="1800" u="none" kumimoji="0" normalizeH="0">
+          <a:defRPr kumimoji="0" sz="1800" b="0" i="0" u="none" strike="noStrike" cap="none" spc="0" normalizeH="0" baseline="0">
             <a:ln>
               <a:noFill/>
             </a:ln>
@@ -3977,7 +8921,7 @@
           <a:buFontTx/>
           <a:buNone/>
           <a:tabLst/>
-          <a:defRPr b="0" baseline="0" cap="none" i="0" spc="0" strike="noStrike" sz="1800" u="none" kumimoji="0" normalizeH="0">
+          <a:defRPr kumimoji="0" sz="1800" b="0" i="0" u="none" strike="noStrike" cap="none" spc="0" normalizeH="0" baseline="0">
             <a:ln>
               <a:noFill/>
             </a:ln>
@@ -4003,7 +8947,7 @@
           <a:buFontTx/>
           <a:buNone/>
           <a:tabLst/>
-          <a:defRPr b="0" baseline="0" cap="none" i="0" spc="0" strike="noStrike" sz="1800" u="none" kumimoji="0" normalizeH="0">
+          <a:defRPr kumimoji="0" sz="1800" b="0" i="0" u="none" strike="noStrike" cap="none" spc="0" normalizeH="0" baseline="0">
             <a:ln>
               <a:noFill/>
             </a:ln>
@@ -4029,7 +8973,7 @@
           <a:buFontTx/>
           <a:buNone/>
           <a:tabLst/>
-          <a:defRPr b="0" baseline="0" cap="none" i="0" spc="0" strike="noStrike" sz="1800" u="none" kumimoji="0" normalizeH="0">
+          <a:defRPr kumimoji="0" sz="1800" b="0" i="0" u="none" strike="noStrike" cap="none" spc="0" normalizeH="0" baseline="0">
             <a:ln>
               <a:noFill/>
             </a:ln>
@@ -4055,7 +8999,7 @@
           <a:buFontTx/>
           <a:buNone/>
           <a:tabLst/>
-          <a:defRPr b="0" baseline="0" cap="none" i="0" spc="0" strike="noStrike" sz="1800" u="none" kumimoji="0" normalizeH="0">
+          <a:defRPr kumimoji="0" sz="1800" b="0" i="0" u="none" strike="noStrike" cap="none" spc="0" normalizeH="0" baseline="0">
             <a:ln>
               <a:noFill/>
             </a:ln>
@@ -4068,18 +9012,25 @@
         </a:lvl9pPr>
       </a:lstStyle>
       <a:style>
-        <a:lnRef idx="0"/>
-        <a:fillRef idx="0"/>
-        <a:effectRef idx="0"/>
+        <a:lnRef idx="0">
+          <a:scrgbClr r="0" g="0" b="0"/>
+        </a:lnRef>
+        <a:fillRef idx="0">
+          <a:scrgbClr r="0" g="0" b="0"/>
+        </a:fillRef>
+        <a:effectRef idx="0">
+          <a:scrgbClr r="0" g="0" b="0"/>
+        </a:effectRef>
         <a:fontRef idx="none"/>
       </a:style>
     </a:txDef>
   </a:objectDefaults>
+  <a:extraClrSchemeLst/>
 </a:theme>
 </file>
 
 <file path=ppt/theme/theme2.xml><?xml version="1.0" encoding="utf-8"?>
-<a:theme xmlns:a="http://schemas.openxmlformats.org/drawingml/2006/main" xmlns:r="http://schemas.openxmlformats.org/officeDocument/2006/relationships" name="2_Office Theme">
+<a:theme xmlns:a="http://schemas.openxmlformats.org/drawingml/2006/main" name="2_Office Theme">
   <a:themeElements>
     <a:clrScheme name="2_Office Theme">
       <a:dk1>
@@ -4281,7 +9232,7 @@
         <a:effectLst/>
         <a:sp3d/>
       </a:spPr>
-      <a:bodyPr rot="0" spcFirstLastPara="1" vertOverflow="overflow" horzOverflow="overflow" vert="horz" wrap="square" lIns="45718" tIns="45718" rIns="45718" bIns="45718" numCol="1" spcCol="38100" rtlCol="0" anchor="t" upright="0">
+      <a:bodyPr rot="0" spcFirstLastPara="1" vertOverflow="overflow" horzOverflow="overflow" vert="horz" wrap="square" lIns="45718" tIns="45718" rIns="45718" bIns="45718" numCol="1" spcCol="38100" rtlCol="0" anchor="t">
         <a:spAutoFit/>
       </a:bodyPr>
       <a:lstStyle>
@@ -4300,7 +9251,7 @@
           <a:buFontTx/>
           <a:buNone/>
           <a:tabLst/>
-          <a:defRPr b="0" baseline="0" cap="none" i="0" spc="0" strike="noStrike" sz="1800" u="none" kumimoji="0" normalizeH="0">
+          <a:defRPr kumimoji="0" sz="1800" b="0" i="0" u="none" strike="noStrike" cap="none" spc="0" normalizeH="0" baseline="0">
             <a:ln>
               <a:noFill/>
             </a:ln>
@@ -4330,7 +9281,7 @@
           <a:buFontTx/>
           <a:buNone/>
           <a:tabLst/>
-          <a:defRPr b="0" baseline="0" cap="none" i="0" spc="0" strike="noStrike" sz="1800" u="none" kumimoji="0" normalizeH="0">
+          <a:defRPr kumimoji="0" sz="1800" b="0" i="0" u="none" strike="noStrike" cap="none" spc="0" normalizeH="0" baseline="0">
             <a:ln>
               <a:noFill/>
             </a:ln>
@@ -4356,7 +9307,7 @@
           <a:buFontTx/>
           <a:buNone/>
           <a:tabLst/>
-          <a:defRPr b="0" baseline="0" cap="none" i="0" spc="0" strike="noStrike" sz="1800" u="none" kumimoji="0" normalizeH="0">
+          <a:defRPr kumimoji="0" sz="1800" b="0" i="0" u="none" strike="noStrike" cap="none" spc="0" normalizeH="0" baseline="0">
             <a:ln>
               <a:noFill/>
             </a:ln>
@@ -4382,7 +9333,7 @@
           <a:buFontTx/>
           <a:buNone/>
           <a:tabLst/>
-          <a:defRPr b="0" baseline="0" cap="none" i="0" spc="0" strike="noStrike" sz="1800" u="none" kumimoji="0" normalizeH="0">
+          <a:defRPr kumimoji="0" sz="1800" b="0" i="0" u="none" strike="noStrike" cap="none" spc="0" normalizeH="0" baseline="0">
             <a:ln>
               <a:noFill/>
             </a:ln>
@@ -4408,7 +9359,7 @@
           <a:buFontTx/>
           <a:buNone/>
           <a:tabLst/>
-          <a:defRPr b="0" baseline="0" cap="none" i="0" spc="0" strike="noStrike" sz="1800" u="none" kumimoji="0" normalizeH="0">
+          <a:defRPr kumimoji="0" sz="1800" b="0" i="0" u="none" strike="noStrike" cap="none" spc="0" normalizeH="0" baseline="0">
             <a:ln>
               <a:noFill/>
             </a:ln>
@@ -4434,7 +9385,7 @@
           <a:buFontTx/>
           <a:buNone/>
           <a:tabLst/>
-          <a:defRPr b="0" baseline="0" cap="none" i="0" spc="0" strike="noStrike" sz="1800" u="none" kumimoji="0" normalizeH="0">
+          <a:defRPr kumimoji="0" sz="1800" b="0" i="0" u="none" strike="noStrike" cap="none" spc="0" normalizeH="0" baseline="0">
             <a:ln>
               <a:noFill/>
             </a:ln>
@@ -4460,7 +9411,7 @@
           <a:buFontTx/>
           <a:buNone/>
           <a:tabLst/>
-          <a:defRPr b="0" baseline="0" cap="none" i="0" spc="0" strike="noStrike" sz="1800" u="none" kumimoji="0" normalizeH="0">
+          <a:defRPr kumimoji="0" sz="1800" b="0" i="0" u="none" strike="noStrike" cap="none" spc="0" normalizeH="0" baseline="0">
             <a:ln>
               <a:noFill/>
             </a:ln>
@@ -4486,7 +9437,7 @@
           <a:buFontTx/>
           <a:buNone/>
           <a:tabLst/>
-          <a:defRPr b="0" baseline="0" cap="none" i="0" spc="0" strike="noStrike" sz="1800" u="none" kumimoji="0" normalizeH="0">
+          <a:defRPr kumimoji="0" sz="1800" b="0" i="0" u="none" strike="noStrike" cap="none" spc="0" normalizeH="0" baseline="0">
             <a:ln>
               <a:noFill/>
             </a:ln>
@@ -4512,7 +9463,7 @@
           <a:buFontTx/>
           <a:buNone/>
           <a:tabLst/>
-          <a:defRPr b="0" baseline="0" cap="none" i="0" spc="0" strike="noStrike" sz="1800" u="none" kumimoji="0" normalizeH="0">
+          <a:defRPr kumimoji="0" sz="1800" b="0" i="0" u="none" strike="noStrike" cap="none" spc="0" normalizeH="0" baseline="0">
             <a:ln>
               <a:noFill/>
             </a:ln>
@@ -4538,7 +9489,7 @@
           <a:buFontTx/>
           <a:buNone/>
           <a:tabLst/>
-          <a:defRPr b="0" baseline="0" cap="none" i="0" spc="0" strike="noStrike" sz="1800" u="none" kumimoji="0" normalizeH="0">
+          <a:defRPr kumimoji="0" sz="1800" b="0" i="0" u="none" strike="noStrike" cap="none" spc="0" normalizeH="0" baseline="0">
             <a:ln>
               <a:noFill/>
             </a:ln>
@@ -4551,9 +9502,15 @@
         </a:lvl9pPr>
       </a:lstStyle>
       <a:style>
-        <a:lnRef idx="0"/>
-        <a:fillRef idx="0"/>
-        <a:effectRef idx="0"/>
+        <a:lnRef idx="0">
+          <a:scrgbClr r="0" g="0" b="0"/>
+        </a:lnRef>
+        <a:fillRef idx="0">
+          <a:scrgbClr r="0" g="0" b="0"/>
+        </a:fillRef>
+        <a:effectRef idx="0">
+          <a:scrgbClr r="0" g="0" b="0"/>
+        </a:effectRef>
         <a:fontRef idx="none"/>
       </a:style>
     </a:spDef>
@@ -4570,7 +9527,7 @@
         <a:effectLst/>
         <a:sp3d/>
       </a:spPr>
-      <a:bodyPr rot="0" spcFirstLastPara="1" vertOverflow="overflow" horzOverflow="overflow" vert="horz" wrap="square" lIns="91439" tIns="45719" rIns="91439" bIns="45719" numCol="1" spcCol="38100" rtlCol="0" anchor="t" upright="0">
+      <a:bodyPr rot="0" spcFirstLastPara="1" vertOverflow="overflow" horzOverflow="overflow" vert="horz" wrap="square" lIns="91439" tIns="45719" rIns="91439" bIns="45719" numCol="1" spcCol="38100" rtlCol="0" anchor="t">
         <a:noAutofit/>
       </a:bodyPr>
       <a:lstStyle>
@@ -4589,7 +9546,7 @@
           <a:buFontTx/>
           <a:buNone/>
           <a:tabLst/>
-          <a:defRPr b="0" baseline="0" cap="none" i="0" spc="0" strike="noStrike" sz="1800" u="none" kumimoji="0" normalizeH="0">
+          <a:defRPr kumimoji="0" sz="1800" b="0" i="0" u="none" strike="noStrike" cap="none" spc="0" normalizeH="0" baseline="0">
             <a:ln>
               <a:noFill/>
             </a:ln>
@@ -4615,7 +9572,7 @@
           <a:buFontTx/>
           <a:buNone/>
           <a:tabLst/>
-          <a:defRPr b="0" baseline="0" cap="none" i="0" spc="0" strike="noStrike" sz="1800" u="none" kumimoji="0" normalizeH="0">
+          <a:defRPr kumimoji="0" sz="1800" b="0" i="0" u="none" strike="noStrike" cap="none" spc="0" normalizeH="0" baseline="0">
             <a:ln>
               <a:noFill/>
             </a:ln>
@@ -4641,7 +9598,7 @@
           <a:buFontTx/>
           <a:buNone/>
           <a:tabLst/>
-          <a:defRPr b="0" baseline="0" cap="none" i="0" spc="0" strike="noStrike" sz="1800" u="none" kumimoji="0" normalizeH="0">
+          <a:defRPr kumimoji="0" sz="1800" b="0" i="0" u="none" strike="noStrike" cap="none" spc="0" normalizeH="0" baseline="0">
             <a:ln>
               <a:noFill/>
             </a:ln>
@@ -4667,7 +9624,7 @@
           <a:buFontTx/>
           <a:buNone/>
           <a:tabLst/>
-          <a:defRPr b="0" baseline="0" cap="none" i="0" spc="0" strike="noStrike" sz="1800" u="none" kumimoji="0" normalizeH="0">
+          <a:defRPr kumimoji="0" sz="1800" b="0" i="0" u="none" strike="noStrike" cap="none" spc="0" normalizeH="0" baseline="0">
             <a:ln>
               <a:noFill/>
             </a:ln>
@@ -4693,7 +9650,7 @@
           <a:buFontTx/>
           <a:buNone/>
           <a:tabLst/>
-          <a:defRPr b="0" baseline="0" cap="none" i="0" spc="0" strike="noStrike" sz="1800" u="none" kumimoji="0" normalizeH="0">
+          <a:defRPr kumimoji="0" sz="1800" b="0" i="0" u="none" strike="noStrike" cap="none" spc="0" normalizeH="0" baseline="0">
             <a:ln>
               <a:noFill/>
             </a:ln>
@@ -4719,7 +9676,7 @@
           <a:buFontTx/>
           <a:buNone/>
           <a:tabLst/>
-          <a:defRPr b="0" baseline="0" cap="none" i="0" spc="0" strike="noStrike" sz="1800" u="none" kumimoji="0" normalizeH="0">
+          <a:defRPr kumimoji="0" sz="1800" b="0" i="0" u="none" strike="noStrike" cap="none" spc="0" normalizeH="0" baseline="0">
             <a:ln>
               <a:noFill/>
             </a:ln>
@@ -4745,7 +9702,7 @@
           <a:buFontTx/>
           <a:buNone/>
           <a:tabLst/>
-          <a:defRPr b="0" baseline="0" cap="none" i="0" spc="0" strike="noStrike" sz="1800" u="none" kumimoji="0" normalizeH="0">
+          <a:defRPr kumimoji="0" sz="1800" b="0" i="0" u="none" strike="noStrike" cap="none" spc="0" normalizeH="0" baseline="0">
             <a:ln>
               <a:noFill/>
             </a:ln>
@@ -4771,7 +9728,7 @@
           <a:buFontTx/>
           <a:buNone/>
           <a:tabLst/>
-          <a:defRPr b="0" baseline="0" cap="none" i="0" spc="0" strike="noStrike" sz="1800" u="none" kumimoji="0" normalizeH="0">
+          <a:defRPr kumimoji="0" sz="1800" b="0" i="0" u="none" strike="noStrike" cap="none" spc="0" normalizeH="0" baseline="0">
             <a:ln>
               <a:noFill/>
             </a:ln>
@@ -4797,7 +9754,7 @@
           <a:buFontTx/>
           <a:buNone/>
           <a:tabLst/>
-          <a:defRPr b="0" baseline="0" cap="none" i="0" spc="0" strike="noStrike" sz="1800" u="none" kumimoji="0" normalizeH="0">
+          <a:defRPr kumimoji="0" sz="1800" b="0" i="0" u="none" strike="noStrike" cap="none" spc="0" normalizeH="0" baseline="0">
             <a:ln>
               <a:noFill/>
             </a:ln>
@@ -4823,7 +9780,7 @@
           <a:buFontTx/>
           <a:buNone/>
           <a:tabLst/>
-          <a:defRPr b="0" baseline="0" cap="none" i="0" spc="0" strike="noStrike" sz="1800" u="none" kumimoji="0" normalizeH="0">
+          <a:defRPr kumimoji="0" sz="1800" b="0" i="0" u="none" strike="noStrike" cap="none" spc="0" normalizeH="0" baseline="0">
             <a:ln>
               <a:noFill/>
             </a:ln>
@@ -4836,9 +9793,15 @@
         </a:lvl9pPr>
       </a:lstStyle>
       <a:style>
-        <a:lnRef idx="0"/>
-        <a:fillRef idx="0"/>
-        <a:effectRef idx="0"/>
+        <a:lnRef idx="0">
+          <a:scrgbClr r="0" g="0" b="0"/>
+        </a:lnRef>
+        <a:fillRef idx="0">
+          <a:scrgbClr r="0" g="0" b="0"/>
+        </a:fillRef>
+        <a:effectRef idx="0">
+          <a:scrgbClr r="0" g="0" b="0"/>
+        </a:effectRef>
         <a:fontRef idx="none"/>
       </a:style>
     </a:lnDef>
@@ -4852,7 +9815,7 @@
         <a:effectLst/>
         <a:sp3d/>
       </a:spPr>
-      <a:bodyPr rot="0" spcFirstLastPara="1" vertOverflow="overflow" horzOverflow="overflow" vert="horz" wrap="square" lIns="45718" tIns="45718" rIns="45718" bIns="45718" numCol="1" spcCol="38100" rtlCol="0" anchor="t" upright="0">
+      <a:bodyPr rot="0" spcFirstLastPara="1" vertOverflow="overflow" horzOverflow="overflow" vert="horz" wrap="square" lIns="45718" tIns="45718" rIns="45718" bIns="45718" numCol="1" spcCol="38100" rtlCol="0" anchor="t">
         <a:spAutoFit/>
       </a:bodyPr>
       <a:lstStyle>
@@ -4871,7 +9834,7 @@
           <a:buFontTx/>
           <a:buNone/>
           <a:tabLst/>
-          <a:defRPr b="0" baseline="0" cap="none" i="0" spc="0" strike="noStrike" sz="1800" u="none" kumimoji="0" normalizeH="0">
+          <a:defRPr kumimoji="0" sz="1800" b="0" i="0" u="none" strike="noStrike" cap="none" spc="0" normalizeH="0" baseline="0">
             <a:ln>
               <a:noFill/>
             </a:ln>
@@ -4901,7 +9864,7 @@
           <a:buFontTx/>
           <a:buNone/>
           <a:tabLst/>
-          <a:defRPr b="0" baseline="0" cap="none" i="0" spc="0" strike="noStrike" sz="1800" u="none" kumimoji="0" normalizeH="0">
+          <a:defRPr kumimoji="0" sz="1800" b="0" i="0" u="none" strike="noStrike" cap="none" spc="0" normalizeH="0" baseline="0">
             <a:ln>
               <a:noFill/>
             </a:ln>
@@ -4927,7 +9890,7 @@
           <a:buFontTx/>
           <a:buNone/>
           <a:tabLst/>
-          <a:defRPr b="0" baseline="0" cap="none" i="0" spc="0" strike="noStrike" sz="1800" u="none" kumimoji="0" normalizeH="0">
+          <a:defRPr kumimoji="0" sz="1800" b="0" i="0" u="none" strike="noStrike" cap="none" spc="0" normalizeH="0" baseline="0">
             <a:ln>
               <a:noFill/>
             </a:ln>
@@ -4953,7 +9916,7 @@
           <a:buFontTx/>
           <a:buNone/>
           <a:tabLst/>
-          <a:defRPr b="0" baseline="0" cap="none" i="0" spc="0" strike="noStrike" sz="1800" u="none" kumimoji="0" normalizeH="0">
+          <a:defRPr kumimoji="0" sz="1800" b="0" i="0" u="none" strike="noStrike" cap="none" spc="0" normalizeH="0" baseline="0">
             <a:ln>
               <a:noFill/>
             </a:ln>
@@ -4979,7 +9942,7 @@
           <a:buFontTx/>
           <a:buNone/>
           <a:tabLst/>
-          <a:defRPr b="0" baseline="0" cap="none" i="0" spc="0" strike="noStrike" sz="1800" u="none" kumimoji="0" normalizeH="0">
+          <a:defRPr kumimoji="0" sz="1800" b="0" i="0" u="none" strike="noStrike" cap="none" spc="0" normalizeH="0" baseline="0">
             <a:ln>
               <a:noFill/>
             </a:ln>
@@ -5005,7 +9968,7 @@
           <a:buFontTx/>
           <a:buNone/>
           <a:tabLst/>
-          <a:defRPr b="0" baseline="0" cap="none" i="0" spc="0" strike="noStrike" sz="1800" u="none" kumimoji="0" normalizeH="0">
+          <a:defRPr kumimoji="0" sz="1800" b="0" i="0" u="none" strike="noStrike" cap="none" spc="0" normalizeH="0" baseline="0">
             <a:ln>
               <a:noFill/>
             </a:ln>
@@ -5031,7 +9994,7 @@
           <a:buFontTx/>
           <a:buNone/>
           <a:tabLst/>
-          <a:defRPr b="0" baseline="0" cap="none" i="0" spc="0" strike="noStrike" sz="1800" u="none" kumimoji="0" normalizeH="0">
+          <a:defRPr kumimoji="0" sz="1800" b="0" i="0" u="none" strike="noStrike" cap="none" spc="0" normalizeH="0" baseline="0">
             <a:ln>
               <a:noFill/>
             </a:ln>
@@ -5057,7 +10020,7 @@
           <a:buFontTx/>
           <a:buNone/>
           <a:tabLst/>
-          <a:defRPr b="0" baseline="0" cap="none" i="0" spc="0" strike="noStrike" sz="1800" u="none" kumimoji="0" normalizeH="0">
+          <a:defRPr kumimoji="0" sz="1800" b="0" i="0" u="none" strike="noStrike" cap="none" spc="0" normalizeH="0" baseline="0">
             <a:ln>
               <a:noFill/>
             </a:ln>
@@ -5083,7 +10046,7 @@
           <a:buFontTx/>
           <a:buNone/>
           <a:tabLst/>
-          <a:defRPr b="0" baseline="0" cap="none" i="0" spc="0" strike="noStrike" sz="1800" u="none" kumimoji="0" normalizeH="0">
+          <a:defRPr kumimoji="0" sz="1800" b="0" i="0" u="none" strike="noStrike" cap="none" spc="0" normalizeH="0" baseline="0">
             <a:ln>
               <a:noFill/>
             </a:ln>
@@ -5109,7 +10072,7 @@
           <a:buFontTx/>
           <a:buNone/>
           <a:tabLst/>
-          <a:defRPr b="0" baseline="0" cap="none" i="0" spc="0" strike="noStrike" sz="1800" u="none" kumimoji="0" normalizeH="0">
+          <a:defRPr kumimoji="0" sz="1800" b="0" i="0" u="none" strike="noStrike" cap="none" spc="0" normalizeH="0" baseline="0">
             <a:ln>
               <a:noFill/>
             </a:ln>
@@ -5122,12 +10085,19 @@
         </a:lvl9pPr>
       </a:lstStyle>
       <a:style>
-        <a:lnRef idx="0"/>
-        <a:fillRef idx="0"/>
-        <a:effectRef idx="0"/>
+        <a:lnRef idx="0">
+          <a:scrgbClr r="0" g="0" b="0"/>
+        </a:lnRef>
+        <a:fillRef idx="0">
+          <a:scrgbClr r="0" g="0" b="0"/>
+        </a:fillRef>
+        <a:effectRef idx="0">
+          <a:scrgbClr r="0" g="0" b="0"/>
+        </a:effectRef>
         <a:fontRef idx="none"/>
       </a:style>
     </a:txDef>
   </a:objectDefaults>
+  <a:extraClrSchemeLst/>
 </a:theme>
 </file>
--- a/docs/images/neo4j_architecture_diagram.pptx
+++ b/docs/images/neo4j_architecture_diagram.pptx
@@ -3092,7 +3092,7 @@
         </p:nvSpPr>
         <p:spPr>
           <a:xfrm>
-            <a:off x="1072330" y="1422852"/>
+            <a:off x="1086824" y="1422852"/>
             <a:ext cx="720491" cy="748624"/>
           </a:xfrm>
           <a:prstGeom prst="rect">
@@ -3821,7 +3821,7 @@
         </p:nvSpPr>
         <p:spPr bwMode="auto">
           <a:xfrm>
-            <a:off x="3690146" y="2884292"/>
+            <a:off x="3772512" y="2875547"/>
             <a:ext cx="1767152" cy="276999"/>
           </a:xfrm>
           <a:prstGeom prst="rect">
@@ -4043,7 +4043,7 @@
         </p:nvSpPr>
         <p:spPr bwMode="auto">
           <a:xfrm>
-            <a:off x="6706305" y="2873203"/>
+            <a:off x="6751081" y="2838305"/>
             <a:ext cx="1767152" cy="276999"/>
           </a:xfrm>
           <a:prstGeom prst="rect">
@@ -5511,7 +5511,7 @@
         </p:nvSpPr>
         <p:spPr bwMode="auto">
           <a:xfrm>
-            <a:off x="9044354" y="2888348"/>
+            <a:off x="9260519" y="2832475"/>
             <a:ext cx="1767152" cy="276999"/>
           </a:xfrm>
           <a:prstGeom prst="rect">
@@ -6483,7 +6483,7 @@
         </p:blipFill>
         <p:spPr bwMode="auto">
           <a:xfrm>
-            <a:off x="1222782" y="1500448"/>
+            <a:off x="1248061" y="1500448"/>
             <a:ext cx="398016" cy="398016"/>
           </a:xfrm>
           <a:prstGeom prst="rect">
@@ -6605,7 +6605,7 @@
         </p:nvSpPr>
         <p:spPr>
           <a:xfrm>
-            <a:off x="1763797" y="2695542"/>
+            <a:off x="1755341" y="2695542"/>
             <a:ext cx="616511" cy="461661"/>
           </a:xfrm>
           <a:prstGeom prst="rect">
@@ -6841,7 +6841,7 @@
         </p:nvSpPr>
         <p:spPr>
           <a:xfrm>
-            <a:off x="1053461" y="3207774"/>
+            <a:off x="1086824" y="3207774"/>
             <a:ext cx="720491" cy="748624"/>
           </a:xfrm>
           <a:prstGeom prst="rect">
@@ -6874,7 +6874,7 @@
           </a:fontRef>
         </p:style>
         <p:txBody>
-          <a:bodyPr tIns="91440" anchor="ctr"/>
+          <a:bodyPr tIns="91440" anchor="t"/>
           <a:lstStyle/>
           <a:p>
             <a:pPr algn="ctr" eaLnBrk="1" fontAlgn="auto" hangingPunct="1">
@@ -7005,7 +7005,7 @@
             <a:avLst/>
           </a:prstGeom>
           <a:noFill/>
-          <a:ln w="9525" cap="flat">
+          <a:ln w="3175" cap="flat">
             <a:solidFill>
               <a:schemeClr val="tx1"/>
             </a:solidFill>
@@ -7081,7 +7081,7 @@
         </p:nvSpPr>
         <p:spPr>
           <a:xfrm>
-            <a:off x="1065960" y="4934266"/>
+            <a:off x="1059711" y="4934266"/>
             <a:ext cx="774717" cy="813274"/>
           </a:xfrm>
           <a:prstGeom prst="rect">
@@ -7300,7 +7300,7 @@
         </p:blipFill>
         <p:spPr bwMode="auto">
           <a:xfrm>
-            <a:off x="1241420" y="4999678"/>
+            <a:off x="1212119" y="4999678"/>
             <a:ext cx="469900" cy="469900"/>
           </a:xfrm>
           <a:prstGeom prst="rect">
@@ -7345,7 +7345,7 @@
         </p:nvSpPr>
         <p:spPr>
           <a:xfrm>
-            <a:off x="1110708" y="5454498"/>
+            <a:off x="1082647" y="5490919"/>
             <a:ext cx="680631" cy="246217"/>
           </a:xfrm>
           <a:prstGeom prst="rect">
@@ -7379,7 +7379,7 @@
           </a:bodyPr>
           <a:lstStyle/>
           <a:p>
-            <a:pPr marL="0" marR="0" indent="0" algn="l" defTabSz="914400" rtl="0" fontAlgn="auto" latinLnBrk="0" hangingPunct="0">
+            <a:pPr marL="0" marR="0" indent="0" algn="ctr" defTabSz="914400" rtl="0" fontAlgn="auto" latinLnBrk="0" hangingPunct="0">
               <a:lnSpc>
                 <a:spcPct val="100000"/>
               </a:lnSpc>

--- a/docs/images/neo4j_architecture_diagram.pptx
+++ b/docs/images/neo4j_architecture_diagram.pptx
@@ -1,14 +1,15 @@
 
 <file path=ppt/presentation.xml><?xml version="1.0" encoding="utf-8"?>
-<p:presentation xmlns:a="http://schemas.openxmlformats.org/drawingml/2006/main" xmlns:r="http://schemas.openxmlformats.org/officeDocument/2006/relationships" xmlns:p="http://schemas.openxmlformats.org/presentationml/2006/main" xmlns:m="http://schemas.openxmlformats.org/officeDocument/2006/math" xmlns:a14="http://schemas.microsoft.com/office/drawing/2010/main">
+<p:presentation xmlns:a="http://schemas.openxmlformats.org/drawingml/2006/main" xmlns:r="http://schemas.openxmlformats.org/officeDocument/2006/relationships" xmlns:p="http://schemas.openxmlformats.org/presentationml/2006/main">
   <p:sldMasterIdLst>
-    <p:sldMasterId id="2147483648" r:id="rId5"/>
+    <p:sldMasterId id="2147483648" r:id="rId1"/>
   </p:sldMasterIdLst>
   <p:notesMasterIdLst>
-    <p:notesMasterId r:id="rId7"/>
+    <p:notesMasterId r:id="rId4"/>
   </p:notesMasterIdLst>
   <p:sldIdLst>
-    <p:sldId id="256" r:id="rId8"/>
+    <p:sldId id="256" r:id="rId2"/>
+    <p:sldId id="257" r:id="rId3"/>
   </p:sldIdLst>
   <p:sldSz cx="12192000" cy="6858000"/>
   <p:notesSz cx="6858000" cy="9144000"/>
@@ -28,7 +29,7 @@
       <a:buFontTx/>
       <a:buNone/>
       <a:tabLst/>
-      <a:defRPr b="0" baseline="0" cap="none" i="0" spc="0" strike="noStrike" sz="1800" u="none" kumimoji="0" normalizeH="0">
+      <a:defRPr kumimoji="0" sz="1800" b="0" i="0" u="none" strike="noStrike" cap="none" spc="0" normalizeH="0" baseline="0">
         <a:ln>
           <a:noFill/>
         </a:ln>
@@ -54,7 +55,7 @@
       <a:buFontTx/>
       <a:buNone/>
       <a:tabLst/>
-      <a:defRPr b="0" baseline="0" cap="none" i="0" spc="0" strike="noStrike" sz="1800" u="none" kumimoji="0" normalizeH="0">
+      <a:defRPr kumimoji="0" sz="1800" b="0" i="0" u="none" strike="noStrike" cap="none" spc="0" normalizeH="0" baseline="0">
         <a:ln>
           <a:noFill/>
         </a:ln>
@@ -84,7 +85,7 @@
       <a:buFontTx/>
       <a:buNone/>
       <a:tabLst/>
-      <a:defRPr b="0" baseline="0" cap="none" i="0" spc="0" strike="noStrike" sz="1800" u="none" kumimoji="0" normalizeH="0">
+      <a:defRPr kumimoji="0" sz="1800" b="0" i="0" u="none" strike="noStrike" cap="none" spc="0" normalizeH="0" baseline="0">
         <a:ln>
           <a:noFill/>
         </a:ln>
@@ -114,7 +115,7 @@
       <a:buFontTx/>
       <a:buNone/>
       <a:tabLst/>
-      <a:defRPr b="0" baseline="0" cap="none" i="0" spc="0" strike="noStrike" sz="1800" u="none" kumimoji="0" normalizeH="0">
+      <a:defRPr kumimoji="0" sz="1800" b="0" i="0" u="none" strike="noStrike" cap="none" spc="0" normalizeH="0" baseline="0">
         <a:ln>
           <a:noFill/>
         </a:ln>
@@ -144,7 +145,7 @@
       <a:buFontTx/>
       <a:buNone/>
       <a:tabLst/>
-      <a:defRPr b="0" baseline="0" cap="none" i="0" spc="0" strike="noStrike" sz="1800" u="none" kumimoji="0" normalizeH="0">
+      <a:defRPr kumimoji="0" sz="1800" b="0" i="0" u="none" strike="noStrike" cap="none" spc="0" normalizeH="0" baseline="0">
         <a:ln>
           <a:noFill/>
         </a:ln>
@@ -174,7 +175,7 @@
       <a:buFontTx/>
       <a:buNone/>
       <a:tabLst/>
-      <a:defRPr b="0" baseline="0" cap="none" i="0" spc="0" strike="noStrike" sz="1800" u="none" kumimoji="0" normalizeH="0">
+      <a:defRPr kumimoji="0" sz="1800" b="0" i="0" u="none" strike="noStrike" cap="none" spc="0" normalizeH="0" baseline="0">
         <a:ln>
           <a:noFill/>
         </a:ln>
@@ -204,7 +205,7 @@
       <a:buFontTx/>
       <a:buNone/>
       <a:tabLst/>
-      <a:defRPr b="0" baseline="0" cap="none" i="0" spc="0" strike="noStrike" sz="1800" u="none" kumimoji="0" normalizeH="0">
+      <a:defRPr kumimoji="0" sz="1800" b="0" i="0" u="none" strike="noStrike" cap="none" spc="0" normalizeH="0" baseline="0">
         <a:ln>
           <a:noFill/>
         </a:ln>
@@ -234,7 +235,7 @@
       <a:buFontTx/>
       <a:buNone/>
       <a:tabLst/>
-      <a:defRPr b="0" baseline="0" cap="none" i="0" spc="0" strike="noStrike" sz="1800" u="none" kumimoji="0" normalizeH="0">
+      <a:defRPr kumimoji="0" sz="1800" b="0" i="0" u="none" strike="noStrike" cap="none" spc="0" normalizeH="0" baseline="0">
         <a:ln>
           <a:noFill/>
         </a:ln>
@@ -264,7 +265,7 @@
       <a:buFontTx/>
       <a:buNone/>
       <a:tabLst/>
-      <a:defRPr b="0" baseline="0" cap="none" i="0" spc="0" strike="noStrike" sz="1800" u="none" kumimoji="0" normalizeH="0">
+      <a:defRPr kumimoji="0" sz="1800" b="0" i="0" u="none" strike="noStrike" cap="none" spc="0" normalizeH="0" baseline="0">
         <a:ln>
           <a:noFill/>
         </a:ln>
@@ -294,7 +295,7 @@
       <a:buFontTx/>
       <a:buNone/>
       <a:tabLst/>
-      <a:defRPr b="0" baseline="0" cap="none" i="0" spc="0" strike="noStrike" sz="1800" u="none" kumimoji="0" normalizeH="0">
+      <a:defRPr kumimoji="0" sz="1800" b="0" i="0" u="none" strike="noStrike" cap="none" spc="0" normalizeH="0" baseline="0">
         <a:ln>
           <a:noFill/>
         </a:ln>
@@ -313,13 +314,14 @@
 </p:presentation>
 </file>
 
-<file path=ppt/commentAuthors.xml><?xml version="1.0" encoding="utf-8"?>
-<p:cmAuthorLst xmlns:a="http://schemas.openxmlformats.org/drawingml/2006/main" xmlns:r="http://schemas.openxmlformats.org/officeDocument/2006/relationships" xmlns:p="http://schemas.openxmlformats.org/presentationml/2006/main" xmlns:m="http://schemas.openxmlformats.org/officeDocument/2006/math" xmlns:a14="http://schemas.microsoft.com/office/drawing/2010/main"/>
-</file>
-
 <file path=ppt/notesMasters/notesMaster1.xml><?xml version="1.0" encoding="utf-8"?>
-<p:notesMaster xmlns:a="http://schemas.openxmlformats.org/drawingml/2006/main" xmlns:r="http://schemas.openxmlformats.org/officeDocument/2006/relationships" xmlns:p="http://schemas.openxmlformats.org/presentationml/2006/main" xmlns:m="http://schemas.openxmlformats.org/officeDocument/2006/math" xmlns:a14="http://schemas.microsoft.com/office/drawing/2010/main">
+<p:notesMaster xmlns:a="http://schemas.openxmlformats.org/drawingml/2006/main" xmlns:r="http://schemas.openxmlformats.org/officeDocument/2006/relationships" xmlns:p="http://schemas.openxmlformats.org/presentationml/2006/main">
   <p:cSld>
+    <p:bg>
+      <p:bgRef idx="1001">
+        <a:schemeClr val="bg1"/>
+      </p:bgRef>
+    </p:bg>
     <p:spTree>
       <p:nvGrpSpPr>
         <p:cNvPr id="1" name=""/>
@@ -337,7 +339,9 @@
       <p:sp>
         <p:nvSpPr>
           <p:cNvPr id="17" name="Shape 17"/>
-          <p:cNvSpPr/>
+          <p:cNvSpPr>
+            <a:spLocks noGrp="1" noRot="1" noChangeAspect="1"/>
+          </p:cNvSpPr>
           <p:nvPr>
             <p:ph type="sldImg"/>
           </p:nvPr>
@@ -355,14 +359,16 @@
           <a:bodyPr/>
           <a:lstStyle/>
           <a:p>
-            <a:pPr/>
+            <a:endParaRPr/>
           </a:p>
         </p:txBody>
       </p:sp>
       <p:sp>
         <p:nvSpPr>
           <p:cNvPr id="18" name="Shape 18"/>
-          <p:cNvSpPr/>
+          <p:cNvSpPr>
+            <a:spLocks noGrp="1"/>
+          </p:cNvSpPr>
           <p:nvPr>
             <p:ph type="body" sz="quarter" idx="1"/>
           </p:nvPr>
@@ -380,7 +386,7 @@
           <a:bodyPr/>
           <a:lstStyle/>
           <a:p>
-            <a:pPr/>
+            <a:endParaRPr/>
           </a:p>
         </p:txBody>
       </p:sp>
@@ -465,7 +471,7 @@
 </file>
 
 <file path=ppt/slideLayouts/slideLayout1.xml><?xml version="1.0" encoding="utf-8"?>
-<p:sldLayout xmlns:a="http://schemas.openxmlformats.org/drawingml/2006/main" xmlns:r="http://schemas.openxmlformats.org/officeDocument/2006/relationships" xmlns:p="http://schemas.openxmlformats.org/presentationml/2006/main" xmlns:m="http://schemas.openxmlformats.org/officeDocument/2006/math" xmlns:a14="http://schemas.microsoft.com/office/drawing/2010/main" type="tx" showMasterSp="1" showMasterPhAnim="1">
+<p:sldLayout xmlns:a="http://schemas.openxmlformats.org/drawingml/2006/main" xmlns:r="http://schemas.openxmlformats.org/officeDocument/2006/relationships" xmlns:p="http://schemas.openxmlformats.org/presentationml/2006/main" type="tx">
   <p:cSld name="Blank">
     <p:spTree>
       <p:nvGrpSpPr>
@@ -484,7 +490,9 @@
       <p:sp>
         <p:nvSpPr>
           <p:cNvPr id="11" name="Slide Number"/>
-          <p:cNvSpPr txBox="1"/>
+          <p:cNvSpPr txBox="1">
+            <a:spLocks noGrp="1"/>
+          </p:cNvSpPr>
           <p:nvPr>
             <p:ph type="sldNum" sz="quarter" idx="2"/>
           </p:nvPr>
@@ -498,8 +506,10 @@
           <a:bodyPr/>
           <a:lstStyle/>
           <a:p>
-            <a:pPr/>
-            <a:fld id="{86CB4B4D-7CA3-9044-876B-883B54F8677D}" type="slidenum"/>
+            <a:fld id="{86CB4B4D-7CA3-9044-876B-883B54F8677D}" type="slidenum">
+              <a:t>‹#›</a:t>
+            </a:fld>
+            <a:endParaRPr/>
           </a:p>
         </p:txBody>
       </p:sp>
@@ -508,18 +518,19 @@
   <p:clrMapOvr>
     <a:masterClrMapping/>
   </p:clrMapOvr>
-  <p:transition xmlns:p14="http://schemas.microsoft.com/office/powerpoint/2010/main" spd="med" advClick="1"/>
+  <p:transition spd="med"/>
 </p:sldLayout>
 </file>
 
 <file path=ppt/slideMasters/slideMaster1.xml><?xml version="1.0" encoding="utf-8"?>
-<p:sldMaster xmlns:a="http://schemas.openxmlformats.org/drawingml/2006/main" xmlns:r="http://schemas.openxmlformats.org/officeDocument/2006/relationships" xmlns:p="http://schemas.openxmlformats.org/presentationml/2006/main" xmlns:m="http://schemas.openxmlformats.org/officeDocument/2006/math" xmlns:a14="http://schemas.microsoft.com/office/drawing/2010/main">
+<p:sldMaster xmlns:a="http://schemas.openxmlformats.org/drawingml/2006/main" xmlns:r="http://schemas.openxmlformats.org/officeDocument/2006/relationships" xmlns:p="http://schemas.openxmlformats.org/presentationml/2006/main">
   <p:cSld>
     <p:bg>
       <p:bgPr>
         <a:solidFill>
           <a:srgbClr val="FFFFFF"/>
         </a:solidFill>
+        <a:effectLst/>
       </p:bgPr>
     </p:bg>
     <p:spTree>
@@ -539,7 +550,9 @@
       <p:sp>
         <p:nvSpPr>
           <p:cNvPr id="2" name="Title Text"/>
-          <p:cNvSpPr txBox="1"/>
+          <p:cNvSpPr txBox="1">
+            <a:spLocks noGrp="1"/>
+          </p:cNvSpPr>
           <p:nvPr>
             <p:ph type="title"/>
           </p:nvPr>
@@ -557,7 +570,7 @@
           </a:ln>
           <a:extLst>
             <a:ext uri="{C572A759-6A51-4108-AA02-DFA0A04FC94B}">
-              <ma14:wrappingTextBoxFlag xmlns:ma14="http://schemas.microsoft.com/office/mac/drawingml/2011/main" val="1"/>
+              <ma14:wrappingTextBoxFlag xmlns:ma14="http://schemas.microsoft.com/office/mac/drawingml/2011/main" xmlns:a14="http://schemas.microsoft.com/office/drawing/2010/main" xmlns:m="http://schemas.openxmlformats.org/officeDocument/2006/math" xmlns="" val="1"/>
             </a:ext>
           </a:extLst>
         </p:spPr>
@@ -565,7 +578,6 @@
           <a:bodyPr lIns="45718" tIns="45718" rIns="45718" bIns="45718" anchor="ctr"/>
           <a:lstStyle/>
           <a:p>
-            <a:pPr/>
             <a:r>
               <a:t>Title Text</a:t>
             </a:r>
@@ -575,7 +587,9 @@
       <p:sp>
         <p:nvSpPr>
           <p:cNvPr id="3" name="Body Level One…"/>
-          <p:cNvSpPr txBox="1"/>
+          <p:cNvSpPr txBox="1">
+            <a:spLocks noGrp="1"/>
+          </p:cNvSpPr>
           <p:nvPr>
             <p:ph type="body" idx="1"/>
           </p:nvPr>
@@ -593,7 +607,7 @@
           </a:ln>
           <a:extLst>
             <a:ext uri="{C572A759-6A51-4108-AA02-DFA0A04FC94B}">
-              <ma14:wrappingTextBoxFlag xmlns:ma14="http://schemas.microsoft.com/office/mac/drawingml/2011/main" val="1"/>
+              <ma14:wrappingTextBoxFlag xmlns:ma14="http://schemas.microsoft.com/office/mac/drawingml/2011/main" xmlns:a14="http://schemas.microsoft.com/office/drawing/2010/main" xmlns:m="http://schemas.openxmlformats.org/officeDocument/2006/math" xmlns="" val="1"/>
             </a:ext>
           </a:extLst>
         </p:spPr>
@@ -601,7 +615,6 @@
           <a:bodyPr lIns="45718" tIns="45718" rIns="45718" bIns="45718"/>
           <a:lstStyle/>
           <a:p>
-            <a:pPr/>
             <a:r>
               <a:t>Body Level One</a:t>
             </a:r>
@@ -635,7 +648,9 @@
       <p:sp>
         <p:nvSpPr>
           <p:cNvPr id="4" name="Slide Number"/>
-          <p:cNvSpPr txBox="1"/>
+          <p:cNvSpPr txBox="1">
+            <a:spLocks noGrp="1"/>
+          </p:cNvSpPr>
           <p:nvPr>
             <p:ph type="sldNum" sz="quarter" idx="2"/>
           </p:nvPr>
@@ -667,8 +682,10 @@
             </a:lvl1pPr>
           </a:lstStyle>
           <a:p>
-            <a:pPr/>
-            <a:fld id="{86CB4B4D-7CA3-9044-876B-883B54F8677D}" type="slidenum"/>
+            <a:fld id="{86CB4B4D-7CA3-9044-876B-883B54F8677D}" type="slidenum">
+              <a:t>‹#›</a:t>
+            </a:fld>
+            <a:endParaRPr/>
           </a:p>
         </p:txBody>
       </p:sp>
@@ -676,9 +693,9 @@
   </p:cSld>
   <p:clrMap bg1="lt1" tx1="dk1" bg2="lt2" tx2="dk2" accent1="accent1" accent2="accent2" accent3="accent3" accent4="accent4" accent5="accent5" accent6="accent6" hlink="hlink" folHlink="folHlink"/>
   <p:sldLayoutIdLst>
-    <p:sldLayoutId id="2147483649" r:id="rId2"/>
+    <p:sldLayoutId id="2147483649" r:id="rId1"/>
   </p:sldLayoutIdLst>
-  <p:transition xmlns:p14="http://schemas.microsoft.com/office/powerpoint/2010/main" spd="med" advClick="1"/>
+  <p:transition spd="med"/>
   <p:txStyles>
     <p:titleStyle>
       <a:lvl1pPr marL="0" marR="0" indent="0" algn="l" defTabSz="914400" rtl="0" latinLnBrk="0">
@@ -696,7 +713,7 @@
         <a:buFontTx/>
         <a:buNone/>
         <a:tabLst/>
-        <a:defRPr b="0" baseline="0" cap="none" i="0" spc="0" strike="noStrike" sz="3600" u="none">
+        <a:defRPr sz="3600" b="0" i="0" u="none" strike="noStrike" cap="none" spc="0" baseline="0">
           <a:solidFill>
             <a:srgbClr val="232F3D"/>
           </a:solidFill>
@@ -722,7 +739,7 @@
         <a:buFontTx/>
         <a:buNone/>
         <a:tabLst/>
-        <a:defRPr b="0" baseline="0" cap="none" i="0" spc="0" strike="noStrike" sz="3600" u="none">
+        <a:defRPr sz="3600" b="0" i="0" u="none" strike="noStrike" cap="none" spc="0" baseline="0">
           <a:solidFill>
             <a:srgbClr val="232F3D"/>
           </a:solidFill>
@@ -748,7 +765,7 @@
         <a:buFontTx/>
         <a:buNone/>
         <a:tabLst/>
-        <a:defRPr b="0" baseline="0" cap="none" i="0" spc="0" strike="noStrike" sz="3600" u="none">
+        <a:defRPr sz="3600" b="0" i="0" u="none" strike="noStrike" cap="none" spc="0" baseline="0">
           <a:solidFill>
             <a:srgbClr val="232F3D"/>
           </a:solidFill>
@@ -774,7 +791,7 @@
         <a:buFontTx/>
         <a:buNone/>
         <a:tabLst/>
-        <a:defRPr b="0" baseline="0" cap="none" i="0" spc="0" strike="noStrike" sz="3600" u="none">
+        <a:defRPr sz="3600" b="0" i="0" u="none" strike="noStrike" cap="none" spc="0" baseline="0">
           <a:solidFill>
             <a:srgbClr val="232F3D"/>
           </a:solidFill>
@@ -800,7 +817,7 @@
         <a:buFontTx/>
         <a:buNone/>
         <a:tabLst/>
-        <a:defRPr b="0" baseline="0" cap="none" i="0" spc="0" strike="noStrike" sz="3600" u="none">
+        <a:defRPr sz="3600" b="0" i="0" u="none" strike="noStrike" cap="none" spc="0" baseline="0">
           <a:solidFill>
             <a:srgbClr val="232F3D"/>
           </a:solidFill>
@@ -826,7 +843,7 @@
         <a:buFontTx/>
         <a:buNone/>
         <a:tabLst/>
-        <a:defRPr b="0" baseline="0" cap="none" i="0" spc="0" strike="noStrike" sz="3600" u="none">
+        <a:defRPr sz="3600" b="0" i="0" u="none" strike="noStrike" cap="none" spc="0" baseline="0">
           <a:solidFill>
             <a:srgbClr val="232F3D"/>
           </a:solidFill>
@@ -852,7 +869,7 @@
         <a:buFontTx/>
         <a:buNone/>
         <a:tabLst/>
-        <a:defRPr b="0" baseline="0" cap="none" i="0" spc="0" strike="noStrike" sz="3600" u="none">
+        <a:defRPr sz="3600" b="0" i="0" u="none" strike="noStrike" cap="none" spc="0" baseline="0">
           <a:solidFill>
             <a:srgbClr val="232F3D"/>
           </a:solidFill>
@@ -878,7 +895,7 @@
         <a:buFontTx/>
         <a:buNone/>
         <a:tabLst/>
-        <a:defRPr b="0" baseline="0" cap="none" i="0" spc="0" strike="noStrike" sz="3600" u="none">
+        <a:defRPr sz="3600" b="0" i="0" u="none" strike="noStrike" cap="none" spc="0" baseline="0">
           <a:solidFill>
             <a:srgbClr val="232F3D"/>
           </a:solidFill>
@@ -904,7 +921,7 @@
         <a:buFontTx/>
         <a:buNone/>
         <a:tabLst/>
-        <a:defRPr b="0" baseline="0" cap="none" i="0" spc="0" strike="noStrike" sz="3600" u="none">
+        <a:defRPr sz="3600" b="0" i="0" u="none" strike="noStrike" cap="none" spc="0" baseline="0">
           <a:solidFill>
             <a:srgbClr val="232F3D"/>
           </a:solidFill>
@@ -932,7 +949,7 @@
         <a:buFont typeface="Arial"/>
         <a:buChar char="•"/>
         <a:tabLst/>
-        <a:defRPr b="0" baseline="0" cap="none" i="0" spc="0" strike="noStrike" sz="2400" u="none">
+        <a:defRPr sz="2400" b="0" i="0" u="none" strike="noStrike" cap="none" spc="0" baseline="0">
           <a:solidFill>
             <a:srgbClr val="232F3D"/>
           </a:solidFill>
@@ -958,7 +975,7 @@
         <a:buFont typeface="Arial"/>
         <a:buChar char="•"/>
         <a:tabLst/>
-        <a:defRPr b="0" baseline="0" cap="none" i="0" spc="0" strike="noStrike" sz="2400" u="none">
+        <a:defRPr sz="2400" b="0" i="0" u="none" strike="noStrike" cap="none" spc="0" baseline="0">
           <a:solidFill>
             <a:srgbClr val="232F3D"/>
           </a:solidFill>
@@ -984,7 +1001,7 @@
         <a:buFont typeface="Arial"/>
         <a:buChar char="•"/>
         <a:tabLst/>
-        <a:defRPr b="0" baseline="0" cap="none" i="0" spc="0" strike="noStrike" sz="2400" u="none">
+        <a:defRPr sz="2400" b="0" i="0" u="none" strike="noStrike" cap="none" spc="0" baseline="0">
           <a:solidFill>
             <a:srgbClr val="232F3D"/>
           </a:solidFill>
@@ -1010,7 +1027,7 @@
         <a:buFont typeface="Arial"/>
         <a:buChar char="•"/>
         <a:tabLst/>
-        <a:defRPr b="0" baseline="0" cap="none" i="0" spc="0" strike="noStrike" sz="2400" u="none">
+        <a:defRPr sz="2400" b="0" i="0" u="none" strike="noStrike" cap="none" spc="0" baseline="0">
           <a:solidFill>
             <a:srgbClr val="232F3D"/>
           </a:solidFill>
@@ -1036,7 +1053,7 @@
         <a:buFont typeface="Arial"/>
         <a:buChar char="•"/>
         <a:tabLst/>
-        <a:defRPr b="0" baseline="0" cap="none" i="0" spc="0" strike="noStrike" sz="2400" u="none">
+        <a:defRPr sz="2400" b="0" i="0" u="none" strike="noStrike" cap="none" spc="0" baseline="0">
           <a:solidFill>
             <a:srgbClr val="232F3D"/>
           </a:solidFill>
@@ -1062,7 +1079,7 @@
         <a:buFont typeface="Arial"/>
         <a:buChar char="•"/>
         <a:tabLst/>
-        <a:defRPr b="0" baseline="0" cap="none" i="0" spc="0" strike="noStrike" sz="2400" u="none">
+        <a:defRPr sz="2400" b="0" i="0" u="none" strike="noStrike" cap="none" spc="0" baseline="0">
           <a:solidFill>
             <a:srgbClr val="232F3D"/>
           </a:solidFill>
@@ -1088,7 +1105,7 @@
         <a:buFont typeface="Arial"/>
         <a:buChar char="•"/>
         <a:tabLst/>
-        <a:defRPr b="0" baseline="0" cap="none" i="0" spc="0" strike="noStrike" sz="2400" u="none">
+        <a:defRPr sz="2400" b="0" i="0" u="none" strike="noStrike" cap="none" spc="0" baseline="0">
           <a:solidFill>
             <a:srgbClr val="232F3D"/>
           </a:solidFill>
@@ -1114,7 +1131,7 @@
         <a:buFont typeface="Arial"/>
         <a:buChar char="•"/>
         <a:tabLst/>
-        <a:defRPr b="0" baseline="0" cap="none" i="0" spc="0" strike="noStrike" sz="2400" u="none">
+        <a:defRPr sz="2400" b="0" i="0" u="none" strike="noStrike" cap="none" spc="0" baseline="0">
           <a:solidFill>
             <a:srgbClr val="232F3D"/>
           </a:solidFill>
@@ -1140,7 +1157,7 @@
         <a:buFont typeface="Arial"/>
         <a:buChar char="•"/>
         <a:tabLst/>
-        <a:defRPr b="0" baseline="0" cap="none" i="0" spc="0" strike="noStrike" sz="2400" u="none">
+        <a:defRPr sz="2400" b="0" i="0" u="none" strike="noStrike" cap="none" spc="0" baseline="0">
           <a:solidFill>
             <a:srgbClr val="232F3D"/>
           </a:solidFill>
@@ -1168,7 +1185,7 @@
         <a:buFontTx/>
         <a:buNone/>
         <a:tabLst/>
-        <a:defRPr b="0" baseline="0" cap="none" i="0" spc="0" strike="noStrike" sz="1200" u="none">
+        <a:defRPr sz="1200" b="0" i="0" u="none" strike="noStrike" cap="none" spc="0" baseline="0">
           <a:solidFill>
             <a:schemeClr val="tx1"/>
           </a:solidFill>
@@ -1194,7 +1211,7 @@
         <a:buFontTx/>
         <a:buNone/>
         <a:tabLst/>
-        <a:defRPr b="0" baseline="0" cap="none" i="0" spc="0" strike="noStrike" sz="1200" u="none">
+        <a:defRPr sz="1200" b="0" i="0" u="none" strike="noStrike" cap="none" spc="0" baseline="0">
           <a:solidFill>
             <a:schemeClr val="tx1"/>
           </a:solidFill>
@@ -1220,7 +1237,7 @@
         <a:buFontTx/>
         <a:buNone/>
         <a:tabLst/>
-        <a:defRPr b="0" baseline="0" cap="none" i="0" spc="0" strike="noStrike" sz="1200" u="none">
+        <a:defRPr sz="1200" b="0" i="0" u="none" strike="noStrike" cap="none" spc="0" baseline="0">
           <a:solidFill>
             <a:schemeClr val="tx1"/>
           </a:solidFill>
@@ -1246,7 +1263,7 @@
         <a:buFontTx/>
         <a:buNone/>
         <a:tabLst/>
-        <a:defRPr b="0" baseline="0" cap="none" i="0" spc="0" strike="noStrike" sz="1200" u="none">
+        <a:defRPr sz="1200" b="0" i="0" u="none" strike="noStrike" cap="none" spc="0" baseline="0">
           <a:solidFill>
             <a:schemeClr val="tx1"/>
           </a:solidFill>
@@ -1272,7 +1289,7 @@
         <a:buFontTx/>
         <a:buNone/>
         <a:tabLst/>
-        <a:defRPr b="0" baseline="0" cap="none" i="0" spc="0" strike="noStrike" sz="1200" u="none">
+        <a:defRPr sz="1200" b="0" i="0" u="none" strike="noStrike" cap="none" spc="0" baseline="0">
           <a:solidFill>
             <a:schemeClr val="tx1"/>
           </a:solidFill>
@@ -1298,7 +1315,7 @@
         <a:buFontTx/>
         <a:buNone/>
         <a:tabLst/>
-        <a:defRPr b="0" baseline="0" cap="none" i="0" spc="0" strike="noStrike" sz="1200" u="none">
+        <a:defRPr sz="1200" b="0" i="0" u="none" strike="noStrike" cap="none" spc="0" baseline="0">
           <a:solidFill>
             <a:schemeClr val="tx1"/>
           </a:solidFill>
@@ -1324,7 +1341,7 @@
         <a:buFontTx/>
         <a:buNone/>
         <a:tabLst/>
-        <a:defRPr b="0" baseline="0" cap="none" i="0" spc="0" strike="noStrike" sz="1200" u="none">
+        <a:defRPr sz="1200" b="0" i="0" u="none" strike="noStrike" cap="none" spc="0" baseline="0">
           <a:solidFill>
             <a:schemeClr val="tx1"/>
           </a:solidFill>
@@ -1350,7 +1367,7 @@
         <a:buFontTx/>
         <a:buNone/>
         <a:tabLst/>
-        <a:defRPr b="0" baseline="0" cap="none" i="0" spc="0" strike="noStrike" sz="1200" u="none">
+        <a:defRPr sz="1200" b="0" i="0" u="none" strike="noStrike" cap="none" spc="0" baseline="0">
           <a:solidFill>
             <a:schemeClr val="tx1"/>
           </a:solidFill>
@@ -1376,7 +1393,7 @@
         <a:buFontTx/>
         <a:buNone/>
         <a:tabLst/>
-        <a:defRPr b="0" baseline="0" cap="none" i="0" spc="0" strike="noStrike" sz="1200" u="none">
+        <a:defRPr sz="1200" b="0" i="0" u="none" strike="noStrike" cap="none" spc="0" baseline="0">
           <a:solidFill>
             <a:schemeClr val="tx1"/>
           </a:solidFill>
@@ -1393,7 +1410,7 @@
 </file>
 
 <file path=ppt/slides/slide1.xml><?xml version="1.0" encoding="utf-8"?>
-<p:sld xmlns:a="http://schemas.openxmlformats.org/drawingml/2006/main" xmlns:r="http://schemas.openxmlformats.org/officeDocument/2006/relationships" xmlns:p="http://schemas.openxmlformats.org/presentationml/2006/main" xmlns:m="http://schemas.openxmlformats.org/officeDocument/2006/math" xmlns:a14="http://schemas.microsoft.com/office/drawing/2010/main" showMasterSp="1" showMasterPhAnim="1">
+<p:sld xmlns:a="http://schemas.openxmlformats.org/drawingml/2006/main" xmlns:r="http://schemas.openxmlformats.org/officeDocument/2006/relationships" xmlns:p="http://schemas.openxmlformats.org/presentationml/2006/main">
   <p:cSld>
     <p:spTree>
       <p:nvGrpSpPr>
@@ -1428,7 +1445,7 @@
           </a:ln>
           <a:extLst>
             <a:ext uri="{C572A759-6A51-4108-AA02-DFA0A04FC94B}">
-              <ma14:wrappingTextBoxFlag xmlns:ma14="http://schemas.microsoft.com/office/mac/drawingml/2011/main" val="1"/>
+              <ma14:wrappingTextBoxFlag xmlns:ma14="http://schemas.microsoft.com/office/mac/drawingml/2011/main" xmlns:a14="http://schemas.microsoft.com/office/drawing/2010/main" xmlns:m="http://schemas.openxmlformats.org/officeDocument/2006/math" xmlns="" val="1"/>
             </a:ext>
           </a:extLst>
         </p:spPr>
@@ -1450,7 +1467,6 @@
             </a:lvl1pPr>
           </a:lstStyle>
           <a:p>
-            <a:pPr/>
             <a:r>
               <a:t>Public subnet</a:t>
             </a:r>
@@ -1465,10 +1481,10 @@
         </p:nvGrpSpPr>
         <p:grpSpPr>
           <a:xfrm>
-            <a:off x="898440" y="584739"/>
-            <a:ext cx="10061170" cy="5296214"/>
-            <a:chOff x="0" y="0"/>
-            <a:chExt cx="10061168" cy="5296213"/>
+            <a:off x="1057504" y="655984"/>
+            <a:ext cx="10061172" cy="5296215"/>
+            <a:chOff x="69850" y="65394"/>
+            <a:chExt cx="10061170" cy="5296214"/>
           </a:xfrm>
         </p:grpSpPr>
         <p:sp>
@@ -1479,7 +1495,7 @@
           </p:nvSpPr>
           <p:spPr>
             <a:xfrm>
-              <a:off x="-1" y="-1"/>
+              <a:off x="69850" y="65394"/>
               <a:ext cx="10061170" cy="5296214"/>
             </a:xfrm>
             <a:prstGeom prst="rect">
@@ -1512,6 +1528,7 @@
                   <a:sym typeface="Arial"/>
                 </a:defRPr>
               </a:pPr>
+              <a:endParaRPr/>
             </a:p>
           </p:txBody>
         </p:sp>
@@ -1537,7 +1554,7 @@
             <a:effectLst/>
             <a:extLst>
               <a:ext uri="{C572A759-6A51-4108-AA02-DFA0A04FC94B}">
-                <ma14:wrappingTextBoxFlag xmlns:ma14="http://schemas.microsoft.com/office/mac/drawingml/2011/main" val="1"/>
+                <ma14:wrappingTextBoxFlag xmlns:ma14="http://schemas.microsoft.com/office/mac/drawingml/2011/main" xmlns:a14="http://schemas.microsoft.com/office/drawing/2010/main" xmlns:m="http://schemas.openxmlformats.org/officeDocument/2006/math" xmlns="" val="1"/>
               </a:ext>
             </a:extLst>
           </p:spPr>
@@ -1559,8 +1576,8 @@
               </a:lvl1pPr>
             </a:lstStyle>
             <a:p>
-              <a:pPr/>
               <a:r>
+                <a:rPr dirty="0"/>
                 <a:t>VPC</a:t>
               </a:r>
             </a:p>
@@ -1622,6 +1639,7 @@
                   <a:sym typeface="Arial"/>
                 </a:defRPr>
               </a:pPr>
+              <a:endParaRPr/>
             </a:p>
           </p:txBody>
         </p:sp>
@@ -1656,7 +1674,7 @@
               </a:cxnLst>
               <a:rect l="0" t="0" r="r" b="b"/>
               <a:pathLst>
-                <a:path w="21600" h="0" fill="norm" stroke="1" extrusionOk="0">
+                <a:path w="21600" extrusionOk="0">
                   <a:moveTo>
                     <a:pt x="0" y="0"/>
                   </a:moveTo>
@@ -1681,7 +1699,7 @@
             <a:effectLst/>
             <a:extLst>
               <a:ext uri="{C572A759-6A51-4108-AA02-DFA0A04FC94B}">
-                <ma14:wrappingTextBoxFlag xmlns:ma14="http://schemas.microsoft.com/office/mac/drawingml/2011/main" val="1"/>
+                <ma14:wrappingTextBoxFlag xmlns:ma14="http://schemas.microsoft.com/office/mac/drawingml/2011/main" xmlns:a14="http://schemas.microsoft.com/office/drawing/2010/main" xmlns:m="http://schemas.openxmlformats.org/officeDocument/2006/math" xmlns="" val="1"/>
               </a:ext>
             </a:extLst>
           </p:spPr>
@@ -1703,8 +1721,8 @@
               </a:lvl1pPr>
             </a:lstStyle>
             <a:p>
-              <a:pPr/>
               <a:r>
+                <a:rPr dirty="0"/>
                 <a:t>AWS Cloud</a:t>
               </a:r>
             </a:p>
@@ -1766,6 +1784,7 @@
                   <a:sym typeface="Arial"/>
                 </a:defRPr>
               </a:pPr>
+              <a:endParaRPr/>
             </a:p>
           </p:txBody>
         </p:sp>
@@ -1800,7 +1819,7 @@
               </a:cxnLst>
               <a:rect l="0" t="0" r="r" b="b"/>
               <a:pathLst>
-                <a:path w="21600" h="0" fill="norm" stroke="1" extrusionOk="0">
+                <a:path w="21600" extrusionOk="0">
                   <a:moveTo>
                     <a:pt x="0" y="0"/>
                   </a:moveTo>
@@ -1825,7 +1844,7 @@
             <a:effectLst/>
             <a:extLst>
               <a:ext uri="{C572A759-6A51-4108-AA02-DFA0A04FC94B}">
-                <ma14:wrappingTextBoxFlag xmlns:ma14="http://schemas.microsoft.com/office/mac/drawingml/2011/main" val="1"/>
+                <ma14:wrappingTextBoxFlag xmlns:ma14="http://schemas.microsoft.com/office/mac/drawingml/2011/main" xmlns:a14="http://schemas.microsoft.com/office/drawing/2010/main" xmlns:m="http://schemas.openxmlformats.org/officeDocument/2006/math" xmlns="" val="1"/>
               </a:ext>
             </a:extLst>
           </p:spPr>
@@ -1847,7 +1866,6 @@
               </a:lvl1pPr>
             </a:lstStyle>
             <a:p>
-              <a:pPr/>
               <a:r>
                 <a:t>Availability Zone 1</a:t>
               </a:r>
@@ -1857,35 +1875,6 @@
       </p:grpSp>
       <p:pic>
         <p:nvPicPr>
-          <p:cNvPr id="30" name="Graphic 61" descr="Graphic 61"/>
-          <p:cNvPicPr>
-            <a:picLocks noChangeAspect="1"/>
-          </p:cNvPicPr>
-          <p:nvPr/>
-        </p:nvPicPr>
-        <p:blipFill>
-          <a:blip r:embed="rId2">
-            <a:extLst/>
-          </a:blip>
-          <a:stretch>
-            <a:fillRect/>
-          </a:stretch>
-        </p:blipFill>
-        <p:spPr>
-          <a:xfrm>
-            <a:off x="698343" y="267743"/>
-            <a:ext cx="330204" cy="330204"/>
-          </a:xfrm>
-          <a:prstGeom prst="rect">
-            <a:avLst/>
-          </a:prstGeom>
-          <a:ln w="12700">
-            <a:miter lim="400000"/>
-          </a:ln>
-        </p:spPr>
-      </p:pic>
-      <p:pic>
-        <p:nvPicPr>
           <p:cNvPr id="31" name="Graphic 63" descr="Graphic 63"/>
           <p:cNvPicPr>
             <a:picLocks noChangeAspect="1"/>
@@ -1893,9 +1882,7 @@
           <p:nvPr/>
         </p:nvPicPr>
         <p:blipFill>
-          <a:blip r:embed="rId3">
-            <a:extLst/>
-          </a:blip>
+          <a:blip r:embed="rId2"/>
           <a:stretch>
             <a:fillRect/>
           </a:stretch>
@@ -1932,7 +1919,7 @@
           </a:ln>
           <a:extLst>
             <a:ext uri="{C572A759-6A51-4108-AA02-DFA0A04FC94B}">
-              <ma14:wrappingTextBoxFlag xmlns:ma14="http://schemas.microsoft.com/office/mac/drawingml/2011/main" val="1"/>
+              <ma14:wrappingTextBoxFlag xmlns:ma14="http://schemas.microsoft.com/office/mac/drawingml/2011/main" xmlns:a14="http://schemas.microsoft.com/office/drawing/2010/main" xmlns:m="http://schemas.openxmlformats.org/officeDocument/2006/math" xmlns="" val="1"/>
             </a:ext>
           </a:extLst>
         </p:spPr>
@@ -1951,7 +1938,6 @@
             </a:lvl1pPr>
           </a:lstStyle>
           <a:p>
-            <a:pPr/>
             <a:r>
               <a:t>NAT gateway</a:t>
             </a:r>
@@ -1967,9 +1953,7 @@
           <p:nvPr/>
         </p:nvPicPr>
         <p:blipFill>
-          <a:blip r:embed="rId4">
-            <a:extLst/>
-          </a:blip>
+          <a:blip r:embed="rId3"/>
           <a:stretch>
             <a:fillRect/>
           </a:stretch>
@@ -2042,6 +2026,7 @@
                   <a:sym typeface="Arial"/>
                 </a:defRPr>
               </a:pPr>
+              <a:endParaRPr/>
             </a:p>
           </p:txBody>
         </p:sp>
@@ -2067,7 +2052,7 @@
             <a:effectLst/>
             <a:extLst>
               <a:ext uri="{C572A759-6A51-4108-AA02-DFA0A04FC94B}">
-                <ma14:wrappingTextBoxFlag xmlns:ma14="http://schemas.microsoft.com/office/mac/drawingml/2011/main" val="1"/>
+                <ma14:wrappingTextBoxFlag xmlns:ma14="http://schemas.microsoft.com/office/mac/drawingml/2011/main" xmlns:a14="http://schemas.microsoft.com/office/drawing/2010/main" xmlns:m="http://schemas.openxmlformats.org/officeDocument/2006/math" xmlns="" val="1"/>
               </a:ext>
             </a:extLst>
           </p:spPr>
@@ -2089,7 +2074,6 @@
               </a:lvl1pPr>
             </a:lstStyle>
             <a:p>
-              <a:pPr/>
               <a:r>
                 <a:t>Availability Zone 3</a:t>
               </a:r>
@@ -2116,7 +2100,7 @@
           </a:ln>
           <a:extLst>
             <a:ext uri="{C572A759-6A51-4108-AA02-DFA0A04FC94B}">
-              <ma14:wrappingTextBoxFlag xmlns:ma14="http://schemas.microsoft.com/office/mac/drawingml/2011/main" val="1"/>
+              <ma14:wrappingTextBoxFlag xmlns:ma14="http://schemas.microsoft.com/office/mac/drawingml/2011/main" xmlns:a14="http://schemas.microsoft.com/office/drawing/2010/main" xmlns:m="http://schemas.openxmlformats.org/officeDocument/2006/math" xmlns="" val="1"/>
             </a:ext>
           </a:extLst>
         </p:spPr>
@@ -2135,7 +2119,6 @@
             </a:lvl1pPr>
           </a:lstStyle>
           <a:p>
-            <a:pPr/>
             <a:r>
               <a:t>NAT gateway</a:t>
             </a:r>
@@ -2151,9 +2134,7 @@
           <p:nvPr/>
         </p:nvPicPr>
         <p:blipFill>
-          <a:blip r:embed="rId4">
-            <a:extLst/>
-          </a:blip>
+          <a:blip r:embed="rId3"/>
           <a:stretch>
             <a:fillRect/>
           </a:stretch>
@@ -2211,6 +2192,7 @@
                 <a:sym typeface="Arial"/>
               </a:defRPr>
             </a:pPr>
+            <a:endParaRPr/>
           </a:p>
         </p:txBody>
       </p:sp>
@@ -2223,9 +2205,7 @@
           <p:nvPr/>
         </p:nvPicPr>
         <p:blipFill>
-          <a:blip r:embed="rId5">
-            <a:extLst/>
-          </a:blip>
+          <a:blip r:embed="rId4"/>
           <a:stretch>
             <a:fillRect/>
           </a:stretch>
@@ -2262,7 +2242,7 @@
           </a:ln>
           <a:extLst>
             <a:ext uri="{C572A759-6A51-4108-AA02-DFA0A04FC94B}">
-              <ma14:wrappingTextBoxFlag xmlns:ma14="http://schemas.microsoft.com/office/mac/drawingml/2011/main" val="1"/>
+              <ma14:wrappingTextBoxFlag xmlns:ma14="http://schemas.microsoft.com/office/mac/drawingml/2011/main" xmlns:a14="http://schemas.microsoft.com/office/drawing/2010/main" xmlns:m="http://schemas.openxmlformats.org/officeDocument/2006/math" xmlns="" val="1"/>
             </a:ext>
           </a:extLst>
         </p:spPr>
@@ -2283,6 +2263,7 @@
                 <a:sym typeface="Arial"/>
               </a:defRPr>
             </a:pPr>
+            <a:endParaRPr/>
           </a:p>
           <a:p>
             <a:pPr algn="ctr">
@@ -2314,9 +2295,7 @@
           <p:nvPr/>
         </p:nvPicPr>
         <p:blipFill>
-          <a:blip r:embed="rId6">
-            <a:extLst/>
-          </a:blip>
+          <a:blip r:embed="rId5"/>
           <a:stretch>
             <a:fillRect/>
           </a:stretch>
@@ -2343,9 +2322,7 @@
           <p:nvPr/>
         </p:nvPicPr>
         <p:blipFill>
-          <a:blip r:embed="rId6">
-            <a:extLst/>
-          </a:blip>
+          <a:blip r:embed="rId5"/>
           <a:stretch>
             <a:fillRect/>
           </a:stretch>
@@ -2382,7 +2359,7 @@
           </a:ln>
           <a:extLst>
             <a:ext uri="{C572A759-6A51-4108-AA02-DFA0A04FC94B}">
-              <ma14:wrappingTextBoxFlag xmlns:ma14="http://schemas.microsoft.com/office/mac/drawingml/2011/main" val="1"/>
+              <ma14:wrappingTextBoxFlag xmlns:ma14="http://schemas.microsoft.com/office/mac/drawingml/2011/main" xmlns:a14="http://schemas.microsoft.com/office/drawing/2010/main" xmlns:m="http://schemas.openxmlformats.org/officeDocument/2006/math" xmlns="" val="1"/>
             </a:ext>
           </a:extLst>
         </p:spPr>
@@ -2401,7 +2378,6 @@
             </a:lvl1pPr>
           </a:lstStyle>
           <a:p>
-            <a:pPr/>
             <a:r>
               <a:t>172.31.16.0/20</a:t>
             </a:r>
@@ -2427,7 +2403,7 @@
           </a:ln>
           <a:extLst>
             <a:ext uri="{C572A759-6A51-4108-AA02-DFA0A04FC94B}">
-              <ma14:wrappingTextBoxFlag xmlns:ma14="http://schemas.microsoft.com/office/mac/drawingml/2011/main" val="1"/>
+              <ma14:wrappingTextBoxFlag xmlns:ma14="http://schemas.microsoft.com/office/mac/drawingml/2011/main" xmlns:a14="http://schemas.microsoft.com/office/drawing/2010/main" xmlns:m="http://schemas.openxmlformats.org/officeDocument/2006/math" xmlns="" val="1"/>
             </a:ext>
           </a:extLst>
         </p:spPr>
@@ -2446,7 +2422,6 @@
             </a:lvl1pPr>
           </a:lstStyle>
           <a:p>
-            <a:pPr/>
             <a:r>
               <a:t>172.31.0.0/20</a:t>
             </a:r>
@@ -2508,6 +2483,7 @@
                   <a:sym typeface="Arial"/>
                 </a:defRPr>
               </a:pPr>
+              <a:endParaRPr/>
             </a:p>
           </p:txBody>
         </p:sp>
@@ -2533,7 +2509,7 @@
             <a:effectLst/>
             <a:extLst>
               <a:ext uri="{C572A759-6A51-4108-AA02-DFA0A04FC94B}">
-                <ma14:wrappingTextBoxFlag xmlns:ma14="http://schemas.microsoft.com/office/mac/drawingml/2011/main" val="1"/>
+                <ma14:wrappingTextBoxFlag xmlns:ma14="http://schemas.microsoft.com/office/mac/drawingml/2011/main" xmlns:a14="http://schemas.microsoft.com/office/drawing/2010/main" xmlns:m="http://schemas.openxmlformats.org/officeDocument/2006/math" xmlns="" val="1"/>
               </a:ext>
             </a:extLst>
           </p:spPr>
@@ -2555,7 +2531,6 @@
               </a:lvl1pPr>
             </a:lstStyle>
             <a:p>
-              <a:pPr/>
               <a:r>
                 <a:t>Availability Zone 2</a:t>
               </a:r>
@@ -2619,6 +2594,7 @@
                   <a:sym typeface="Arial"/>
                 </a:defRPr>
               </a:pPr>
+              <a:endParaRPr/>
             </a:p>
           </p:txBody>
         </p:sp>
@@ -2664,6 +2640,7 @@
                   <a:sym typeface="Arial"/>
                 </a:defRPr>
               </a:pPr>
+              <a:endParaRPr/>
             </a:p>
           </p:txBody>
         </p:sp>
@@ -2709,6 +2686,7 @@
                   <a:sym typeface="Arial"/>
                 </a:defRPr>
               </a:pPr>
+              <a:endParaRPr/>
             </a:p>
           </p:txBody>
         </p:sp>
@@ -2722,9 +2700,7 @@
           <p:nvPr/>
         </p:nvPicPr>
         <p:blipFill>
-          <a:blip r:embed="rId3">
-            <a:extLst/>
-          </a:blip>
+          <a:blip r:embed="rId2"/>
           <a:stretch>
             <a:fillRect/>
           </a:stretch>
@@ -2751,9 +2727,7 @@
           <p:nvPr/>
         </p:nvPicPr>
         <p:blipFill>
-          <a:blip r:embed="rId3">
-            <a:extLst/>
-          </a:blip>
+          <a:blip r:embed="rId2"/>
           <a:stretch>
             <a:fillRect/>
           </a:stretch>
@@ -2790,7 +2764,7 @@
           </a:ln>
           <a:extLst>
             <a:ext uri="{C572A759-6A51-4108-AA02-DFA0A04FC94B}">
-              <ma14:wrappingTextBoxFlag xmlns:ma14="http://schemas.microsoft.com/office/mac/drawingml/2011/main" val="1"/>
+              <ma14:wrappingTextBoxFlag xmlns:ma14="http://schemas.microsoft.com/office/mac/drawingml/2011/main" xmlns:a14="http://schemas.microsoft.com/office/drawing/2010/main" xmlns:m="http://schemas.openxmlformats.org/officeDocument/2006/math" xmlns="" val="1"/>
             </a:ext>
           </a:extLst>
         </p:spPr>
@@ -2812,7 +2786,6 @@
             </a:lvl1pPr>
           </a:lstStyle>
           <a:p>
-            <a:pPr/>
             <a:r>
               <a:t>Public subnet</a:t>
             </a:r>
@@ -2838,7 +2811,7 @@
           </a:ln>
           <a:extLst>
             <a:ext uri="{C572A759-6A51-4108-AA02-DFA0A04FC94B}">
-              <ma14:wrappingTextBoxFlag xmlns:ma14="http://schemas.microsoft.com/office/mac/drawingml/2011/main" val="1"/>
+              <ma14:wrappingTextBoxFlag xmlns:ma14="http://schemas.microsoft.com/office/mac/drawingml/2011/main" xmlns:a14="http://schemas.microsoft.com/office/drawing/2010/main" xmlns:m="http://schemas.openxmlformats.org/officeDocument/2006/math" xmlns="" val="1"/>
             </a:ext>
           </a:extLst>
         </p:spPr>
@@ -2860,7 +2833,6 @@
             </a:lvl1pPr>
           </a:lstStyle>
           <a:p>
-            <a:pPr/>
             <a:r>
               <a:t>Public subnet</a:t>
             </a:r>
@@ -2876,9 +2848,7 @@
           <p:nvPr/>
         </p:nvPicPr>
         <p:blipFill>
-          <a:blip r:embed="rId4">
-            <a:extLst/>
-          </a:blip>
+          <a:blip r:embed="rId3"/>
           <a:stretch>
             <a:fillRect/>
           </a:stretch>
@@ -2915,7 +2885,7 @@
           </a:ln>
           <a:extLst>
             <a:ext uri="{C572A759-6A51-4108-AA02-DFA0A04FC94B}">
-              <ma14:wrappingTextBoxFlag xmlns:ma14="http://schemas.microsoft.com/office/mac/drawingml/2011/main" val="1"/>
+              <ma14:wrappingTextBoxFlag xmlns:ma14="http://schemas.microsoft.com/office/mac/drawingml/2011/main" xmlns:a14="http://schemas.microsoft.com/office/drawing/2010/main" xmlns:m="http://schemas.openxmlformats.org/officeDocument/2006/math" xmlns="" val="1"/>
             </a:ext>
           </a:extLst>
         </p:spPr>
@@ -2934,7 +2904,6 @@
             </a:lvl1pPr>
           </a:lstStyle>
           <a:p>
-            <a:pPr/>
             <a:r>
               <a:t>NAT gateway</a:t>
             </a:r>
@@ -2950,9 +2919,7 @@
           <p:nvPr/>
         </p:nvPicPr>
         <p:blipFill>
-          <a:blip r:embed="rId6">
-            <a:extLst/>
-          </a:blip>
+          <a:blip r:embed="rId5"/>
           <a:stretch>
             <a:fillRect/>
           </a:stretch>
@@ -2989,7 +2956,7 @@
           </a:ln>
           <a:extLst>
             <a:ext uri="{C572A759-6A51-4108-AA02-DFA0A04FC94B}">
-              <ma14:wrappingTextBoxFlag xmlns:ma14="http://schemas.microsoft.com/office/mac/drawingml/2011/main" val="1"/>
+              <ma14:wrappingTextBoxFlag xmlns:ma14="http://schemas.microsoft.com/office/mac/drawingml/2011/main" xmlns:a14="http://schemas.microsoft.com/office/drawing/2010/main" xmlns:m="http://schemas.openxmlformats.org/officeDocument/2006/math" xmlns="" val="1"/>
             </a:ext>
           </a:extLst>
         </p:spPr>
@@ -3008,24 +2975,4982 @@
             </a:lvl1pPr>
           </a:lstStyle>
           <a:p>
-            <a:pPr/>
             <a:r>
               <a:t>172.31.32.0/20</a:t>
             </a:r>
           </a:p>
         </p:txBody>
       </p:sp>
+      <p:pic>
+        <p:nvPicPr>
+          <p:cNvPr id="62" name="Graphic 61">
+            <a:extLst>
+              <a:ext uri="{FF2B5EF4-FFF2-40B4-BE49-F238E27FC236}">
+                <a16:creationId xmlns:a16="http://schemas.microsoft.com/office/drawing/2014/main" id="{270B4520-23B7-3F46-A160-60D82CE31B36}"/>
+              </a:ext>
+            </a:extLst>
+          </p:cNvPr>
+          <p:cNvPicPr>
+            <a:picLocks noChangeAspect="1"/>
+          </p:cNvPicPr>
+          <p:nvPr/>
+        </p:nvPicPr>
+        <p:blipFill>
+          <a:blip r:embed="rId6">
+            <a:extLst>
+              <a:ext uri="{96DAC541-7B7A-43D3-8B79-37D633B846F1}">
+                <asvg:svgBlip xmlns:asvg="http://schemas.microsoft.com/office/drawing/2016/SVG/main" r:embed="rId7"/>
+              </a:ext>
+            </a:extLst>
+          </a:blip>
+          <a:stretch>
+            <a:fillRect/>
+          </a:stretch>
+        </p:blipFill>
+        <p:spPr>
+          <a:xfrm>
+            <a:off x="1054295" y="664111"/>
+            <a:ext cx="381000" cy="381000"/>
+          </a:xfrm>
+          <a:prstGeom prst="rect">
+            <a:avLst/>
+          </a:prstGeom>
+        </p:spPr>
+      </p:pic>
+      <p:pic>
+        <p:nvPicPr>
+          <p:cNvPr id="63" name="Graphic 62">
+            <a:extLst>
+              <a:ext uri="{FF2B5EF4-FFF2-40B4-BE49-F238E27FC236}">
+                <a16:creationId xmlns:a16="http://schemas.microsoft.com/office/drawing/2014/main" id="{01022325-06B7-3348-816F-32920F5F8679}"/>
+              </a:ext>
+            </a:extLst>
+          </p:cNvPr>
+          <p:cNvPicPr>
+            <a:picLocks noChangeAspect="1"/>
+          </p:cNvPicPr>
+          <p:nvPr/>
+        </p:nvPicPr>
+        <p:blipFill>
+          <a:blip r:embed="rId8">
+            <a:extLst>
+              <a:ext uri="{96DAC541-7B7A-43D3-8B79-37D633B846F1}">
+                <asvg:svgBlip xmlns:asvg="http://schemas.microsoft.com/office/drawing/2016/SVG/main" r:embed="rId9"/>
+              </a:ext>
+            </a:extLst>
+          </a:blip>
+          <a:srcRect/>
+          <a:stretch/>
+        </p:blipFill>
+        <p:spPr>
+          <a:xfrm>
+            <a:off x="719540" y="264722"/>
+            <a:ext cx="381000" cy="381000"/>
+          </a:xfrm>
+          <a:prstGeom prst="rect">
+            <a:avLst/>
+          </a:prstGeom>
+        </p:spPr>
+      </p:pic>
     </p:spTree>
   </p:cSld>
   <p:clrMapOvr>
     <a:masterClrMapping/>
   </p:clrMapOvr>
-  <p:transition xmlns:p14="http://schemas.microsoft.com/office/powerpoint/2010/main" spd="med" advClick="1"/>
+  <p:transition spd="med"/>
+</p:sld>
+</file>
+
+<file path=ppt/slides/slide2.xml><?xml version="1.0" encoding="utf-8"?>
+<p:sld xmlns:a="http://schemas.openxmlformats.org/drawingml/2006/main" xmlns:r="http://schemas.openxmlformats.org/officeDocument/2006/relationships" xmlns:p="http://schemas.openxmlformats.org/presentationml/2006/main">
+  <p:cSld>
+    <p:spTree>
+      <p:nvGrpSpPr>
+        <p:cNvPr id="1" name=""/>
+        <p:cNvGrpSpPr/>
+        <p:nvPr/>
+      </p:nvGrpSpPr>
+      <p:grpSpPr>
+        <a:xfrm>
+          <a:off x="0" y="0"/>
+          <a:ext cx="0" cy="0"/>
+          <a:chOff x="0" y="0"/>
+          <a:chExt cx="0" cy="0"/>
+        </a:xfrm>
+      </p:grpSpPr>
+      <p:sp>
+        <p:nvSpPr>
+          <p:cNvPr id="103" name="Rectangle 102">
+            <a:extLst>
+              <a:ext uri="{FF2B5EF4-FFF2-40B4-BE49-F238E27FC236}">
+                <a16:creationId xmlns:a16="http://schemas.microsoft.com/office/drawing/2014/main" id="{DDB36582-E345-504B-96E1-6A1B7DD4504A}"/>
+              </a:ext>
+            </a:extLst>
+          </p:cNvPr>
+          <p:cNvSpPr/>
+          <p:nvPr/>
+        </p:nvSpPr>
+        <p:spPr>
+          <a:xfrm>
+            <a:off x="1086824" y="1422852"/>
+            <a:ext cx="720491" cy="748624"/>
+          </a:xfrm>
+          <a:prstGeom prst="rect">
+            <a:avLst/>
+          </a:prstGeom>
+          <a:solidFill>
+            <a:srgbClr val="5A6B86">
+              <a:alpha val="9804"/>
+            </a:srgbClr>
+          </a:solidFill>
+          <a:ln w="12700">
+            <a:noFill/>
+            <a:prstDash val="dash"/>
+          </a:ln>
+        </p:spPr>
+        <p:style>
+          <a:lnRef idx="2">
+            <a:schemeClr val="accent1">
+              <a:shade val="50000"/>
+            </a:schemeClr>
+          </a:lnRef>
+          <a:fillRef idx="1">
+            <a:schemeClr val="accent1"/>
+          </a:fillRef>
+          <a:effectRef idx="0">
+            <a:schemeClr val="accent1"/>
+          </a:effectRef>
+          <a:fontRef idx="minor">
+            <a:schemeClr val="lt1"/>
+          </a:fontRef>
+        </p:style>
+        <p:txBody>
+          <a:bodyPr tIns="91440" anchor="b"/>
+          <a:lstStyle/>
+          <a:p>
+            <a:pPr algn="ctr" eaLnBrk="1" fontAlgn="auto" hangingPunct="1">
+              <a:spcBef>
+                <a:spcPts val="0"/>
+              </a:spcBef>
+              <a:spcAft>
+                <a:spcPts val="0"/>
+              </a:spcAft>
+              <a:defRPr/>
+            </a:pPr>
+            <a:r>
+              <a:rPr lang="en-US" sz="1050" dirty="0">
+                <a:solidFill>
+                  <a:schemeClr val="tx1"/>
+                </a:solidFill>
+                <a:latin typeface="Calibri" panose="020F0502020204030204" pitchFamily="34" charset="0"/>
+                <a:cs typeface="Calibri" panose="020F0502020204030204" pitchFamily="34" charset="0"/>
+              </a:rPr>
+              <a:t>Bloom</a:t>
+            </a:r>
+            <a:endParaRPr lang="en-US" sz="1200" dirty="0">
+              <a:solidFill>
+                <a:schemeClr val="tx1"/>
+              </a:solidFill>
+              <a:latin typeface="Calibri" panose="020F0502020204030204" pitchFamily="34" charset="0"/>
+              <a:cs typeface="Calibri" panose="020F0502020204030204" pitchFamily="34" charset="0"/>
+            </a:endParaRPr>
+          </a:p>
+        </p:txBody>
+      </p:sp>
+      <p:sp>
+        <p:nvSpPr>
+          <p:cNvPr id="77" name="Rectangle 76">
+            <a:extLst>
+              <a:ext uri="{FF2B5EF4-FFF2-40B4-BE49-F238E27FC236}">
+                <a16:creationId xmlns:a16="http://schemas.microsoft.com/office/drawing/2014/main" id="{12AFF757-FF1D-F945-94A5-952EE51395C6}"/>
+              </a:ext>
+            </a:extLst>
+          </p:cNvPr>
+          <p:cNvSpPr/>
+          <p:nvPr/>
+        </p:nvSpPr>
+        <p:spPr>
+          <a:xfrm>
+            <a:off x="3731773" y="1730727"/>
+            <a:ext cx="1932547" cy="3763067"/>
+          </a:xfrm>
+          <a:prstGeom prst="rect">
+            <a:avLst/>
+          </a:prstGeom>
+          <a:solidFill>
+            <a:srgbClr val="1D8900">
+              <a:alpha val="9804"/>
+            </a:srgbClr>
+          </a:solidFill>
+          <a:ln w="12700">
+            <a:noFill/>
+            <a:prstDash val="dash"/>
+          </a:ln>
+        </p:spPr>
+        <p:style>
+          <a:lnRef idx="2">
+            <a:schemeClr val="accent1">
+              <a:shade val="50000"/>
+            </a:schemeClr>
+          </a:lnRef>
+          <a:fillRef idx="1">
+            <a:schemeClr val="accent1"/>
+          </a:fillRef>
+          <a:effectRef idx="0">
+            <a:schemeClr val="accent1"/>
+          </a:effectRef>
+          <a:fontRef idx="minor">
+            <a:schemeClr val="lt1"/>
+          </a:fontRef>
+        </p:style>
+        <p:txBody>
+          <a:bodyPr lIns="502920"/>
+          <a:lstStyle/>
+          <a:p>
+            <a:pPr eaLnBrk="1" fontAlgn="auto" hangingPunct="1">
+              <a:spcBef>
+                <a:spcPts val="0"/>
+              </a:spcBef>
+              <a:spcAft>
+                <a:spcPts val="0"/>
+              </a:spcAft>
+              <a:defRPr/>
+            </a:pPr>
+            <a:r>
+              <a:rPr lang="en-US" sz="1200" dirty="0">
+                <a:solidFill>
+                  <a:srgbClr val="1E8900"/>
+                </a:solidFill>
+                <a:latin typeface="Calibri" panose="020F0502020204030204" pitchFamily="34" charset="0"/>
+                <a:cs typeface="Calibri" panose="020F0502020204030204" pitchFamily="34" charset="0"/>
+              </a:rPr>
+              <a:t>Public subnet</a:t>
+            </a:r>
+          </a:p>
+        </p:txBody>
+      </p:sp>
+      <p:sp>
+        <p:nvSpPr>
+          <p:cNvPr id="79" name="Rectangle 78">
+            <a:extLst>
+              <a:ext uri="{FF2B5EF4-FFF2-40B4-BE49-F238E27FC236}">
+                <a16:creationId xmlns:a16="http://schemas.microsoft.com/office/drawing/2014/main" id="{90554ED7-2D69-FF4A-8886-64D2E684102F}"/>
+              </a:ext>
+            </a:extLst>
+          </p:cNvPr>
+          <p:cNvSpPr/>
+          <p:nvPr/>
+        </p:nvSpPr>
+        <p:spPr>
+          <a:xfrm>
+            <a:off x="6668384" y="1691431"/>
+            <a:ext cx="1932547" cy="3763067"/>
+          </a:xfrm>
+          <a:prstGeom prst="rect">
+            <a:avLst/>
+          </a:prstGeom>
+          <a:solidFill>
+            <a:srgbClr val="1D8900">
+              <a:alpha val="9804"/>
+            </a:srgbClr>
+          </a:solidFill>
+          <a:ln w="12700">
+            <a:noFill/>
+            <a:prstDash val="dash"/>
+          </a:ln>
+        </p:spPr>
+        <p:style>
+          <a:lnRef idx="2">
+            <a:schemeClr val="accent1">
+              <a:shade val="50000"/>
+            </a:schemeClr>
+          </a:lnRef>
+          <a:fillRef idx="1">
+            <a:schemeClr val="accent1"/>
+          </a:fillRef>
+          <a:effectRef idx="0">
+            <a:schemeClr val="accent1"/>
+          </a:effectRef>
+          <a:fontRef idx="minor">
+            <a:schemeClr val="lt1"/>
+          </a:fontRef>
+        </p:style>
+        <p:txBody>
+          <a:bodyPr lIns="502920"/>
+          <a:lstStyle/>
+          <a:p>
+            <a:pPr eaLnBrk="1" fontAlgn="auto" hangingPunct="1">
+              <a:spcBef>
+                <a:spcPts val="0"/>
+              </a:spcBef>
+              <a:spcAft>
+                <a:spcPts val="0"/>
+              </a:spcAft>
+              <a:defRPr/>
+            </a:pPr>
+            <a:r>
+              <a:rPr lang="en-US" sz="1200" dirty="0">
+                <a:solidFill>
+                  <a:srgbClr val="1E8900"/>
+                </a:solidFill>
+                <a:latin typeface="Calibri" panose="020F0502020204030204" pitchFamily="34" charset="0"/>
+                <a:cs typeface="Calibri" panose="020F0502020204030204" pitchFamily="34" charset="0"/>
+              </a:rPr>
+              <a:t>Public subnet</a:t>
+            </a:r>
+          </a:p>
+        </p:txBody>
+      </p:sp>
+      <p:grpSp>
+        <p:nvGrpSpPr>
+          <p:cNvPr id="23" name="Rectangle 56"/>
+          <p:cNvGrpSpPr/>
+          <p:nvPr/>
+        </p:nvGrpSpPr>
+        <p:grpSpPr>
+          <a:xfrm>
+            <a:off x="2870596" y="1560959"/>
+            <a:ext cx="8499368" cy="4419085"/>
+            <a:chOff x="1923512" y="49989"/>
+            <a:chExt cx="8207508" cy="5311619"/>
+          </a:xfrm>
+        </p:grpSpPr>
+        <p:sp>
+          <p:nvSpPr>
+            <p:cNvPr id="21" name="Rectangle"/>
+            <p:cNvSpPr/>
+            <p:nvPr/>
+          </p:nvSpPr>
+          <p:spPr>
+            <a:xfrm>
+              <a:off x="1923512" y="65394"/>
+              <a:ext cx="8207508" cy="5296214"/>
+            </a:xfrm>
+            <a:prstGeom prst="rect">
+              <a:avLst/>
+            </a:prstGeom>
+            <a:noFill/>
+            <a:ln w="12700" cap="flat">
+              <a:solidFill>
+                <a:srgbClr val="1E8900"/>
+              </a:solidFill>
+              <a:prstDash val="solid"/>
+              <a:miter lim="800000"/>
+            </a:ln>
+            <a:effectLst/>
+          </p:spPr>
+          <p:txBody>
+            <a:bodyPr wrap="square" lIns="45718" tIns="45718" rIns="45718" bIns="45718" numCol="1" anchor="t">
+              <a:noAutofit/>
+            </a:bodyPr>
+            <a:lstStyle/>
+            <a:p>
+              <a:pPr>
+                <a:defRPr>
+                  <a:solidFill>
+                    <a:srgbClr val="FAFAFA"/>
+                  </a:solidFill>
+                  <a:latin typeface="Arial"/>
+                  <a:ea typeface="Arial"/>
+                  <a:cs typeface="Arial"/>
+                  <a:sym typeface="Arial"/>
+                </a:defRPr>
+              </a:pPr>
+              <a:endParaRPr>
+                <a:latin typeface="Calibri" panose="020F0502020204030204" pitchFamily="34" charset="0"/>
+                <a:cs typeface="Calibri" panose="020F0502020204030204" pitchFamily="34" charset="0"/>
+              </a:endParaRPr>
+            </a:p>
+          </p:txBody>
+        </p:sp>
+        <p:sp>
+          <p:nvSpPr>
+            <p:cNvPr id="22" name="VPC"/>
+            <p:cNvSpPr txBox="1"/>
+            <p:nvPr/>
+          </p:nvSpPr>
+          <p:spPr>
+            <a:xfrm>
+              <a:off x="2325440" y="49989"/>
+              <a:ext cx="7805580" cy="332940"/>
+            </a:xfrm>
+            <a:prstGeom prst="rect">
+              <a:avLst/>
+            </a:prstGeom>
+            <a:noFill/>
+            <a:ln w="12700" cap="flat">
+              <a:noFill/>
+              <a:miter lim="400000"/>
+            </a:ln>
+            <a:effectLst/>
+            <a:extLst>
+              <a:ext uri="{C572A759-6A51-4108-AA02-DFA0A04FC94B}">
+                <ma14:wrappingTextBoxFlag xmlns="" xmlns:m="http://schemas.openxmlformats.org/officeDocument/2006/math" xmlns:a14="http://schemas.microsoft.com/office/drawing/2010/main" xmlns:ma14="http://schemas.microsoft.com/office/mac/drawingml/2011/main" val="1"/>
+              </a:ext>
+            </a:extLst>
+          </p:spPr>
+          <p:txBody>
+            <a:bodyPr wrap="square" lIns="45718" tIns="45718" rIns="45718" bIns="45718" numCol="1" anchor="t">
+              <a:spAutoFit/>
+            </a:bodyPr>
+            <a:lstStyle>
+              <a:lvl1pPr>
+                <a:defRPr sz="1200">
+                  <a:solidFill>
+                    <a:srgbClr val="1E8900"/>
+                  </a:solidFill>
+                  <a:latin typeface="Arial"/>
+                  <a:ea typeface="Arial"/>
+                  <a:cs typeface="Arial"/>
+                  <a:sym typeface="Arial"/>
+                </a:defRPr>
+              </a:lvl1pPr>
+            </a:lstStyle>
+            <a:p>
+              <a:r>
+                <a:rPr dirty="0">
+                  <a:latin typeface="Calibri" panose="020F0502020204030204" pitchFamily="34" charset="0"/>
+                  <a:cs typeface="Calibri" panose="020F0502020204030204" pitchFamily="34" charset="0"/>
+                </a:rPr>
+                <a:t>VPC</a:t>
+              </a:r>
+            </a:p>
+          </p:txBody>
+        </p:sp>
+      </p:grpSp>
+      <p:pic>
+        <p:nvPicPr>
+          <p:cNvPr id="62" name="Graphic 61">
+            <a:extLst>
+              <a:ext uri="{FF2B5EF4-FFF2-40B4-BE49-F238E27FC236}">
+                <a16:creationId xmlns:a16="http://schemas.microsoft.com/office/drawing/2014/main" id="{270B4520-23B7-3F46-A160-60D82CE31B36}"/>
+              </a:ext>
+            </a:extLst>
+          </p:cNvPr>
+          <p:cNvPicPr>
+            <a:picLocks noChangeAspect="1"/>
+          </p:cNvPicPr>
+          <p:nvPr/>
+        </p:nvPicPr>
+        <p:blipFill>
+          <a:blip r:embed="rId2">
+            <a:extLst>
+              <a:ext uri="{96DAC541-7B7A-43D3-8B79-37D633B846F1}">
+                <asvg:svgBlip xmlns:asvg="http://schemas.microsoft.com/office/drawing/2016/SVG/main" r:embed="rId3"/>
+              </a:ext>
+            </a:extLst>
+          </a:blip>
+          <a:stretch>
+            <a:fillRect/>
+          </a:stretch>
+        </p:blipFill>
+        <p:spPr>
+          <a:xfrm>
+            <a:off x="2881746" y="1571426"/>
+            <a:ext cx="381000" cy="381000"/>
+          </a:xfrm>
+          <a:prstGeom prst="rect">
+            <a:avLst/>
+          </a:prstGeom>
+        </p:spPr>
+      </p:pic>
+      <p:grpSp>
+        <p:nvGrpSpPr>
+          <p:cNvPr id="26" name="Rectangle 58"/>
+          <p:cNvGrpSpPr/>
+          <p:nvPr/>
+        </p:nvGrpSpPr>
+        <p:grpSpPr>
+          <a:xfrm>
+            <a:off x="2346036" y="323273"/>
+            <a:ext cx="9344600" cy="6299201"/>
+            <a:chOff x="0" y="0"/>
+            <a:chExt cx="10712289" cy="5870491"/>
+          </a:xfrm>
+        </p:grpSpPr>
+        <p:sp>
+          <p:nvSpPr>
+            <p:cNvPr id="24" name="Rectangle"/>
+            <p:cNvSpPr/>
+            <p:nvPr/>
+          </p:nvSpPr>
+          <p:spPr>
+            <a:xfrm>
+              <a:off x="0" y="0"/>
+              <a:ext cx="10548624" cy="5870491"/>
+            </a:xfrm>
+            <a:prstGeom prst="rect">
+              <a:avLst/>
+            </a:prstGeom>
+            <a:noFill/>
+            <a:ln w="12700" cap="flat">
+              <a:solidFill>
+                <a:srgbClr val="232F3D"/>
+              </a:solidFill>
+              <a:prstDash val="solid"/>
+              <a:miter lim="800000"/>
+            </a:ln>
+            <a:effectLst/>
+          </p:spPr>
+          <p:txBody>
+            <a:bodyPr wrap="square" lIns="45718" tIns="45718" rIns="45718" bIns="45718" numCol="1" anchor="t">
+              <a:noAutofit/>
+            </a:bodyPr>
+            <a:lstStyle/>
+            <a:p>
+              <a:pPr>
+                <a:defRPr>
+                  <a:solidFill>
+                    <a:srgbClr val="FAFAFA"/>
+                  </a:solidFill>
+                  <a:latin typeface="Arial"/>
+                  <a:ea typeface="Arial"/>
+                  <a:cs typeface="Arial"/>
+                  <a:sym typeface="Arial"/>
+                </a:defRPr>
+              </a:pPr>
+              <a:endParaRPr>
+                <a:latin typeface="Calibri" panose="020F0502020204030204" pitchFamily="34" charset="0"/>
+                <a:cs typeface="Calibri" panose="020F0502020204030204" pitchFamily="34" charset="0"/>
+              </a:endParaRPr>
+            </a:p>
+          </p:txBody>
+        </p:sp>
+        <p:sp>
+          <p:nvSpPr>
+            <p:cNvPr id="25" name="AWS Cloud"/>
+            <p:cNvSpPr/>
+            <p:nvPr/>
+          </p:nvSpPr>
+          <p:spPr>
+            <a:xfrm>
+              <a:off x="461689" y="47363"/>
+              <a:ext cx="10250600" cy="258143"/>
+            </a:xfrm>
+            <a:custGeom>
+              <a:avLst/>
+              <a:gdLst/>
+              <a:ahLst/>
+              <a:cxnLst>
+                <a:cxn ang="0">
+                  <a:pos x="wd2" y="hd2"/>
+                </a:cxn>
+                <a:cxn ang="5400000">
+                  <a:pos x="wd2" y="hd2"/>
+                </a:cxn>
+                <a:cxn ang="10800000">
+                  <a:pos x="wd2" y="hd2"/>
+                </a:cxn>
+                <a:cxn ang="16200000">
+                  <a:pos x="wd2" y="hd2"/>
+                </a:cxn>
+              </a:cxnLst>
+              <a:rect l="0" t="0" r="r" b="b"/>
+              <a:pathLst>
+                <a:path w="21600" extrusionOk="0">
+                  <a:moveTo>
+                    <a:pt x="0" y="0"/>
+                  </a:moveTo>
+                  <a:lnTo>
+                    <a:pt x="21600" y="0"/>
+                  </a:lnTo>
+                  <a:lnTo>
+                    <a:pt x="21600" y="0"/>
+                  </a:lnTo>
+                  <a:lnTo>
+                    <a:pt x="0" y="0"/>
+                  </a:lnTo>
+                  <a:close/>
+                </a:path>
+              </a:pathLst>
+            </a:custGeom>
+            <a:noFill/>
+            <a:ln w="12700" cap="flat">
+              <a:noFill/>
+              <a:miter lim="400000"/>
+            </a:ln>
+            <a:effectLst/>
+            <a:extLst>
+              <a:ext uri="{C572A759-6A51-4108-AA02-DFA0A04FC94B}">
+                <ma14:wrappingTextBoxFlag xmlns="" xmlns:m="http://schemas.openxmlformats.org/officeDocument/2006/math" xmlns:a14="http://schemas.microsoft.com/office/drawing/2010/main" xmlns:ma14="http://schemas.microsoft.com/office/mac/drawingml/2011/main" val="1"/>
+              </a:ext>
+            </a:extLst>
+          </p:spPr>
+          <p:txBody>
+            <a:bodyPr wrap="square" lIns="45718" tIns="45718" rIns="45718" bIns="45718" numCol="1" anchor="t">
+              <a:spAutoFit/>
+            </a:bodyPr>
+            <a:lstStyle>
+              <a:lvl1pPr>
+                <a:defRPr sz="1200">
+                  <a:solidFill>
+                    <a:srgbClr val="000000"/>
+                  </a:solidFill>
+                  <a:latin typeface="Arial"/>
+                  <a:ea typeface="Arial"/>
+                  <a:cs typeface="Arial"/>
+                  <a:sym typeface="Arial"/>
+                </a:defRPr>
+              </a:lvl1pPr>
+            </a:lstStyle>
+            <a:p>
+              <a:r>
+                <a:rPr dirty="0">
+                  <a:latin typeface="Calibri" panose="020F0502020204030204" pitchFamily="34" charset="0"/>
+                  <a:cs typeface="Calibri" panose="020F0502020204030204" pitchFamily="34" charset="0"/>
+                </a:rPr>
+                <a:t>AWS Cloud</a:t>
+              </a:r>
+            </a:p>
+          </p:txBody>
+        </p:sp>
+      </p:grpSp>
+      <p:sp>
+        <p:nvSpPr>
+          <p:cNvPr id="61" name="Rectangle 60">
+            <a:extLst>
+              <a:ext uri="{FF2B5EF4-FFF2-40B4-BE49-F238E27FC236}">
+                <a16:creationId xmlns:a16="http://schemas.microsoft.com/office/drawing/2014/main" id="{E751B44F-1ECC-F14A-BDD6-BBBA5AFC5272}"/>
+              </a:ext>
+            </a:extLst>
+          </p:cNvPr>
+          <p:cNvSpPr/>
+          <p:nvPr/>
+        </p:nvSpPr>
+        <p:spPr bwMode="auto">
+          <a:xfrm>
+            <a:off x="3659029" y="1107864"/>
+            <a:ext cx="2078037" cy="5292935"/>
+          </a:xfrm>
+          <a:prstGeom prst="rect">
+            <a:avLst/>
+          </a:prstGeom>
+          <a:noFill/>
+          <a:ln w="12700">
+            <a:solidFill>
+              <a:srgbClr val="5B9CD5"/>
+            </a:solidFill>
+            <a:prstDash val="dash"/>
+          </a:ln>
+        </p:spPr>
+        <p:style>
+          <a:lnRef idx="2">
+            <a:schemeClr val="accent1">
+              <a:shade val="50000"/>
+            </a:schemeClr>
+          </a:lnRef>
+          <a:fillRef idx="1">
+            <a:schemeClr val="accent1"/>
+          </a:fillRef>
+          <a:effectRef idx="0">
+            <a:schemeClr val="accent1"/>
+          </a:effectRef>
+          <a:fontRef idx="minor">
+            <a:schemeClr val="lt1"/>
+          </a:fontRef>
+        </p:style>
+        <p:txBody>
+          <a:bodyPr tIns="91440"/>
+          <a:lstStyle/>
+          <a:p>
+            <a:pPr algn="ctr" eaLnBrk="1" fontAlgn="auto" hangingPunct="1">
+              <a:spcBef>
+                <a:spcPts val="0"/>
+              </a:spcBef>
+              <a:spcAft>
+                <a:spcPts val="0"/>
+              </a:spcAft>
+              <a:defRPr/>
+            </a:pPr>
+            <a:r>
+              <a:rPr lang="en-US" sz="1200" dirty="0">
+                <a:solidFill>
+                  <a:srgbClr val="5B9CD5"/>
+                </a:solidFill>
+                <a:latin typeface="Calibri" panose="020F0502020204030204" pitchFamily="34" charset="0"/>
+                <a:cs typeface="Calibri" panose="020F0502020204030204" pitchFamily="34" charset="0"/>
+              </a:rPr>
+              <a:t>Availability Zone 1</a:t>
+            </a:r>
+          </a:p>
+        </p:txBody>
+      </p:sp>
+      <p:sp>
+        <p:nvSpPr>
+          <p:cNvPr id="64" name="Rectangle 63">
+            <a:extLst>
+              <a:ext uri="{FF2B5EF4-FFF2-40B4-BE49-F238E27FC236}">
+                <a16:creationId xmlns:a16="http://schemas.microsoft.com/office/drawing/2014/main" id="{9D049FB2-F698-AC43-A924-5382FB26677E}"/>
+              </a:ext>
+            </a:extLst>
+          </p:cNvPr>
+          <p:cNvSpPr/>
+          <p:nvPr/>
+        </p:nvSpPr>
+        <p:spPr bwMode="auto">
+          <a:xfrm>
+            <a:off x="6592725" y="1107865"/>
+            <a:ext cx="2087563" cy="5292934"/>
+          </a:xfrm>
+          <a:prstGeom prst="rect">
+            <a:avLst/>
+          </a:prstGeom>
+          <a:noFill/>
+          <a:ln w="12700">
+            <a:solidFill>
+              <a:srgbClr val="5B9CD5"/>
+            </a:solidFill>
+            <a:prstDash val="dash"/>
+          </a:ln>
+        </p:spPr>
+        <p:style>
+          <a:lnRef idx="2">
+            <a:schemeClr val="accent1">
+              <a:shade val="50000"/>
+            </a:schemeClr>
+          </a:lnRef>
+          <a:fillRef idx="1">
+            <a:schemeClr val="accent1"/>
+          </a:fillRef>
+          <a:effectRef idx="0">
+            <a:schemeClr val="accent1"/>
+          </a:effectRef>
+          <a:fontRef idx="minor">
+            <a:schemeClr val="lt1"/>
+          </a:fontRef>
+        </p:style>
+        <p:txBody>
+          <a:bodyPr tIns="91440"/>
+          <a:lstStyle/>
+          <a:p>
+            <a:pPr algn="ctr" eaLnBrk="1" fontAlgn="auto" hangingPunct="1">
+              <a:spcBef>
+                <a:spcPts val="0"/>
+              </a:spcBef>
+              <a:spcAft>
+                <a:spcPts val="0"/>
+              </a:spcAft>
+              <a:defRPr/>
+            </a:pPr>
+            <a:r>
+              <a:rPr lang="en-US" sz="1200" dirty="0">
+                <a:solidFill>
+                  <a:srgbClr val="5B9CD5"/>
+                </a:solidFill>
+                <a:latin typeface="Calibri" panose="020F0502020204030204" pitchFamily="34" charset="0"/>
+                <a:cs typeface="Calibri" panose="020F0502020204030204" pitchFamily="34" charset="0"/>
+              </a:rPr>
+              <a:t>Availability Zone 2</a:t>
+            </a:r>
+          </a:p>
+        </p:txBody>
+      </p:sp>
+      <p:pic>
+        <p:nvPicPr>
+          <p:cNvPr id="65" name="Graphic 13">
+            <a:extLst>
+              <a:ext uri="{FF2B5EF4-FFF2-40B4-BE49-F238E27FC236}">
+                <a16:creationId xmlns:a16="http://schemas.microsoft.com/office/drawing/2014/main" id="{C7715A95-FCB7-C941-A6C6-EF9246FCDBAF}"/>
+              </a:ext>
+            </a:extLst>
+          </p:cNvPr>
+          <p:cNvPicPr>
+            <a:picLocks noChangeAspect="1" noChangeArrowheads="1"/>
+          </p:cNvPicPr>
+          <p:nvPr/>
+        </p:nvPicPr>
+        <p:blipFill>
+          <a:blip r:embed="rId4">
+            <a:extLst>
+              <a:ext uri="{28A0092B-C50C-407E-A947-70E740481C1C}">
+                <a14:useLocalDpi xmlns:a14="http://schemas.microsoft.com/office/drawing/2010/main" val="0"/>
+              </a:ext>
+            </a:extLst>
+          </a:blip>
+          <a:srcRect/>
+          <a:stretch>
+            <a:fillRect/>
+          </a:stretch>
+        </p:blipFill>
+        <p:spPr bwMode="auto">
+          <a:xfrm>
+            <a:off x="4438464" y="2362575"/>
+            <a:ext cx="469900" cy="469900"/>
+          </a:xfrm>
+          <a:prstGeom prst="rect">
+            <a:avLst/>
+          </a:prstGeom>
+          <a:noFill/>
+          <a:ln>
+            <a:noFill/>
+          </a:ln>
+          <a:extLst>
+            <a:ext uri="{909E8E84-426E-40DD-AFC4-6F175D3DCCD1}">
+              <a14:hiddenFill xmlns:a14="http://schemas.microsoft.com/office/drawing/2010/main">
+                <a:solidFill>
+                  <a:srgbClr val="FFFFFF"/>
+                </a:solidFill>
+              </a14:hiddenFill>
+            </a:ext>
+            <a:ext uri="{91240B29-F687-4F45-9708-019B960494DF}">
+              <a14:hiddenLine xmlns:a14="http://schemas.microsoft.com/office/drawing/2010/main" w="9525">
+                <a:solidFill>
+                  <a:srgbClr val="000000"/>
+                </a:solidFill>
+                <a:miter lim="800000"/>
+                <a:headEnd/>
+                <a:tailEnd/>
+              </a14:hiddenLine>
+            </a:ext>
+          </a:extLst>
+        </p:spPr>
+      </p:pic>
+      <p:sp>
+        <p:nvSpPr>
+          <p:cNvPr id="66" name="TextBox 14">
+            <a:extLst>
+              <a:ext uri="{FF2B5EF4-FFF2-40B4-BE49-F238E27FC236}">
+                <a16:creationId xmlns:a16="http://schemas.microsoft.com/office/drawing/2014/main" id="{C10D3239-9520-1347-BEA1-009D66FDF485}"/>
+              </a:ext>
+            </a:extLst>
+          </p:cNvPr>
+          <p:cNvSpPr txBox="1">
+            <a:spLocks noChangeArrowheads="1"/>
+          </p:cNvSpPr>
+          <p:nvPr/>
+        </p:nvSpPr>
+        <p:spPr bwMode="auto">
+          <a:xfrm>
+            <a:off x="3772512" y="2875547"/>
+            <a:ext cx="1767152" cy="276999"/>
+          </a:xfrm>
+          <a:prstGeom prst="rect">
+            <a:avLst/>
+          </a:prstGeom>
+          <a:noFill/>
+          <a:ln>
+            <a:noFill/>
+          </a:ln>
+          <a:extLst>
+            <a:ext uri="{909E8E84-426E-40DD-AFC4-6F175D3DCCD1}">
+              <a14:hiddenFill xmlns:a14="http://schemas.microsoft.com/office/drawing/2010/main">
+                <a:solidFill>
+                  <a:srgbClr val="FFFFFF"/>
+                </a:solidFill>
+              </a14:hiddenFill>
+            </a:ext>
+            <a:ext uri="{91240B29-F687-4F45-9708-019B960494DF}">
+              <a14:hiddenLine xmlns:a14="http://schemas.microsoft.com/office/drawing/2010/main" w="9525">
+                <a:solidFill>
+                  <a:srgbClr val="000000"/>
+                </a:solidFill>
+                <a:miter lim="800000"/>
+                <a:headEnd/>
+                <a:tailEnd/>
+              </a14:hiddenLine>
+            </a:ext>
+          </a:extLst>
+        </p:spPr>
+        <p:txBody>
+          <a:bodyPr>
+            <a:spAutoFit/>
+          </a:bodyPr>
+          <a:lstStyle>
+            <a:lvl1pPr>
+              <a:defRPr>
+                <a:solidFill>
+                  <a:schemeClr val="tx1"/>
+                </a:solidFill>
+                <a:latin typeface="Calibri" panose="020F0502020204030204" pitchFamily="34" charset="0"/>
+              </a:defRPr>
+            </a:lvl1pPr>
+            <a:lvl2pPr marL="742950" indent="-285750">
+              <a:defRPr>
+                <a:solidFill>
+                  <a:schemeClr val="tx1"/>
+                </a:solidFill>
+                <a:latin typeface="Calibri" panose="020F0502020204030204" pitchFamily="34" charset="0"/>
+              </a:defRPr>
+            </a:lvl2pPr>
+            <a:lvl3pPr marL="1143000" indent="-228600">
+              <a:defRPr>
+                <a:solidFill>
+                  <a:schemeClr val="tx1"/>
+                </a:solidFill>
+                <a:latin typeface="Calibri" panose="020F0502020204030204" pitchFamily="34" charset="0"/>
+              </a:defRPr>
+            </a:lvl3pPr>
+            <a:lvl4pPr marL="1600200" indent="-228600">
+              <a:defRPr>
+                <a:solidFill>
+                  <a:schemeClr val="tx1"/>
+                </a:solidFill>
+                <a:latin typeface="Calibri" panose="020F0502020204030204" pitchFamily="34" charset="0"/>
+              </a:defRPr>
+            </a:lvl4pPr>
+            <a:lvl5pPr marL="2057400" indent="-228600">
+              <a:defRPr>
+                <a:solidFill>
+                  <a:schemeClr val="tx1"/>
+                </a:solidFill>
+                <a:latin typeface="Calibri" panose="020F0502020204030204" pitchFamily="34" charset="0"/>
+              </a:defRPr>
+            </a:lvl5pPr>
+            <a:lvl6pPr marL="2514600" indent="-228600" eaLnBrk="0" fontAlgn="base" hangingPunct="0">
+              <a:spcBef>
+                <a:spcPct val="0"/>
+              </a:spcBef>
+              <a:spcAft>
+                <a:spcPct val="0"/>
+              </a:spcAft>
+              <a:defRPr>
+                <a:solidFill>
+                  <a:schemeClr val="tx1"/>
+                </a:solidFill>
+                <a:latin typeface="Calibri" panose="020F0502020204030204" pitchFamily="34" charset="0"/>
+              </a:defRPr>
+            </a:lvl6pPr>
+            <a:lvl7pPr marL="2971800" indent="-228600" eaLnBrk="0" fontAlgn="base" hangingPunct="0">
+              <a:spcBef>
+                <a:spcPct val="0"/>
+              </a:spcBef>
+              <a:spcAft>
+                <a:spcPct val="0"/>
+              </a:spcAft>
+              <a:defRPr>
+                <a:solidFill>
+                  <a:schemeClr val="tx1"/>
+                </a:solidFill>
+                <a:latin typeface="Calibri" panose="020F0502020204030204" pitchFamily="34" charset="0"/>
+              </a:defRPr>
+            </a:lvl7pPr>
+            <a:lvl8pPr marL="3429000" indent="-228600" eaLnBrk="0" fontAlgn="base" hangingPunct="0">
+              <a:spcBef>
+                <a:spcPct val="0"/>
+              </a:spcBef>
+              <a:spcAft>
+                <a:spcPct val="0"/>
+              </a:spcAft>
+              <a:defRPr>
+                <a:solidFill>
+                  <a:schemeClr val="tx1"/>
+                </a:solidFill>
+                <a:latin typeface="Calibri" panose="020F0502020204030204" pitchFamily="34" charset="0"/>
+              </a:defRPr>
+            </a:lvl8pPr>
+            <a:lvl9pPr marL="3886200" indent="-228600" eaLnBrk="0" fontAlgn="base" hangingPunct="0">
+              <a:spcBef>
+                <a:spcPct val="0"/>
+              </a:spcBef>
+              <a:spcAft>
+                <a:spcPct val="0"/>
+              </a:spcAft>
+              <a:defRPr>
+                <a:solidFill>
+                  <a:schemeClr val="tx1"/>
+                </a:solidFill>
+                <a:latin typeface="Calibri" panose="020F0502020204030204" pitchFamily="34" charset="0"/>
+              </a:defRPr>
+            </a:lvl9pPr>
+          </a:lstStyle>
+          <a:p>
+            <a:pPr algn="ctr" eaLnBrk="1" hangingPunct="1"/>
+            <a:r>
+              <a:rPr lang="en-US" altLang="en-US" sz="1200" dirty="0">
+                <a:solidFill>
+                  <a:srgbClr val="232F3E"/>
+                </a:solidFill>
+                <a:cs typeface="Calibri" panose="020F0502020204030204" pitchFamily="34" charset="0"/>
+              </a:rPr>
+              <a:t>NAT gateway</a:t>
+            </a:r>
+          </a:p>
+        </p:txBody>
+      </p:sp>
+      <p:pic>
+        <p:nvPicPr>
+          <p:cNvPr id="67" name="Graphic 15">
+            <a:extLst>
+              <a:ext uri="{FF2B5EF4-FFF2-40B4-BE49-F238E27FC236}">
+                <a16:creationId xmlns:a16="http://schemas.microsoft.com/office/drawing/2014/main" id="{A7BFCC22-A78E-364D-9B24-63D81FB42604}"/>
+              </a:ext>
+            </a:extLst>
+          </p:cNvPr>
+          <p:cNvPicPr>
+            <a:picLocks noChangeAspect="1" noChangeArrowheads="1"/>
+          </p:cNvPicPr>
+          <p:nvPr/>
+        </p:nvPicPr>
+        <p:blipFill>
+          <a:blip r:embed="rId4">
+            <a:extLst>
+              <a:ext uri="{28A0092B-C50C-407E-A947-70E740481C1C}">
+                <a14:useLocalDpi xmlns:a14="http://schemas.microsoft.com/office/drawing/2010/main" val="0"/>
+              </a:ext>
+            </a:extLst>
+          </a:blip>
+          <a:srcRect/>
+          <a:stretch>
+            <a:fillRect/>
+          </a:stretch>
+        </p:blipFill>
+        <p:spPr bwMode="auto">
+          <a:xfrm>
+            <a:off x="7399707" y="2293899"/>
+            <a:ext cx="469900" cy="469900"/>
+          </a:xfrm>
+          <a:prstGeom prst="rect">
+            <a:avLst/>
+          </a:prstGeom>
+          <a:noFill/>
+          <a:ln>
+            <a:noFill/>
+          </a:ln>
+          <a:extLst>
+            <a:ext uri="{909E8E84-426E-40DD-AFC4-6F175D3DCCD1}">
+              <a14:hiddenFill xmlns:a14="http://schemas.microsoft.com/office/drawing/2010/main">
+                <a:solidFill>
+                  <a:srgbClr val="FFFFFF"/>
+                </a:solidFill>
+              </a14:hiddenFill>
+            </a:ext>
+            <a:ext uri="{91240B29-F687-4F45-9708-019B960494DF}">
+              <a14:hiddenLine xmlns:a14="http://schemas.microsoft.com/office/drawing/2010/main" w="9525">
+                <a:solidFill>
+                  <a:srgbClr val="000000"/>
+                </a:solidFill>
+                <a:miter lim="800000"/>
+                <a:headEnd/>
+                <a:tailEnd/>
+              </a14:hiddenLine>
+            </a:ext>
+          </a:extLst>
+        </p:spPr>
+      </p:pic>
+      <p:sp>
+        <p:nvSpPr>
+          <p:cNvPr id="68" name="TextBox 16">
+            <a:extLst>
+              <a:ext uri="{FF2B5EF4-FFF2-40B4-BE49-F238E27FC236}">
+                <a16:creationId xmlns:a16="http://schemas.microsoft.com/office/drawing/2014/main" id="{4CC76158-9F6A-3845-84E8-AC46F96DAADE}"/>
+              </a:ext>
+            </a:extLst>
+          </p:cNvPr>
+          <p:cNvSpPr txBox="1">
+            <a:spLocks noChangeArrowheads="1"/>
+          </p:cNvSpPr>
+          <p:nvPr/>
+        </p:nvSpPr>
+        <p:spPr bwMode="auto">
+          <a:xfrm>
+            <a:off x="6751081" y="2838305"/>
+            <a:ext cx="1767152" cy="276999"/>
+          </a:xfrm>
+          <a:prstGeom prst="rect">
+            <a:avLst/>
+          </a:prstGeom>
+          <a:noFill/>
+          <a:ln>
+            <a:noFill/>
+          </a:ln>
+          <a:extLst>
+            <a:ext uri="{909E8E84-426E-40DD-AFC4-6F175D3DCCD1}">
+              <a14:hiddenFill xmlns:a14="http://schemas.microsoft.com/office/drawing/2010/main">
+                <a:solidFill>
+                  <a:srgbClr val="FFFFFF"/>
+                </a:solidFill>
+              </a14:hiddenFill>
+            </a:ext>
+            <a:ext uri="{91240B29-F687-4F45-9708-019B960494DF}">
+              <a14:hiddenLine xmlns:a14="http://schemas.microsoft.com/office/drawing/2010/main" w="9525">
+                <a:solidFill>
+                  <a:srgbClr val="000000"/>
+                </a:solidFill>
+                <a:miter lim="800000"/>
+                <a:headEnd/>
+                <a:tailEnd/>
+              </a14:hiddenLine>
+            </a:ext>
+          </a:extLst>
+        </p:spPr>
+        <p:txBody>
+          <a:bodyPr>
+            <a:spAutoFit/>
+          </a:bodyPr>
+          <a:lstStyle>
+            <a:lvl1pPr>
+              <a:defRPr>
+                <a:solidFill>
+                  <a:schemeClr val="tx1"/>
+                </a:solidFill>
+                <a:latin typeface="Calibri" panose="020F0502020204030204" pitchFamily="34" charset="0"/>
+              </a:defRPr>
+            </a:lvl1pPr>
+            <a:lvl2pPr marL="742950" indent="-285750">
+              <a:defRPr>
+                <a:solidFill>
+                  <a:schemeClr val="tx1"/>
+                </a:solidFill>
+                <a:latin typeface="Calibri" panose="020F0502020204030204" pitchFamily="34" charset="0"/>
+              </a:defRPr>
+            </a:lvl2pPr>
+            <a:lvl3pPr marL="1143000" indent="-228600">
+              <a:defRPr>
+                <a:solidFill>
+                  <a:schemeClr val="tx1"/>
+                </a:solidFill>
+                <a:latin typeface="Calibri" panose="020F0502020204030204" pitchFamily="34" charset="0"/>
+              </a:defRPr>
+            </a:lvl3pPr>
+            <a:lvl4pPr marL="1600200" indent="-228600">
+              <a:defRPr>
+                <a:solidFill>
+                  <a:schemeClr val="tx1"/>
+                </a:solidFill>
+                <a:latin typeface="Calibri" panose="020F0502020204030204" pitchFamily="34" charset="0"/>
+              </a:defRPr>
+            </a:lvl4pPr>
+            <a:lvl5pPr marL="2057400" indent="-228600">
+              <a:defRPr>
+                <a:solidFill>
+                  <a:schemeClr val="tx1"/>
+                </a:solidFill>
+                <a:latin typeface="Calibri" panose="020F0502020204030204" pitchFamily="34" charset="0"/>
+              </a:defRPr>
+            </a:lvl5pPr>
+            <a:lvl6pPr marL="2514600" indent="-228600" eaLnBrk="0" fontAlgn="base" hangingPunct="0">
+              <a:spcBef>
+                <a:spcPct val="0"/>
+              </a:spcBef>
+              <a:spcAft>
+                <a:spcPct val="0"/>
+              </a:spcAft>
+              <a:defRPr>
+                <a:solidFill>
+                  <a:schemeClr val="tx1"/>
+                </a:solidFill>
+                <a:latin typeface="Calibri" panose="020F0502020204030204" pitchFamily="34" charset="0"/>
+              </a:defRPr>
+            </a:lvl6pPr>
+            <a:lvl7pPr marL="2971800" indent="-228600" eaLnBrk="0" fontAlgn="base" hangingPunct="0">
+              <a:spcBef>
+                <a:spcPct val="0"/>
+              </a:spcBef>
+              <a:spcAft>
+                <a:spcPct val="0"/>
+              </a:spcAft>
+              <a:defRPr>
+                <a:solidFill>
+                  <a:schemeClr val="tx1"/>
+                </a:solidFill>
+                <a:latin typeface="Calibri" panose="020F0502020204030204" pitchFamily="34" charset="0"/>
+              </a:defRPr>
+            </a:lvl7pPr>
+            <a:lvl8pPr marL="3429000" indent="-228600" eaLnBrk="0" fontAlgn="base" hangingPunct="0">
+              <a:spcBef>
+                <a:spcPct val="0"/>
+              </a:spcBef>
+              <a:spcAft>
+                <a:spcPct val="0"/>
+              </a:spcAft>
+              <a:defRPr>
+                <a:solidFill>
+                  <a:schemeClr val="tx1"/>
+                </a:solidFill>
+                <a:latin typeface="Calibri" panose="020F0502020204030204" pitchFamily="34" charset="0"/>
+              </a:defRPr>
+            </a:lvl8pPr>
+            <a:lvl9pPr marL="3886200" indent="-228600" eaLnBrk="0" fontAlgn="base" hangingPunct="0">
+              <a:spcBef>
+                <a:spcPct val="0"/>
+              </a:spcBef>
+              <a:spcAft>
+                <a:spcPct val="0"/>
+              </a:spcAft>
+              <a:defRPr>
+                <a:solidFill>
+                  <a:schemeClr val="tx1"/>
+                </a:solidFill>
+                <a:latin typeface="Calibri" panose="020F0502020204030204" pitchFamily="34" charset="0"/>
+              </a:defRPr>
+            </a:lvl9pPr>
+          </a:lstStyle>
+          <a:p>
+            <a:pPr algn="ctr" eaLnBrk="1" hangingPunct="1"/>
+            <a:r>
+              <a:rPr lang="en-US" altLang="en-US" sz="1200" dirty="0">
+                <a:solidFill>
+                  <a:srgbClr val="232F3E"/>
+                </a:solidFill>
+                <a:cs typeface="Calibri" panose="020F0502020204030204" pitchFamily="34" charset="0"/>
+              </a:rPr>
+              <a:t>NAT gateway</a:t>
+            </a:r>
+          </a:p>
+        </p:txBody>
+      </p:sp>
+      <p:pic>
+        <p:nvPicPr>
+          <p:cNvPr id="78" name="Graphic 77">
+            <a:extLst>
+              <a:ext uri="{FF2B5EF4-FFF2-40B4-BE49-F238E27FC236}">
+                <a16:creationId xmlns:a16="http://schemas.microsoft.com/office/drawing/2014/main" id="{BD421FF4-BAFD-5F40-9A94-2B9D0535681D}"/>
+              </a:ext>
+            </a:extLst>
+          </p:cNvPr>
+          <p:cNvPicPr>
+            <a:picLocks noChangeAspect="1"/>
+          </p:cNvPicPr>
+          <p:nvPr/>
+        </p:nvPicPr>
+        <p:blipFill>
+          <a:blip r:embed="rId5">
+            <a:extLst>
+              <a:ext uri="{96DAC541-7B7A-43D3-8B79-37D633B846F1}">
+                <asvg:svgBlip xmlns:asvg="http://schemas.microsoft.com/office/drawing/2016/SVG/main" r:embed="rId6"/>
+              </a:ext>
+            </a:extLst>
+          </a:blip>
+          <a:stretch>
+            <a:fillRect/>
+          </a:stretch>
+        </p:blipFill>
+        <p:spPr>
+          <a:xfrm>
+            <a:off x="3731773" y="1733850"/>
+            <a:ext cx="381000" cy="381000"/>
+          </a:xfrm>
+          <a:prstGeom prst="rect">
+            <a:avLst/>
+          </a:prstGeom>
+        </p:spPr>
+      </p:pic>
+      <p:pic>
+        <p:nvPicPr>
+          <p:cNvPr id="80" name="Graphic 79">
+            <a:extLst>
+              <a:ext uri="{FF2B5EF4-FFF2-40B4-BE49-F238E27FC236}">
+                <a16:creationId xmlns:a16="http://schemas.microsoft.com/office/drawing/2014/main" id="{9A9DA844-2071-D74E-8CC1-E82085BB4210}"/>
+              </a:ext>
+            </a:extLst>
+          </p:cNvPr>
+          <p:cNvPicPr>
+            <a:picLocks noChangeAspect="1"/>
+          </p:cNvPicPr>
+          <p:nvPr/>
+        </p:nvPicPr>
+        <p:blipFill>
+          <a:blip r:embed="rId5">
+            <a:extLst>
+              <a:ext uri="{96DAC541-7B7A-43D3-8B79-37D633B846F1}">
+                <asvg:svgBlip xmlns:asvg="http://schemas.microsoft.com/office/drawing/2016/SVG/main" r:embed="rId6"/>
+              </a:ext>
+            </a:extLst>
+          </a:blip>
+          <a:stretch>
+            <a:fillRect/>
+          </a:stretch>
+        </p:blipFill>
+        <p:spPr>
+          <a:xfrm>
+            <a:off x="6677847" y="1701864"/>
+            <a:ext cx="381000" cy="381000"/>
+          </a:xfrm>
+          <a:prstGeom prst="rect">
+            <a:avLst/>
+          </a:prstGeom>
+        </p:spPr>
+      </p:pic>
+      <p:pic>
+        <p:nvPicPr>
+          <p:cNvPr id="69" name="Graphic 17">
+            <a:extLst>
+              <a:ext uri="{FF2B5EF4-FFF2-40B4-BE49-F238E27FC236}">
+                <a16:creationId xmlns:a16="http://schemas.microsoft.com/office/drawing/2014/main" id="{0D036B97-7766-BC44-AB3A-FA66E0AEE5EF}"/>
+              </a:ext>
+            </a:extLst>
+          </p:cNvPr>
+          <p:cNvPicPr>
+            <a:picLocks noChangeAspect="1" noChangeArrowheads="1"/>
+          </p:cNvPicPr>
+          <p:nvPr/>
+        </p:nvPicPr>
+        <p:blipFill>
+          <a:blip r:embed="rId7">
+            <a:extLst>
+              <a:ext uri="{28A0092B-C50C-407E-A947-70E740481C1C}">
+                <a14:useLocalDpi xmlns:a14="http://schemas.microsoft.com/office/drawing/2010/main" val="0"/>
+              </a:ext>
+            </a:extLst>
+          </a:blip>
+          <a:srcRect/>
+          <a:stretch>
+            <a:fillRect/>
+          </a:stretch>
+        </p:blipFill>
+        <p:spPr bwMode="auto">
+          <a:xfrm>
+            <a:off x="4480239" y="3761133"/>
+            <a:ext cx="469900" cy="469900"/>
+          </a:xfrm>
+          <a:prstGeom prst="rect">
+            <a:avLst/>
+          </a:prstGeom>
+          <a:noFill/>
+          <a:ln>
+            <a:noFill/>
+          </a:ln>
+          <a:extLst>
+            <a:ext uri="{909E8E84-426E-40DD-AFC4-6F175D3DCCD1}">
+              <a14:hiddenFill xmlns:a14="http://schemas.microsoft.com/office/drawing/2010/main">
+                <a:solidFill>
+                  <a:srgbClr val="FFFFFF"/>
+                </a:solidFill>
+              </a14:hiddenFill>
+            </a:ext>
+            <a:ext uri="{91240B29-F687-4F45-9708-019B960494DF}">
+              <a14:hiddenLine xmlns:a14="http://schemas.microsoft.com/office/drawing/2010/main" w="9525">
+                <a:solidFill>
+                  <a:srgbClr val="000000"/>
+                </a:solidFill>
+                <a:miter lim="800000"/>
+                <a:headEnd/>
+                <a:tailEnd/>
+              </a14:hiddenLine>
+            </a:ext>
+          </a:extLst>
+        </p:spPr>
+      </p:pic>
+      <p:sp>
+        <p:nvSpPr>
+          <p:cNvPr id="70" name="TextBox 18">
+            <a:extLst>
+              <a:ext uri="{FF2B5EF4-FFF2-40B4-BE49-F238E27FC236}">
+                <a16:creationId xmlns:a16="http://schemas.microsoft.com/office/drawing/2014/main" id="{C4E8DC87-C89F-874D-B8DD-E9D5949C20BE}"/>
+              </a:ext>
+            </a:extLst>
+          </p:cNvPr>
+          <p:cNvSpPr txBox="1">
+            <a:spLocks noChangeArrowheads="1"/>
+          </p:cNvSpPr>
+          <p:nvPr/>
+        </p:nvSpPr>
+        <p:spPr bwMode="auto">
+          <a:xfrm>
+            <a:off x="3808595" y="4203621"/>
+            <a:ext cx="1767152" cy="276999"/>
+          </a:xfrm>
+          <a:prstGeom prst="rect">
+            <a:avLst/>
+          </a:prstGeom>
+          <a:noFill/>
+          <a:ln>
+            <a:noFill/>
+          </a:ln>
+          <a:extLst>
+            <a:ext uri="{909E8E84-426E-40DD-AFC4-6F175D3DCCD1}">
+              <a14:hiddenFill xmlns:a14="http://schemas.microsoft.com/office/drawing/2010/main">
+                <a:solidFill>
+                  <a:srgbClr val="FFFFFF"/>
+                </a:solidFill>
+              </a14:hiddenFill>
+            </a:ext>
+            <a:ext uri="{91240B29-F687-4F45-9708-019B960494DF}">
+              <a14:hiddenLine xmlns:a14="http://schemas.microsoft.com/office/drawing/2010/main" w="9525">
+                <a:solidFill>
+                  <a:srgbClr val="000000"/>
+                </a:solidFill>
+                <a:miter lim="800000"/>
+                <a:headEnd/>
+                <a:tailEnd/>
+              </a14:hiddenLine>
+            </a:ext>
+          </a:extLst>
+        </p:spPr>
+        <p:txBody>
+          <a:bodyPr>
+            <a:spAutoFit/>
+          </a:bodyPr>
+          <a:lstStyle>
+            <a:lvl1pPr>
+              <a:defRPr>
+                <a:solidFill>
+                  <a:schemeClr val="tx1"/>
+                </a:solidFill>
+                <a:latin typeface="Calibri" panose="020F0502020204030204" pitchFamily="34" charset="0"/>
+              </a:defRPr>
+            </a:lvl1pPr>
+            <a:lvl2pPr marL="742950" indent="-285750">
+              <a:defRPr>
+                <a:solidFill>
+                  <a:schemeClr val="tx1"/>
+                </a:solidFill>
+                <a:latin typeface="Calibri" panose="020F0502020204030204" pitchFamily="34" charset="0"/>
+              </a:defRPr>
+            </a:lvl2pPr>
+            <a:lvl3pPr marL="1143000" indent="-228600">
+              <a:defRPr>
+                <a:solidFill>
+                  <a:schemeClr val="tx1"/>
+                </a:solidFill>
+                <a:latin typeface="Calibri" panose="020F0502020204030204" pitchFamily="34" charset="0"/>
+              </a:defRPr>
+            </a:lvl3pPr>
+            <a:lvl4pPr marL="1600200" indent="-228600">
+              <a:defRPr>
+                <a:solidFill>
+                  <a:schemeClr val="tx1"/>
+                </a:solidFill>
+                <a:latin typeface="Calibri" panose="020F0502020204030204" pitchFamily="34" charset="0"/>
+              </a:defRPr>
+            </a:lvl4pPr>
+            <a:lvl5pPr marL="2057400" indent="-228600">
+              <a:defRPr>
+                <a:solidFill>
+                  <a:schemeClr val="tx1"/>
+                </a:solidFill>
+                <a:latin typeface="Calibri" panose="020F0502020204030204" pitchFamily="34" charset="0"/>
+              </a:defRPr>
+            </a:lvl5pPr>
+            <a:lvl6pPr marL="2514600" indent="-228600" eaLnBrk="0" fontAlgn="base" hangingPunct="0">
+              <a:spcBef>
+                <a:spcPct val="0"/>
+              </a:spcBef>
+              <a:spcAft>
+                <a:spcPct val="0"/>
+              </a:spcAft>
+              <a:defRPr>
+                <a:solidFill>
+                  <a:schemeClr val="tx1"/>
+                </a:solidFill>
+                <a:latin typeface="Calibri" panose="020F0502020204030204" pitchFamily="34" charset="0"/>
+              </a:defRPr>
+            </a:lvl6pPr>
+            <a:lvl7pPr marL="2971800" indent="-228600" eaLnBrk="0" fontAlgn="base" hangingPunct="0">
+              <a:spcBef>
+                <a:spcPct val="0"/>
+              </a:spcBef>
+              <a:spcAft>
+                <a:spcPct val="0"/>
+              </a:spcAft>
+              <a:defRPr>
+                <a:solidFill>
+                  <a:schemeClr val="tx1"/>
+                </a:solidFill>
+                <a:latin typeface="Calibri" panose="020F0502020204030204" pitchFamily="34" charset="0"/>
+              </a:defRPr>
+            </a:lvl7pPr>
+            <a:lvl8pPr marL="3429000" indent="-228600" eaLnBrk="0" fontAlgn="base" hangingPunct="0">
+              <a:spcBef>
+                <a:spcPct val="0"/>
+              </a:spcBef>
+              <a:spcAft>
+                <a:spcPct val="0"/>
+              </a:spcAft>
+              <a:defRPr>
+                <a:solidFill>
+                  <a:schemeClr val="tx1"/>
+                </a:solidFill>
+                <a:latin typeface="Calibri" panose="020F0502020204030204" pitchFamily="34" charset="0"/>
+              </a:defRPr>
+            </a:lvl8pPr>
+            <a:lvl9pPr marL="3886200" indent="-228600" eaLnBrk="0" fontAlgn="base" hangingPunct="0">
+              <a:spcBef>
+                <a:spcPct val="0"/>
+              </a:spcBef>
+              <a:spcAft>
+                <a:spcPct val="0"/>
+              </a:spcAft>
+              <a:defRPr>
+                <a:solidFill>
+                  <a:schemeClr val="tx1"/>
+                </a:solidFill>
+                <a:latin typeface="Calibri" panose="020F0502020204030204" pitchFamily="34" charset="0"/>
+              </a:defRPr>
+            </a:lvl9pPr>
+          </a:lstStyle>
+          <a:p>
+            <a:pPr algn="ctr" eaLnBrk="1" hangingPunct="1"/>
+            <a:r>
+              <a:rPr lang="en-US" altLang="en-US" sz="1200" dirty="0">
+                <a:solidFill>
+                  <a:srgbClr val="232F3E"/>
+                </a:solidFill>
+                <a:cs typeface="Calibri" panose="020F0502020204030204" pitchFamily="34" charset="0"/>
+              </a:rPr>
+              <a:t>Neo4j Leader</a:t>
+            </a:r>
+          </a:p>
+        </p:txBody>
+      </p:sp>
+      <p:pic>
+        <p:nvPicPr>
+          <p:cNvPr id="71" name="Graphic 19">
+            <a:extLst>
+              <a:ext uri="{FF2B5EF4-FFF2-40B4-BE49-F238E27FC236}">
+                <a16:creationId xmlns:a16="http://schemas.microsoft.com/office/drawing/2014/main" id="{E14E1ED8-F9BB-D14F-B2D0-C835A4887F74}"/>
+              </a:ext>
+            </a:extLst>
+          </p:cNvPr>
+          <p:cNvPicPr>
+            <a:picLocks noChangeAspect="1" noChangeArrowheads="1"/>
+          </p:cNvPicPr>
+          <p:nvPr/>
+        </p:nvPicPr>
+        <p:blipFill>
+          <a:blip r:embed="rId7">
+            <a:extLst>
+              <a:ext uri="{28A0092B-C50C-407E-A947-70E740481C1C}">
+                <a14:useLocalDpi xmlns:a14="http://schemas.microsoft.com/office/drawing/2010/main" val="0"/>
+              </a:ext>
+            </a:extLst>
+          </a:blip>
+          <a:srcRect/>
+          <a:stretch>
+            <a:fillRect/>
+          </a:stretch>
+        </p:blipFill>
+        <p:spPr bwMode="auto">
+          <a:xfrm>
+            <a:off x="7355299" y="3761133"/>
+            <a:ext cx="469900" cy="469900"/>
+          </a:xfrm>
+          <a:prstGeom prst="rect">
+            <a:avLst/>
+          </a:prstGeom>
+          <a:noFill/>
+          <a:ln>
+            <a:noFill/>
+          </a:ln>
+          <a:extLst>
+            <a:ext uri="{909E8E84-426E-40DD-AFC4-6F175D3DCCD1}">
+              <a14:hiddenFill xmlns:a14="http://schemas.microsoft.com/office/drawing/2010/main">
+                <a:solidFill>
+                  <a:srgbClr val="FFFFFF"/>
+                </a:solidFill>
+              </a14:hiddenFill>
+            </a:ext>
+            <a:ext uri="{91240B29-F687-4F45-9708-019B960494DF}">
+              <a14:hiddenLine xmlns:a14="http://schemas.microsoft.com/office/drawing/2010/main" w="9525">
+                <a:solidFill>
+                  <a:srgbClr val="000000"/>
+                </a:solidFill>
+                <a:miter lim="800000"/>
+                <a:headEnd/>
+                <a:tailEnd/>
+              </a14:hiddenLine>
+            </a:ext>
+          </a:extLst>
+        </p:spPr>
+      </p:pic>
+      <p:sp>
+        <p:nvSpPr>
+          <p:cNvPr id="74" name="Rectangle 73">
+            <a:extLst>
+              <a:ext uri="{FF2B5EF4-FFF2-40B4-BE49-F238E27FC236}">
+                <a16:creationId xmlns:a16="http://schemas.microsoft.com/office/drawing/2014/main" id="{DF0720A6-6492-954E-9EAB-AB5E1416C7D3}"/>
+              </a:ext>
+            </a:extLst>
+          </p:cNvPr>
+          <p:cNvSpPr/>
+          <p:nvPr/>
+        </p:nvSpPr>
+        <p:spPr>
+          <a:xfrm>
+            <a:off x="3808595" y="3582086"/>
+            <a:ext cx="7163296" cy="969963"/>
+          </a:xfrm>
+          <a:prstGeom prst="rect">
+            <a:avLst/>
+          </a:prstGeom>
+          <a:noFill/>
+          <a:ln w="12700">
+            <a:solidFill>
+              <a:srgbClr val="D86613"/>
+            </a:solidFill>
+            <a:prstDash val="dash"/>
+          </a:ln>
+        </p:spPr>
+        <p:style>
+          <a:lnRef idx="2">
+            <a:schemeClr val="accent1">
+              <a:shade val="50000"/>
+            </a:schemeClr>
+          </a:lnRef>
+          <a:fillRef idx="1">
+            <a:schemeClr val="accent1"/>
+          </a:fillRef>
+          <a:effectRef idx="0">
+            <a:schemeClr val="accent1"/>
+          </a:effectRef>
+          <a:fontRef idx="minor">
+            <a:schemeClr val="lt1"/>
+          </a:fontRef>
+        </p:style>
+        <p:txBody>
+          <a:bodyPr tIns="91440"/>
+          <a:lstStyle/>
+          <a:p>
+            <a:pPr algn="ctr" eaLnBrk="1" fontAlgn="auto" hangingPunct="1">
+              <a:spcBef>
+                <a:spcPts val="0"/>
+              </a:spcBef>
+              <a:spcAft>
+                <a:spcPts val="0"/>
+              </a:spcAft>
+              <a:defRPr/>
+            </a:pPr>
+            <a:endParaRPr lang="en-US" sz="1200" dirty="0">
+              <a:solidFill>
+                <a:srgbClr val="D86613"/>
+              </a:solidFill>
+              <a:latin typeface="Calibri" panose="020F0502020204030204" pitchFamily="34" charset="0"/>
+              <a:cs typeface="Calibri" panose="020F0502020204030204" pitchFamily="34" charset="0"/>
+            </a:endParaRPr>
+          </a:p>
+        </p:txBody>
+      </p:sp>
+      <p:pic>
+        <p:nvPicPr>
+          <p:cNvPr id="75" name="Graphic 74">
+            <a:extLst>
+              <a:ext uri="{FF2B5EF4-FFF2-40B4-BE49-F238E27FC236}">
+                <a16:creationId xmlns:a16="http://schemas.microsoft.com/office/drawing/2014/main" id="{0AC53F80-D514-2146-9048-40DE1B5896AA}"/>
+              </a:ext>
+            </a:extLst>
+          </p:cNvPr>
+          <p:cNvPicPr>
+            <a:picLocks noChangeAspect="1"/>
+          </p:cNvPicPr>
+          <p:nvPr/>
+        </p:nvPicPr>
+        <p:blipFill>
+          <a:blip r:embed="rId8">
+            <a:extLst>
+              <a:ext uri="{96DAC541-7B7A-43D3-8B79-37D633B846F1}">
+                <asvg:svgBlip xmlns:asvg="http://schemas.microsoft.com/office/drawing/2016/SVG/main" r:embed="rId9"/>
+              </a:ext>
+            </a:extLst>
+          </a:blip>
+          <a:stretch>
+            <a:fillRect/>
+          </a:stretch>
+        </p:blipFill>
+        <p:spPr>
+          <a:xfrm>
+            <a:off x="5965342" y="3398447"/>
+            <a:ext cx="381000" cy="381000"/>
+          </a:xfrm>
+          <a:prstGeom prst="rect">
+            <a:avLst/>
+          </a:prstGeom>
+        </p:spPr>
+      </p:pic>
+      <p:sp>
+        <p:nvSpPr>
+          <p:cNvPr id="81" name="TextBox 18">
+            <a:extLst>
+              <a:ext uri="{FF2B5EF4-FFF2-40B4-BE49-F238E27FC236}">
+                <a16:creationId xmlns:a16="http://schemas.microsoft.com/office/drawing/2014/main" id="{8C2A3376-9FDD-CE49-9496-B7ED3A329AC8}"/>
+              </a:ext>
+            </a:extLst>
+          </p:cNvPr>
+          <p:cNvSpPr txBox="1">
+            <a:spLocks noChangeArrowheads="1"/>
+          </p:cNvSpPr>
+          <p:nvPr/>
+        </p:nvSpPr>
+        <p:spPr bwMode="auto">
+          <a:xfrm>
+            <a:off x="6618796" y="4213245"/>
+            <a:ext cx="1767152" cy="276999"/>
+          </a:xfrm>
+          <a:prstGeom prst="rect">
+            <a:avLst/>
+          </a:prstGeom>
+          <a:noFill/>
+          <a:ln>
+            <a:noFill/>
+          </a:ln>
+          <a:extLst>
+            <a:ext uri="{909E8E84-426E-40DD-AFC4-6F175D3DCCD1}">
+              <a14:hiddenFill xmlns:a14="http://schemas.microsoft.com/office/drawing/2010/main">
+                <a:solidFill>
+                  <a:srgbClr val="FFFFFF"/>
+                </a:solidFill>
+              </a14:hiddenFill>
+            </a:ext>
+            <a:ext uri="{91240B29-F687-4F45-9708-019B960494DF}">
+              <a14:hiddenLine xmlns:a14="http://schemas.microsoft.com/office/drawing/2010/main" w="9525">
+                <a:solidFill>
+                  <a:srgbClr val="000000"/>
+                </a:solidFill>
+                <a:miter lim="800000"/>
+                <a:headEnd/>
+                <a:tailEnd/>
+              </a14:hiddenLine>
+            </a:ext>
+          </a:extLst>
+        </p:spPr>
+        <p:txBody>
+          <a:bodyPr>
+            <a:spAutoFit/>
+          </a:bodyPr>
+          <a:lstStyle>
+            <a:lvl1pPr>
+              <a:defRPr>
+                <a:solidFill>
+                  <a:schemeClr val="tx1"/>
+                </a:solidFill>
+                <a:latin typeface="Calibri" panose="020F0502020204030204" pitchFamily="34" charset="0"/>
+              </a:defRPr>
+            </a:lvl1pPr>
+            <a:lvl2pPr marL="742950" indent="-285750">
+              <a:defRPr>
+                <a:solidFill>
+                  <a:schemeClr val="tx1"/>
+                </a:solidFill>
+                <a:latin typeface="Calibri" panose="020F0502020204030204" pitchFamily="34" charset="0"/>
+              </a:defRPr>
+            </a:lvl2pPr>
+            <a:lvl3pPr marL="1143000" indent="-228600">
+              <a:defRPr>
+                <a:solidFill>
+                  <a:schemeClr val="tx1"/>
+                </a:solidFill>
+                <a:latin typeface="Calibri" panose="020F0502020204030204" pitchFamily="34" charset="0"/>
+              </a:defRPr>
+            </a:lvl3pPr>
+            <a:lvl4pPr marL="1600200" indent="-228600">
+              <a:defRPr>
+                <a:solidFill>
+                  <a:schemeClr val="tx1"/>
+                </a:solidFill>
+                <a:latin typeface="Calibri" panose="020F0502020204030204" pitchFamily="34" charset="0"/>
+              </a:defRPr>
+            </a:lvl4pPr>
+            <a:lvl5pPr marL="2057400" indent="-228600">
+              <a:defRPr>
+                <a:solidFill>
+                  <a:schemeClr val="tx1"/>
+                </a:solidFill>
+                <a:latin typeface="Calibri" panose="020F0502020204030204" pitchFamily="34" charset="0"/>
+              </a:defRPr>
+            </a:lvl5pPr>
+            <a:lvl6pPr marL="2514600" indent="-228600" eaLnBrk="0" fontAlgn="base" hangingPunct="0">
+              <a:spcBef>
+                <a:spcPct val="0"/>
+              </a:spcBef>
+              <a:spcAft>
+                <a:spcPct val="0"/>
+              </a:spcAft>
+              <a:defRPr>
+                <a:solidFill>
+                  <a:schemeClr val="tx1"/>
+                </a:solidFill>
+                <a:latin typeface="Calibri" panose="020F0502020204030204" pitchFamily="34" charset="0"/>
+              </a:defRPr>
+            </a:lvl6pPr>
+            <a:lvl7pPr marL="2971800" indent="-228600" eaLnBrk="0" fontAlgn="base" hangingPunct="0">
+              <a:spcBef>
+                <a:spcPct val="0"/>
+              </a:spcBef>
+              <a:spcAft>
+                <a:spcPct val="0"/>
+              </a:spcAft>
+              <a:defRPr>
+                <a:solidFill>
+                  <a:schemeClr val="tx1"/>
+                </a:solidFill>
+                <a:latin typeface="Calibri" panose="020F0502020204030204" pitchFamily="34" charset="0"/>
+              </a:defRPr>
+            </a:lvl7pPr>
+            <a:lvl8pPr marL="3429000" indent="-228600" eaLnBrk="0" fontAlgn="base" hangingPunct="0">
+              <a:spcBef>
+                <a:spcPct val="0"/>
+              </a:spcBef>
+              <a:spcAft>
+                <a:spcPct val="0"/>
+              </a:spcAft>
+              <a:defRPr>
+                <a:solidFill>
+                  <a:schemeClr val="tx1"/>
+                </a:solidFill>
+                <a:latin typeface="Calibri" panose="020F0502020204030204" pitchFamily="34" charset="0"/>
+              </a:defRPr>
+            </a:lvl8pPr>
+            <a:lvl9pPr marL="3886200" indent="-228600" eaLnBrk="0" fontAlgn="base" hangingPunct="0">
+              <a:spcBef>
+                <a:spcPct val="0"/>
+              </a:spcBef>
+              <a:spcAft>
+                <a:spcPct val="0"/>
+              </a:spcAft>
+              <a:defRPr>
+                <a:solidFill>
+                  <a:schemeClr val="tx1"/>
+                </a:solidFill>
+                <a:latin typeface="Calibri" panose="020F0502020204030204" pitchFamily="34" charset="0"/>
+              </a:defRPr>
+            </a:lvl9pPr>
+          </a:lstStyle>
+          <a:p>
+            <a:pPr algn="ctr" eaLnBrk="1" hangingPunct="1"/>
+            <a:r>
+              <a:rPr lang="en-US" altLang="en-US" sz="1200" dirty="0">
+                <a:solidFill>
+                  <a:srgbClr val="232F3E"/>
+                </a:solidFill>
+                <a:cs typeface="Calibri" panose="020F0502020204030204" pitchFamily="34" charset="0"/>
+              </a:rPr>
+              <a:t>Neo4j Follower</a:t>
+            </a:r>
+          </a:p>
+        </p:txBody>
+      </p:sp>
+      <p:sp>
+        <p:nvSpPr>
+          <p:cNvPr id="83" name="TextBox 18">
+            <a:extLst>
+              <a:ext uri="{FF2B5EF4-FFF2-40B4-BE49-F238E27FC236}">
+                <a16:creationId xmlns:a16="http://schemas.microsoft.com/office/drawing/2014/main" id="{2A2C8684-9F7E-734E-8370-6D55B3BB11C7}"/>
+              </a:ext>
+            </a:extLst>
+          </p:cNvPr>
+          <p:cNvSpPr txBox="1">
+            <a:spLocks noChangeArrowheads="1"/>
+          </p:cNvSpPr>
+          <p:nvPr/>
+        </p:nvSpPr>
+        <p:spPr bwMode="auto">
+          <a:xfrm>
+            <a:off x="2496413" y="3641565"/>
+            <a:ext cx="841466" cy="400110"/>
+          </a:xfrm>
+          <a:prstGeom prst="rect">
+            <a:avLst/>
+          </a:prstGeom>
+          <a:solidFill>
+            <a:srgbClr val="FFFFFF"/>
+          </a:solidFill>
+          <a:ln>
+            <a:noFill/>
+          </a:ln>
+        </p:spPr>
+        <p:txBody>
+          <a:bodyPr wrap="square">
+            <a:spAutoFit/>
+          </a:bodyPr>
+          <a:lstStyle>
+            <a:lvl1pPr>
+              <a:defRPr>
+                <a:solidFill>
+                  <a:schemeClr val="tx1"/>
+                </a:solidFill>
+                <a:latin typeface="Calibri" panose="020F0502020204030204" pitchFamily="34" charset="0"/>
+              </a:defRPr>
+            </a:lvl1pPr>
+            <a:lvl2pPr marL="742950" indent="-285750">
+              <a:defRPr>
+                <a:solidFill>
+                  <a:schemeClr val="tx1"/>
+                </a:solidFill>
+                <a:latin typeface="Calibri" panose="020F0502020204030204" pitchFamily="34" charset="0"/>
+              </a:defRPr>
+            </a:lvl2pPr>
+            <a:lvl3pPr marL="1143000" indent="-228600">
+              <a:defRPr>
+                <a:solidFill>
+                  <a:schemeClr val="tx1"/>
+                </a:solidFill>
+                <a:latin typeface="Calibri" panose="020F0502020204030204" pitchFamily="34" charset="0"/>
+              </a:defRPr>
+            </a:lvl3pPr>
+            <a:lvl4pPr marL="1600200" indent="-228600">
+              <a:defRPr>
+                <a:solidFill>
+                  <a:schemeClr val="tx1"/>
+                </a:solidFill>
+                <a:latin typeface="Calibri" panose="020F0502020204030204" pitchFamily="34" charset="0"/>
+              </a:defRPr>
+            </a:lvl4pPr>
+            <a:lvl5pPr marL="2057400" indent="-228600">
+              <a:defRPr>
+                <a:solidFill>
+                  <a:schemeClr val="tx1"/>
+                </a:solidFill>
+                <a:latin typeface="Calibri" panose="020F0502020204030204" pitchFamily="34" charset="0"/>
+              </a:defRPr>
+            </a:lvl5pPr>
+            <a:lvl6pPr marL="2514600" indent="-228600" eaLnBrk="0" fontAlgn="base" hangingPunct="0">
+              <a:spcBef>
+                <a:spcPct val="0"/>
+              </a:spcBef>
+              <a:spcAft>
+                <a:spcPct val="0"/>
+              </a:spcAft>
+              <a:defRPr>
+                <a:solidFill>
+                  <a:schemeClr val="tx1"/>
+                </a:solidFill>
+                <a:latin typeface="Calibri" panose="020F0502020204030204" pitchFamily="34" charset="0"/>
+              </a:defRPr>
+            </a:lvl6pPr>
+            <a:lvl7pPr marL="2971800" indent="-228600" eaLnBrk="0" fontAlgn="base" hangingPunct="0">
+              <a:spcBef>
+                <a:spcPct val="0"/>
+              </a:spcBef>
+              <a:spcAft>
+                <a:spcPct val="0"/>
+              </a:spcAft>
+              <a:defRPr>
+                <a:solidFill>
+                  <a:schemeClr val="tx1"/>
+                </a:solidFill>
+                <a:latin typeface="Calibri" panose="020F0502020204030204" pitchFamily="34" charset="0"/>
+              </a:defRPr>
+            </a:lvl7pPr>
+            <a:lvl8pPr marL="3429000" indent="-228600" eaLnBrk="0" fontAlgn="base" hangingPunct="0">
+              <a:spcBef>
+                <a:spcPct val="0"/>
+              </a:spcBef>
+              <a:spcAft>
+                <a:spcPct val="0"/>
+              </a:spcAft>
+              <a:defRPr>
+                <a:solidFill>
+                  <a:schemeClr val="tx1"/>
+                </a:solidFill>
+                <a:latin typeface="Calibri" panose="020F0502020204030204" pitchFamily="34" charset="0"/>
+              </a:defRPr>
+            </a:lvl8pPr>
+            <a:lvl9pPr marL="3886200" indent="-228600" eaLnBrk="0" fontAlgn="base" hangingPunct="0">
+              <a:spcBef>
+                <a:spcPct val="0"/>
+              </a:spcBef>
+              <a:spcAft>
+                <a:spcPct val="0"/>
+              </a:spcAft>
+              <a:defRPr>
+                <a:solidFill>
+                  <a:schemeClr val="tx1"/>
+                </a:solidFill>
+                <a:latin typeface="Calibri" panose="020F0502020204030204" pitchFamily="34" charset="0"/>
+              </a:defRPr>
+            </a:lvl9pPr>
+          </a:lstStyle>
+          <a:p>
+            <a:pPr algn="ctr" eaLnBrk="1" hangingPunct="1"/>
+            <a:r>
+              <a:rPr lang="en-US" altLang="en-US" sz="1000" dirty="0">
+                <a:cs typeface="Calibri" panose="020F0502020204030204" pitchFamily="34" charset="0"/>
+              </a:rPr>
+              <a:t>Internet </a:t>
+            </a:r>
+            <a:br>
+              <a:rPr lang="en-US" altLang="en-US" sz="1000" dirty="0">
+                <a:cs typeface="Calibri" panose="020F0502020204030204" pitchFamily="34" charset="0"/>
+              </a:rPr>
+            </a:br>
+            <a:r>
+              <a:rPr lang="en-US" altLang="en-US" sz="1000" dirty="0">
+                <a:cs typeface="Calibri" panose="020F0502020204030204" pitchFamily="34" charset="0"/>
+              </a:rPr>
+              <a:t>gateway</a:t>
+            </a:r>
+          </a:p>
+        </p:txBody>
+      </p:sp>
+      <p:sp>
+        <p:nvSpPr>
+          <p:cNvPr id="84" name="Rectangle 83">
+            <a:extLst>
+              <a:ext uri="{FF2B5EF4-FFF2-40B4-BE49-F238E27FC236}">
+                <a16:creationId xmlns:a16="http://schemas.microsoft.com/office/drawing/2014/main" id="{63E6299C-575C-7748-A2CB-C10A285C06CE}"/>
+              </a:ext>
+            </a:extLst>
+          </p:cNvPr>
+          <p:cNvSpPr/>
+          <p:nvPr/>
+        </p:nvSpPr>
+        <p:spPr>
+          <a:xfrm>
+            <a:off x="9187123" y="1661957"/>
+            <a:ext cx="1932547" cy="3763067"/>
+          </a:xfrm>
+          <a:prstGeom prst="rect">
+            <a:avLst/>
+          </a:prstGeom>
+          <a:solidFill>
+            <a:srgbClr val="1D8900">
+              <a:alpha val="9804"/>
+            </a:srgbClr>
+          </a:solidFill>
+          <a:ln w="12700">
+            <a:noFill/>
+            <a:prstDash val="dash"/>
+          </a:ln>
+        </p:spPr>
+        <p:style>
+          <a:lnRef idx="2">
+            <a:schemeClr val="accent1">
+              <a:shade val="50000"/>
+            </a:schemeClr>
+          </a:lnRef>
+          <a:fillRef idx="1">
+            <a:schemeClr val="accent1"/>
+          </a:fillRef>
+          <a:effectRef idx="0">
+            <a:schemeClr val="accent1"/>
+          </a:effectRef>
+          <a:fontRef idx="minor">
+            <a:schemeClr val="lt1"/>
+          </a:fontRef>
+        </p:style>
+        <p:txBody>
+          <a:bodyPr lIns="502920"/>
+          <a:lstStyle/>
+          <a:p>
+            <a:pPr eaLnBrk="1" fontAlgn="auto" hangingPunct="1">
+              <a:spcBef>
+                <a:spcPts val="0"/>
+              </a:spcBef>
+              <a:spcAft>
+                <a:spcPts val="0"/>
+              </a:spcAft>
+              <a:defRPr/>
+            </a:pPr>
+            <a:r>
+              <a:rPr lang="en-US" sz="1200" dirty="0">
+                <a:solidFill>
+                  <a:srgbClr val="1E8900"/>
+                </a:solidFill>
+                <a:latin typeface="Calibri" panose="020F0502020204030204" pitchFamily="34" charset="0"/>
+                <a:cs typeface="Calibri" panose="020F0502020204030204" pitchFamily="34" charset="0"/>
+              </a:rPr>
+              <a:t>Public subnet</a:t>
+            </a:r>
+          </a:p>
+        </p:txBody>
+      </p:sp>
+      <p:sp>
+        <p:nvSpPr>
+          <p:cNvPr id="85" name="Rectangle 84">
+            <a:extLst>
+              <a:ext uri="{FF2B5EF4-FFF2-40B4-BE49-F238E27FC236}">
+                <a16:creationId xmlns:a16="http://schemas.microsoft.com/office/drawing/2014/main" id="{E050F881-98B5-F84A-A7D5-62ECBAB93EB9}"/>
+              </a:ext>
+            </a:extLst>
+          </p:cNvPr>
+          <p:cNvSpPr/>
+          <p:nvPr/>
+        </p:nvSpPr>
+        <p:spPr bwMode="auto">
+          <a:xfrm>
+            <a:off x="9105789" y="1085137"/>
+            <a:ext cx="2087563" cy="5292934"/>
+          </a:xfrm>
+          <a:prstGeom prst="rect">
+            <a:avLst/>
+          </a:prstGeom>
+          <a:noFill/>
+          <a:ln w="12700">
+            <a:solidFill>
+              <a:srgbClr val="5B9CD5"/>
+            </a:solidFill>
+            <a:prstDash val="dash"/>
+          </a:ln>
+        </p:spPr>
+        <p:style>
+          <a:lnRef idx="2">
+            <a:schemeClr val="accent1">
+              <a:shade val="50000"/>
+            </a:schemeClr>
+          </a:lnRef>
+          <a:fillRef idx="1">
+            <a:schemeClr val="accent1"/>
+          </a:fillRef>
+          <a:effectRef idx="0">
+            <a:schemeClr val="accent1"/>
+          </a:effectRef>
+          <a:fontRef idx="minor">
+            <a:schemeClr val="lt1"/>
+          </a:fontRef>
+        </p:style>
+        <p:txBody>
+          <a:bodyPr tIns="91440"/>
+          <a:lstStyle/>
+          <a:p>
+            <a:pPr algn="ctr" eaLnBrk="1" fontAlgn="auto" hangingPunct="1">
+              <a:spcBef>
+                <a:spcPts val="0"/>
+              </a:spcBef>
+              <a:spcAft>
+                <a:spcPts val="0"/>
+              </a:spcAft>
+              <a:defRPr/>
+            </a:pPr>
+            <a:r>
+              <a:rPr lang="en-US" sz="1200" dirty="0">
+                <a:solidFill>
+                  <a:srgbClr val="5B9CD5"/>
+                </a:solidFill>
+                <a:latin typeface="Calibri" panose="020F0502020204030204" pitchFamily="34" charset="0"/>
+                <a:cs typeface="Calibri" panose="020F0502020204030204" pitchFamily="34" charset="0"/>
+              </a:rPr>
+              <a:t>Availability Zone 3</a:t>
+            </a:r>
+          </a:p>
+        </p:txBody>
+      </p:sp>
+      <p:pic>
+        <p:nvPicPr>
+          <p:cNvPr id="86" name="Graphic 15">
+            <a:extLst>
+              <a:ext uri="{FF2B5EF4-FFF2-40B4-BE49-F238E27FC236}">
+                <a16:creationId xmlns:a16="http://schemas.microsoft.com/office/drawing/2014/main" id="{38B5A089-53E6-C249-9558-76D99562FBAA}"/>
+              </a:ext>
+            </a:extLst>
+          </p:cNvPr>
+          <p:cNvPicPr>
+            <a:picLocks noChangeAspect="1" noChangeArrowheads="1"/>
+          </p:cNvPicPr>
+          <p:nvPr/>
+        </p:nvPicPr>
+        <p:blipFill>
+          <a:blip r:embed="rId4">
+            <a:extLst>
+              <a:ext uri="{28A0092B-C50C-407E-A947-70E740481C1C}">
+                <a14:useLocalDpi xmlns:a14="http://schemas.microsoft.com/office/drawing/2010/main" val="0"/>
+              </a:ext>
+            </a:extLst>
+          </a:blip>
+          <a:srcRect/>
+          <a:stretch>
+            <a:fillRect/>
+          </a:stretch>
+        </p:blipFill>
+        <p:spPr bwMode="auto">
+          <a:xfrm>
+            <a:off x="9909145" y="2291424"/>
+            <a:ext cx="469900" cy="469900"/>
+          </a:xfrm>
+          <a:prstGeom prst="rect">
+            <a:avLst/>
+          </a:prstGeom>
+          <a:noFill/>
+          <a:ln>
+            <a:noFill/>
+          </a:ln>
+          <a:extLst>
+            <a:ext uri="{909E8E84-426E-40DD-AFC4-6F175D3DCCD1}">
+              <a14:hiddenFill xmlns:a14="http://schemas.microsoft.com/office/drawing/2010/main">
+                <a:solidFill>
+                  <a:srgbClr val="FFFFFF"/>
+                </a:solidFill>
+              </a14:hiddenFill>
+            </a:ext>
+            <a:ext uri="{91240B29-F687-4F45-9708-019B960494DF}">
+              <a14:hiddenLine xmlns:a14="http://schemas.microsoft.com/office/drawing/2010/main" w="9525">
+                <a:solidFill>
+                  <a:srgbClr val="000000"/>
+                </a:solidFill>
+                <a:miter lim="800000"/>
+                <a:headEnd/>
+                <a:tailEnd/>
+              </a14:hiddenLine>
+            </a:ext>
+          </a:extLst>
+        </p:spPr>
+      </p:pic>
+      <p:pic>
+        <p:nvPicPr>
+          <p:cNvPr id="87" name="Graphic 19">
+            <a:extLst>
+              <a:ext uri="{FF2B5EF4-FFF2-40B4-BE49-F238E27FC236}">
+                <a16:creationId xmlns:a16="http://schemas.microsoft.com/office/drawing/2014/main" id="{0E5BC5A2-DD1A-824D-8E8E-909F5987A059}"/>
+              </a:ext>
+            </a:extLst>
+          </p:cNvPr>
+          <p:cNvPicPr>
+            <a:picLocks noChangeAspect="1" noChangeArrowheads="1"/>
+          </p:cNvPicPr>
+          <p:nvPr/>
+        </p:nvPicPr>
+        <p:blipFill>
+          <a:blip r:embed="rId7">
+            <a:extLst>
+              <a:ext uri="{28A0092B-C50C-407E-A947-70E740481C1C}">
+                <a14:useLocalDpi xmlns:a14="http://schemas.microsoft.com/office/drawing/2010/main" val="0"/>
+              </a:ext>
+            </a:extLst>
+          </a:blip>
+          <a:srcRect/>
+          <a:stretch>
+            <a:fillRect/>
+          </a:stretch>
+        </p:blipFill>
+        <p:spPr bwMode="auto">
+          <a:xfrm>
+            <a:off x="9892716" y="3761133"/>
+            <a:ext cx="469900" cy="469900"/>
+          </a:xfrm>
+          <a:prstGeom prst="rect">
+            <a:avLst/>
+          </a:prstGeom>
+          <a:noFill/>
+          <a:ln>
+            <a:noFill/>
+          </a:ln>
+          <a:extLst>
+            <a:ext uri="{909E8E84-426E-40DD-AFC4-6F175D3DCCD1}">
+              <a14:hiddenFill xmlns:a14="http://schemas.microsoft.com/office/drawing/2010/main">
+                <a:solidFill>
+                  <a:srgbClr val="FFFFFF"/>
+                </a:solidFill>
+              </a14:hiddenFill>
+            </a:ext>
+            <a:ext uri="{91240B29-F687-4F45-9708-019B960494DF}">
+              <a14:hiddenLine xmlns:a14="http://schemas.microsoft.com/office/drawing/2010/main" w="9525">
+                <a:solidFill>
+                  <a:srgbClr val="000000"/>
+                </a:solidFill>
+                <a:miter lim="800000"/>
+                <a:headEnd/>
+                <a:tailEnd/>
+              </a14:hiddenLine>
+            </a:ext>
+          </a:extLst>
+        </p:spPr>
+      </p:pic>
+      <p:sp>
+        <p:nvSpPr>
+          <p:cNvPr id="88" name="TextBox 18">
+            <a:extLst>
+              <a:ext uri="{FF2B5EF4-FFF2-40B4-BE49-F238E27FC236}">
+                <a16:creationId xmlns:a16="http://schemas.microsoft.com/office/drawing/2014/main" id="{57B7EC89-35F5-054F-AE15-221562F3CC2F}"/>
+              </a:ext>
+            </a:extLst>
+          </p:cNvPr>
+          <p:cNvSpPr txBox="1">
+            <a:spLocks noChangeArrowheads="1"/>
+          </p:cNvSpPr>
+          <p:nvPr/>
+        </p:nvSpPr>
+        <p:spPr bwMode="auto">
+          <a:xfrm>
+            <a:off x="9149016" y="4203621"/>
+            <a:ext cx="1767152" cy="276999"/>
+          </a:xfrm>
+          <a:prstGeom prst="rect">
+            <a:avLst/>
+          </a:prstGeom>
+          <a:noFill/>
+          <a:ln>
+            <a:noFill/>
+          </a:ln>
+          <a:extLst>
+            <a:ext uri="{909E8E84-426E-40DD-AFC4-6F175D3DCCD1}">
+              <a14:hiddenFill xmlns:a14="http://schemas.microsoft.com/office/drawing/2010/main">
+                <a:solidFill>
+                  <a:srgbClr val="FFFFFF"/>
+                </a:solidFill>
+              </a14:hiddenFill>
+            </a:ext>
+            <a:ext uri="{91240B29-F687-4F45-9708-019B960494DF}">
+              <a14:hiddenLine xmlns:a14="http://schemas.microsoft.com/office/drawing/2010/main" w="9525">
+                <a:solidFill>
+                  <a:srgbClr val="000000"/>
+                </a:solidFill>
+                <a:miter lim="800000"/>
+                <a:headEnd/>
+                <a:tailEnd/>
+              </a14:hiddenLine>
+            </a:ext>
+          </a:extLst>
+        </p:spPr>
+        <p:txBody>
+          <a:bodyPr>
+            <a:spAutoFit/>
+          </a:bodyPr>
+          <a:lstStyle>
+            <a:lvl1pPr>
+              <a:defRPr>
+                <a:solidFill>
+                  <a:schemeClr val="tx1"/>
+                </a:solidFill>
+                <a:latin typeface="Calibri" panose="020F0502020204030204" pitchFamily="34" charset="0"/>
+              </a:defRPr>
+            </a:lvl1pPr>
+            <a:lvl2pPr marL="742950" indent="-285750">
+              <a:defRPr>
+                <a:solidFill>
+                  <a:schemeClr val="tx1"/>
+                </a:solidFill>
+                <a:latin typeface="Calibri" panose="020F0502020204030204" pitchFamily="34" charset="0"/>
+              </a:defRPr>
+            </a:lvl2pPr>
+            <a:lvl3pPr marL="1143000" indent="-228600">
+              <a:defRPr>
+                <a:solidFill>
+                  <a:schemeClr val="tx1"/>
+                </a:solidFill>
+                <a:latin typeface="Calibri" panose="020F0502020204030204" pitchFamily="34" charset="0"/>
+              </a:defRPr>
+            </a:lvl3pPr>
+            <a:lvl4pPr marL="1600200" indent="-228600">
+              <a:defRPr>
+                <a:solidFill>
+                  <a:schemeClr val="tx1"/>
+                </a:solidFill>
+                <a:latin typeface="Calibri" panose="020F0502020204030204" pitchFamily="34" charset="0"/>
+              </a:defRPr>
+            </a:lvl4pPr>
+            <a:lvl5pPr marL="2057400" indent="-228600">
+              <a:defRPr>
+                <a:solidFill>
+                  <a:schemeClr val="tx1"/>
+                </a:solidFill>
+                <a:latin typeface="Calibri" panose="020F0502020204030204" pitchFamily="34" charset="0"/>
+              </a:defRPr>
+            </a:lvl5pPr>
+            <a:lvl6pPr marL="2514600" indent="-228600" eaLnBrk="0" fontAlgn="base" hangingPunct="0">
+              <a:spcBef>
+                <a:spcPct val="0"/>
+              </a:spcBef>
+              <a:spcAft>
+                <a:spcPct val="0"/>
+              </a:spcAft>
+              <a:defRPr>
+                <a:solidFill>
+                  <a:schemeClr val="tx1"/>
+                </a:solidFill>
+                <a:latin typeface="Calibri" panose="020F0502020204030204" pitchFamily="34" charset="0"/>
+              </a:defRPr>
+            </a:lvl6pPr>
+            <a:lvl7pPr marL="2971800" indent="-228600" eaLnBrk="0" fontAlgn="base" hangingPunct="0">
+              <a:spcBef>
+                <a:spcPct val="0"/>
+              </a:spcBef>
+              <a:spcAft>
+                <a:spcPct val="0"/>
+              </a:spcAft>
+              <a:defRPr>
+                <a:solidFill>
+                  <a:schemeClr val="tx1"/>
+                </a:solidFill>
+                <a:latin typeface="Calibri" panose="020F0502020204030204" pitchFamily="34" charset="0"/>
+              </a:defRPr>
+            </a:lvl7pPr>
+            <a:lvl8pPr marL="3429000" indent="-228600" eaLnBrk="0" fontAlgn="base" hangingPunct="0">
+              <a:spcBef>
+                <a:spcPct val="0"/>
+              </a:spcBef>
+              <a:spcAft>
+                <a:spcPct val="0"/>
+              </a:spcAft>
+              <a:defRPr>
+                <a:solidFill>
+                  <a:schemeClr val="tx1"/>
+                </a:solidFill>
+                <a:latin typeface="Calibri" panose="020F0502020204030204" pitchFamily="34" charset="0"/>
+              </a:defRPr>
+            </a:lvl8pPr>
+            <a:lvl9pPr marL="3886200" indent="-228600" eaLnBrk="0" fontAlgn="base" hangingPunct="0">
+              <a:spcBef>
+                <a:spcPct val="0"/>
+              </a:spcBef>
+              <a:spcAft>
+                <a:spcPct val="0"/>
+              </a:spcAft>
+              <a:defRPr>
+                <a:solidFill>
+                  <a:schemeClr val="tx1"/>
+                </a:solidFill>
+                <a:latin typeface="Calibri" panose="020F0502020204030204" pitchFamily="34" charset="0"/>
+              </a:defRPr>
+            </a:lvl9pPr>
+          </a:lstStyle>
+          <a:p>
+            <a:pPr algn="ctr" eaLnBrk="1" hangingPunct="1"/>
+            <a:r>
+              <a:rPr lang="en-US" altLang="en-US" sz="1200" dirty="0">
+                <a:solidFill>
+                  <a:srgbClr val="232F3E"/>
+                </a:solidFill>
+                <a:cs typeface="Calibri" panose="020F0502020204030204" pitchFamily="34" charset="0"/>
+              </a:rPr>
+              <a:t>Neo4j Follower</a:t>
+            </a:r>
+          </a:p>
+        </p:txBody>
+      </p:sp>
+      <p:sp>
+        <p:nvSpPr>
+          <p:cNvPr id="4" name="TextBox 3">
+            <a:extLst>
+              <a:ext uri="{FF2B5EF4-FFF2-40B4-BE49-F238E27FC236}">
+                <a16:creationId xmlns:a16="http://schemas.microsoft.com/office/drawing/2014/main" id="{53513B74-20BB-C949-A964-5BBF88A606EE}"/>
+              </a:ext>
+            </a:extLst>
+          </p:cNvPr>
+          <p:cNvSpPr txBox="1"/>
+          <p:nvPr/>
+        </p:nvSpPr>
+        <p:spPr>
+          <a:xfrm>
+            <a:off x="5521478" y="3750042"/>
+            <a:ext cx="1285227" cy="707882"/>
+          </a:xfrm>
+          <a:prstGeom prst="rect">
+            <a:avLst/>
+          </a:prstGeom>
+          <a:noFill/>
+          <a:ln w="12700" cap="flat">
+            <a:noFill/>
+            <a:miter lim="400000"/>
+          </a:ln>
+          <a:effectLst/>
+          <a:sp3d/>
+        </p:spPr>
+        <p:style>
+          <a:lnRef idx="0">
+            <a:scrgbClr r="0" g="0" b="0"/>
+          </a:lnRef>
+          <a:fillRef idx="0">
+            <a:scrgbClr r="0" g="0" b="0"/>
+          </a:fillRef>
+          <a:effectRef idx="0">
+            <a:scrgbClr r="0" g="0" b="0"/>
+          </a:effectRef>
+          <a:fontRef idx="none"/>
+        </p:style>
+        <p:txBody>
+          <a:bodyPr rot="0" spcFirstLastPara="1" vertOverflow="overflow" horzOverflow="overflow" vert="horz" wrap="square" lIns="45718" tIns="45718" rIns="45718" bIns="45718" numCol="1" spcCol="38100" rtlCol="0" anchor="t">
+            <a:spAutoFit/>
+          </a:bodyPr>
+          <a:lstStyle/>
+          <a:p>
+            <a:pPr algn="ctr"/>
+            <a:r>
+              <a:rPr lang="en-US" sz="1100" dirty="0">
+                <a:solidFill>
+                  <a:srgbClr val="D86613"/>
+                </a:solidFill>
+                <a:latin typeface="Calibri" panose="020F0502020204030204" pitchFamily="34" charset="0"/>
+                <a:cs typeface="Calibri" panose="020F0502020204030204" pitchFamily="34" charset="0"/>
+              </a:rPr>
+              <a:t>Auto Scaling</a:t>
+            </a:r>
+            <a:br>
+              <a:rPr lang="en-US" sz="1100" dirty="0">
+                <a:solidFill>
+                  <a:srgbClr val="D86613"/>
+                </a:solidFill>
+                <a:latin typeface="Calibri" panose="020F0502020204030204" pitchFamily="34" charset="0"/>
+                <a:cs typeface="Calibri" panose="020F0502020204030204" pitchFamily="34" charset="0"/>
+              </a:rPr>
+            </a:br>
+            <a:r>
+              <a:rPr lang="en-US" sz="1100" dirty="0">
+                <a:solidFill>
+                  <a:srgbClr val="D86613"/>
+                </a:solidFill>
+                <a:latin typeface="Calibri" panose="020F0502020204030204" pitchFamily="34" charset="0"/>
+                <a:cs typeface="Calibri" panose="020F0502020204030204" pitchFamily="34" charset="0"/>
+              </a:rPr>
+              <a:t>group</a:t>
+            </a:r>
+          </a:p>
+          <a:p>
+            <a:pPr marL="0" marR="0" indent="0" algn="l" defTabSz="914400" rtl="0" fontAlgn="auto" latinLnBrk="0" hangingPunct="0">
+              <a:lnSpc>
+                <a:spcPct val="100000"/>
+              </a:lnSpc>
+              <a:spcBef>
+                <a:spcPts val="0"/>
+              </a:spcBef>
+              <a:spcAft>
+                <a:spcPts val="0"/>
+              </a:spcAft>
+              <a:buClrTx/>
+              <a:buSzTx/>
+              <a:buFontTx/>
+              <a:buNone/>
+              <a:tabLst/>
+            </a:pPr>
+            <a:endParaRPr kumimoji="0" lang="en-US" sz="1800" b="0" i="0" u="none" strike="noStrike" cap="none" spc="0" normalizeH="0" baseline="0" dirty="0">
+              <a:ln>
+                <a:noFill/>
+              </a:ln>
+              <a:solidFill>
+                <a:srgbClr val="232F3D"/>
+              </a:solidFill>
+              <a:effectLst/>
+              <a:uFillTx/>
+              <a:latin typeface="Calibri" panose="020F0502020204030204" pitchFamily="34" charset="0"/>
+              <a:cs typeface="Calibri" panose="020F0502020204030204" pitchFamily="34" charset="0"/>
+              <a:sym typeface="Calibri"/>
+            </a:endParaRPr>
+          </a:p>
+        </p:txBody>
+      </p:sp>
+      <p:sp>
+        <p:nvSpPr>
+          <p:cNvPr id="89" name="TextBox 16">
+            <a:extLst>
+              <a:ext uri="{FF2B5EF4-FFF2-40B4-BE49-F238E27FC236}">
+                <a16:creationId xmlns:a16="http://schemas.microsoft.com/office/drawing/2014/main" id="{478FC747-242C-7543-9865-A4B93B8F8294}"/>
+              </a:ext>
+            </a:extLst>
+          </p:cNvPr>
+          <p:cNvSpPr txBox="1">
+            <a:spLocks noChangeArrowheads="1"/>
+          </p:cNvSpPr>
+          <p:nvPr/>
+        </p:nvSpPr>
+        <p:spPr bwMode="auto">
+          <a:xfrm>
+            <a:off x="9260519" y="2832475"/>
+            <a:ext cx="1767152" cy="276999"/>
+          </a:xfrm>
+          <a:prstGeom prst="rect">
+            <a:avLst/>
+          </a:prstGeom>
+          <a:noFill/>
+          <a:ln>
+            <a:noFill/>
+          </a:ln>
+          <a:extLst>
+            <a:ext uri="{909E8E84-426E-40DD-AFC4-6F175D3DCCD1}">
+              <a14:hiddenFill xmlns:a14="http://schemas.microsoft.com/office/drawing/2010/main">
+                <a:solidFill>
+                  <a:srgbClr val="FFFFFF"/>
+                </a:solidFill>
+              </a14:hiddenFill>
+            </a:ext>
+            <a:ext uri="{91240B29-F687-4F45-9708-019B960494DF}">
+              <a14:hiddenLine xmlns:a14="http://schemas.microsoft.com/office/drawing/2010/main" w="9525">
+                <a:solidFill>
+                  <a:srgbClr val="000000"/>
+                </a:solidFill>
+                <a:miter lim="800000"/>
+                <a:headEnd/>
+                <a:tailEnd/>
+              </a14:hiddenLine>
+            </a:ext>
+          </a:extLst>
+        </p:spPr>
+        <p:txBody>
+          <a:bodyPr>
+            <a:spAutoFit/>
+          </a:bodyPr>
+          <a:lstStyle>
+            <a:lvl1pPr>
+              <a:defRPr>
+                <a:solidFill>
+                  <a:schemeClr val="tx1"/>
+                </a:solidFill>
+                <a:latin typeface="Calibri" panose="020F0502020204030204" pitchFamily="34" charset="0"/>
+              </a:defRPr>
+            </a:lvl1pPr>
+            <a:lvl2pPr marL="742950" indent="-285750">
+              <a:defRPr>
+                <a:solidFill>
+                  <a:schemeClr val="tx1"/>
+                </a:solidFill>
+                <a:latin typeface="Calibri" panose="020F0502020204030204" pitchFamily="34" charset="0"/>
+              </a:defRPr>
+            </a:lvl2pPr>
+            <a:lvl3pPr marL="1143000" indent="-228600">
+              <a:defRPr>
+                <a:solidFill>
+                  <a:schemeClr val="tx1"/>
+                </a:solidFill>
+                <a:latin typeface="Calibri" panose="020F0502020204030204" pitchFamily="34" charset="0"/>
+              </a:defRPr>
+            </a:lvl3pPr>
+            <a:lvl4pPr marL="1600200" indent="-228600">
+              <a:defRPr>
+                <a:solidFill>
+                  <a:schemeClr val="tx1"/>
+                </a:solidFill>
+                <a:latin typeface="Calibri" panose="020F0502020204030204" pitchFamily="34" charset="0"/>
+              </a:defRPr>
+            </a:lvl4pPr>
+            <a:lvl5pPr marL="2057400" indent="-228600">
+              <a:defRPr>
+                <a:solidFill>
+                  <a:schemeClr val="tx1"/>
+                </a:solidFill>
+                <a:latin typeface="Calibri" panose="020F0502020204030204" pitchFamily="34" charset="0"/>
+              </a:defRPr>
+            </a:lvl5pPr>
+            <a:lvl6pPr marL="2514600" indent="-228600" eaLnBrk="0" fontAlgn="base" hangingPunct="0">
+              <a:spcBef>
+                <a:spcPct val="0"/>
+              </a:spcBef>
+              <a:spcAft>
+                <a:spcPct val="0"/>
+              </a:spcAft>
+              <a:defRPr>
+                <a:solidFill>
+                  <a:schemeClr val="tx1"/>
+                </a:solidFill>
+                <a:latin typeface="Calibri" panose="020F0502020204030204" pitchFamily="34" charset="0"/>
+              </a:defRPr>
+            </a:lvl6pPr>
+            <a:lvl7pPr marL="2971800" indent="-228600" eaLnBrk="0" fontAlgn="base" hangingPunct="0">
+              <a:spcBef>
+                <a:spcPct val="0"/>
+              </a:spcBef>
+              <a:spcAft>
+                <a:spcPct val="0"/>
+              </a:spcAft>
+              <a:defRPr>
+                <a:solidFill>
+                  <a:schemeClr val="tx1"/>
+                </a:solidFill>
+                <a:latin typeface="Calibri" panose="020F0502020204030204" pitchFamily="34" charset="0"/>
+              </a:defRPr>
+            </a:lvl7pPr>
+            <a:lvl8pPr marL="3429000" indent="-228600" eaLnBrk="0" fontAlgn="base" hangingPunct="0">
+              <a:spcBef>
+                <a:spcPct val="0"/>
+              </a:spcBef>
+              <a:spcAft>
+                <a:spcPct val="0"/>
+              </a:spcAft>
+              <a:defRPr>
+                <a:solidFill>
+                  <a:schemeClr val="tx1"/>
+                </a:solidFill>
+                <a:latin typeface="Calibri" panose="020F0502020204030204" pitchFamily="34" charset="0"/>
+              </a:defRPr>
+            </a:lvl8pPr>
+            <a:lvl9pPr marL="3886200" indent="-228600" eaLnBrk="0" fontAlgn="base" hangingPunct="0">
+              <a:spcBef>
+                <a:spcPct val="0"/>
+              </a:spcBef>
+              <a:spcAft>
+                <a:spcPct val="0"/>
+              </a:spcAft>
+              <a:defRPr>
+                <a:solidFill>
+                  <a:schemeClr val="tx1"/>
+                </a:solidFill>
+                <a:latin typeface="Calibri" panose="020F0502020204030204" pitchFamily="34" charset="0"/>
+              </a:defRPr>
+            </a:lvl9pPr>
+          </a:lstStyle>
+          <a:p>
+            <a:pPr algn="ctr" eaLnBrk="1" hangingPunct="1"/>
+            <a:r>
+              <a:rPr lang="en-US" altLang="en-US" sz="1200" dirty="0">
+                <a:solidFill>
+                  <a:srgbClr val="232F3E"/>
+                </a:solidFill>
+                <a:cs typeface="Calibri" panose="020F0502020204030204" pitchFamily="34" charset="0"/>
+              </a:rPr>
+              <a:t>NAT gateway</a:t>
+            </a:r>
+          </a:p>
+        </p:txBody>
+      </p:sp>
+      <p:pic>
+        <p:nvPicPr>
+          <p:cNvPr id="91" name="Graphic 90">
+            <a:extLst>
+              <a:ext uri="{FF2B5EF4-FFF2-40B4-BE49-F238E27FC236}">
+                <a16:creationId xmlns:a16="http://schemas.microsoft.com/office/drawing/2014/main" id="{AB256155-6B04-144E-BD7F-79C8696392AB}"/>
+              </a:ext>
+            </a:extLst>
+          </p:cNvPr>
+          <p:cNvPicPr>
+            <a:picLocks noChangeAspect="1"/>
+          </p:cNvPicPr>
+          <p:nvPr/>
+        </p:nvPicPr>
+        <p:blipFill>
+          <a:blip r:embed="rId5">
+            <a:extLst>
+              <a:ext uri="{96DAC541-7B7A-43D3-8B79-37D633B846F1}">
+                <asvg:svgBlip xmlns:asvg="http://schemas.microsoft.com/office/drawing/2016/SVG/main" r:embed="rId6"/>
+              </a:ext>
+            </a:extLst>
+          </a:blip>
+          <a:stretch>
+            <a:fillRect/>
+          </a:stretch>
+        </p:blipFill>
+        <p:spPr>
+          <a:xfrm>
+            <a:off x="9204848" y="1663210"/>
+            <a:ext cx="381000" cy="381000"/>
+          </a:xfrm>
+          <a:prstGeom prst="rect">
+            <a:avLst/>
+          </a:prstGeom>
+        </p:spPr>
+      </p:pic>
+      <p:pic>
+        <p:nvPicPr>
+          <p:cNvPr id="92" name="Graphic 91">
+            <a:extLst>
+              <a:ext uri="{FF2B5EF4-FFF2-40B4-BE49-F238E27FC236}">
+                <a16:creationId xmlns:a16="http://schemas.microsoft.com/office/drawing/2014/main" id="{D3E4A265-F15E-FF4E-98E3-49ADB0BCAFC7}"/>
+              </a:ext>
+            </a:extLst>
+          </p:cNvPr>
+          <p:cNvPicPr>
+            <a:picLocks noChangeAspect="1"/>
+          </p:cNvPicPr>
+          <p:nvPr/>
+        </p:nvPicPr>
+        <p:blipFill>
+          <a:blip r:embed="rId10">
+            <a:extLst>
+              <a:ext uri="{96DAC541-7B7A-43D3-8B79-37D633B846F1}">
+                <asvg:svgBlip xmlns:asvg="http://schemas.microsoft.com/office/drawing/2016/SVG/main" r:embed="rId11"/>
+              </a:ext>
+            </a:extLst>
+          </a:blip>
+          <a:stretch>
+            <a:fillRect/>
+          </a:stretch>
+        </p:blipFill>
+        <p:spPr>
+          <a:xfrm>
+            <a:off x="4451164" y="4653426"/>
+            <a:ext cx="457200" cy="457200"/>
+          </a:xfrm>
+          <a:prstGeom prst="rect">
+            <a:avLst/>
+          </a:prstGeom>
+        </p:spPr>
+      </p:pic>
+      <p:pic>
+        <p:nvPicPr>
+          <p:cNvPr id="93" name="Graphic 92">
+            <a:extLst>
+              <a:ext uri="{FF2B5EF4-FFF2-40B4-BE49-F238E27FC236}">
+                <a16:creationId xmlns:a16="http://schemas.microsoft.com/office/drawing/2014/main" id="{99844379-4EF1-7B4D-8936-DE2F918A01B2}"/>
+              </a:ext>
+            </a:extLst>
+          </p:cNvPr>
+          <p:cNvPicPr>
+            <a:picLocks noChangeAspect="1"/>
+          </p:cNvPicPr>
+          <p:nvPr/>
+        </p:nvPicPr>
+        <p:blipFill>
+          <a:blip r:embed="rId10">
+            <a:extLst>
+              <a:ext uri="{96DAC541-7B7A-43D3-8B79-37D633B846F1}">
+                <asvg:svgBlip xmlns:asvg="http://schemas.microsoft.com/office/drawing/2016/SVG/main" r:embed="rId11"/>
+              </a:ext>
+            </a:extLst>
+          </a:blip>
+          <a:stretch>
+            <a:fillRect/>
+          </a:stretch>
+        </p:blipFill>
+        <p:spPr>
+          <a:xfrm>
+            <a:off x="7417423" y="4649978"/>
+            <a:ext cx="457200" cy="457200"/>
+          </a:xfrm>
+          <a:prstGeom prst="rect">
+            <a:avLst/>
+          </a:prstGeom>
+        </p:spPr>
+      </p:pic>
+      <p:pic>
+        <p:nvPicPr>
+          <p:cNvPr id="94" name="Graphic 93">
+            <a:extLst>
+              <a:ext uri="{FF2B5EF4-FFF2-40B4-BE49-F238E27FC236}">
+                <a16:creationId xmlns:a16="http://schemas.microsoft.com/office/drawing/2014/main" id="{16D23500-F2BA-244D-8893-8352DBE3F770}"/>
+              </a:ext>
+            </a:extLst>
+          </p:cNvPr>
+          <p:cNvPicPr>
+            <a:picLocks noChangeAspect="1"/>
+          </p:cNvPicPr>
+          <p:nvPr/>
+        </p:nvPicPr>
+        <p:blipFill>
+          <a:blip r:embed="rId10">
+            <a:extLst>
+              <a:ext uri="{96DAC541-7B7A-43D3-8B79-37D633B846F1}">
+                <asvg:svgBlip xmlns:asvg="http://schemas.microsoft.com/office/drawing/2016/SVG/main" r:embed="rId11"/>
+              </a:ext>
+            </a:extLst>
+          </a:blip>
+          <a:stretch>
+            <a:fillRect/>
+          </a:stretch>
+        </p:blipFill>
+        <p:spPr>
+          <a:xfrm>
+            <a:off x="9927930" y="4649978"/>
+            <a:ext cx="457200" cy="457200"/>
+          </a:xfrm>
+          <a:prstGeom prst="rect">
+            <a:avLst/>
+          </a:prstGeom>
+        </p:spPr>
+      </p:pic>
+      <p:sp>
+        <p:nvSpPr>
+          <p:cNvPr id="5" name="TextBox 4">
+            <a:extLst>
+              <a:ext uri="{FF2B5EF4-FFF2-40B4-BE49-F238E27FC236}">
+                <a16:creationId xmlns:a16="http://schemas.microsoft.com/office/drawing/2014/main" id="{11D6F79F-53D8-AE4B-8BCE-2AB56ACF6399}"/>
+              </a:ext>
+            </a:extLst>
+          </p:cNvPr>
+          <p:cNvSpPr txBox="1"/>
+          <p:nvPr/>
+        </p:nvSpPr>
+        <p:spPr>
+          <a:xfrm>
+            <a:off x="4107806" y="5064701"/>
+            <a:ext cx="1276949" cy="276995"/>
+          </a:xfrm>
+          <a:prstGeom prst="rect">
+            <a:avLst/>
+          </a:prstGeom>
+          <a:noFill/>
+          <a:ln w="12700" cap="flat">
+            <a:noFill/>
+            <a:miter lim="400000"/>
+          </a:ln>
+          <a:effectLst/>
+          <a:sp3d/>
+        </p:spPr>
+        <p:style>
+          <a:lnRef idx="0">
+            <a:scrgbClr r="0" g="0" b="0"/>
+          </a:lnRef>
+          <a:fillRef idx="0">
+            <a:scrgbClr r="0" g="0" b="0"/>
+          </a:fillRef>
+          <a:effectRef idx="0">
+            <a:scrgbClr r="0" g="0" b="0"/>
+          </a:effectRef>
+          <a:fontRef idx="none"/>
+        </p:style>
+        <p:txBody>
+          <a:bodyPr rot="0" spcFirstLastPara="1" vertOverflow="overflow" horzOverflow="overflow" vert="horz" wrap="none" lIns="45718" tIns="45718" rIns="45718" bIns="45718" numCol="1" spcCol="38100" rtlCol="0" anchor="t">
+            <a:spAutoFit/>
+          </a:bodyPr>
+          <a:lstStyle/>
+          <a:p>
+            <a:pPr marL="0" marR="0" indent="0" algn="l" defTabSz="914400" rtl="0" fontAlgn="auto" latinLnBrk="0" hangingPunct="0">
+              <a:lnSpc>
+                <a:spcPct val="100000"/>
+              </a:lnSpc>
+              <a:spcBef>
+                <a:spcPts val="0"/>
+              </a:spcBef>
+              <a:spcAft>
+                <a:spcPts val="0"/>
+              </a:spcAft>
+              <a:buClrTx/>
+              <a:buSzTx/>
+              <a:buFontTx/>
+              <a:buNone/>
+              <a:tabLst/>
+            </a:pPr>
+            <a:r>
+              <a:rPr kumimoji="0" lang="en-US" sz="1200" b="0" i="0" u="none" strike="noStrike" cap="none" spc="0" normalizeH="0" baseline="0" dirty="0">
+                <a:ln>
+                  <a:noFill/>
+                </a:ln>
+                <a:solidFill>
+                  <a:srgbClr val="232F3D"/>
+                </a:solidFill>
+                <a:effectLst/>
+                <a:uFillTx/>
+                <a:latin typeface="Calibri" panose="020F0502020204030204" pitchFamily="34" charset="0"/>
+                <a:cs typeface="Calibri" panose="020F0502020204030204" pitchFamily="34" charset="0"/>
+                <a:sym typeface="Calibri"/>
+              </a:rPr>
+              <a:t>Neo4j Disk Storage</a:t>
+            </a:r>
+          </a:p>
+        </p:txBody>
+      </p:sp>
+      <p:pic>
+        <p:nvPicPr>
+          <p:cNvPr id="82" name="Graphic 19">
+            <a:extLst>
+              <a:ext uri="{FF2B5EF4-FFF2-40B4-BE49-F238E27FC236}">
+                <a16:creationId xmlns:a16="http://schemas.microsoft.com/office/drawing/2014/main" id="{7AB0BF0B-DB5D-C647-A2B2-5C2F0CFCED0E}"/>
+              </a:ext>
+            </a:extLst>
+          </p:cNvPr>
+          <p:cNvPicPr>
+            <a:picLocks noChangeAspect="1" noChangeArrowheads="1"/>
+          </p:cNvPicPr>
+          <p:nvPr/>
+        </p:nvPicPr>
+        <p:blipFill>
+          <a:blip r:embed="rId12">
+            <a:extLst>
+              <a:ext uri="{28A0092B-C50C-407E-A947-70E740481C1C}">
+                <a14:useLocalDpi xmlns:a14="http://schemas.microsoft.com/office/drawing/2010/main" val="0"/>
+              </a:ext>
+            </a:extLst>
+          </a:blip>
+          <a:srcRect/>
+          <a:stretch>
+            <a:fillRect/>
+          </a:stretch>
+        </p:blipFill>
+        <p:spPr bwMode="auto">
+          <a:xfrm>
+            <a:off x="2656032" y="3119047"/>
+            <a:ext cx="469900" cy="469900"/>
+          </a:xfrm>
+          <a:prstGeom prst="rect">
+            <a:avLst/>
+          </a:prstGeom>
+          <a:solidFill>
+            <a:srgbClr val="FFFFFF"/>
+          </a:solidFill>
+          <a:ln>
+            <a:noFill/>
+          </a:ln>
+        </p:spPr>
+      </p:pic>
+      <p:pic>
+        <p:nvPicPr>
+          <p:cNvPr id="98" name="Graphic 22">
+            <a:extLst>
+              <a:ext uri="{FF2B5EF4-FFF2-40B4-BE49-F238E27FC236}">
+                <a16:creationId xmlns:a16="http://schemas.microsoft.com/office/drawing/2014/main" id="{8794B229-127D-5E4D-82F0-B39DE3C41E7E}"/>
+              </a:ext>
+            </a:extLst>
+          </p:cNvPr>
+          <p:cNvPicPr>
+            <a:picLocks noChangeAspect="1" noChangeArrowheads="1"/>
+          </p:cNvPicPr>
+          <p:nvPr/>
+        </p:nvPicPr>
+        <p:blipFill>
+          <a:blip r:embed="rId13">
+            <a:extLst>
+              <a:ext uri="{96DAC541-7B7A-43D3-8B79-37D633B846F1}">
+                <asvg:svgBlip xmlns:asvg="http://schemas.microsoft.com/office/drawing/2016/SVG/main" r:embed="rId14"/>
+              </a:ext>
+            </a:extLst>
+          </a:blip>
+          <a:srcRect/>
+          <a:stretch/>
+        </p:blipFill>
+        <p:spPr bwMode="auto">
+          <a:xfrm>
+            <a:off x="377862" y="3237923"/>
+            <a:ext cx="469900" cy="469900"/>
+          </a:xfrm>
+          <a:prstGeom prst="rect">
+            <a:avLst/>
+          </a:prstGeom>
+          <a:noFill/>
+          <a:ln>
+            <a:noFill/>
+          </a:ln>
+          <a:extLst>
+            <a:ext uri="{909E8E84-426E-40DD-AFC4-6F175D3DCCD1}">
+              <a14:hiddenFill xmlns:a14="http://schemas.microsoft.com/office/drawing/2010/main">
+                <a:solidFill>
+                  <a:srgbClr val="FFFFFF"/>
+                </a:solidFill>
+              </a14:hiddenFill>
+            </a:ext>
+            <a:ext uri="{91240B29-F687-4F45-9708-019B960494DF}">
+              <a14:hiddenLine xmlns:a14="http://schemas.microsoft.com/office/drawing/2010/main" w="9525">
+                <a:solidFill>
+                  <a:srgbClr val="000000"/>
+                </a:solidFill>
+                <a:miter lim="800000"/>
+                <a:headEnd/>
+                <a:tailEnd/>
+              </a14:hiddenLine>
+            </a:ext>
+          </a:extLst>
+        </p:spPr>
+      </p:pic>
+      <p:pic>
+        <p:nvPicPr>
+          <p:cNvPr id="99" name="Graphic 22">
+            <a:extLst>
+              <a:ext uri="{FF2B5EF4-FFF2-40B4-BE49-F238E27FC236}">
+                <a16:creationId xmlns:a16="http://schemas.microsoft.com/office/drawing/2014/main" id="{23FD69F0-59F9-9647-922F-68E9910BE681}"/>
+              </a:ext>
+            </a:extLst>
+          </p:cNvPr>
+          <p:cNvPicPr>
+            <a:picLocks noChangeAspect="1" noChangeArrowheads="1"/>
+          </p:cNvPicPr>
+          <p:nvPr/>
+        </p:nvPicPr>
+        <p:blipFill>
+          <a:blip r:embed="rId13">
+            <a:extLst>
+              <a:ext uri="{96DAC541-7B7A-43D3-8B79-37D633B846F1}">
+                <asvg:svgBlip xmlns:asvg="http://schemas.microsoft.com/office/drawing/2016/SVG/main" r:embed="rId14"/>
+              </a:ext>
+            </a:extLst>
+          </a:blip>
+          <a:srcRect/>
+          <a:stretch/>
+        </p:blipFill>
+        <p:spPr bwMode="auto">
+          <a:xfrm>
+            <a:off x="368887" y="4984598"/>
+            <a:ext cx="469900" cy="469900"/>
+          </a:xfrm>
+          <a:prstGeom prst="rect">
+            <a:avLst/>
+          </a:prstGeom>
+          <a:noFill/>
+          <a:ln>
+            <a:noFill/>
+          </a:ln>
+          <a:extLst>
+            <a:ext uri="{909E8E84-426E-40DD-AFC4-6F175D3DCCD1}">
+              <a14:hiddenFill xmlns:a14="http://schemas.microsoft.com/office/drawing/2010/main">
+                <a:solidFill>
+                  <a:srgbClr val="FFFFFF"/>
+                </a:solidFill>
+              </a14:hiddenFill>
+            </a:ext>
+            <a:ext uri="{91240B29-F687-4F45-9708-019B960494DF}">
+              <a14:hiddenLine xmlns:a14="http://schemas.microsoft.com/office/drawing/2010/main" w="9525">
+                <a:solidFill>
+                  <a:srgbClr val="000000"/>
+                </a:solidFill>
+                <a:miter lim="800000"/>
+                <a:headEnd/>
+                <a:tailEnd/>
+              </a14:hiddenLine>
+            </a:ext>
+          </a:extLst>
+        </p:spPr>
+      </p:pic>
+      <p:sp>
+        <p:nvSpPr>
+          <p:cNvPr id="6" name="TextBox 5">
+            <a:extLst>
+              <a:ext uri="{FF2B5EF4-FFF2-40B4-BE49-F238E27FC236}">
+                <a16:creationId xmlns:a16="http://schemas.microsoft.com/office/drawing/2014/main" id="{85B4983C-4933-634E-B2F0-0384FE0493FD}"/>
+              </a:ext>
+            </a:extLst>
+          </p:cNvPr>
+          <p:cNvSpPr txBox="1"/>
+          <p:nvPr/>
+        </p:nvSpPr>
+        <p:spPr>
+          <a:xfrm>
+            <a:off x="99846" y="1998640"/>
+            <a:ext cx="999629" cy="400105"/>
+          </a:xfrm>
+          <a:prstGeom prst="rect">
+            <a:avLst/>
+          </a:prstGeom>
+          <a:noFill/>
+          <a:ln w="12700" cap="flat">
+            <a:noFill/>
+            <a:miter lim="400000"/>
+          </a:ln>
+          <a:effectLst/>
+          <a:sp3d/>
+        </p:spPr>
+        <p:style>
+          <a:lnRef idx="0">
+            <a:scrgbClr r="0" g="0" b="0"/>
+          </a:lnRef>
+          <a:fillRef idx="0">
+            <a:scrgbClr r="0" g="0" b="0"/>
+          </a:fillRef>
+          <a:effectRef idx="0">
+            <a:scrgbClr r="0" g="0" b="0"/>
+          </a:effectRef>
+          <a:fontRef idx="none"/>
+        </p:style>
+        <p:txBody>
+          <a:bodyPr rot="0" spcFirstLastPara="1" vertOverflow="overflow" horzOverflow="overflow" vert="horz" wrap="none" lIns="45718" tIns="45718" rIns="45718" bIns="45718" numCol="1" spcCol="38100" rtlCol="0" anchor="t">
+            <a:spAutoFit/>
+          </a:bodyPr>
+          <a:lstStyle/>
+          <a:p>
+            <a:pPr marL="0" marR="0" indent="0" algn="ctr" defTabSz="914400" rtl="0" fontAlgn="auto" latinLnBrk="0" hangingPunct="0">
+              <a:lnSpc>
+                <a:spcPct val="100000"/>
+              </a:lnSpc>
+              <a:spcBef>
+                <a:spcPts val="0"/>
+              </a:spcBef>
+              <a:spcAft>
+                <a:spcPts val="0"/>
+              </a:spcAft>
+              <a:buClrTx/>
+              <a:buSzTx/>
+              <a:buFontTx/>
+              <a:buNone/>
+              <a:tabLst/>
+            </a:pPr>
+            <a:r>
+              <a:rPr kumimoji="0" lang="en-US" sz="1000" b="0" i="0" u="none" strike="noStrike" cap="none" spc="0" normalizeH="0" baseline="0" dirty="0">
+                <a:ln>
+                  <a:noFill/>
+                </a:ln>
+                <a:solidFill>
+                  <a:srgbClr val="232F3D"/>
+                </a:solidFill>
+                <a:effectLst/>
+                <a:uFillTx/>
+                <a:latin typeface="Calibri" panose="020F0502020204030204" pitchFamily="34" charset="0"/>
+                <a:cs typeface="Calibri" panose="020F0502020204030204" pitchFamily="34" charset="0"/>
+                <a:sym typeface="Calibri"/>
+              </a:rPr>
+              <a:t>Business Analysts</a:t>
+            </a:r>
+            <a:br>
+              <a:rPr kumimoji="0" lang="en-US" sz="1000" b="0" i="0" u="none" strike="noStrike" cap="none" spc="0" normalizeH="0" baseline="0" dirty="0">
+                <a:ln>
+                  <a:noFill/>
+                </a:ln>
+                <a:solidFill>
+                  <a:srgbClr val="232F3D"/>
+                </a:solidFill>
+                <a:effectLst/>
+                <a:uFillTx/>
+                <a:latin typeface="Calibri" panose="020F0502020204030204" pitchFamily="34" charset="0"/>
+                <a:cs typeface="Calibri" panose="020F0502020204030204" pitchFamily="34" charset="0"/>
+                <a:sym typeface="Calibri"/>
+              </a:rPr>
+            </a:br>
+            <a:r>
+              <a:rPr kumimoji="0" lang="en-US" sz="1000" b="0" i="0" u="none" strike="noStrike" cap="none" spc="0" normalizeH="0" baseline="0" dirty="0">
+                <a:ln>
+                  <a:noFill/>
+                </a:ln>
+                <a:solidFill>
+                  <a:srgbClr val="232F3D"/>
+                </a:solidFill>
+                <a:effectLst/>
+                <a:uFillTx/>
+                <a:latin typeface="Calibri" panose="020F0502020204030204" pitchFamily="34" charset="0"/>
+                <a:cs typeface="Calibri" panose="020F0502020204030204" pitchFamily="34" charset="0"/>
+                <a:sym typeface="Calibri"/>
+              </a:rPr>
+              <a:t>Data Scientists</a:t>
+            </a:r>
+          </a:p>
+        </p:txBody>
+      </p:sp>
+      <p:pic>
+        <p:nvPicPr>
+          <p:cNvPr id="100" name="Graphic 23">
+            <a:extLst>
+              <a:ext uri="{FF2B5EF4-FFF2-40B4-BE49-F238E27FC236}">
+                <a16:creationId xmlns:a16="http://schemas.microsoft.com/office/drawing/2014/main" id="{27BBF687-D0B1-F84C-A61D-AEEE04B3B62C}"/>
+              </a:ext>
+            </a:extLst>
+          </p:cNvPr>
+          <p:cNvPicPr>
+            <a:picLocks noChangeAspect="1" noChangeArrowheads="1"/>
+          </p:cNvPicPr>
+          <p:nvPr/>
+        </p:nvPicPr>
+        <p:blipFill>
+          <a:blip r:embed="rId15">
+            <a:extLst>
+              <a:ext uri="{96DAC541-7B7A-43D3-8B79-37D633B846F1}">
+                <asvg:svgBlip xmlns:asvg="http://schemas.microsoft.com/office/drawing/2016/SVG/main" r:embed="rId16"/>
+              </a:ext>
+            </a:extLst>
+          </a:blip>
+          <a:srcRect/>
+          <a:stretch/>
+        </p:blipFill>
+        <p:spPr bwMode="auto">
+          <a:xfrm flipH="1">
+            <a:off x="375257" y="1562214"/>
+            <a:ext cx="469900" cy="469900"/>
+          </a:xfrm>
+          <a:prstGeom prst="rect">
+            <a:avLst/>
+          </a:prstGeom>
+          <a:noFill/>
+          <a:ln>
+            <a:noFill/>
+          </a:ln>
+          <a:extLst>
+            <a:ext uri="{909E8E84-426E-40DD-AFC4-6F175D3DCCD1}">
+              <a14:hiddenFill xmlns:a14="http://schemas.microsoft.com/office/drawing/2010/main">
+                <a:solidFill>
+                  <a:srgbClr val="FFFFFF"/>
+                </a:solidFill>
+              </a14:hiddenFill>
+            </a:ext>
+            <a:ext uri="{91240B29-F687-4F45-9708-019B960494DF}">
+              <a14:hiddenLine xmlns:a14="http://schemas.microsoft.com/office/drawing/2010/main" w="9525">
+                <a:solidFill>
+                  <a:srgbClr val="000000"/>
+                </a:solidFill>
+                <a:miter lim="800000"/>
+                <a:headEnd/>
+                <a:tailEnd/>
+              </a14:hiddenLine>
+            </a:ext>
+          </a:extLst>
+        </p:spPr>
+      </p:pic>
+      <p:sp>
+        <p:nvSpPr>
+          <p:cNvPr id="101" name="TextBox 100">
+            <a:extLst>
+              <a:ext uri="{FF2B5EF4-FFF2-40B4-BE49-F238E27FC236}">
+                <a16:creationId xmlns:a16="http://schemas.microsoft.com/office/drawing/2014/main" id="{63F107EB-808A-9C41-996E-23B53E182C68}"/>
+              </a:ext>
+            </a:extLst>
+          </p:cNvPr>
+          <p:cNvSpPr txBox="1"/>
+          <p:nvPr/>
+        </p:nvSpPr>
+        <p:spPr>
+          <a:xfrm>
+            <a:off x="291565" y="3687210"/>
+            <a:ext cx="629334" cy="246217"/>
+          </a:xfrm>
+          <a:prstGeom prst="rect">
+            <a:avLst/>
+          </a:prstGeom>
+          <a:noFill/>
+          <a:ln w="12700" cap="flat">
+            <a:noFill/>
+            <a:miter lim="400000"/>
+          </a:ln>
+          <a:effectLst/>
+          <a:sp3d/>
+        </p:spPr>
+        <p:style>
+          <a:lnRef idx="0">
+            <a:scrgbClr r="0" g="0" b="0"/>
+          </a:lnRef>
+          <a:fillRef idx="0">
+            <a:scrgbClr r="0" g="0" b="0"/>
+          </a:fillRef>
+          <a:effectRef idx="0">
+            <a:scrgbClr r="0" g="0" b="0"/>
+          </a:effectRef>
+          <a:fontRef idx="none"/>
+        </p:style>
+        <p:txBody>
+          <a:bodyPr rot="0" spcFirstLastPara="1" vertOverflow="overflow" horzOverflow="overflow" vert="horz" wrap="none" lIns="45718" tIns="45718" rIns="45718" bIns="45718" numCol="1" spcCol="38100" rtlCol="0" anchor="t">
+            <a:spAutoFit/>
+          </a:bodyPr>
+          <a:lstStyle/>
+          <a:p>
+            <a:pPr marL="0" marR="0" indent="0" algn="ctr" defTabSz="914400" rtl="0" fontAlgn="auto" latinLnBrk="0" hangingPunct="0">
+              <a:lnSpc>
+                <a:spcPct val="100000"/>
+              </a:lnSpc>
+              <a:spcBef>
+                <a:spcPts val="0"/>
+              </a:spcBef>
+              <a:spcAft>
+                <a:spcPts val="0"/>
+              </a:spcAft>
+              <a:buClrTx/>
+              <a:buSzTx/>
+              <a:buFontTx/>
+              <a:buNone/>
+              <a:tabLst/>
+            </a:pPr>
+            <a:r>
+              <a:rPr kumimoji="0" lang="en-US" sz="1000" b="0" i="0" u="none" strike="noStrike" cap="none" spc="0" normalizeH="0" baseline="0" dirty="0">
+                <a:ln>
+                  <a:noFill/>
+                </a:ln>
+                <a:solidFill>
+                  <a:srgbClr val="232F3D"/>
+                </a:solidFill>
+                <a:effectLst/>
+                <a:uFillTx/>
+                <a:latin typeface="Calibri" panose="020F0502020204030204" pitchFamily="34" charset="0"/>
+                <a:cs typeface="Calibri" panose="020F0502020204030204" pitchFamily="34" charset="0"/>
+                <a:sym typeface="Calibri"/>
+              </a:rPr>
+              <a:t>Developer</a:t>
+            </a:r>
+          </a:p>
+        </p:txBody>
+      </p:sp>
+      <p:sp>
+        <p:nvSpPr>
+          <p:cNvPr id="102" name="TextBox 101">
+            <a:extLst>
+              <a:ext uri="{FF2B5EF4-FFF2-40B4-BE49-F238E27FC236}">
+                <a16:creationId xmlns:a16="http://schemas.microsoft.com/office/drawing/2014/main" id="{000472F1-338E-2646-B349-850704CAB204}"/>
+              </a:ext>
+            </a:extLst>
+          </p:cNvPr>
+          <p:cNvSpPr txBox="1"/>
+          <p:nvPr/>
+        </p:nvSpPr>
+        <p:spPr>
+          <a:xfrm>
+            <a:off x="114777" y="5501323"/>
+            <a:ext cx="901845" cy="246217"/>
+          </a:xfrm>
+          <a:prstGeom prst="rect">
+            <a:avLst/>
+          </a:prstGeom>
+          <a:noFill/>
+          <a:ln w="12700" cap="flat">
+            <a:noFill/>
+            <a:miter lim="400000"/>
+          </a:ln>
+          <a:effectLst/>
+          <a:sp3d/>
+        </p:spPr>
+        <p:style>
+          <a:lnRef idx="0">
+            <a:scrgbClr r="0" g="0" b="0"/>
+          </a:lnRef>
+          <a:fillRef idx="0">
+            <a:scrgbClr r="0" g="0" b="0"/>
+          </a:fillRef>
+          <a:effectRef idx="0">
+            <a:scrgbClr r="0" g="0" b="0"/>
+          </a:effectRef>
+          <a:fontRef idx="none"/>
+        </p:style>
+        <p:txBody>
+          <a:bodyPr rot="0" spcFirstLastPara="1" vertOverflow="overflow" horzOverflow="overflow" vert="horz" wrap="none" lIns="45718" tIns="45718" rIns="45718" bIns="45718" numCol="1" spcCol="38100" rtlCol="0" anchor="t">
+            <a:spAutoFit/>
+          </a:bodyPr>
+          <a:lstStyle/>
+          <a:p>
+            <a:pPr marL="0" marR="0" indent="0" algn="ctr" defTabSz="914400" rtl="0" fontAlgn="auto" latinLnBrk="0" hangingPunct="0">
+              <a:lnSpc>
+                <a:spcPct val="100000"/>
+              </a:lnSpc>
+              <a:spcBef>
+                <a:spcPts val="0"/>
+              </a:spcBef>
+              <a:spcAft>
+                <a:spcPts val="0"/>
+              </a:spcAft>
+              <a:buClrTx/>
+              <a:buSzTx/>
+              <a:buFontTx/>
+              <a:buNone/>
+              <a:tabLst/>
+            </a:pPr>
+            <a:r>
+              <a:rPr kumimoji="0" lang="en-US" sz="1000" b="0" i="0" u="none" strike="noStrike" cap="none" spc="0" normalizeH="0" baseline="0" dirty="0">
+                <a:ln>
+                  <a:noFill/>
+                </a:ln>
+                <a:solidFill>
+                  <a:srgbClr val="232F3D"/>
+                </a:solidFill>
+                <a:effectLst/>
+                <a:uFillTx/>
+                <a:latin typeface="Calibri" panose="020F0502020204030204" pitchFamily="34" charset="0"/>
+                <a:cs typeface="Calibri" panose="020F0502020204030204" pitchFamily="34" charset="0"/>
+                <a:sym typeface="Calibri"/>
+              </a:rPr>
+              <a:t>Developer/DBA</a:t>
+            </a:r>
+          </a:p>
+        </p:txBody>
+      </p:sp>
+      <p:sp>
+        <p:nvSpPr>
+          <p:cNvPr id="7" name="TextBox 6">
+            <a:extLst>
+              <a:ext uri="{FF2B5EF4-FFF2-40B4-BE49-F238E27FC236}">
+                <a16:creationId xmlns:a16="http://schemas.microsoft.com/office/drawing/2014/main" id="{A79EA311-DF7A-A14A-ACE0-4C4B87A6D0C2}"/>
+              </a:ext>
+            </a:extLst>
+          </p:cNvPr>
+          <p:cNvSpPr txBox="1"/>
+          <p:nvPr/>
+        </p:nvSpPr>
+        <p:spPr>
+          <a:xfrm>
+            <a:off x="454710" y="820702"/>
+            <a:ext cx="1042910" cy="307773"/>
+          </a:xfrm>
+          <a:prstGeom prst="rect">
+            <a:avLst/>
+          </a:prstGeom>
+          <a:noFill/>
+          <a:ln w="12700" cap="flat">
+            <a:noFill/>
+            <a:miter lim="400000"/>
+          </a:ln>
+          <a:effectLst/>
+          <a:sp3d/>
+        </p:spPr>
+        <p:style>
+          <a:lnRef idx="0">
+            <a:scrgbClr r="0" g="0" b="0"/>
+          </a:lnRef>
+          <a:fillRef idx="0">
+            <a:scrgbClr r="0" g="0" b="0"/>
+          </a:fillRef>
+          <a:effectRef idx="0">
+            <a:scrgbClr r="0" g="0" b="0"/>
+          </a:effectRef>
+          <a:fontRef idx="none"/>
+        </p:style>
+        <p:txBody>
+          <a:bodyPr rot="0" spcFirstLastPara="1" vertOverflow="overflow" horzOverflow="overflow" vert="horz" wrap="none" lIns="45718" tIns="45718" rIns="45718" bIns="45718" numCol="1" spcCol="38100" rtlCol="0" anchor="t">
+            <a:spAutoFit/>
+          </a:bodyPr>
+          <a:lstStyle/>
+          <a:p>
+            <a:pPr marL="0" marR="0" indent="0" algn="l" defTabSz="914400" rtl="0" fontAlgn="auto" latinLnBrk="0" hangingPunct="0">
+              <a:lnSpc>
+                <a:spcPct val="100000"/>
+              </a:lnSpc>
+              <a:spcBef>
+                <a:spcPts val="0"/>
+              </a:spcBef>
+              <a:spcAft>
+                <a:spcPts val="0"/>
+              </a:spcAft>
+              <a:buClrTx/>
+              <a:buSzTx/>
+              <a:buFontTx/>
+              <a:buNone/>
+              <a:tabLst/>
+            </a:pPr>
+            <a:r>
+              <a:rPr kumimoji="0" lang="en-US" sz="1400" b="0" i="0" u="sng" strike="noStrike" cap="none" spc="0" normalizeH="0" baseline="0" dirty="0">
+                <a:ln>
+                  <a:noFill/>
+                </a:ln>
+                <a:solidFill>
+                  <a:srgbClr val="232F3D"/>
+                </a:solidFill>
+                <a:effectLst/>
+                <a:uFillTx/>
+                <a:latin typeface="Calibri" panose="020F0502020204030204" pitchFamily="34" charset="0"/>
+                <a:cs typeface="Calibri" panose="020F0502020204030204" pitchFamily="34" charset="0"/>
+                <a:sym typeface="Calibri"/>
+              </a:rPr>
+              <a:t>Client Access</a:t>
+            </a:r>
+          </a:p>
+        </p:txBody>
+      </p:sp>
+      <p:pic>
+        <p:nvPicPr>
+          <p:cNvPr id="1026" name="Picture 2">
+            <a:extLst>
+              <a:ext uri="{FF2B5EF4-FFF2-40B4-BE49-F238E27FC236}">
+                <a16:creationId xmlns:a16="http://schemas.microsoft.com/office/drawing/2014/main" id="{E70404B9-0C61-C942-97E2-B9A45F3ACEE6}"/>
+              </a:ext>
+            </a:extLst>
+          </p:cNvPr>
+          <p:cNvPicPr>
+            <a:picLocks noChangeAspect="1" noChangeArrowheads="1"/>
+          </p:cNvPicPr>
+          <p:nvPr/>
+        </p:nvPicPr>
+        <p:blipFill>
+          <a:blip r:embed="rId17">
+            <a:extLst>
+              <a:ext uri="{28A0092B-C50C-407E-A947-70E740481C1C}">
+                <a14:useLocalDpi xmlns:a14="http://schemas.microsoft.com/office/drawing/2010/main" val="0"/>
+              </a:ext>
+            </a:extLst>
+          </a:blip>
+          <a:srcRect/>
+          <a:stretch>
+            <a:fillRect/>
+          </a:stretch>
+        </p:blipFill>
+        <p:spPr bwMode="auto">
+          <a:xfrm>
+            <a:off x="1248061" y="1500448"/>
+            <a:ext cx="398016" cy="398016"/>
+          </a:xfrm>
+          <a:prstGeom prst="rect">
+            <a:avLst/>
+          </a:prstGeom>
+          <a:noFill/>
+          <a:extLst>
+            <a:ext uri="{909E8E84-426E-40DD-AFC4-6F175D3DCCD1}">
+              <a14:hiddenFill xmlns:a14="http://schemas.microsoft.com/office/drawing/2010/main">
+                <a:solidFill>
+                  <a:srgbClr val="FFFFFF"/>
+                </a:solidFill>
+              </a14:hiddenFill>
+            </a:ext>
+          </a:extLst>
+        </p:spPr>
+      </p:pic>
+      <p:cxnSp>
+        <p:nvCxnSpPr>
+          <p:cNvPr id="106" name="Straight Arrow Connector 105">
+            <a:extLst>
+              <a:ext uri="{FF2B5EF4-FFF2-40B4-BE49-F238E27FC236}">
+                <a16:creationId xmlns:a16="http://schemas.microsoft.com/office/drawing/2014/main" id="{2741F194-BBD1-C44F-AE31-999C13F60258}"/>
+              </a:ext>
+            </a:extLst>
+          </p:cNvPr>
+          <p:cNvCxnSpPr>
+            <a:cxnSpLocks/>
+          </p:cNvCxnSpPr>
+          <p:nvPr/>
+        </p:nvCxnSpPr>
+        <p:spPr bwMode="auto">
+          <a:xfrm flipV="1">
+            <a:off x="1421790" y="3150202"/>
+            <a:ext cx="1268886" cy="1"/>
+          </a:xfrm>
+          <a:prstGeom prst="straightConnector1">
+            <a:avLst/>
+          </a:prstGeom>
+          <a:ln w="12700">
+            <a:solidFill>
+              <a:srgbClr val="545B64"/>
+            </a:solidFill>
+            <a:headEnd type="none" w="med" len="sm"/>
+            <a:tailEnd type="arrow" w="med" len="sm"/>
+          </a:ln>
+        </p:spPr>
+        <p:style>
+          <a:lnRef idx="1">
+            <a:schemeClr val="accent1"/>
+          </a:lnRef>
+          <a:fillRef idx="0">
+            <a:schemeClr val="accent1"/>
+          </a:fillRef>
+          <a:effectRef idx="0">
+            <a:schemeClr val="accent1"/>
+          </a:effectRef>
+          <a:fontRef idx="minor">
+            <a:schemeClr val="tx1"/>
+          </a:fontRef>
+        </p:style>
+      </p:cxnSp>
+      <p:cxnSp>
+        <p:nvCxnSpPr>
+          <p:cNvPr id="107" name="Straight Arrow Connector 106">
+            <a:extLst>
+              <a:ext uri="{FF2B5EF4-FFF2-40B4-BE49-F238E27FC236}">
+                <a16:creationId xmlns:a16="http://schemas.microsoft.com/office/drawing/2014/main" id="{86C9C147-E266-1A42-B7ED-F8C897238BB3}"/>
+              </a:ext>
+            </a:extLst>
+          </p:cNvPr>
+          <p:cNvCxnSpPr>
+            <a:cxnSpLocks/>
+          </p:cNvCxnSpPr>
+          <p:nvPr/>
+        </p:nvCxnSpPr>
+        <p:spPr bwMode="auto">
+          <a:xfrm>
+            <a:off x="1421790" y="2159720"/>
+            <a:ext cx="0" cy="993704"/>
+          </a:xfrm>
+          <a:prstGeom prst="straightConnector1">
+            <a:avLst/>
+          </a:prstGeom>
+          <a:ln w="12700">
+            <a:solidFill>
+              <a:srgbClr val="545B64"/>
+            </a:solidFill>
+            <a:headEnd type="none" w="med" len="sm"/>
+            <a:tailEnd type="none" w="med" len="sm"/>
+          </a:ln>
+        </p:spPr>
+        <p:style>
+          <a:lnRef idx="1">
+            <a:schemeClr val="accent1"/>
+          </a:lnRef>
+          <a:fillRef idx="0">
+            <a:schemeClr val="accent1"/>
+          </a:fillRef>
+          <a:effectRef idx="0">
+            <a:schemeClr val="accent1"/>
+          </a:effectRef>
+          <a:fontRef idx="minor">
+            <a:schemeClr val="tx1"/>
+          </a:fontRef>
+        </p:style>
+      </p:cxnSp>
+      <p:sp>
+        <p:nvSpPr>
+          <p:cNvPr id="108" name="TextBox 107">
+            <a:extLst>
+              <a:ext uri="{FF2B5EF4-FFF2-40B4-BE49-F238E27FC236}">
+                <a16:creationId xmlns:a16="http://schemas.microsoft.com/office/drawing/2014/main" id="{619F5A1D-EEDC-2045-8E58-E1C1CF66C79D}"/>
+              </a:ext>
+            </a:extLst>
+          </p:cNvPr>
+          <p:cNvSpPr txBox="1"/>
+          <p:nvPr/>
+        </p:nvSpPr>
+        <p:spPr>
+          <a:xfrm>
+            <a:off x="1755341" y="2695542"/>
+            <a:ext cx="616511" cy="461661"/>
+          </a:xfrm>
+          <a:prstGeom prst="rect">
+            <a:avLst/>
+          </a:prstGeom>
+          <a:noFill/>
+          <a:ln w="12700" cap="flat">
+            <a:noFill/>
+            <a:miter lim="400000"/>
+          </a:ln>
+          <a:effectLst/>
+          <a:sp3d/>
+        </p:spPr>
+        <p:style>
+          <a:lnRef idx="0">
+            <a:scrgbClr r="0" g="0" b="0"/>
+          </a:lnRef>
+          <a:fillRef idx="0">
+            <a:scrgbClr r="0" g="0" b="0"/>
+          </a:fillRef>
+          <a:effectRef idx="0">
+            <a:scrgbClr r="0" g="0" b="0"/>
+          </a:effectRef>
+          <a:fontRef idx="none"/>
+        </p:style>
+        <p:txBody>
+          <a:bodyPr rot="0" spcFirstLastPara="1" vertOverflow="overflow" horzOverflow="overflow" vert="horz" wrap="none" lIns="45718" tIns="45718" rIns="45718" bIns="45718" numCol="1" spcCol="38100" rtlCol="0" anchor="t">
+            <a:spAutoFit/>
+          </a:bodyPr>
+          <a:lstStyle/>
+          <a:p>
+            <a:pPr marL="0" marR="0" indent="0" algn="l" defTabSz="914400" rtl="0" fontAlgn="auto" latinLnBrk="0" hangingPunct="0">
+              <a:lnSpc>
+                <a:spcPct val="100000"/>
+              </a:lnSpc>
+              <a:spcBef>
+                <a:spcPts val="0"/>
+              </a:spcBef>
+              <a:spcAft>
+                <a:spcPts val="0"/>
+              </a:spcAft>
+              <a:buClrTx/>
+              <a:buSzTx/>
+              <a:buFontTx/>
+              <a:buNone/>
+              <a:tabLst/>
+            </a:pPr>
+            <a:r>
+              <a:rPr kumimoji="0" lang="en-US" sz="800" b="1" i="0" u="none" strike="noStrike" cap="none" spc="0" normalizeH="0" baseline="0" dirty="0">
+                <a:ln>
+                  <a:noFill/>
+                </a:ln>
+                <a:solidFill>
+                  <a:srgbClr val="232F3D"/>
+                </a:solidFill>
+                <a:effectLst/>
+                <a:uFillTx/>
+                <a:latin typeface="Calibri" panose="020F0502020204030204" pitchFamily="34" charset="0"/>
+                <a:cs typeface="Calibri" panose="020F0502020204030204" pitchFamily="34" charset="0"/>
+                <a:sym typeface="Calibri"/>
+              </a:rPr>
+              <a:t>BOLT</a:t>
+            </a:r>
+            <a:r>
+              <a:rPr kumimoji="0" lang="en-US" sz="800" b="0" i="0" u="none" strike="noStrike" cap="none" spc="0" normalizeH="0" baseline="0" dirty="0">
+                <a:ln>
+                  <a:noFill/>
+                </a:ln>
+                <a:solidFill>
+                  <a:srgbClr val="232F3D"/>
+                </a:solidFill>
+                <a:effectLst/>
+                <a:uFillTx/>
+                <a:latin typeface="Calibri" panose="020F0502020204030204" pitchFamily="34" charset="0"/>
+                <a:cs typeface="Calibri" panose="020F0502020204030204" pitchFamily="34" charset="0"/>
+                <a:sym typeface="Calibri"/>
+              </a:rPr>
+              <a:t>: 7687</a:t>
+            </a:r>
+            <a:br>
+              <a:rPr kumimoji="0" lang="en-US" sz="800" b="0" i="0" u="none" strike="noStrike" cap="none" spc="0" normalizeH="0" baseline="0" dirty="0">
+                <a:ln>
+                  <a:noFill/>
+                </a:ln>
+                <a:solidFill>
+                  <a:srgbClr val="232F3D"/>
+                </a:solidFill>
+                <a:effectLst/>
+                <a:uFillTx/>
+                <a:latin typeface="Calibri" panose="020F0502020204030204" pitchFamily="34" charset="0"/>
+                <a:cs typeface="Calibri" panose="020F0502020204030204" pitchFamily="34" charset="0"/>
+                <a:sym typeface="Calibri"/>
+              </a:rPr>
+            </a:br>
+            <a:r>
+              <a:rPr kumimoji="0" lang="en-US" sz="800" b="1" i="0" u="none" strike="noStrike" cap="none" spc="0" normalizeH="0" baseline="0" dirty="0">
+                <a:ln>
+                  <a:noFill/>
+                </a:ln>
+                <a:solidFill>
+                  <a:srgbClr val="232F3D"/>
+                </a:solidFill>
+                <a:effectLst/>
+                <a:uFillTx/>
+                <a:latin typeface="Calibri" panose="020F0502020204030204" pitchFamily="34" charset="0"/>
+                <a:cs typeface="Calibri" panose="020F0502020204030204" pitchFamily="34" charset="0"/>
+                <a:sym typeface="Calibri"/>
+              </a:rPr>
+              <a:t>HTTP</a:t>
+            </a:r>
+            <a:r>
+              <a:rPr kumimoji="0" lang="en-US" sz="800" b="0" i="0" u="none" strike="noStrike" cap="none" spc="0" normalizeH="0" baseline="0" dirty="0">
+                <a:ln>
+                  <a:noFill/>
+                </a:ln>
+                <a:solidFill>
+                  <a:srgbClr val="232F3D"/>
+                </a:solidFill>
+                <a:effectLst/>
+                <a:uFillTx/>
+                <a:latin typeface="Calibri" panose="020F0502020204030204" pitchFamily="34" charset="0"/>
+                <a:cs typeface="Calibri" panose="020F0502020204030204" pitchFamily="34" charset="0"/>
+                <a:sym typeface="Calibri"/>
+              </a:rPr>
+              <a:t>: 7474</a:t>
+            </a:r>
+            <a:br>
+              <a:rPr kumimoji="0" lang="en-US" sz="800" b="0" i="0" u="none" strike="noStrike" cap="none" spc="0" normalizeH="0" baseline="0" dirty="0">
+                <a:ln>
+                  <a:noFill/>
+                </a:ln>
+                <a:solidFill>
+                  <a:srgbClr val="232F3D"/>
+                </a:solidFill>
+                <a:effectLst/>
+                <a:uFillTx/>
+                <a:latin typeface="Calibri" panose="020F0502020204030204" pitchFamily="34" charset="0"/>
+                <a:cs typeface="Calibri" panose="020F0502020204030204" pitchFamily="34" charset="0"/>
+                <a:sym typeface="Calibri"/>
+              </a:rPr>
+            </a:br>
+            <a:r>
+              <a:rPr kumimoji="0" lang="en-US" sz="800" b="1" i="0" u="none" strike="noStrike" cap="none" spc="0" normalizeH="0" baseline="0" dirty="0">
+                <a:ln>
+                  <a:noFill/>
+                </a:ln>
+                <a:solidFill>
+                  <a:srgbClr val="232F3D"/>
+                </a:solidFill>
+                <a:effectLst/>
+                <a:uFillTx/>
+                <a:latin typeface="Calibri" panose="020F0502020204030204" pitchFamily="34" charset="0"/>
+                <a:cs typeface="Calibri" panose="020F0502020204030204" pitchFamily="34" charset="0"/>
+                <a:sym typeface="Calibri"/>
+              </a:rPr>
+              <a:t>HTTPS</a:t>
+            </a:r>
+            <a:r>
+              <a:rPr kumimoji="0" lang="en-US" sz="800" b="0" i="0" u="none" strike="noStrike" cap="none" spc="0" normalizeH="0" baseline="0" dirty="0">
+                <a:ln>
+                  <a:noFill/>
+                </a:ln>
+                <a:solidFill>
+                  <a:srgbClr val="232F3D"/>
+                </a:solidFill>
+                <a:effectLst/>
+                <a:uFillTx/>
+                <a:latin typeface="Calibri" panose="020F0502020204030204" pitchFamily="34" charset="0"/>
+                <a:cs typeface="Calibri" panose="020F0502020204030204" pitchFamily="34" charset="0"/>
+                <a:sym typeface="Calibri"/>
+              </a:rPr>
+              <a:t>: 7473</a:t>
+            </a:r>
+          </a:p>
+        </p:txBody>
+      </p:sp>
+      <p:cxnSp>
+        <p:nvCxnSpPr>
+          <p:cNvPr id="111" name="Straight Arrow Connector 110">
+            <a:extLst>
+              <a:ext uri="{FF2B5EF4-FFF2-40B4-BE49-F238E27FC236}">
+                <a16:creationId xmlns:a16="http://schemas.microsoft.com/office/drawing/2014/main" id="{1C48953E-CD81-144E-813D-99D3D333D79B}"/>
+              </a:ext>
+            </a:extLst>
+          </p:cNvPr>
+          <p:cNvCxnSpPr>
+            <a:cxnSpLocks/>
+          </p:cNvCxnSpPr>
+          <p:nvPr/>
+        </p:nvCxnSpPr>
+        <p:spPr bwMode="auto">
+          <a:xfrm flipV="1">
+            <a:off x="1762106" y="3429000"/>
+            <a:ext cx="893926" cy="3400"/>
+          </a:xfrm>
+          <a:prstGeom prst="straightConnector1">
+            <a:avLst/>
+          </a:prstGeom>
+          <a:ln w="12700">
+            <a:solidFill>
+              <a:srgbClr val="545B64"/>
+            </a:solidFill>
+            <a:headEnd type="none" w="med" len="sm"/>
+            <a:tailEnd type="arrow" w="med" len="sm"/>
+          </a:ln>
+        </p:spPr>
+        <p:style>
+          <a:lnRef idx="1">
+            <a:schemeClr val="accent1"/>
+          </a:lnRef>
+          <a:fillRef idx="0">
+            <a:schemeClr val="accent1"/>
+          </a:fillRef>
+          <a:effectRef idx="0">
+            <a:schemeClr val="accent1"/>
+          </a:effectRef>
+          <a:fontRef idx="minor">
+            <a:schemeClr val="tx1"/>
+          </a:fontRef>
+        </p:style>
+      </p:cxnSp>
+      <p:sp>
+        <p:nvSpPr>
+          <p:cNvPr id="112" name="Rectangle 111">
+            <a:extLst>
+              <a:ext uri="{FF2B5EF4-FFF2-40B4-BE49-F238E27FC236}">
+                <a16:creationId xmlns:a16="http://schemas.microsoft.com/office/drawing/2014/main" id="{6FB5A1D9-7197-4E40-A189-F719C56F2EC3}"/>
+              </a:ext>
+            </a:extLst>
+          </p:cNvPr>
+          <p:cNvSpPr/>
+          <p:nvPr/>
+        </p:nvSpPr>
+        <p:spPr>
+          <a:xfrm>
+            <a:off x="1086824" y="3207774"/>
+            <a:ext cx="720491" cy="748624"/>
+          </a:xfrm>
+          <a:prstGeom prst="rect">
+            <a:avLst/>
+          </a:prstGeom>
+          <a:solidFill>
+            <a:srgbClr val="5A6B86">
+              <a:alpha val="9804"/>
+            </a:srgbClr>
+          </a:solidFill>
+          <a:ln w="12700">
+            <a:noFill/>
+            <a:prstDash val="dash"/>
+          </a:ln>
+        </p:spPr>
+        <p:style>
+          <a:lnRef idx="2">
+            <a:schemeClr val="accent1">
+              <a:shade val="50000"/>
+            </a:schemeClr>
+          </a:lnRef>
+          <a:fillRef idx="1">
+            <a:schemeClr val="accent1"/>
+          </a:fillRef>
+          <a:effectRef idx="0">
+            <a:schemeClr val="accent1"/>
+          </a:effectRef>
+          <a:fontRef idx="minor">
+            <a:schemeClr val="lt1"/>
+          </a:fontRef>
+        </p:style>
+        <p:txBody>
+          <a:bodyPr tIns="91440" anchor="t"/>
+          <a:lstStyle/>
+          <a:p>
+            <a:pPr algn="ctr" eaLnBrk="1" fontAlgn="auto" hangingPunct="1">
+              <a:spcBef>
+                <a:spcPts val="0"/>
+              </a:spcBef>
+              <a:spcAft>
+                <a:spcPts val="0"/>
+              </a:spcAft>
+              <a:defRPr/>
+            </a:pPr>
+            <a:r>
+              <a:rPr lang="en-US" sz="900" dirty="0">
+                <a:solidFill>
+                  <a:schemeClr val="tx1"/>
+                </a:solidFill>
+                <a:latin typeface="Calibri" panose="020F0502020204030204" pitchFamily="34" charset="0"/>
+                <a:cs typeface="Calibri" panose="020F0502020204030204" pitchFamily="34" charset="0"/>
+              </a:rPr>
+              <a:t>DRIVERS</a:t>
+            </a:r>
+            <a:endParaRPr lang="en-US" sz="1050" dirty="0">
+              <a:solidFill>
+                <a:schemeClr val="tx1"/>
+              </a:solidFill>
+              <a:latin typeface="Calibri" panose="020F0502020204030204" pitchFamily="34" charset="0"/>
+              <a:cs typeface="Calibri" panose="020F0502020204030204" pitchFamily="34" charset="0"/>
+            </a:endParaRPr>
+          </a:p>
+        </p:txBody>
+      </p:sp>
+      <p:sp>
+        <p:nvSpPr>
+          <p:cNvPr id="110" name="TextBox 109">
+            <a:extLst>
+              <a:ext uri="{FF2B5EF4-FFF2-40B4-BE49-F238E27FC236}">
+                <a16:creationId xmlns:a16="http://schemas.microsoft.com/office/drawing/2014/main" id="{1D8E0377-DEBD-F045-BCE0-5E8CC9D3175A}"/>
+              </a:ext>
+            </a:extLst>
+          </p:cNvPr>
+          <p:cNvSpPr txBox="1"/>
+          <p:nvPr/>
+        </p:nvSpPr>
+        <p:spPr>
+          <a:xfrm>
+            <a:off x="1405226" y="4155052"/>
+            <a:ext cx="92394" cy="369328"/>
+          </a:xfrm>
+          <a:prstGeom prst="rect">
+            <a:avLst/>
+          </a:prstGeom>
+          <a:noFill/>
+          <a:ln w="12700" cap="flat">
+            <a:noFill/>
+            <a:miter lim="400000"/>
+          </a:ln>
+          <a:effectLst/>
+          <a:sp3d/>
+        </p:spPr>
+        <p:style>
+          <a:lnRef idx="0">
+            <a:scrgbClr r="0" g="0" b="0"/>
+          </a:lnRef>
+          <a:fillRef idx="0">
+            <a:scrgbClr r="0" g="0" b="0"/>
+          </a:fillRef>
+          <a:effectRef idx="0">
+            <a:scrgbClr r="0" g="0" b="0"/>
+          </a:effectRef>
+          <a:fontRef idx="none"/>
+        </p:style>
+        <p:txBody>
+          <a:bodyPr rot="0" spcFirstLastPara="1" vertOverflow="overflow" horzOverflow="overflow" vert="horz" wrap="none" lIns="45718" tIns="45718" rIns="45718" bIns="45718" numCol="1" spcCol="38100" rtlCol="0" anchor="t">
+            <a:spAutoFit/>
+          </a:bodyPr>
+          <a:lstStyle/>
+          <a:p>
+            <a:pPr marL="0" marR="0" indent="0" algn="l" defTabSz="914400" rtl="0" fontAlgn="auto" latinLnBrk="0" hangingPunct="0">
+              <a:lnSpc>
+                <a:spcPct val="100000"/>
+              </a:lnSpc>
+              <a:spcBef>
+                <a:spcPts val="0"/>
+              </a:spcBef>
+              <a:spcAft>
+                <a:spcPts val="0"/>
+              </a:spcAft>
+              <a:buClrTx/>
+              <a:buSzTx/>
+              <a:buFontTx/>
+              <a:buNone/>
+              <a:tabLst/>
+            </a:pPr>
+            <a:endParaRPr kumimoji="0" lang="en-US" sz="1800" b="0" i="0" u="none" strike="noStrike" cap="none" spc="0" normalizeH="0" baseline="0" dirty="0">
+              <a:ln>
+                <a:noFill/>
+              </a:ln>
+              <a:solidFill>
+                <a:srgbClr val="232F3D"/>
+              </a:solidFill>
+              <a:effectLst/>
+              <a:uFillTx/>
+              <a:latin typeface="Calibri" panose="020F0502020204030204" pitchFamily="34" charset="0"/>
+              <a:cs typeface="Calibri" panose="020F0502020204030204" pitchFamily="34" charset="0"/>
+              <a:sym typeface="Calibri"/>
+            </a:endParaRPr>
+          </a:p>
+        </p:txBody>
+      </p:sp>
+      <p:sp>
+        <p:nvSpPr>
+          <p:cNvPr id="113" name="TextBox 112">
+            <a:extLst>
+              <a:ext uri="{FF2B5EF4-FFF2-40B4-BE49-F238E27FC236}">
+                <a16:creationId xmlns:a16="http://schemas.microsoft.com/office/drawing/2014/main" id="{7C2171E8-B16B-A942-9D56-6730ECD6348F}"/>
+              </a:ext>
+            </a:extLst>
+          </p:cNvPr>
+          <p:cNvSpPr txBox="1"/>
+          <p:nvPr/>
+        </p:nvSpPr>
+        <p:spPr>
+          <a:xfrm>
+            <a:off x="1081474" y="3687210"/>
+            <a:ext cx="680632" cy="246217"/>
+          </a:xfrm>
+          <a:prstGeom prst="rect">
+            <a:avLst/>
+          </a:prstGeom>
+          <a:noFill/>
+          <a:ln w="3175" cap="flat">
+            <a:noFill/>
+            <a:miter lim="400000"/>
+          </a:ln>
+          <a:effectLst/>
+          <a:sp3d/>
+        </p:spPr>
+        <p:style>
+          <a:lnRef idx="0">
+            <a:scrgbClr r="0" g="0" b="0"/>
+          </a:lnRef>
+          <a:fillRef idx="0">
+            <a:scrgbClr r="0" g="0" b="0"/>
+          </a:fillRef>
+          <a:effectRef idx="0">
+            <a:scrgbClr r="0" g="0" b="0"/>
+          </a:effectRef>
+          <a:fontRef idx="none"/>
+        </p:style>
+        <p:txBody>
+          <a:bodyPr rot="0" spcFirstLastPara="1" vertOverflow="overflow" horzOverflow="overflow" vert="horz" wrap="none" lIns="45718" tIns="45718" rIns="45718" bIns="45718" numCol="1" spcCol="38100" rtlCol="0" anchor="t">
+            <a:spAutoFit/>
+          </a:bodyPr>
+          <a:lstStyle/>
+          <a:p>
+            <a:pPr marL="0" marR="0" indent="0" algn="l" defTabSz="914400" rtl="0" fontAlgn="auto" latinLnBrk="0" hangingPunct="0">
+              <a:lnSpc>
+                <a:spcPct val="100000"/>
+              </a:lnSpc>
+              <a:spcBef>
+                <a:spcPts val="0"/>
+              </a:spcBef>
+              <a:spcAft>
+                <a:spcPts val="0"/>
+              </a:spcAft>
+              <a:buClrTx/>
+              <a:buSzTx/>
+              <a:buFontTx/>
+              <a:buNone/>
+              <a:tabLst/>
+            </a:pPr>
+            <a:r>
+              <a:rPr kumimoji="0" lang="en-US" sz="1000" b="0" i="0" u="none" strike="noStrike" cap="none" spc="0" normalizeH="0" baseline="0" dirty="0">
+                <a:solidFill>
+                  <a:srgbClr val="232F3D"/>
+                </a:solidFill>
+                <a:effectLst/>
+                <a:uFillTx/>
+                <a:latin typeface="Calibri" panose="020F0502020204030204" pitchFamily="34" charset="0"/>
+                <a:cs typeface="Calibri" panose="020F0502020204030204" pitchFamily="34" charset="0"/>
+                <a:sym typeface="Calibri"/>
+              </a:rPr>
+              <a:t>Application</a:t>
+            </a:r>
+          </a:p>
+        </p:txBody>
+      </p:sp>
+      <p:sp>
+        <p:nvSpPr>
+          <p:cNvPr id="115" name="Rectangle 114">
+            <a:extLst>
+              <a:ext uri="{FF2B5EF4-FFF2-40B4-BE49-F238E27FC236}">
+                <a16:creationId xmlns:a16="http://schemas.microsoft.com/office/drawing/2014/main" id="{E725F479-B5D8-7148-9ED9-84C95B11FCC3}"/>
+              </a:ext>
+            </a:extLst>
+          </p:cNvPr>
+          <p:cNvSpPr/>
+          <p:nvPr/>
+        </p:nvSpPr>
+        <p:spPr>
+          <a:xfrm>
+            <a:off x="1059711" y="4934266"/>
+            <a:ext cx="774717" cy="813274"/>
+          </a:xfrm>
+          <a:prstGeom prst="rect">
+            <a:avLst/>
+          </a:prstGeom>
+          <a:solidFill>
+            <a:srgbClr val="5A6B86">
+              <a:alpha val="9804"/>
+            </a:srgbClr>
+          </a:solidFill>
+          <a:ln w="12700">
+            <a:noFill/>
+            <a:prstDash val="dash"/>
+          </a:ln>
+        </p:spPr>
+        <p:style>
+          <a:lnRef idx="2">
+            <a:schemeClr val="accent1">
+              <a:shade val="50000"/>
+            </a:schemeClr>
+          </a:lnRef>
+          <a:fillRef idx="1">
+            <a:schemeClr val="accent1"/>
+          </a:fillRef>
+          <a:effectRef idx="0">
+            <a:schemeClr val="accent1"/>
+          </a:effectRef>
+          <a:fontRef idx="minor">
+            <a:schemeClr val="lt1"/>
+          </a:fontRef>
+        </p:style>
+        <p:txBody>
+          <a:bodyPr tIns="91440" anchor="ctr"/>
+          <a:lstStyle/>
+          <a:p>
+            <a:pPr algn="ctr" eaLnBrk="1" fontAlgn="auto" hangingPunct="1">
+              <a:spcBef>
+                <a:spcPts val="0"/>
+              </a:spcBef>
+              <a:spcAft>
+                <a:spcPts val="0"/>
+              </a:spcAft>
+              <a:defRPr/>
+            </a:pPr>
+            <a:endParaRPr lang="en-US" sz="1050" dirty="0">
+              <a:solidFill>
+                <a:schemeClr val="tx1"/>
+              </a:solidFill>
+              <a:latin typeface="Calibri" panose="020F0502020204030204" pitchFamily="34" charset="0"/>
+              <a:cs typeface="Calibri" panose="020F0502020204030204" pitchFamily="34" charset="0"/>
+            </a:endParaRPr>
+          </a:p>
+        </p:txBody>
+      </p:sp>
+      <p:cxnSp>
+        <p:nvCxnSpPr>
+          <p:cNvPr id="120" name="Straight Arrow Connector 119">
+            <a:extLst>
+              <a:ext uri="{FF2B5EF4-FFF2-40B4-BE49-F238E27FC236}">
+                <a16:creationId xmlns:a16="http://schemas.microsoft.com/office/drawing/2014/main" id="{72C19C3B-8CCF-7944-B6CD-6C61BE98977A}"/>
+              </a:ext>
+            </a:extLst>
+          </p:cNvPr>
+          <p:cNvCxnSpPr>
+            <a:cxnSpLocks/>
+          </p:cNvCxnSpPr>
+          <p:nvPr/>
+        </p:nvCxnSpPr>
+        <p:spPr bwMode="auto">
+          <a:xfrm flipV="1">
+            <a:off x="2651556" y="3572850"/>
+            <a:ext cx="0" cy="754384"/>
+          </a:xfrm>
+          <a:prstGeom prst="straightConnector1">
+            <a:avLst/>
+          </a:prstGeom>
+          <a:ln w="12700">
+            <a:solidFill>
+              <a:srgbClr val="545B64"/>
+            </a:solidFill>
+            <a:headEnd type="none" w="med" len="sm"/>
+            <a:tailEnd type="arrow" w="med" len="sm"/>
+          </a:ln>
+        </p:spPr>
+        <p:style>
+          <a:lnRef idx="1">
+            <a:schemeClr val="accent1"/>
+          </a:lnRef>
+          <a:fillRef idx="0">
+            <a:schemeClr val="accent1"/>
+          </a:fillRef>
+          <a:effectRef idx="0">
+            <a:schemeClr val="accent1"/>
+          </a:effectRef>
+          <a:fontRef idx="minor">
+            <a:schemeClr val="tx1"/>
+          </a:fontRef>
+        </p:style>
+      </p:cxnSp>
+      <p:cxnSp>
+        <p:nvCxnSpPr>
+          <p:cNvPr id="121" name="Straight Arrow Connector 120">
+            <a:extLst>
+              <a:ext uri="{FF2B5EF4-FFF2-40B4-BE49-F238E27FC236}">
+                <a16:creationId xmlns:a16="http://schemas.microsoft.com/office/drawing/2014/main" id="{2E1E9C82-C0E8-8741-AE67-9A1591FA2432}"/>
+              </a:ext>
+            </a:extLst>
+          </p:cNvPr>
+          <p:cNvCxnSpPr>
+            <a:cxnSpLocks/>
+          </p:cNvCxnSpPr>
+          <p:nvPr/>
+        </p:nvCxnSpPr>
+        <p:spPr bwMode="auto">
+          <a:xfrm flipV="1">
+            <a:off x="1434847" y="4320340"/>
+            <a:ext cx="0" cy="613926"/>
+          </a:xfrm>
+          <a:prstGeom prst="straightConnector1">
+            <a:avLst/>
+          </a:prstGeom>
+          <a:ln w="12700">
+            <a:solidFill>
+              <a:srgbClr val="545B64"/>
+            </a:solidFill>
+            <a:headEnd type="none" w="med" len="sm"/>
+            <a:tailEnd type="none" w="med" len="sm"/>
+          </a:ln>
+        </p:spPr>
+        <p:style>
+          <a:lnRef idx="1">
+            <a:schemeClr val="accent1"/>
+          </a:lnRef>
+          <a:fillRef idx="0">
+            <a:schemeClr val="accent1"/>
+          </a:fillRef>
+          <a:effectRef idx="0">
+            <a:schemeClr val="accent1"/>
+          </a:effectRef>
+          <a:fontRef idx="minor">
+            <a:schemeClr val="tx1"/>
+          </a:fontRef>
+        </p:style>
+      </p:cxnSp>
+      <p:cxnSp>
+        <p:nvCxnSpPr>
+          <p:cNvPr id="136" name="Straight Arrow Connector 135">
+            <a:extLst>
+              <a:ext uri="{FF2B5EF4-FFF2-40B4-BE49-F238E27FC236}">
+                <a16:creationId xmlns:a16="http://schemas.microsoft.com/office/drawing/2014/main" id="{F3D295D1-A8F6-474A-BC83-494B0BA08651}"/>
+              </a:ext>
+            </a:extLst>
+          </p:cNvPr>
+          <p:cNvCxnSpPr>
+            <a:cxnSpLocks/>
+          </p:cNvCxnSpPr>
+          <p:nvPr/>
+        </p:nvCxnSpPr>
+        <p:spPr bwMode="auto">
+          <a:xfrm flipH="1">
+            <a:off x="1432934" y="4321244"/>
+            <a:ext cx="1222679" cy="0"/>
+          </a:xfrm>
+          <a:prstGeom prst="straightConnector1">
+            <a:avLst/>
+          </a:prstGeom>
+          <a:ln w="12700">
+            <a:solidFill>
+              <a:srgbClr val="545B64"/>
+            </a:solidFill>
+            <a:headEnd type="none" w="med" len="sm"/>
+            <a:tailEnd type="none" w="med" len="sm"/>
+          </a:ln>
+        </p:spPr>
+        <p:style>
+          <a:lnRef idx="1">
+            <a:schemeClr val="accent1"/>
+          </a:lnRef>
+          <a:fillRef idx="0">
+            <a:schemeClr val="accent1"/>
+          </a:fillRef>
+          <a:effectRef idx="0">
+            <a:schemeClr val="accent1"/>
+          </a:effectRef>
+          <a:fontRef idx="minor">
+            <a:schemeClr val="tx1"/>
+          </a:fontRef>
+        </p:style>
+      </p:cxnSp>
+      <p:pic>
+        <p:nvPicPr>
+          <p:cNvPr id="141" name="Graphic 24">
+            <a:extLst>
+              <a:ext uri="{FF2B5EF4-FFF2-40B4-BE49-F238E27FC236}">
+                <a16:creationId xmlns:a16="http://schemas.microsoft.com/office/drawing/2014/main" id="{C93BA4F6-82E5-924F-BBC4-5EEC112D85EB}"/>
+              </a:ext>
+            </a:extLst>
+          </p:cNvPr>
+          <p:cNvPicPr>
+            <a:picLocks noChangeAspect="1" noChangeArrowheads="1"/>
+          </p:cNvPicPr>
+          <p:nvPr/>
+        </p:nvPicPr>
+        <p:blipFill>
+          <a:blip r:embed="rId18">
+            <a:extLst>
+              <a:ext uri="{28A0092B-C50C-407E-A947-70E740481C1C}">
+                <a14:useLocalDpi xmlns:a14="http://schemas.microsoft.com/office/drawing/2010/main" val="0"/>
+              </a:ext>
+            </a:extLst>
+          </a:blip>
+          <a:srcRect/>
+          <a:stretch>
+            <a:fillRect/>
+          </a:stretch>
+        </p:blipFill>
+        <p:spPr bwMode="auto">
+          <a:xfrm>
+            <a:off x="1212119" y="4999678"/>
+            <a:ext cx="469900" cy="469900"/>
+          </a:xfrm>
+          <a:prstGeom prst="rect">
+            <a:avLst/>
+          </a:prstGeom>
+          <a:noFill/>
+          <a:ln>
+            <a:noFill/>
+          </a:ln>
+          <a:extLst>
+            <a:ext uri="{909E8E84-426E-40DD-AFC4-6F175D3DCCD1}">
+              <a14:hiddenFill xmlns:a14="http://schemas.microsoft.com/office/drawing/2010/main">
+                <a:solidFill>
+                  <a:srgbClr val="FFFFFF"/>
+                </a:solidFill>
+              </a14:hiddenFill>
+            </a:ext>
+            <a:ext uri="{91240B29-F687-4F45-9708-019B960494DF}">
+              <a14:hiddenLine xmlns:a14="http://schemas.microsoft.com/office/drawing/2010/main" w="9525">
+                <a:solidFill>
+                  <a:srgbClr val="000000"/>
+                </a:solidFill>
+                <a:miter lim="800000"/>
+                <a:headEnd/>
+                <a:tailEnd/>
+              </a14:hiddenLine>
+            </a:ext>
+          </a:extLst>
+        </p:spPr>
+      </p:pic>
+      <p:sp>
+        <p:nvSpPr>
+          <p:cNvPr id="142" name="TextBox 141">
+            <a:extLst>
+              <a:ext uri="{FF2B5EF4-FFF2-40B4-BE49-F238E27FC236}">
+                <a16:creationId xmlns:a16="http://schemas.microsoft.com/office/drawing/2014/main" id="{DCA82E29-80B6-1541-95D0-BDEF1E576404}"/>
+              </a:ext>
+            </a:extLst>
+          </p:cNvPr>
+          <p:cNvSpPr txBox="1"/>
+          <p:nvPr/>
+        </p:nvSpPr>
+        <p:spPr>
+          <a:xfrm>
+            <a:off x="1082647" y="5490919"/>
+            <a:ext cx="680631" cy="246217"/>
+          </a:xfrm>
+          <a:prstGeom prst="rect">
+            <a:avLst/>
+          </a:prstGeom>
+          <a:noFill/>
+          <a:ln w="9525" cap="flat">
+            <a:noFill/>
+            <a:miter lim="400000"/>
+          </a:ln>
+          <a:effectLst/>
+          <a:sp3d/>
+        </p:spPr>
+        <p:style>
+          <a:lnRef idx="0">
+            <a:scrgbClr r="0" g="0" b="0"/>
+          </a:lnRef>
+          <a:fillRef idx="0">
+            <a:scrgbClr r="0" g="0" b="0"/>
+          </a:fillRef>
+          <a:effectRef idx="0">
+            <a:scrgbClr r="0" g="0" b="0"/>
+          </a:effectRef>
+          <a:fontRef idx="none"/>
+        </p:style>
+        <p:txBody>
+          <a:bodyPr rot="0" spcFirstLastPara="1" vertOverflow="overflow" horzOverflow="overflow" vert="horz" wrap="square" lIns="45718" tIns="45718" rIns="45718" bIns="45718" numCol="1" spcCol="38100" rtlCol="0" anchor="t">
+            <a:spAutoFit/>
+          </a:bodyPr>
+          <a:lstStyle/>
+          <a:p>
+            <a:pPr marL="0" marR="0" indent="0" algn="ctr" defTabSz="914400" rtl="0" fontAlgn="auto" latinLnBrk="0" hangingPunct="0">
+              <a:lnSpc>
+                <a:spcPct val="100000"/>
+              </a:lnSpc>
+              <a:spcBef>
+                <a:spcPts val="0"/>
+              </a:spcBef>
+              <a:spcAft>
+                <a:spcPts val="0"/>
+              </a:spcAft>
+              <a:buClrTx/>
+              <a:buSzTx/>
+              <a:buFontTx/>
+              <a:buNone/>
+              <a:tabLst/>
+            </a:pPr>
+            <a:r>
+              <a:rPr kumimoji="0" lang="en-US" sz="1000" b="0" i="0" u="none" strike="noStrike" cap="none" spc="0" normalizeH="0" baseline="0" dirty="0">
+                <a:ln>
+                  <a:noFill/>
+                </a:ln>
+                <a:solidFill>
+                  <a:srgbClr val="232F3D"/>
+                </a:solidFill>
+                <a:effectLst/>
+                <a:uFillTx/>
+                <a:latin typeface="Calibri" panose="020F0502020204030204" pitchFamily="34" charset="0"/>
+                <a:cs typeface="Calibri" panose="020F0502020204030204" pitchFamily="34" charset="0"/>
+                <a:sym typeface="Calibri"/>
+              </a:rPr>
+              <a:t>Browser</a:t>
+            </a:r>
+          </a:p>
+        </p:txBody>
+      </p:sp>
+      <p:sp>
+        <p:nvSpPr>
+          <p:cNvPr id="148" name="TextBox 147">
+            <a:extLst>
+              <a:ext uri="{FF2B5EF4-FFF2-40B4-BE49-F238E27FC236}">
+                <a16:creationId xmlns:a16="http://schemas.microsoft.com/office/drawing/2014/main" id="{380359D6-FE24-294C-AC5A-C904BF1679DC}"/>
+              </a:ext>
+            </a:extLst>
+          </p:cNvPr>
+          <p:cNvSpPr txBox="1"/>
+          <p:nvPr/>
+        </p:nvSpPr>
+        <p:spPr>
+          <a:xfrm>
+            <a:off x="1755341" y="3434805"/>
+            <a:ext cx="616511" cy="461661"/>
+          </a:xfrm>
+          <a:prstGeom prst="rect">
+            <a:avLst/>
+          </a:prstGeom>
+          <a:noFill/>
+          <a:ln w="12700" cap="flat">
+            <a:noFill/>
+            <a:miter lim="400000"/>
+          </a:ln>
+          <a:effectLst/>
+          <a:sp3d/>
+        </p:spPr>
+        <p:style>
+          <a:lnRef idx="0">
+            <a:scrgbClr r="0" g="0" b="0"/>
+          </a:lnRef>
+          <a:fillRef idx="0">
+            <a:scrgbClr r="0" g="0" b="0"/>
+          </a:fillRef>
+          <a:effectRef idx="0">
+            <a:scrgbClr r="0" g="0" b="0"/>
+          </a:effectRef>
+          <a:fontRef idx="none"/>
+        </p:style>
+        <p:txBody>
+          <a:bodyPr rot="0" spcFirstLastPara="1" vertOverflow="overflow" horzOverflow="overflow" vert="horz" wrap="none" lIns="45718" tIns="45718" rIns="45718" bIns="45718" numCol="1" spcCol="38100" rtlCol="0" anchor="t">
+            <a:spAutoFit/>
+          </a:bodyPr>
+          <a:lstStyle/>
+          <a:p>
+            <a:pPr marL="0" marR="0" indent="0" algn="l" defTabSz="914400" rtl="0" fontAlgn="auto" latinLnBrk="0" hangingPunct="0">
+              <a:lnSpc>
+                <a:spcPct val="100000"/>
+              </a:lnSpc>
+              <a:spcBef>
+                <a:spcPts val="0"/>
+              </a:spcBef>
+              <a:spcAft>
+                <a:spcPts val="0"/>
+              </a:spcAft>
+              <a:buClrTx/>
+              <a:buSzTx/>
+              <a:buFontTx/>
+              <a:buNone/>
+              <a:tabLst/>
+            </a:pPr>
+            <a:r>
+              <a:rPr kumimoji="0" lang="en-US" sz="800" b="1" i="0" u="none" strike="noStrike" cap="none" spc="0" normalizeH="0" baseline="0" dirty="0">
+                <a:ln>
+                  <a:noFill/>
+                </a:ln>
+                <a:solidFill>
+                  <a:srgbClr val="232F3D"/>
+                </a:solidFill>
+                <a:effectLst/>
+                <a:uFillTx/>
+                <a:latin typeface="Calibri" panose="020F0502020204030204" pitchFamily="34" charset="0"/>
+                <a:cs typeface="Calibri" panose="020F0502020204030204" pitchFamily="34" charset="0"/>
+                <a:sym typeface="Calibri"/>
+              </a:rPr>
+              <a:t>BOLT</a:t>
+            </a:r>
+            <a:r>
+              <a:rPr kumimoji="0" lang="en-US" sz="800" b="0" i="0" u="none" strike="noStrike" cap="none" spc="0" normalizeH="0" baseline="0" dirty="0">
+                <a:ln>
+                  <a:noFill/>
+                </a:ln>
+                <a:solidFill>
+                  <a:srgbClr val="232F3D"/>
+                </a:solidFill>
+                <a:effectLst/>
+                <a:uFillTx/>
+                <a:latin typeface="Calibri" panose="020F0502020204030204" pitchFamily="34" charset="0"/>
+                <a:cs typeface="Calibri" panose="020F0502020204030204" pitchFamily="34" charset="0"/>
+                <a:sym typeface="Calibri"/>
+              </a:rPr>
+              <a:t>: 7687</a:t>
+            </a:r>
+            <a:br>
+              <a:rPr kumimoji="0" lang="en-US" sz="800" b="0" i="0" u="none" strike="noStrike" cap="none" spc="0" normalizeH="0" baseline="0" dirty="0">
+                <a:ln>
+                  <a:noFill/>
+                </a:ln>
+                <a:solidFill>
+                  <a:srgbClr val="232F3D"/>
+                </a:solidFill>
+                <a:effectLst/>
+                <a:uFillTx/>
+                <a:latin typeface="Calibri" panose="020F0502020204030204" pitchFamily="34" charset="0"/>
+                <a:cs typeface="Calibri" panose="020F0502020204030204" pitchFamily="34" charset="0"/>
+                <a:sym typeface="Calibri"/>
+              </a:rPr>
+            </a:br>
+            <a:r>
+              <a:rPr kumimoji="0" lang="en-US" sz="800" b="1" i="0" u="none" strike="noStrike" cap="none" spc="0" normalizeH="0" baseline="0" dirty="0">
+                <a:ln>
+                  <a:noFill/>
+                </a:ln>
+                <a:solidFill>
+                  <a:srgbClr val="232F3D"/>
+                </a:solidFill>
+                <a:effectLst/>
+                <a:uFillTx/>
+                <a:latin typeface="Calibri" panose="020F0502020204030204" pitchFamily="34" charset="0"/>
+                <a:cs typeface="Calibri" panose="020F0502020204030204" pitchFamily="34" charset="0"/>
+                <a:sym typeface="Calibri"/>
+              </a:rPr>
+              <a:t>HTTP</a:t>
+            </a:r>
+            <a:r>
+              <a:rPr kumimoji="0" lang="en-US" sz="800" b="0" i="0" u="none" strike="noStrike" cap="none" spc="0" normalizeH="0" baseline="0" dirty="0">
+                <a:ln>
+                  <a:noFill/>
+                </a:ln>
+                <a:solidFill>
+                  <a:srgbClr val="232F3D"/>
+                </a:solidFill>
+                <a:effectLst/>
+                <a:uFillTx/>
+                <a:latin typeface="Calibri" panose="020F0502020204030204" pitchFamily="34" charset="0"/>
+                <a:cs typeface="Calibri" panose="020F0502020204030204" pitchFamily="34" charset="0"/>
+                <a:sym typeface="Calibri"/>
+              </a:rPr>
+              <a:t>: 7474</a:t>
+            </a:r>
+            <a:br>
+              <a:rPr kumimoji="0" lang="en-US" sz="800" b="0" i="0" u="none" strike="noStrike" cap="none" spc="0" normalizeH="0" baseline="0" dirty="0">
+                <a:ln>
+                  <a:noFill/>
+                </a:ln>
+                <a:solidFill>
+                  <a:srgbClr val="232F3D"/>
+                </a:solidFill>
+                <a:effectLst/>
+                <a:uFillTx/>
+                <a:latin typeface="Calibri" panose="020F0502020204030204" pitchFamily="34" charset="0"/>
+                <a:cs typeface="Calibri" panose="020F0502020204030204" pitchFamily="34" charset="0"/>
+                <a:sym typeface="Calibri"/>
+              </a:rPr>
+            </a:br>
+            <a:r>
+              <a:rPr kumimoji="0" lang="en-US" sz="800" b="1" i="0" u="none" strike="noStrike" cap="none" spc="0" normalizeH="0" baseline="0" dirty="0">
+                <a:ln>
+                  <a:noFill/>
+                </a:ln>
+                <a:solidFill>
+                  <a:srgbClr val="232F3D"/>
+                </a:solidFill>
+                <a:effectLst/>
+                <a:uFillTx/>
+                <a:latin typeface="Calibri" panose="020F0502020204030204" pitchFamily="34" charset="0"/>
+                <a:cs typeface="Calibri" panose="020F0502020204030204" pitchFamily="34" charset="0"/>
+                <a:sym typeface="Calibri"/>
+              </a:rPr>
+              <a:t>HTTPS</a:t>
+            </a:r>
+            <a:r>
+              <a:rPr kumimoji="0" lang="en-US" sz="800" b="0" i="0" u="none" strike="noStrike" cap="none" spc="0" normalizeH="0" baseline="0" dirty="0">
+                <a:ln>
+                  <a:noFill/>
+                </a:ln>
+                <a:solidFill>
+                  <a:srgbClr val="232F3D"/>
+                </a:solidFill>
+                <a:effectLst/>
+                <a:uFillTx/>
+                <a:latin typeface="Calibri" panose="020F0502020204030204" pitchFamily="34" charset="0"/>
+                <a:cs typeface="Calibri" panose="020F0502020204030204" pitchFamily="34" charset="0"/>
+                <a:sym typeface="Calibri"/>
+              </a:rPr>
+              <a:t>: 7473</a:t>
+            </a:r>
+          </a:p>
+        </p:txBody>
+      </p:sp>
+      <p:sp>
+        <p:nvSpPr>
+          <p:cNvPr id="157" name="TextBox 156">
+            <a:extLst>
+              <a:ext uri="{FF2B5EF4-FFF2-40B4-BE49-F238E27FC236}">
+                <a16:creationId xmlns:a16="http://schemas.microsoft.com/office/drawing/2014/main" id="{E33F31C0-4A9B-A94A-A1DB-C3045670C34A}"/>
+              </a:ext>
+            </a:extLst>
+          </p:cNvPr>
+          <p:cNvSpPr txBox="1"/>
+          <p:nvPr/>
+        </p:nvSpPr>
+        <p:spPr>
+          <a:xfrm>
+            <a:off x="1754029" y="4311147"/>
+            <a:ext cx="568421" cy="215440"/>
+          </a:xfrm>
+          <a:prstGeom prst="rect">
+            <a:avLst/>
+          </a:prstGeom>
+          <a:noFill/>
+          <a:ln w="12700" cap="flat">
+            <a:noFill/>
+            <a:miter lim="400000"/>
+          </a:ln>
+          <a:effectLst/>
+          <a:sp3d/>
+        </p:spPr>
+        <p:style>
+          <a:lnRef idx="0">
+            <a:scrgbClr r="0" g="0" b="0"/>
+          </a:lnRef>
+          <a:fillRef idx="0">
+            <a:scrgbClr r="0" g="0" b="0"/>
+          </a:fillRef>
+          <a:effectRef idx="0">
+            <a:scrgbClr r="0" g="0" b="0"/>
+          </a:effectRef>
+          <a:fontRef idx="none"/>
+        </p:style>
+        <p:txBody>
+          <a:bodyPr rot="0" spcFirstLastPara="1" vertOverflow="overflow" horzOverflow="overflow" vert="horz" wrap="none" lIns="45718" tIns="45718" rIns="45718" bIns="45718" numCol="1" spcCol="38100" rtlCol="0" anchor="t">
+            <a:spAutoFit/>
+          </a:bodyPr>
+          <a:lstStyle/>
+          <a:p>
+            <a:pPr marL="0" marR="0" indent="0" algn="l" defTabSz="914400" rtl="0" fontAlgn="auto" latinLnBrk="0" hangingPunct="0">
+              <a:lnSpc>
+                <a:spcPct val="100000"/>
+              </a:lnSpc>
+              <a:spcBef>
+                <a:spcPts val="0"/>
+              </a:spcBef>
+              <a:spcAft>
+                <a:spcPts val="0"/>
+              </a:spcAft>
+              <a:buClrTx/>
+              <a:buSzTx/>
+              <a:buFontTx/>
+              <a:buNone/>
+              <a:tabLst/>
+            </a:pPr>
+            <a:r>
+              <a:rPr kumimoji="0" lang="en-US" sz="800" b="1" i="0" u="none" strike="noStrike" cap="none" spc="0" normalizeH="0" baseline="0" dirty="0">
+                <a:ln>
+                  <a:noFill/>
+                </a:ln>
+                <a:solidFill>
+                  <a:srgbClr val="232F3D"/>
+                </a:solidFill>
+                <a:effectLst/>
+                <a:uFillTx/>
+                <a:latin typeface="Calibri" panose="020F0502020204030204" pitchFamily="34" charset="0"/>
+                <a:cs typeface="Calibri" panose="020F0502020204030204" pitchFamily="34" charset="0"/>
+                <a:sym typeface="Calibri"/>
+              </a:rPr>
+              <a:t>BOLT</a:t>
+            </a:r>
+            <a:r>
+              <a:rPr kumimoji="0" lang="en-US" sz="800" b="0" i="0" u="none" strike="noStrike" cap="none" spc="0" normalizeH="0" baseline="0" dirty="0">
+                <a:ln>
+                  <a:noFill/>
+                </a:ln>
+                <a:solidFill>
+                  <a:srgbClr val="232F3D"/>
+                </a:solidFill>
+                <a:effectLst/>
+                <a:uFillTx/>
+                <a:latin typeface="Calibri" panose="020F0502020204030204" pitchFamily="34" charset="0"/>
+                <a:cs typeface="Calibri" panose="020F0502020204030204" pitchFamily="34" charset="0"/>
+                <a:sym typeface="Calibri"/>
+              </a:rPr>
+              <a:t>: 7687</a:t>
+            </a:r>
+          </a:p>
+        </p:txBody>
+      </p:sp>
+      <p:pic>
+        <p:nvPicPr>
+          <p:cNvPr id="170" name="Graphic 12">
+            <a:extLst>
+              <a:ext uri="{FF2B5EF4-FFF2-40B4-BE49-F238E27FC236}">
+                <a16:creationId xmlns:a16="http://schemas.microsoft.com/office/drawing/2014/main" id="{D31C3430-D275-B942-96AC-C2C410400B1B}"/>
+              </a:ext>
+            </a:extLst>
+          </p:cNvPr>
+          <p:cNvPicPr>
+            <a:picLocks noChangeAspect="1" noChangeArrowheads="1"/>
+          </p:cNvPicPr>
+          <p:nvPr/>
+        </p:nvPicPr>
+        <p:blipFill>
+          <a:blip r:embed="rId19">
+            <a:extLst>
+              <a:ext uri="{28A0092B-C50C-407E-A947-70E740481C1C}">
+                <a14:useLocalDpi xmlns:a14="http://schemas.microsoft.com/office/drawing/2010/main" val="0"/>
+              </a:ext>
+            </a:extLst>
+          </a:blip>
+          <a:srcRect/>
+          <a:stretch>
+            <a:fillRect/>
+          </a:stretch>
+        </p:blipFill>
+        <p:spPr bwMode="auto">
+          <a:xfrm>
+            <a:off x="2230531" y="3176321"/>
+            <a:ext cx="254898" cy="254898"/>
+          </a:xfrm>
+          <a:prstGeom prst="rect">
+            <a:avLst/>
+          </a:prstGeom>
+          <a:solidFill>
+            <a:srgbClr val="FFFFFF"/>
+          </a:solidFill>
+          <a:ln>
+            <a:noFill/>
+          </a:ln>
+        </p:spPr>
+      </p:pic>
+      <p:pic>
+        <p:nvPicPr>
+          <p:cNvPr id="172" name="Graphic 171">
+            <a:extLst>
+              <a:ext uri="{FF2B5EF4-FFF2-40B4-BE49-F238E27FC236}">
+                <a16:creationId xmlns:a16="http://schemas.microsoft.com/office/drawing/2014/main" id="{C7F06409-5E30-6C4F-8A7E-20721D1E6B42}"/>
+              </a:ext>
+            </a:extLst>
+          </p:cNvPr>
+          <p:cNvPicPr>
+            <a:picLocks noChangeAspect="1"/>
+          </p:cNvPicPr>
+          <p:nvPr/>
+        </p:nvPicPr>
+        <p:blipFill>
+          <a:blip r:embed="rId20">
+            <a:extLst>
+              <a:ext uri="{96DAC541-7B7A-43D3-8B79-37D633B846F1}">
+                <asvg:svgBlip xmlns:asvg="http://schemas.microsoft.com/office/drawing/2016/SVG/main" r:embed="rId21"/>
+              </a:ext>
+            </a:extLst>
+          </a:blip>
+          <a:srcRect/>
+          <a:stretch/>
+        </p:blipFill>
+        <p:spPr>
+          <a:xfrm>
+            <a:off x="2346036" y="322092"/>
+            <a:ext cx="381000" cy="381000"/>
+          </a:xfrm>
+          <a:prstGeom prst="rect">
+            <a:avLst/>
+          </a:prstGeom>
+        </p:spPr>
+      </p:pic>
+      <p:sp>
+        <p:nvSpPr>
+          <p:cNvPr id="173" name="TextBox 172">
+            <a:extLst>
+              <a:ext uri="{FF2B5EF4-FFF2-40B4-BE49-F238E27FC236}">
+                <a16:creationId xmlns:a16="http://schemas.microsoft.com/office/drawing/2014/main" id="{37938198-F87C-E548-B7AF-743EE0B8E0E3}"/>
+              </a:ext>
+            </a:extLst>
+          </p:cNvPr>
+          <p:cNvSpPr txBox="1"/>
+          <p:nvPr/>
+        </p:nvSpPr>
+        <p:spPr>
+          <a:xfrm>
+            <a:off x="7029247" y="5079518"/>
+            <a:ext cx="1276949" cy="276995"/>
+          </a:xfrm>
+          <a:prstGeom prst="rect">
+            <a:avLst/>
+          </a:prstGeom>
+          <a:noFill/>
+          <a:ln w="12700" cap="flat">
+            <a:noFill/>
+            <a:miter lim="400000"/>
+          </a:ln>
+          <a:effectLst/>
+          <a:sp3d/>
+        </p:spPr>
+        <p:style>
+          <a:lnRef idx="0">
+            <a:scrgbClr r="0" g="0" b="0"/>
+          </a:lnRef>
+          <a:fillRef idx="0">
+            <a:scrgbClr r="0" g="0" b="0"/>
+          </a:fillRef>
+          <a:effectRef idx="0">
+            <a:scrgbClr r="0" g="0" b="0"/>
+          </a:effectRef>
+          <a:fontRef idx="none"/>
+        </p:style>
+        <p:txBody>
+          <a:bodyPr rot="0" spcFirstLastPara="1" vertOverflow="overflow" horzOverflow="overflow" vert="horz" wrap="none" lIns="45718" tIns="45718" rIns="45718" bIns="45718" numCol="1" spcCol="38100" rtlCol="0" anchor="t">
+            <a:spAutoFit/>
+          </a:bodyPr>
+          <a:lstStyle/>
+          <a:p>
+            <a:pPr marL="0" marR="0" indent="0" algn="l" defTabSz="914400" rtl="0" fontAlgn="auto" latinLnBrk="0" hangingPunct="0">
+              <a:lnSpc>
+                <a:spcPct val="100000"/>
+              </a:lnSpc>
+              <a:spcBef>
+                <a:spcPts val="0"/>
+              </a:spcBef>
+              <a:spcAft>
+                <a:spcPts val="0"/>
+              </a:spcAft>
+              <a:buClrTx/>
+              <a:buSzTx/>
+              <a:buFontTx/>
+              <a:buNone/>
+              <a:tabLst/>
+            </a:pPr>
+            <a:r>
+              <a:rPr kumimoji="0" lang="en-US" sz="1200" b="0" i="0" u="none" strike="noStrike" cap="none" spc="0" normalizeH="0" baseline="0" dirty="0">
+                <a:ln>
+                  <a:noFill/>
+                </a:ln>
+                <a:solidFill>
+                  <a:srgbClr val="232F3D"/>
+                </a:solidFill>
+                <a:effectLst/>
+                <a:uFillTx/>
+                <a:latin typeface="Calibri" panose="020F0502020204030204" pitchFamily="34" charset="0"/>
+                <a:cs typeface="Calibri" panose="020F0502020204030204" pitchFamily="34" charset="0"/>
+                <a:sym typeface="Calibri"/>
+              </a:rPr>
+              <a:t>Neo4j Disk Storage</a:t>
+            </a:r>
+          </a:p>
+        </p:txBody>
+      </p:sp>
+      <p:sp>
+        <p:nvSpPr>
+          <p:cNvPr id="174" name="TextBox 173">
+            <a:extLst>
+              <a:ext uri="{FF2B5EF4-FFF2-40B4-BE49-F238E27FC236}">
+                <a16:creationId xmlns:a16="http://schemas.microsoft.com/office/drawing/2014/main" id="{4E1CF976-9669-8240-BFC8-358FE96313C9}"/>
+              </a:ext>
+            </a:extLst>
+          </p:cNvPr>
+          <p:cNvSpPr txBox="1"/>
+          <p:nvPr/>
+        </p:nvSpPr>
+        <p:spPr>
+          <a:xfrm>
+            <a:off x="9525176" y="5096130"/>
+            <a:ext cx="1276949" cy="276995"/>
+          </a:xfrm>
+          <a:prstGeom prst="rect">
+            <a:avLst/>
+          </a:prstGeom>
+          <a:noFill/>
+          <a:ln w="12700" cap="flat">
+            <a:noFill/>
+            <a:miter lim="400000"/>
+          </a:ln>
+          <a:effectLst/>
+          <a:sp3d/>
+        </p:spPr>
+        <p:style>
+          <a:lnRef idx="0">
+            <a:scrgbClr r="0" g="0" b="0"/>
+          </a:lnRef>
+          <a:fillRef idx="0">
+            <a:scrgbClr r="0" g="0" b="0"/>
+          </a:fillRef>
+          <a:effectRef idx="0">
+            <a:scrgbClr r="0" g="0" b="0"/>
+          </a:effectRef>
+          <a:fontRef idx="none"/>
+        </p:style>
+        <p:txBody>
+          <a:bodyPr rot="0" spcFirstLastPara="1" vertOverflow="overflow" horzOverflow="overflow" vert="horz" wrap="none" lIns="45718" tIns="45718" rIns="45718" bIns="45718" numCol="1" spcCol="38100" rtlCol="0" anchor="t">
+            <a:spAutoFit/>
+          </a:bodyPr>
+          <a:lstStyle/>
+          <a:p>
+            <a:pPr marL="0" marR="0" indent="0" algn="l" defTabSz="914400" rtl="0" fontAlgn="auto" latinLnBrk="0" hangingPunct="0">
+              <a:lnSpc>
+                <a:spcPct val="100000"/>
+              </a:lnSpc>
+              <a:spcBef>
+                <a:spcPts val="0"/>
+              </a:spcBef>
+              <a:spcAft>
+                <a:spcPts val="0"/>
+              </a:spcAft>
+              <a:buClrTx/>
+              <a:buSzTx/>
+              <a:buFontTx/>
+              <a:buNone/>
+              <a:tabLst/>
+            </a:pPr>
+            <a:r>
+              <a:rPr kumimoji="0" lang="en-US" sz="1200" b="0" i="0" u="none" strike="noStrike" cap="none" spc="0" normalizeH="0" baseline="0" dirty="0">
+                <a:ln>
+                  <a:noFill/>
+                </a:ln>
+                <a:solidFill>
+                  <a:srgbClr val="232F3D"/>
+                </a:solidFill>
+                <a:effectLst/>
+                <a:uFillTx/>
+                <a:latin typeface="Calibri" panose="020F0502020204030204" pitchFamily="34" charset="0"/>
+                <a:cs typeface="Calibri" panose="020F0502020204030204" pitchFamily="34" charset="0"/>
+                <a:sym typeface="Calibri"/>
+              </a:rPr>
+              <a:t>Neo4j Disk Storage</a:t>
+            </a:r>
+          </a:p>
+        </p:txBody>
+      </p:sp>
+    </p:spTree>
+    <p:extLst>
+      <p:ext uri="{BB962C8B-B14F-4D97-AF65-F5344CB8AC3E}">
+        <p14:creationId xmlns:p14="http://schemas.microsoft.com/office/powerpoint/2010/main" val="3380041932"/>
+      </p:ext>
+    </p:extLst>
+  </p:cSld>
+  <p:clrMapOvr>
+    <a:masterClrMapping/>
+  </p:clrMapOvr>
+  <p:transition spd="med"/>
 </p:sld>
 </file>
 
 <file path=ppt/theme/theme1.xml><?xml version="1.0" encoding="utf-8"?>
-<a:theme xmlns:a="http://schemas.openxmlformats.org/drawingml/2006/main" xmlns:r="http://schemas.openxmlformats.org/officeDocument/2006/relationships" name="2_Office Theme">
+<a:theme xmlns:a="http://schemas.openxmlformats.org/drawingml/2006/main" name="2_Office Theme">
   <a:themeElements>
     <a:clrScheme name="2_Office Theme">
       <a:dk1>
@@ -3227,7 +8152,7 @@
         <a:effectLst/>
         <a:sp3d/>
       </a:spPr>
-      <a:bodyPr rot="0" spcFirstLastPara="1" vertOverflow="overflow" horzOverflow="overflow" vert="horz" wrap="square" lIns="45718" tIns="45718" rIns="45718" bIns="45718" numCol="1" spcCol="38100" rtlCol="0" anchor="t" upright="0">
+      <a:bodyPr rot="0" spcFirstLastPara="1" vertOverflow="overflow" horzOverflow="overflow" vert="horz" wrap="square" lIns="45718" tIns="45718" rIns="45718" bIns="45718" numCol="1" spcCol="38100" rtlCol="0" anchor="t">
         <a:spAutoFit/>
       </a:bodyPr>
       <a:lstStyle>
@@ -3246,7 +8171,7 @@
           <a:buFontTx/>
           <a:buNone/>
           <a:tabLst/>
-          <a:defRPr b="0" baseline="0" cap="none" i="0" spc="0" strike="noStrike" sz="1800" u="none" kumimoji="0" normalizeH="0">
+          <a:defRPr kumimoji="0" sz="1800" b="0" i="0" u="none" strike="noStrike" cap="none" spc="0" normalizeH="0" baseline="0">
             <a:ln>
               <a:noFill/>
             </a:ln>
@@ -3276,7 +8201,7 @@
           <a:buFontTx/>
           <a:buNone/>
           <a:tabLst/>
-          <a:defRPr b="0" baseline="0" cap="none" i="0" spc="0" strike="noStrike" sz="1800" u="none" kumimoji="0" normalizeH="0">
+          <a:defRPr kumimoji="0" sz="1800" b="0" i="0" u="none" strike="noStrike" cap="none" spc="0" normalizeH="0" baseline="0">
             <a:ln>
               <a:noFill/>
             </a:ln>
@@ -3302,7 +8227,7 @@
           <a:buFontTx/>
           <a:buNone/>
           <a:tabLst/>
-          <a:defRPr b="0" baseline="0" cap="none" i="0" spc="0" strike="noStrike" sz="1800" u="none" kumimoji="0" normalizeH="0">
+          <a:defRPr kumimoji="0" sz="1800" b="0" i="0" u="none" strike="noStrike" cap="none" spc="0" normalizeH="0" baseline="0">
             <a:ln>
               <a:noFill/>
             </a:ln>
@@ -3328,7 +8253,7 @@
           <a:buFontTx/>
           <a:buNone/>
           <a:tabLst/>
-          <a:defRPr b="0" baseline="0" cap="none" i="0" spc="0" strike="noStrike" sz="1800" u="none" kumimoji="0" normalizeH="0">
+          <a:defRPr kumimoji="0" sz="1800" b="0" i="0" u="none" strike="noStrike" cap="none" spc="0" normalizeH="0" baseline="0">
             <a:ln>
               <a:noFill/>
             </a:ln>
@@ -3354,7 +8279,7 @@
           <a:buFontTx/>
           <a:buNone/>
           <a:tabLst/>
-          <a:defRPr b="0" baseline="0" cap="none" i="0" spc="0" strike="noStrike" sz="1800" u="none" kumimoji="0" normalizeH="0">
+          <a:defRPr kumimoji="0" sz="1800" b="0" i="0" u="none" strike="noStrike" cap="none" spc="0" normalizeH="0" baseline="0">
             <a:ln>
               <a:noFill/>
             </a:ln>
@@ -3380,7 +8305,7 @@
           <a:buFontTx/>
           <a:buNone/>
           <a:tabLst/>
-          <a:defRPr b="0" baseline="0" cap="none" i="0" spc="0" strike="noStrike" sz="1800" u="none" kumimoji="0" normalizeH="0">
+          <a:defRPr kumimoji="0" sz="1800" b="0" i="0" u="none" strike="noStrike" cap="none" spc="0" normalizeH="0" baseline="0">
             <a:ln>
               <a:noFill/>
             </a:ln>
@@ -3406,7 +8331,7 @@
           <a:buFontTx/>
           <a:buNone/>
           <a:tabLst/>
-          <a:defRPr b="0" baseline="0" cap="none" i="0" spc="0" strike="noStrike" sz="1800" u="none" kumimoji="0" normalizeH="0">
+          <a:defRPr kumimoji="0" sz="1800" b="0" i="0" u="none" strike="noStrike" cap="none" spc="0" normalizeH="0" baseline="0">
             <a:ln>
               <a:noFill/>
             </a:ln>
@@ -3432,7 +8357,7 @@
           <a:buFontTx/>
           <a:buNone/>
           <a:tabLst/>
-          <a:defRPr b="0" baseline="0" cap="none" i="0" spc="0" strike="noStrike" sz="1800" u="none" kumimoji="0" normalizeH="0">
+          <a:defRPr kumimoji="0" sz="1800" b="0" i="0" u="none" strike="noStrike" cap="none" spc="0" normalizeH="0" baseline="0">
             <a:ln>
               <a:noFill/>
             </a:ln>
@@ -3458,7 +8383,7 @@
           <a:buFontTx/>
           <a:buNone/>
           <a:tabLst/>
-          <a:defRPr b="0" baseline="0" cap="none" i="0" spc="0" strike="noStrike" sz="1800" u="none" kumimoji="0" normalizeH="0">
+          <a:defRPr kumimoji="0" sz="1800" b="0" i="0" u="none" strike="noStrike" cap="none" spc="0" normalizeH="0" baseline="0">
             <a:ln>
               <a:noFill/>
             </a:ln>
@@ -3484,7 +8409,7 @@
           <a:buFontTx/>
           <a:buNone/>
           <a:tabLst/>
-          <a:defRPr b="0" baseline="0" cap="none" i="0" spc="0" strike="noStrike" sz="1800" u="none" kumimoji="0" normalizeH="0">
+          <a:defRPr kumimoji="0" sz="1800" b="0" i="0" u="none" strike="noStrike" cap="none" spc="0" normalizeH="0" baseline="0">
             <a:ln>
               <a:noFill/>
             </a:ln>
@@ -3497,9 +8422,15 @@
         </a:lvl9pPr>
       </a:lstStyle>
       <a:style>
-        <a:lnRef idx="0"/>
-        <a:fillRef idx="0"/>
-        <a:effectRef idx="0"/>
+        <a:lnRef idx="0">
+          <a:scrgbClr r="0" g="0" b="0"/>
+        </a:lnRef>
+        <a:fillRef idx="0">
+          <a:scrgbClr r="0" g="0" b="0"/>
+        </a:fillRef>
+        <a:effectRef idx="0">
+          <a:scrgbClr r="0" g="0" b="0"/>
+        </a:effectRef>
         <a:fontRef idx="none"/>
       </a:style>
     </a:spDef>
@@ -3516,7 +8447,7 @@
         <a:effectLst/>
         <a:sp3d/>
       </a:spPr>
-      <a:bodyPr rot="0" spcFirstLastPara="1" vertOverflow="overflow" horzOverflow="overflow" vert="horz" wrap="square" lIns="91439" tIns="45719" rIns="91439" bIns="45719" numCol="1" spcCol="38100" rtlCol="0" anchor="t" upright="0">
+      <a:bodyPr rot="0" spcFirstLastPara="1" vertOverflow="overflow" horzOverflow="overflow" vert="horz" wrap="square" lIns="91439" tIns="45719" rIns="91439" bIns="45719" numCol="1" spcCol="38100" rtlCol="0" anchor="t">
         <a:noAutofit/>
       </a:bodyPr>
       <a:lstStyle>
@@ -3535,7 +8466,7 @@
           <a:buFontTx/>
           <a:buNone/>
           <a:tabLst/>
-          <a:defRPr b="0" baseline="0" cap="none" i="0" spc="0" strike="noStrike" sz="1800" u="none" kumimoji="0" normalizeH="0">
+          <a:defRPr kumimoji="0" sz="1800" b="0" i="0" u="none" strike="noStrike" cap="none" spc="0" normalizeH="0" baseline="0">
             <a:ln>
               <a:noFill/>
             </a:ln>
@@ -3561,7 +8492,7 @@
           <a:buFontTx/>
           <a:buNone/>
           <a:tabLst/>
-          <a:defRPr b="0" baseline="0" cap="none" i="0" spc="0" strike="noStrike" sz="1800" u="none" kumimoji="0" normalizeH="0">
+          <a:defRPr kumimoji="0" sz="1800" b="0" i="0" u="none" strike="noStrike" cap="none" spc="0" normalizeH="0" baseline="0">
             <a:ln>
               <a:noFill/>
             </a:ln>
@@ -3587,7 +8518,7 @@
           <a:buFontTx/>
           <a:buNone/>
           <a:tabLst/>
-          <a:defRPr b="0" baseline="0" cap="none" i="0" spc="0" strike="noStrike" sz="1800" u="none" kumimoji="0" normalizeH="0">
+          <a:defRPr kumimoji="0" sz="1800" b="0" i="0" u="none" strike="noStrike" cap="none" spc="0" normalizeH="0" baseline="0">
             <a:ln>
               <a:noFill/>
             </a:ln>
@@ -3613,7 +8544,7 @@
           <a:buFontTx/>
           <a:buNone/>
           <a:tabLst/>
-          <a:defRPr b="0" baseline="0" cap="none" i="0" spc="0" strike="noStrike" sz="1800" u="none" kumimoji="0" normalizeH="0">
+          <a:defRPr kumimoji="0" sz="1800" b="0" i="0" u="none" strike="noStrike" cap="none" spc="0" normalizeH="0" baseline="0">
             <a:ln>
               <a:noFill/>
             </a:ln>
@@ -3639,7 +8570,7 @@
           <a:buFontTx/>
           <a:buNone/>
           <a:tabLst/>
-          <a:defRPr b="0" baseline="0" cap="none" i="0" spc="0" strike="noStrike" sz="1800" u="none" kumimoji="0" normalizeH="0">
+          <a:defRPr kumimoji="0" sz="1800" b="0" i="0" u="none" strike="noStrike" cap="none" spc="0" normalizeH="0" baseline="0">
             <a:ln>
               <a:noFill/>
             </a:ln>
@@ -3665,7 +8596,7 @@
           <a:buFontTx/>
           <a:buNone/>
           <a:tabLst/>
-          <a:defRPr b="0" baseline="0" cap="none" i="0" spc="0" strike="noStrike" sz="1800" u="none" kumimoji="0" normalizeH="0">
+          <a:defRPr kumimoji="0" sz="1800" b="0" i="0" u="none" strike="noStrike" cap="none" spc="0" normalizeH="0" baseline="0">
             <a:ln>
               <a:noFill/>
             </a:ln>
@@ -3691,7 +8622,7 @@
           <a:buFontTx/>
           <a:buNone/>
           <a:tabLst/>
-          <a:defRPr b="0" baseline="0" cap="none" i="0" spc="0" strike="noStrike" sz="1800" u="none" kumimoji="0" normalizeH="0">
+          <a:defRPr kumimoji="0" sz="1800" b="0" i="0" u="none" strike="noStrike" cap="none" spc="0" normalizeH="0" baseline="0">
             <a:ln>
               <a:noFill/>
             </a:ln>
@@ -3717,7 +8648,7 @@
           <a:buFontTx/>
           <a:buNone/>
           <a:tabLst/>
-          <a:defRPr b="0" baseline="0" cap="none" i="0" spc="0" strike="noStrike" sz="1800" u="none" kumimoji="0" normalizeH="0">
+          <a:defRPr kumimoji="0" sz="1800" b="0" i="0" u="none" strike="noStrike" cap="none" spc="0" normalizeH="0" baseline="0">
             <a:ln>
               <a:noFill/>
             </a:ln>
@@ -3743,7 +8674,7 @@
           <a:buFontTx/>
           <a:buNone/>
           <a:tabLst/>
-          <a:defRPr b="0" baseline="0" cap="none" i="0" spc="0" strike="noStrike" sz="1800" u="none" kumimoji="0" normalizeH="0">
+          <a:defRPr kumimoji="0" sz="1800" b="0" i="0" u="none" strike="noStrike" cap="none" spc="0" normalizeH="0" baseline="0">
             <a:ln>
               <a:noFill/>
             </a:ln>
@@ -3769,7 +8700,7 @@
           <a:buFontTx/>
           <a:buNone/>
           <a:tabLst/>
-          <a:defRPr b="0" baseline="0" cap="none" i="0" spc="0" strike="noStrike" sz="1800" u="none" kumimoji="0" normalizeH="0">
+          <a:defRPr kumimoji="0" sz="1800" b="0" i="0" u="none" strike="noStrike" cap="none" spc="0" normalizeH="0" baseline="0">
             <a:ln>
               <a:noFill/>
             </a:ln>
@@ -3782,9 +8713,15 @@
         </a:lvl9pPr>
       </a:lstStyle>
       <a:style>
-        <a:lnRef idx="0"/>
-        <a:fillRef idx="0"/>
-        <a:effectRef idx="0"/>
+        <a:lnRef idx="0">
+          <a:scrgbClr r="0" g="0" b="0"/>
+        </a:lnRef>
+        <a:fillRef idx="0">
+          <a:scrgbClr r="0" g="0" b="0"/>
+        </a:fillRef>
+        <a:effectRef idx="0">
+          <a:scrgbClr r="0" g="0" b="0"/>
+        </a:effectRef>
         <a:fontRef idx="none"/>
       </a:style>
     </a:lnDef>
@@ -3798,7 +8735,7 @@
         <a:effectLst/>
         <a:sp3d/>
       </a:spPr>
-      <a:bodyPr rot="0" spcFirstLastPara="1" vertOverflow="overflow" horzOverflow="overflow" vert="horz" wrap="square" lIns="45718" tIns="45718" rIns="45718" bIns="45718" numCol="1" spcCol="38100" rtlCol="0" anchor="t" upright="0">
+      <a:bodyPr rot="0" spcFirstLastPara="1" vertOverflow="overflow" horzOverflow="overflow" vert="horz" wrap="square" lIns="45718" tIns="45718" rIns="45718" bIns="45718" numCol="1" spcCol="38100" rtlCol="0" anchor="t">
         <a:spAutoFit/>
       </a:bodyPr>
       <a:lstStyle>
@@ -3817,7 +8754,7 @@
           <a:buFontTx/>
           <a:buNone/>
           <a:tabLst/>
-          <a:defRPr b="0" baseline="0" cap="none" i="0" spc="0" strike="noStrike" sz="1800" u="none" kumimoji="0" normalizeH="0">
+          <a:defRPr kumimoji="0" sz="1800" b="0" i="0" u="none" strike="noStrike" cap="none" spc="0" normalizeH="0" baseline="0">
             <a:ln>
               <a:noFill/>
             </a:ln>
@@ -3847,7 +8784,7 @@
           <a:buFontTx/>
           <a:buNone/>
           <a:tabLst/>
-          <a:defRPr b="0" baseline="0" cap="none" i="0" spc="0" strike="noStrike" sz="1800" u="none" kumimoji="0" normalizeH="0">
+          <a:defRPr kumimoji="0" sz="1800" b="0" i="0" u="none" strike="noStrike" cap="none" spc="0" normalizeH="0" baseline="0">
             <a:ln>
               <a:noFill/>
             </a:ln>
@@ -3873,7 +8810,7 @@
           <a:buFontTx/>
           <a:buNone/>
           <a:tabLst/>
-          <a:defRPr b="0" baseline="0" cap="none" i="0" spc="0" strike="noStrike" sz="1800" u="none" kumimoji="0" normalizeH="0">
+          <a:defRPr kumimoji="0" sz="1800" b="0" i="0" u="none" strike="noStrike" cap="none" spc="0" normalizeH="0" baseline="0">
             <a:ln>
               <a:noFill/>
             </a:ln>
@@ -3899,7 +8836,7 @@
           <a:buFontTx/>
           <a:buNone/>
           <a:tabLst/>
-          <a:defRPr b="0" baseline="0" cap="none" i="0" spc="0" strike="noStrike" sz="1800" u="none" kumimoji="0" normalizeH="0">
+          <a:defRPr kumimoji="0" sz="1800" b="0" i="0" u="none" strike="noStrike" cap="none" spc="0" normalizeH="0" baseline="0">
             <a:ln>
               <a:noFill/>
             </a:ln>
@@ -3925,7 +8862,7 @@
           <a:buFontTx/>
           <a:buNone/>
           <a:tabLst/>
-          <a:defRPr b="0" baseline="0" cap="none" i="0" spc="0" strike="noStrike" sz="1800" u="none" kumimoji="0" normalizeH="0">
+          <a:defRPr kumimoji="0" sz="1800" b="0" i="0" u="none" strike="noStrike" cap="none" spc="0" normalizeH="0" baseline="0">
             <a:ln>
               <a:noFill/>
             </a:ln>
@@ -3951,7 +8888,7 @@
           <a:buFontTx/>
           <a:buNone/>
           <a:tabLst/>
-          <a:defRPr b="0" baseline="0" cap="none" i="0" spc="0" strike="noStrike" sz="1800" u="none" kumimoji="0" normalizeH="0">
+          <a:defRPr kumimoji="0" sz="1800" b="0" i="0" u="none" strike="noStrike" cap="none" spc="0" normalizeH="0" baseline="0">
             <a:ln>
               <a:noFill/>
             </a:ln>
@@ -3977,7 +8914,7 @@
           <a:buFontTx/>
           <a:buNone/>
           <a:tabLst/>
-          <a:defRPr b="0" baseline="0" cap="none" i="0" spc="0" strike="noStrike" sz="1800" u="none" kumimoji="0" normalizeH="0">
+          <a:defRPr kumimoji="0" sz="1800" b="0" i="0" u="none" strike="noStrike" cap="none" spc="0" normalizeH="0" baseline="0">
             <a:ln>
               <a:noFill/>
             </a:ln>
@@ -4003,7 +8940,7 @@
           <a:buFontTx/>
           <a:buNone/>
           <a:tabLst/>
-          <a:defRPr b="0" baseline="0" cap="none" i="0" spc="0" strike="noStrike" sz="1800" u="none" kumimoji="0" normalizeH="0">
+          <a:defRPr kumimoji="0" sz="1800" b="0" i="0" u="none" strike="noStrike" cap="none" spc="0" normalizeH="0" baseline="0">
             <a:ln>
               <a:noFill/>
             </a:ln>
@@ -4029,7 +8966,7 @@
           <a:buFontTx/>
           <a:buNone/>
           <a:tabLst/>
-          <a:defRPr b="0" baseline="0" cap="none" i="0" spc="0" strike="noStrike" sz="1800" u="none" kumimoji="0" normalizeH="0">
+          <a:defRPr kumimoji="0" sz="1800" b="0" i="0" u="none" strike="noStrike" cap="none" spc="0" normalizeH="0" baseline="0">
             <a:ln>
               <a:noFill/>
             </a:ln>
@@ -4055,7 +8992,7 @@
           <a:buFontTx/>
           <a:buNone/>
           <a:tabLst/>
-          <a:defRPr b="0" baseline="0" cap="none" i="0" spc="0" strike="noStrike" sz="1800" u="none" kumimoji="0" normalizeH="0">
+          <a:defRPr kumimoji="0" sz="1800" b="0" i="0" u="none" strike="noStrike" cap="none" spc="0" normalizeH="0" baseline="0">
             <a:ln>
               <a:noFill/>
             </a:ln>
@@ -4068,18 +9005,25 @@
         </a:lvl9pPr>
       </a:lstStyle>
       <a:style>
-        <a:lnRef idx="0"/>
-        <a:fillRef idx="0"/>
-        <a:effectRef idx="0"/>
+        <a:lnRef idx="0">
+          <a:scrgbClr r="0" g="0" b="0"/>
+        </a:lnRef>
+        <a:fillRef idx="0">
+          <a:scrgbClr r="0" g="0" b="0"/>
+        </a:fillRef>
+        <a:effectRef idx="0">
+          <a:scrgbClr r="0" g="0" b="0"/>
+        </a:effectRef>
         <a:fontRef idx="none"/>
       </a:style>
     </a:txDef>
   </a:objectDefaults>
+  <a:extraClrSchemeLst/>
 </a:theme>
 </file>
 
 <file path=ppt/theme/theme2.xml><?xml version="1.0" encoding="utf-8"?>
-<a:theme xmlns:a="http://schemas.openxmlformats.org/drawingml/2006/main" xmlns:r="http://schemas.openxmlformats.org/officeDocument/2006/relationships" name="2_Office Theme">
+<a:theme xmlns:a="http://schemas.openxmlformats.org/drawingml/2006/main" name="2_Office Theme">
   <a:themeElements>
     <a:clrScheme name="2_Office Theme">
       <a:dk1>
@@ -4281,7 +9225,7 @@
         <a:effectLst/>
         <a:sp3d/>
       </a:spPr>
-      <a:bodyPr rot="0" spcFirstLastPara="1" vertOverflow="overflow" horzOverflow="overflow" vert="horz" wrap="square" lIns="45718" tIns="45718" rIns="45718" bIns="45718" numCol="1" spcCol="38100" rtlCol="0" anchor="t" upright="0">
+      <a:bodyPr rot="0" spcFirstLastPara="1" vertOverflow="overflow" horzOverflow="overflow" vert="horz" wrap="square" lIns="45718" tIns="45718" rIns="45718" bIns="45718" numCol="1" spcCol="38100" rtlCol="0" anchor="t">
         <a:spAutoFit/>
       </a:bodyPr>
       <a:lstStyle>
@@ -4300,7 +9244,7 @@
           <a:buFontTx/>
           <a:buNone/>
           <a:tabLst/>
-          <a:defRPr b="0" baseline="0" cap="none" i="0" spc="0" strike="noStrike" sz="1800" u="none" kumimoji="0" normalizeH="0">
+          <a:defRPr kumimoji="0" sz="1800" b="0" i="0" u="none" strike="noStrike" cap="none" spc="0" normalizeH="0" baseline="0">
             <a:ln>
               <a:noFill/>
             </a:ln>
@@ -4330,7 +9274,7 @@
           <a:buFontTx/>
           <a:buNone/>
           <a:tabLst/>
-          <a:defRPr b="0" baseline="0" cap="none" i="0" spc="0" strike="noStrike" sz="1800" u="none" kumimoji="0" normalizeH="0">
+          <a:defRPr kumimoji="0" sz="1800" b="0" i="0" u="none" strike="noStrike" cap="none" spc="0" normalizeH="0" baseline="0">
             <a:ln>
               <a:noFill/>
             </a:ln>
@@ -4356,7 +9300,7 @@
           <a:buFontTx/>
           <a:buNone/>
           <a:tabLst/>
-          <a:defRPr b="0" baseline="0" cap="none" i="0" spc="0" strike="noStrike" sz="1800" u="none" kumimoji="0" normalizeH="0">
+          <a:defRPr kumimoji="0" sz="1800" b="0" i="0" u="none" strike="noStrike" cap="none" spc="0" normalizeH="0" baseline="0">
             <a:ln>
               <a:noFill/>
             </a:ln>
@@ -4382,7 +9326,7 @@
           <a:buFontTx/>
           <a:buNone/>
           <a:tabLst/>
-          <a:defRPr b="0" baseline="0" cap="none" i="0" spc="0" strike="noStrike" sz="1800" u="none" kumimoji="0" normalizeH="0">
+          <a:defRPr kumimoji="0" sz="1800" b="0" i="0" u="none" strike="noStrike" cap="none" spc="0" normalizeH="0" baseline="0">
             <a:ln>
               <a:noFill/>
             </a:ln>
@@ -4408,7 +9352,7 @@
           <a:buFontTx/>
           <a:buNone/>
           <a:tabLst/>
-          <a:defRPr b="0" baseline="0" cap="none" i="0" spc="0" strike="noStrike" sz="1800" u="none" kumimoji="0" normalizeH="0">
+          <a:defRPr kumimoji="0" sz="1800" b="0" i="0" u="none" strike="noStrike" cap="none" spc="0" normalizeH="0" baseline="0">
             <a:ln>
               <a:noFill/>
             </a:ln>
@@ -4434,7 +9378,7 @@
           <a:buFontTx/>
           <a:buNone/>
           <a:tabLst/>
-          <a:defRPr b="0" baseline="0" cap="none" i="0" spc="0" strike="noStrike" sz="1800" u="none" kumimoji="0" normalizeH="0">
+          <a:defRPr kumimoji="0" sz="1800" b="0" i="0" u="none" strike="noStrike" cap="none" spc="0" normalizeH="0" baseline="0">
             <a:ln>
               <a:noFill/>
             </a:ln>
@@ -4460,7 +9404,7 @@
           <a:buFontTx/>
           <a:buNone/>
           <a:tabLst/>
-          <a:defRPr b="0" baseline="0" cap="none" i="0" spc="0" strike="noStrike" sz="1800" u="none" kumimoji="0" normalizeH="0">
+          <a:defRPr kumimoji="0" sz="1800" b="0" i="0" u="none" strike="noStrike" cap="none" spc="0" normalizeH="0" baseline="0">
             <a:ln>
               <a:noFill/>
             </a:ln>
@@ -4486,7 +9430,7 @@
           <a:buFontTx/>
           <a:buNone/>
           <a:tabLst/>
-          <a:defRPr b="0" baseline="0" cap="none" i="0" spc="0" strike="noStrike" sz="1800" u="none" kumimoji="0" normalizeH="0">
+          <a:defRPr kumimoji="0" sz="1800" b="0" i="0" u="none" strike="noStrike" cap="none" spc="0" normalizeH="0" baseline="0">
             <a:ln>
               <a:noFill/>
             </a:ln>
@@ -4512,7 +9456,7 @@
           <a:buFontTx/>
           <a:buNone/>
           <a:tabLst/>
-          <a:defRPr b="0" baseline="0" cap="none" i="0" spc="0" strike="noStrike" sz="1800" u="none" kumimoji="0" normalizeH="0">
+          <a:defRPr kumimoji="0" sz="1800" b="0" i="0" u="none" strike="noStrike" cap="none" spc="0" normalizeH="0" baseline="0">
             <a:ln>
               <a:noFill/>
             </a:ln>
@@ -4538,7 +9482,7 @@
           <a:buFontTx/>
           <a:buNone/>
           <a:tabLst/>
-          <a:defRPr b="0" baseline="0" cap="none" i="0" spc="0" strike="noStrike" sz="1800" u="none" kumimoji="0" normalizeH="0">
+          <a:defRPr kumimoji="0" sz="1800" b="0" i="0" u="none" strike="noStrike" cap="none" spc="0" normalizeH="0" baseline="0">
             <a:ln>
               <a:noFill/>
             </a:ln>
@@ -4551,9 +9495,15 @@
         </a:lvl9pPr>
       </a:lstStyle>
       <a:style>
-        <a:lnRef idx="0"/>
-        <a:fillRef idx="0"/>
-        <a:effectRef idx="0"/>
+        <a:lnRef idx="0">
+          <a:scrgbClr r="0" g="0" b="0"/>
+        </a:lnRef>
+        <a:fillRef idx="0">
+          <a:scrgbClr r="0" g="0" b="0"/>
+        </a:fillRef>
+        <a:effectRef idx="0">
+          <a:scrgbClr r="0" g="0" b="0"/>
+        </a:effectRef>
         <a:fontRef idx="none"/>
       </a:style>
     </a:spDef>
@@ -4570,7 +9520,7 @@
         <a:effectLst/>
         <a:sp3d/>
       </a:spPr>
-      <a:bodyPr rot="0" spcFirstLastPara="1" vertOverflow="overflow" horzOverflow="overflow" vert="horz" wrap="square" lIns="91439" tIns="45719" rIns="91439" bIns="45719" numCol="1" spcCol="38100" rtlCol="0" anchor="t" upright="0">
+      <a:bodyPr rot="0" spcFirstLastPara="1" vertOverflow="overflow" horzOverflow="overflow" vert="horz" wrap="square" lIns="91439" tIns="45719" rIns="91439" bIns="45719" numCol="1" spcCol="38100" rtlCol="0" anchor="t">
         <a:noAutofit/>
       </a:bodyPr>
       <a:lstStyle>
@@ -4589,7 +9539,7 @@
           <a:buFontTx/>
           <a:buNone/>
           <a:tabLst/>
-          <a:defRPr b="0" baseline="0" cap="none" i="0" spc="0" strike="noStrike" sz="1800" u="none" kumimoji="0" normalizeH="0">
+          <a:defRPr kumimoji="0" sz="1800" b="0" i="0" u="none" strike="noStrike" cap="none" spc="0" normalizeH="0" baseline="0">
             <a:ln>
               <a:noFill/>
             </a:ln>
@@ -4615,7 +9565,7 @@
           <a:buFontTx/>
           <a:buNone/>
           <a:tabLst/>
-          <a:defRPr b="0" baseline="0" cap="none" i="0" spc="0" strike="noStrike" sz="1800" u="none" kumimoji="0" normalizeH="0">
+          <a:defRPr kumimoji="0" sz="1800" b="0" i="0" u="none" strike="noStrike" cap="none" spc="0" normalizeH="0" baseline="0">
             <a:ln>
               <a:noFill/>
             </a:ln>
@@ -4641,7 +9591,7 @@
           <a:buFontTx/>
           <a:buNone/>
           <a:tabLst/>
-          <a:defRPr b="0" baseline="0" cap="none" i="0" spc="0" strike="noStrike" sz="1800" u="none" kumimoji="0" normalizeH="0">
+          <a:defRPr kumimoji="0" sz="1800" b="0" i="0" u="none" strike="noStrike" cap="none" spc="0" normalizeH="0" baseline="0">
             <a:ln>
               <a:noFill/>
             </a:ln>
@@ -4667,7 +9617,7 @@
           <a:buFontTx/>
           <a:buNone/>
           <a:tabLst/>
-          <a:defRPr b="0" baseline="0" cap="none" i="0" spc="0" strike="noStrike" sz="1800" u="none" kumimoji="0" normalizeH="0">
+          <a:defRPr kumimoji="0" sz="1800" b="0" i="0" u="none" strike="noStrike" cap="none" spc="0" normalizeH="0" baseline="0">
             <a:ln>
               <a:noFill/>
             </a:ln>
@@ -4693,7 +9643,7 @@
           <a:buFontTx/>
           <a:buNone/>
           <a:tabLst/>
-          <a:defRPr b="0" baseline="0" cap="none" i="0" spc="0" strike="noStrike" sz="1800" u="none" kumimoji="0" normalizeH="0">
+          <a:defRPr kumimoji="0" sz="1800" b="0" i="0" u="none" strike="noStrike" cap="none" spc="0" normalizeH="0" baseline="0">
             <a:ln>
               <a:noFill/>
             </a:ln>
@@ -4719,7 +9669,7 @@
           <a:buFontTx/>
           <a:buNone/>
           <a:tabLst/>
-          <a:defRPr b="0" baseline="0" cap="none" i="0" spc="0" strike="noStrike" sz="1800" u="none" kumimoji="0" normalizeH="0">
+          <a:defRPr kumimoji="0" sz="1800" b="0" i="0" u="none" strike="noStrike" cap="none" spc="0" normalizeH="0" baseline="0">
             <a:ln>
               <a:noFill/>
             </a:ln>
@@ -4745,7 +9695,7 @@
           <a:buFontTx/>
           <a:buNone/>
           <a:tabLst/>
-          <a:defRPr b="0" baseline="0" cap="none" i="0" spc="0" strike="noStrike" sz="1800" u="none" kumimoji="0" normalizeH="0">
+          <a:defRPr kumimoji="0" sz="1800" b="0" i="0" u="none" strike="noStrike" cap="none" spc="0" normalizeH="0" baseline="0">
             <a:ln>
               <a:noFill/>
             </a:ln>
@@ -4771,7 +9721,7 @@
           <a:buFontTx/>
           <a:buNone/>
           <a:tabLst/>
-          <a:defRPr b="0" baseline="0" cap="none" i="0" spc="0" strike="noStrike" sz="1800" u="none" kumimoji="0" normalizeH="0">
+          <a:defRPr kumimoji="0" sz="1800" b="0" i="0" u="none" strike="noStrike" cap="none" spc="0" normalizeH="0" baseline="0">
             <a:ln>
               <a:noFill/>
             </a:ln>
@@ -4797,7 +9747,7 @@
           <a:buFontTx/>
           <a:buNone/>
           <a:tabLst/>
-          <a:defRPr b="0" baseline="0" cap="none" i="0" spc="0" strike="noStrike" sz="1800" u="none" kumimoji="0" normalizeH="0">
+          <a:defRPr kumimoji="0" sz="1800" b="0" i="0" u="none" strike="noStrike" cap="none" spc="0" normalizeH="0" baseline="0">
             <a:ln>
               <a:noFill/>
             </a:ln>
@@ -4823,7 +9773,7 @@
           <a:buFontTx/>
           <a:buNone/>
           <a:tabLst/>
-          <a:defRPr b="0" baseline="0" cap="none" i="0" spc="0" strike="noStrike" sz="1800" u="none" kumimoji="0" normalizeH="0">
+          <a:defRPr kumimoji="0" sz="1800" b="0" i="0" u="none" strike="noStrike" cap="none" spc="0" normalizeH="0" baseline="0">
             <a:ln>
               <a:noFill/>
             </a:ln>
@@ -4836,9 +9786,15 @@
         </a:lvl9pPr>
       </a:lstStyle>
       <a:style>
-        <a:lnRef idx="0"/>
-        <a:fillRef idx="0"/>
-        <a:effectRef idx="0"/>
+        <a:lnRef idx="0">
+          <a:scrgbClr r="0" g="0" b="0"/>
+        </a:lnRef>
+        <a:fillRef idx="0">
+          <a:scrgbClr r="0" g="0" b="0"/>
+        </a:fillRef>
+        <a:effectRef idx="0">
+          <a:scrgbClr r="0" g="0" b="0"/>
+        </a:effectRef>
         <a:fontRef idx="none"/>
       </a:style>
     </a:lnDef>
@@ -4852,7 +9808,7 @@
         <a:effectLst/>
         <a:sp3d/>
       </a:spPr>
-      <a:bodyPr rot="0" spcFirstLastPara="1" vertOverflow="overflow" horzOverflow="overflow" vert="horz" wrap="square" lIns="45718" tIns="45718" rIns="45718" bIns="45718" numCol="1" spcCol="38100" rtlCol="0" anchor="t" upright="0">
+      <a:bodyPr rot="0" spcFirstLastPara="1" vertOverflow="overflow" horzOverflow="overflow" vert="horz" wrap="square" lIns="45718" tIns="45718" rIns="45718" bIns="45718" numCol="1" spcCol="38100" rtlCol="0" anchor="t">
         <a:spAutoFit/>
       </a:bodyPr>
       <a:lstStyle>
@@ -4871,7 +9827,7 @@
           <a:buFontTx/>
           <a:buNone/>
           <a:tabLst/>
-          <a:defRPr b="0" baseline="0" cap="none" i="0" spc="0" strike="noStrike" sz="1800" u="none" kumimoji="0" normalizeH="0">
+          <a:defRPr kumimoji="0" sz="1800" b="0" i="0" u="none" strike="noStrike" cap="none" spc="0" normalizeH="0" baseline="0">
             <a:ln>
               <a:noFill/>
             </a:ln>
@@ -4901,7 +9857,7 @@
           <a:buFontTx/>
           <a:buNone/>
           <a:tabLst/>
-          <a:defRPr b="0" baseline="0" cap="none" i="0" spc="0" strike="noStrike" sz="1800" u="none" kumimoji="0" normalizeH="0">
+          <a:defRPr kumimoji="0" sz="1800" b="0" i="0" u="none" strike="noStrike" cap="none" spc="0" normalizeH="0" baseline="0">
             <a:ln>
               <a:noFill/>
             </a:ln>
@@ -4927,7 +9883,7 @@
           <a:buFontTx/>
           <a:buNone/>
           <a:tabLst/>
-          <a:defRPr b="0" baseline="0" cap="none" i="0" spc="0" strike="noStrike" sz="1800" u="none" kumimoji="0" normalizeH="0">
+          <a:defRPr kumimoji="0" sz="1800" b="0" i="0" u="none" strike="noStrike" cap="none" spc="0" normalizeH="0" baseline="0">
             <a:ln>
               <a:noFill/>
             </a:ln>
@@ -4953,7 +9909,7 @@
           <a:buFontTx/>
           <a:buNone/>
           <a:tabLst/>
-          <a:defRPr b="0" baseline="0" cap="none" i="0" spc="0" strike="noStrike" sz="1800" u="none" kumimoji="0" normalizeH="0">
+          <a:defRPr kumimoji="0" sz="1800" b="0" i="0" u="none" strike="noStrike" cap="none" spc="0" normalizeH="0" baseline="0">
             <a:ln>
               <a:noFill/>
             </a:ln>
@@ -4979,7 +9935,7 @@
           <a:buFontTx/>
           <a:buNone/>
           <a:tabLst/>
-          <a:defRPr b="0" baseline="0" cap="none" i="0" spc="0" strike="noStrike" sz="1800" u="none" kumimoji="0" normalizeH="0">
+          <a:defRPr kumimoji="0" sz="1800" b="0" i="0" u="none" strike="noStrike" cap="none" spc="0" normalizeH="0" baseline="0">
             <a:ln>
               <a:noFill/>
             </a:ln>
@@ -5005,7 +9961,7 @@
           <a:buFontTx/>
           <a:buNone/>
           <a:tabLst/>
-          <a:defRPr b="0" baseline="0" cap="none" i="0" spc="0" strike="noStrike" sz="1800" u="none" kumimoji="0" normalizeH="0">
+          <a:defRPr kumimoji="0" sz="1800" b="0" i="0" u="none" strike="noStrike" cap="none" spc="0" normalizeH="0" baseline="0">
             <a:ln>
               <a:noFill/>
             </a:ln>
@@ -5031,7 +9987,7 @@
           <a:buFontTx/>
           <a:buNone/>
           <a:tabLst/>
-          <a:defRPr b="0" baseline="0" cap="none" i="0" spc="0" strike="noStrike" sz="1800" u="none" kumimoji="0" normalizeH="0">
+          <a:defRPr kumimoji="0" sz="1800" b="0" i="0" u="none" strike="noStrike" cap="none" spc="0" normalizeH="0" baseline="0">
             <a:ln>
               <a:noFill/>
             </a:ln>
@@ -5057,7 +10013,7 @@
           <a:buFontTx/>
           <a:buNone/>
           <a:tabLst/>
-          <a:defRPr b="0" baseline="0" cap="none" i="0" spc="0" strike="noStrike" sz="1800" u="none" kumimoji="0" normalizeH="0">
+          <a:defRPr kumimoji="0" sz="1800" b="0" i="0" u="none" strike="noStrike" cap="none" spc="0" normalizeH="0" baseline="0">
             <a:ln>
               <a:noFill/>
             </a:ln>
@@ -5083,7 +10039,7 @@
           <a:buFontTx/>
           <a:buNone/>
           <a:tabLst/>
-          <a:defRPr b="0" baseline="0" cap="none" i="0" spc="0" strike="noStrike" sz="1800" u="none" kumimoji="0" normalizeH="0">
+          <a:defRPr kumimoji="0" sz="1800" b="0" i="0" u="none" strike="noStrike" cap="none" spc="0" normalizeH="0" baseline="0">
             <a:ln>
               <a:noFill/>
             </a:ln>
@@ -5109,7 +10065,7 @@
           <a:buFontTx/>
           <a:buNone/>
           <a:tabLst/>
-          <a:defRPr b="0" baseline="0" cap="none" i="0" spc="0" strike="noStrike" sz="1800" u="none" kumimoji="0" normalizeH="0">
+          <a:defRPr kumimoji="0" sz="1800" b="0" i="0" u="none" strike="noStrike" cap="none" spc="0" normalizeH="0" baseline="0">
             <a:ln>
               <a:noFill/>
             </a:ln>
@@ -5122,12 +10078,19 @@
         </a:lvl9pPr>
       </a:lstStyle>
       <a:style>
-        <a:lnRef idx="0"/>
-        <a:fillRef idx="0"/>
-        <a:effectRef idx="0"/>
+        <a:lnRef idx="0">
+          <a:scrgbClr r="0" g="0" b="0"/>
+        </a:lnRef>
+        <a:fillRef idx="0">
+          <a:scrgbClr r="0" g="0" b="0"/>
+        </a:fillRef>
+        <a:effectRef idx="0">
+          <a:scrgbClr r="0" g="0" b="0"/>
+        </a:effectRef>
         <a:fontRef idx="none"/>
       </a:style>
     </a:txDef>
   </a:objectDefaults>
+  <a:extraClrSchemeLst/>
 </a:theme>
 </file>
--- a/docs/images/neo4j_architecture_diagram.pptx
+++ b/docs/images/neo4j_architecture_diagram.pptx
@@ -5,11 +5,10 @@
     <p:sldMasterId id="2147483648" r:id="rId1"/>
   </p:sldMasterIdLst>
   <p:notesMasterIdLst>
-    <p:notesMasterId r:id="rId4"/>
+    <p:notesMasterId r:id="rId3"/>
   </p:notesMasterIdLst>
   <p:sldIdLst>
-    <p:sldId id="256" r:id="rId2"/>
-    <p:sldId id="257" r:id="rId3"/>
+    <p:sldId id="257" r:id="rId2"/>
   </p:sldIdLst>
   <p:sldSz cx="12192000" cy="6858000"/>
   <p:notesSz cx="6858000" cy="9144000"/>
@@ -1428,1658 +1427,6 @@
       </p:grpSpPr>
       <p:sp>
         <p:nvSpPr>
-          <p:cNvPr id="20" name="Rectangle 55"/>
-          <p:cNvSpPr txBox="1"/>
-          <p:nvPr/>
-        </p:nvSpPr>
-        <p:spPr>
-          <a:xfrm>
-            <a:off x="2189877" y="1212681"/>
-            <a:ext cx="2487330" cy="264252"/>
-          </a:xfrm>
-          <a:prstGeom prst="rect">
-            <a:avLst/>
-          </a:prstGeom>
-          <a:ln w="12700">
-            <a:miter lim="400000"/>
-          </a:ln>
-          <a:extLst>
-            <a:ext uri="{C572A759-6A51-4108-AA02-DFA0A04FC94B}">
-              <ma14:wrappingTextBoxFlag xmlns:ma14="http://schemas.microsoft.com/office/mac/drawingml/2011/main" xmlns:a14="http://schemas.microsoft.com/office/drawing/2010/main" xmlns:m="http://schemas.openxmlformats.org/officeDocument/2006/math" xmlns="" val="1"/>
-            </a:ext>
-          </a:extLst>
-        </p:spPr>
-        <p:txBody>
-          <a:bodyPr lIns="45718" tIns="45718" rIns="45718" bIns="45718">
-            <a:spAutoFit/>
-          </a:bodyPr>
-          <a:lstStyle>
-            <a:lvl1pPr>
-              <a:defRPr sz="1200">
-                <a:solidFill>
-                  <a:srgbClr val="1E8900"/>
-                </a:solidFill>
-                <a:latin typeface="Arial"/>
-                <a:ea typeface="Arial"/>
-                <a:cs typeface="Arial"/>
-                <a:sym typeface="Arial"/>
-              </a:defRPr>
-            </a:lvl1pPr>
-          </a:lstStyle>
-          <a:p>
-            <a:r>
-              <a:t>Public subnet</a:t>
-            </a:r>
-          </a:p>
-        </p:txBody>
-      </p:sp>
-      <p:grpSp>
-        <p:nvGrpSpPr>
-          <p:cNvPr id="23" name="Rectangle 56"/>
-          <p:cNvGrpSpPr/>
-          <p:nvPr/>
-        </p:nvGrpSpPr>
-        <p:grpSpPr>
-          <a:xfrm>
-            <a:off x="1057504" y="655984"/>
-            <a:ext cx="10061172" cy="5296215"/>
-            <a:chOff x="69850" y="65394"/>
-            <a:chExt cx="10061170" cy="5296214"/>
-          </a:xfrm>
-        </p:grpSpPr>
-        <p:sp>
-          <p:nvSpPr>
-            <p:cNvPr id="21" name="Rectangle"/>
-            <p:cNvSpPr/>
-            <p:nvPr/>
-          </p:nvSpPr>
-          <p:spPr>
-            <a:xfrm>
-              <a:off x="69850" y="65394"/>
-              <a:ext cx="10061170" cy="5296214"/>
-            </a:xfrm>
-            <a:prstGeom prst="rect">
-              <a:avLst/>
-            </a:prstGeom>
-            <a:noFill/>
-            <a:ln w="12700" cap="flat">
-              <a:solidFill>
-                <a:srgbClr val="1E8900"/>
-              </a:solidFill>
-              <a:prstDash val="solid"/>
-              <a:miter lim="800000"/>
-            </a:ln>
-            <a:effectLst/>
-          </p:spPr>
-          <p:txBody>
-            <a:bodyPr wrap="square" lIns="45718" tIns="45718" rIns="45718" bIns="45718" numCol="1" anchor="t">
-              <a:noAutofit/>
-            </a:bodyPr>
-            <a:lstStyle/>
-            <a:p>
-              <a:pPr>
-                <a:defRPr>
-                  <a:solidFill>
-                    <a:srgbClr val="FAFAFA"/>
-                  </a:solidFill>
-                  <a:latin typeface="Arial"/>
-                  <a:ea typeface="Arial"/>
-                  <a:cs typeface="Arial"/>
-                  <a:sym typeface="Arial"/>
-                </a:defRPr>
-              </a:pPr>
-              <a:endParaRPr/>
-            </a:p>
-          </p:txBody>
-        </p:sp>
-        <p:sp>
-          <p:nvSpPr>
-            <p:cNvPr id="22" name="VPC"/>
-            <p:cNvSpPr txBox="1"/>
-            <p:nvPr/>
-          </p:nvSpPr>
-          <p:spPr>
-            <a:xfrm>
-              <a:off x="543004" y="67669"/>
-              <a:ext cx="9450494" cy="264251"/>
-            </a:xfrm>
-            <a:prstGeom prst="rect">
-              <a:avLst/>
-            </a:prstGeom>
-            <a:noFill/>
-            <a:ln w="12700" cap="flat">
-              <a:noFill/>
-              <a:miter lim="400000"/>
-            </a:ln>
-            <a:effectLst/>
-            <a:extLst>
-              <a:ext uri="{C572A759-6A51-4108-AA02-DFA0A04FC94B}">
-                <ma14:wrappingTextBoxFlag xmlns:ma14="http://schemas.microsoft.com/office/mac/drawingml/2011/main" xmlns:a14="http://schemas.microsoft.com/office/drawing/2010/main" xmlns:m="http://schemas.openxmlformats.org/officeDocument/2006/math" xmlns="" val="1"/>
-              </a:ext>
-            </a:extLst>
-          </p:spPr>
-          <p:txBody>
-            <a:bodyPr wrap="square" lIns="45718" tIns="45718" rIns="45718" bIns="45718" numCol="1" anchor="t">
-              <a:spAutoFit/>
-            </a:bodyPr>
-            <a:lstStyle>
-              <a:lvl1pPr>
-                <a:defRPr sz="1200">
-                  <a:solidFill>
-                    <a:srgbClr val="1E8900"/>
-                  </a:solidFill>
-                  <a:latin typeface="Arial"/>
-                  <a:ea typeface="Arial"/>
-                  <a:cs typeface="Arial"/>
-                  <a:sym typeface="Arial"/>
-                </a:defRPr>
-              </a:lvl1pPr>
-            </a:lstStyle>
-            <a:p>
-              <a:r>
-                <a:rPr dirty="0"/>
-                <a:t>VPC</a:t>
-              </a:r>
-            </a:p>
-          </p:txBody>
-        </p:sp>
-      </p:grpSp>
-      <p:grpSp>
-        <p:nvGrpSpPr>
-          <p:cNvPr id="26" name="Rectangle 58"/>
-          <p:cNvGrpSpPr/>
-          <p:nvPr/>
-        </p:nvGrpSpPr>
-        <p:grpSpPr>
-          <a:xfrm>
-            <a:off x="706498" y="270767"/>
-            <a:ext cx="10712290" cy="5870491"/>
-            <a:chOff x="0" y="0"/>
-            <a:chExt cx="10712288" cy="5870490"/>
-          </a:xfrm>
-        </p:grpSpPr>
-        <p:sp>
-          <p:nvSpPr>
-            <p:cNvPr id="24" name="Rectangle"/>
-            <p:cNvSpPr/>
-            <p:nvPr/>
-          </p:nvSpPr>
-          <p:spPr>
-            <a:xfrm>
-              <a:off x="0" y="0"/>
-              <a:ext cx="10548624" cy="5870491"/>
-            </a:xfrm>
-            <a:prstGeom prst="rect">
-              <a:avLst/>
-            </a:prstGeom>
-            <a:noFill/>
-            <a:ln w="12700" cap="flat">
-              <a:solidFill>
-                <a:srgbClr val="232F3D"/>
-              </a:solidFill>
-              <a:prstDash val="solid"/>
-              <a:miter lim="800000"/>
-            </a:ln>
-            <a:effectLst/>
-          </p:spPr>
-          <p:txBody>
-            <a:bodyPr wrap="square" lIns="45718" tIns="45718" rIns="45718" bIns="45718" numCol="1" anchor="t">
-              <a:noAutofit/>
-            </a:bodyPr>
-            <a:lstStyle/>
-            <a:p>
-              <a:pPr>
-                <a:defRPr>
-                  <a:solidFill>
-                    <a:srgbClr val="FAFAFA"/>
-                  </a:solidFill>
-                  <a:latin typeface="Arial"/>
-                  <a:ea typeface="Arial"/>
-                  <a:cs typeface="Arial"/>
-                  <a:sym typeface="Arial"/>
-                </a:defRPr>
-              </a:pPr>
-              <a:endParaRPr/>
-            </a:p>
-          </p:txBody>
-        </p:sp>
-        <p:sp>
-          <p:nvSpPr>
-            <p:cNvPr id="25" name="AWS Cloud"/>
-            <p:cNvSpPr/>
-            <p:nvPr/>
-          </p:nvSpPr>
-          <p:spPr>
-            <a:xfrm>
-              <a:off x="461689" y="47363"/>
-              <a:ext cx="10250600" cy="1"/>
-            </a:xfrm>
-            <a:custGeom>
-              <a:avLst/>
-              <a:gdLst/>
-              <a:ahLst/>
-              <a:cxnLst>
-                <a:cxn ang="0">
-                  <a:pos x="wd2" y="hd2"/>
-                </a:cxn>
-                <a:cxn ang="5400000">
-                  <a:pos x="wd2" y="hd2"/>
-                </a:cxn>
-                <a:cxn ang="10800000">
-                  <a:pos x="wd2" y="hd2"/>
-                </a:cxn>
-                <a:cxn ang="16200000">
-                  <a:pos x="wd2" y="hd2"/>
-                </a:cxn>
-              </a:cxnLst>
-              <a:rect l="0" t="0" r="r" b="b"/>
-              <a:pathLst>
-                <a:path w="21600" extrusionOk="0">
-                  <a:moveTo>
-                    <a:pt x="0" y="0"/>
-                  </a:moveTo>
-                  <a:lnTo>
-                    <a:pt x="21600" y="0"/>
-                  </a:lnTo>
-                  <a:lnTo>
-                    <a:pt x="21600" y="0"/>
-                  </a:lnTo>
-                  <a:lnTo>
-                    <a:pt x="0" y="0"/>
-                  </a:lnTo>
-                  <a:close/>
-                </a:path>
-              </a:pathLst>
-            </a:custGeom>
-            <a:noFill/>
-            <a:ln w="12700" cap="flat">
-              <a:noFill/>
-              <a:miter lim="400000"/>
-            </a:ln>
-            <a:effectLst/>
-            <a:extLst>
-              <a:ext uri="{C572A759-6A51-4108-AA02-DFA0A04FC94B}">
-                <ma14:wrappingTextBoxFlag xmlns:ma14="http://schemas.microsoft.com/office/mac/drawingml/2011/main" xmlns:a14="http://schemas.microsoft.com/office/drawing/2010/main" xmlns:m="http://schemas.openxmlformats.org/officeDocument/2006/math" xmlns="" val="1"/>
-              </a:ext>
-            </a:extLst>
-          </p:spPr>
-          <p:txBody>
-            <a:bodyPr wrap="square" lIns="45718" tIns="45718" rIns="45718" bIns="45718" numCol="1" anchor="t">
-              <a:spAutoFit/>
-            </a:bodyPr>
-            <a:lstStyle>
-              <a:lvl1pPr>
-                <a:defRPr sz="1200">
-                  <a:solidFill>
-                    <a:srgbClr val="000000"/>
-                  </a:solidFill>
-                  <a:latin typeface="Arial"/>
-                  <a:ea typeface="Arial"/>
-                  <a:cs typeface="Arial"/>
-                  <a:sym typeface="Arial"/>
-                </a:defRPr>
-              </a:lvl1pPr>
-            </a:lstStyle>
-            <a:p>
-              <a:r>
-                <a:rPr dirty="0"/>
-                <a:t>AWS Cloud</a:t>
-              </a:r>
-            </a:p>
-          </p:txBody>
-        </p:sp>
-      </p:grpSp>
-      <p:grpSp>
-        <p:nvGrpSpPr>
-          <p:cNvPr id="29" name="Rectangle 59"/>
-          <p:cNvGrpSpPr/>
-          <p:nvPr/>
-        </p:nvGrpSpPr>
-        <p:grpSpPr>
-          <a:xfrm>
-            <a:off x="1238849" y="918595"/>
-            <a:ext cx="3040848" cy="4835884"/>
-            <a:chOff x="0" y="0"/>
-            <a:chExt cx="3040847" cy="4835883"/>
-          </a:xfrm>
-        </p:grpSpPr>
-        <p:sp>
-          <p:nvSpPr>
-            <p:cNvPr id="27" name="Rectangle"/>
-            <p:cNvSpPr/>
-            <p:nvPr/>
-          </p:nvSpPr>
-          <p:spPr>
-            <a:xfrm>
-              <a:off x="113544" y="0"/>
-              <a:ext cx="2927304" cy="4835884"/>
-            </a:xfrm>
-            <a:prstGeom prst="rect">
-              <a:avLst/>
-            </a:prstGeom>
-            <a:noFill/>
-            <a:ln w="12700" cap="flat">
-              <a:solidFill>
-                <a:srgbClr val="007DBC"/>
-              </a:solidFill>
-              <a:prstDash val="dash"/>
-              <a:miter lim="800000"/>
-            </a:ln>
-            <a:effectLst/>
-          </p:spPr>
-          <p:txBody>
-            <a:bodyPr wrap="square" lIns="45718" tIns="45718" rIns="45718" bIns="45718" numCol="1" anchor="t">
-              <a:noAutofit/>
-            </a:bodyPr>
-            <a:lstStyle/>
-            <a:p>
-              <a:pPr algn="ctr">
-                <a:defRPr>
-                  <a:solidFill>
-                    <a:srgbClr val="FAFAFA"/>
-                  </a:solidFill>
-                  <a:latin typeface="Arial"/>
-                  <a:ea typeface="Arial"/>
-                  <a:cs typeface="Arial"/>
-                  <a:sym typeface="Arial"/>
-                </a:defRPr>
-              </a:pPr>
-              <a:endParaRPr/>
-            </a:p>
-          </p:txBody>
-        </p:sp>
-        <p:sp>
-          <p:nvSpPr>
-            <p:cNvPr id="28" name="Availability Zone 1"/>
-            <p:cNvSpPr/>
-            <p:nvPr/>
-          </p:nvSpPr>
-          <p:spPr>
-            <a:xfrm>
-              <a:off x="0" y="78834"/>
-              <a:ext cx="2817729" cy="1"/>
-            </a:xfrm>
-            <a:custGeom>
-              <a:avLst/>
-              <a:gdLst/>
-              <a:ahLst/>
-              <a:cxnLst>
-                <a:cxn ang="0">
-                  <a:pos x="wd2" y="hd2"/>
-                </a:cxn>
-                <a:cxn ang="5400000">
-                  <a:pos x="wd2" y="hd2"/>
-                </a:cxn>
-                <a:cxn ang="10800000">
-                  <a:pos x="wd2" y="hd2"/>
-                </a:cxn>
-                <a:cxn ang="16200000">
-                  <a:pos x="wd2" y="hd2"/>
-                </a:cxn>
-              </a:cxnLst>
-              <a:rect l="0" t="0" r="r" b="b"/>
-              <a:pathLst>
-                <a:path w="21600" extrusionOk="0">
-                  <a:moveTo>
-                    <a:pt x="0" y="0"/>
-                  </a:moveTo>
-                  <a:lnTo>
-                    <a:pt x="21600" y="0"/>
-                  </a:lnTo>
-                  <a:lnTo>
-                    <a:pt x="21600" y="0"/>
-                  </a:lnTo>
-                  <a:lnTo>
-                    <a:pt x="0" y="0"/>
-                  </a:lnTo>
-                  <a:close/>
-                </a:path>
-              </a:pathLst>
-            </a:custGeom>
-            <a:noFill/>
-            <a:ln w="12700" cap="flat">
-              <a:noFill/>
-              <a:miter lim="400000"/>
-            </a:ln>
-            <a:effectLst/>
-            <a:extLst>
-              <a:ext uri="{C572A759-6A51-4108-AA02-DFA0A04FC94B}">
-                <ma14:wrappingTextBoxFlag xmlns:ma14="http://schemas.microsoft.com/office/mac/drawingml/2011/main" xmlns:a14="http://schemas.microsoft.com/office/drawing/2010/main" xmlns:m="http://schemas.openxmlformats.org/officeDocument/2006/math" xmlns="" val="1"/>
-              </a:ext>
-            </a:extLst>
-          </p:spPr>
-          <p:txBody>
-            <a:bodyPr wrap="square" lIns="45718" tIns="45718" rIns="45718" bIns="45718" numCol="1" anchor="t">
-              <a:spAutoFit/>
-            </a:bodyPr>
-            <a:lstStyle>
-              <a:lvl1pPr algn="ctr">
-                <a:defRPr sz="1200">
-                  <a:solidFill>
-                    <a:srgbClr val="007DBC"/>
-                  </a:solidFill>
-                  <a:latin typeface="Arial"/>
-                  <a:ea typeface="Arial"/>
-                  <a:cs typeface="Arial"/>
-                  <a:sym typeface="Arial"/>
-                </a:defRPr>
-              </a:lvl1pPr>
-            </a:lstStyle>
-            <a:p>
-              <a:r>
-                <a:t>Availability Zone 1</a:t>
-              </a:r>
-            </a:p>
-          </p:txBody>
-        </p:sp>
-      </p:grpSp>
-      <p:pic>
-        <p:nvPicPr>
-          <p:cNvPr id="31" name="Graphic 63" descr="Graphic 63"/>
-          <p:cNvPicPr>
-            <a:picLocks noChangeAspect="1"/>
-          </p:cNvPicPr>
-          <p:nvPr/>
-        </p:nvPicPr>
-        <p:blipFill>
-          <a:blip r:embed="rId2"/>
-          <a:stretch>
-            <a:fillRect/>
-          </a:stretch>
-        </p:blipFill>
-        <p:spPr>
-          <a:xfrm>
-            <a:off x="1367666" y="941531"/>
-            <a:ext cx="274324" cy="274324"/>
-          </a:xfrm>
-          <a:prstGeom prst="rect">
-            <a:avLst/>
-          </a:prstGeom>
-          <a:ln w="12700">
-            <a:miter lim="400000"/>
-          </a:ln>
-        </p:spPr>
-      </p:pic>
-      <p:sp>
-        <p:nvSpPr>
-          <p:cNvPr id="32" name="TextBox 65"/>
-          <p:cNvSpPr txBox="1"/>
-          <p:nvPr/>
-        </p:nvSpPr>
-        <p:spPr>
-          <a:xfrm>
-            <a:off x="2083210" y="2041887"/>
-            <a:ext cx="1061742" cy="264252"/>
-          </a:xfrm>
-          <a:prstGeom prst="rect">
-            <a:avLst/>
-          </a:prstGeom>
-          <a:ln w="12700">
-            <a:miter lim="400000"/>
-          </a:ln>
-          <a:extLst>
-            <a:ext uri="{C572A759-6A51-4108-AA02-DFA0A04FC94B}">
-              <ma14:wrappingTextBoxFlag xmlns:ma14="http://schemas.microsoft.com/office/mac/drawingml/2011/main" xmlns:a14="http://schemas.microsoft.com/office/drawing/2010/main" xmlns:m="http://schemas.openxmlformats.org/officeDocument/2006/math" xmlns="" val="1"/>
-            </a:ext>
-          </a:extLst>
-        </p:spPr>
-        <p:txBody>
-          <a:bodyPr lIns="45718" tIns="45718" rIns="45718" bIns="45718">
-            <a:spAutoFit/>
-          </a:bodyPr>
-          <a:lstStyle>
-            <a:lvl1pPr algn="ctr">
-              <a:defRPr sz="1200">
-                <a:latin typeface="Arial"/>
-                <a:ea typeface="Arial"/>
-                <a:cs typeface="Arial"/>
-                <a:sym typeface="Arial"/>
-              </a:defRPr>
-            </a:lvl1pPr>
-          </a:lstStyle>
-          <a:p>
-            <a:r>
-              <a:t>NAT gateway</a:t>
-            </a:r>
-          </a:p>
-        </p:txBody>
-      </p:sp>
-      <p:pic>
-        <p:nvPicPr>
-          <p:cNvPr id="33" name="Graphic 66" descr="Graphic 66"/>
-          <p:cNvPicPr>
-            <a:picLocks noChangeAspect="1"/>
-          </p:cNvPicPr>
-          <p:nvPr/>
-        </p:nvPicPr>
-        <p:blipFill>
-          <a:blip r:embed="rId3"/>
-          <a:stretch>
-            <a:fillRect/>
-          </a:stretch>
-        </p:blipFill>
-        <p:spPr>
-          <a:xfrm>
-            <a:off x="2414615" y="1593319"/>
-            <a:ext cx="469906" cy="469904"/>
-          </a:xfrm>
-          <a:prstGeom prst="rect">
-            <a:avLst/>
-          </a:prstGeom>
-          <a:ln w="12700">
-            <a:miter lim="400000"/>
-          </a:ln>
-        </p:spPr>
-      </p:pic>
-      <p:grpSp>
-        <p:nvGrpSpPr>
-          <p:cNvPr id="36" name="Rectangle 80"/>
-          <p:cNvGrpSpPr/>
-          <p:nvPr/>
-        </p:nvGrpSpPr>
-        <p:grpSpPr>
-          <a:xfrm>
-            <a:off x="7578352" y="923744"/>
-            <a:ext cx="2927305" cy="4825584"/>
-            <a:chOff x="0" y="-1"/>
-            <a:chExt cx="2927303" cy="4825582"/>
-          </a:xfrm>
-        </p:grpSpPr>
-        <p:sp>
-          <p:nvSpPr>
-            <p:cNvPr id="34" name="Rectangle"/>
-            <p:cNvSpPr/>
-            <p:nvPr/>
-          </p:nvSpPr>
-          <p:spPr>
-            <a:xfrm>
-              <a:off x="-1" y="-2"/>
-              <a:ext cx="2927304" cy="4825584"/>
-            </a:xfrm>
-            <a:prstGeom prst="rect">
-              <a:avLst/>
-            </a:prstGeom>
-            <a:noFill/>
-            <a:ln w="12700" cap="flat">
-              <a:solidFill>
-                <a:srgbClr val="007DBC"/>
-              </a:solidFill>
-              <a:prstDash val="dash"/>
-              <a:miter lim="800000"/>
-            </a:ln>
-            <a:effectLst/>
-          </p:spPr>
-          <p:txBody>
-            <a:bodyPr wrap="square" lIns="45718" tIns="45718" rIns="45718" bIns="45718" numCol="1" anchor="t">
-              <a:noAutofit/>
-            </a:bodyPr>
-            <a:lstStyle/>
-            <a:p>
-              <a:pPr algn="ctr">
-                <a:defRPr>
-                  <a:solidFill>
-                    <a:srgbClr val="FAFAFA"/>
-                  </a:solidFill>
-                  <a:latin typeface="Arial"/>
-                  <a:ea typeface="Arial"/>
-                  <a:cs typeface="Arial"/>
-                  <a:sym typeface="Arial"/>
-                </a:defRPr>
-              </a:pPr>
-              <a:endParaRPr/>
-            </a:p>
-          </p:txBody>
-        </p:sp>
-        <p:sp>
-          <p:nvSpPr>
-            <p:cNvPr id="35" name="Availability Zone 2"/>
-            <p:cNvSpPr txBox="1"/>
-            <p:nvPr/>
-          </p:nvSpPr>
-          <p:spPr>
-            <a:xfrm>
-              <a:off x="54786" y="54786"/>
-              <a:ext cx="2817729" cy="264252"/>
-            </a:xfrm>
-            <a:prstGeom prst="rect">
-              <a:avLst/>
-            </a:prstGeom>
-            <a:noFill/>
-            <a:ln w="12700" cap="flat">
-              <a:noFill/>
-              <a:miter lim="400000"/>
-            </a:ln>
-            <a:effectLst/>
-            <a:extLst>
-              <a:ext uri="{C572A759-6A51-4108-AA02-DFA0A04FC94B}">
-                <ma14:wrappingTextBoxFlag xmlns:ma14="http://schemas.microsoft.com/office/mac/drawingml/2011/main" xmlns:a14="http://schemas.microsoft.com/office/drawing/2010/main" xmlns:m="http://schemas.openxmlformats.org/officeDocument/2006/math" xmlns="" val="1"/>
-              </a:ext>
-            </a:extLst>
-          </p:spPr>
-          <p:txBody>
-            <a:bodyPr wrap="square" lIns="45718" tIns="45718" rIns="45718" bIns="45718" numCol="1" anchor="t">
-              <a:spAutoFit/>
-            </a:bodyPr>
-            <a:lstStyle>
-              <a:lvl1pPr algn="ctr">
-                <a:defRPr sz="1200">
-                  <a:solidFill>
-                    <a:srgbClr val="007DBC"/>
-                  </a:solidFill>
-                  <a:latin typeface="Arial"/>
-                  <a:ea typeface="Arial"/>
-                  <a:cs typeface="Arial"/>
-                  <a:sym typeface="Arial"/>
-                </a:defRPr>
-              </a:lvl1pPr>
-            </a:lstStyle>
-            <a:p>
-              <a:r>
-                <a:t>Availability Zone 3</a:t>
-              </a:r>
-            </a:p>
-          </p:txBody>
-        </p:sp>
-      </p:grpSp>
-      <p:sp>
-        <p:nvSpPr>
-          <p:cNvPr id="37" name="TextBox 83"/>
-          <p:cNvSpPr txBox="1"/>
-          <p:nvPr/>
-        </p:nvSpPr>
-        <p:spPr>
-          <a:xfrm>
-            <a:off x="5395129" y="2056042"/>
-            <a:ext cx="1067790" cy="264252"/>
-          </a:xfrm>
-          <a:prstGeom prst="rect">
-            <a:avLst/>
-          </a:prstGeom>
-          <a:ln w="12700">
-            <a:miter lim="400000"/>
-          </a:ln>
-          <a:extLst>
-            <a:ext uri="{C572A759-6A51-4108-AA02-DFA0A04FC94B}">
-              <ma14:wrappingTextBoxFlag xmlns:ma14="http://schemas.microsoft.com/office/mac/drawingml/2011/main" xmlns:a14="http://schemas.microsoft.com/office/drawing/2010/main" xmlns:m="http://schemas.openxmlformats.org/officeDocument/2006/math" xmlns="" val="1"/>
-            </a:ext>
-          </a:extLst>
-        </p:spPr>
-        <p:txBody>
-          <a:bodyPr lIns="45718" tIns="45718" rIns="45718" bIns="45718">
-            <a:spAutoFit/>
-          </a:bodyPr>
-          <a:lstStyle>
-            <a:lvl1pPr algn="ctr">
-              <a:defRPr sz="1200">
-                <a:latin typeface="Arial"/>
-                <a:ea typeface="Arial"/>
-                <a:cs typeface="Arial"/>
-                <a:sym typeface="Arial"/>
-              </a:defRPr>
-            </a:lvl1pPr>
-          </a:lstStyle>
-          <a:p>
-            <a:r>
-              <a:t>NAT gateway</a:t>
-            </a:r>
-          </a:p>
-        </p:txBody>
-      </p:sp>
-      <p:pic>
-        <p:nvPicPr>
-          <p:cNvPr id="38" name="Graphic 84" descr="Graphic 84"/>
-          <p:cNvPicPr>
-            <a:picLocks noChangeAspect="1"/>
-          </p:cNvPicPr>
-          <p:nvPr/>
-        </p:nvPicPr>
-        <p:blipFill>
-          <a:blip r:embed="rId3"/>
-          <a:stretch>
-            <a:fillRect/>
-          </a:stretch>
-        </p:blipFill>
-        <p:spPr>
-          <a:xfrm>
-            <a:off x="5694074" y="1593320"/>
-            <a:ext cx="469904" cy="469904"/>
-          </a:xfrm>
-          <a:prstGeom prst="rect">
-            <a:avLst/>
-          </a:prstGeom>
-          <a:ln w="12700">
-            <a:miter lim="400000"/>
-          </a:ln>
-        </p:spPr>
-      </p:pic>
-      <p:sp>
-        <p:nvSpPr>
-          <p:cNvPr id="39" name="Rectangle"/>
-          <p:cNvSpPr/>
-          <p:nvPr/>
-        </p:nvSpPr>
-        <p:spPr>
-          <a:xfrm>
-            <a:off x="1899354" y="2882692"/>
-            <a:ext cx="8059340" cy="1625407"/>
-          </a:xfrm>
-          <a:prstGeom prst="rect">
-            <a:avLst/>
-          </a:prstGeom>
-          <a:ln w="12700">
-            <a:solidFill>
-              <a:srgbClr val="D86613"/>
-            </a:solidFill>
-            <a:prstDash val="dash"/>
-            <a:miter/>
-          </a:ln>
-        </p:spPr>
-        <p:txBody>
-          <a:bodyPr lIns="45718" tIns="45718" rIns="45718" bIns="45718"/>
-          <a:lstStyle/>
-          <a:p>
-            <a:pPr algn="ctr">
-              <a:tabLst>
-                <a:tab pos="3467100" algn="l"/>
-              </a:tabLst>
-              <a:defRPr>
-                <a:solidFill>
-                  <a:srgbClr val="FAFAFA"/>
-                </a:solidFill>
-                <a:latin typeface="Arial"/>
-                <a:ea typeface="Arial"/>
-                <a:cs typeface="Arial"/>
-                <a:sym typeface="Arial"/>
-              </a:defRPr>
-            </a:pPr>
-            <a:endParaRPr/>
-          </a:p>
-        </p:txBody>
-      </p:sp>
-      <p:pic>
-        <p:nvPicPr>
-          <p:cNvPr id="40" name="Graphic 60" descr="Graphic 60"/>
-          <p:cNvPicPr>
-            <a:picLocks noChangeAspect="1"/>
-          </p:cNvPicPr>
-          <p:nvPr/>
-        </p:nvPicPr>
-        <p:blipFill>
-          <a:blip r:embed="rId4"/>
-          <a:stretch>
-            <a:fillRect/>
-          </a:stretch>
-        </p:blipFill>
-        <p:spPr>
-          <a:xfrm>
-            <a:off x="5757886" y="2713812"/>
-            <a:ext cx="330204" cy="330204"/>
-          </a:xfrm>
-          <a:prstGeom prst="rect">
-            <a:avLst/>
-          </a:prstGeom>
-          <a:ln w="12700">
-            <a:miter lim="400000"/>
-          </a:ln>
-        </p:spPr>
-      </p:pic>
-      <p:sp>
-        <p:nvSpPr>
-          <p:cNvPr id="41" name="Auto Scaling group"/>
-          <p:cNvSpPr txBox="1"/>
-          <p:nvPr/>
-        </p:nvSpPr>
-        <p:spPr>
-          <a:xfrm>
-            <a:off x="5071443" y="2929780"/>
-            <a:ext cx="1560384" cy="442051"/>
-          </a:xfrm>
-          <a:prstGeom prst="rect">
-            <a:avLst/>
-          </a:prstGeom>
-          <a:ln w="12700">
-            <a:miter lim="400000"/>
-          </a:ln>
-          <a:extLst>
-            <a:ext uri="{C572A759-6A51-4108-AA02-DFA0A04FC94B}">
-              <ma14:wrappingTextBoxFlag xmlns:ma14="http://schemas.microsoft.com/office/mac/drawingml/2011/main" xmlns:a14="http://schemas.microsoft.com/office/drawing/2010/main" xmlns:m="http://schemas.openxmlformats.org/officeDocument/2006/math" xmlns="" val="1"/>
-            </a:ext>
-          </a:extLst>
-        </p:spPr>
-        <p:txBody>
-          <a:bodyPr lIns="45718" tIns="45718" rIns="45718" bIns="45718">
-            <a:spAutoFit/>
-          </a:bodyPr>
-          <a:lstStyle/>
-          <a:p>
-            <a:pPr algn="ctr">
-              <a:defRPr sz="1200">
-                <a:solidFill>
-                  <a:srgbClr val="D86613"/>
-                </a:solidFill>
-                <a:latin typeface="Arial"/>
-                <a:ea typeface="Arial"/>
-                <a:cs typeface="Arial"/>
-                <a:sym typeface="Arial"/>
-              </a:defRPr>
-            </a:pPr>
-            <a:endParaRPr/>
-          </a:p>
-          <a:p>
-            <a:pPr algn="ctr">
-              <a:tabLst>
-                <a:tab pos="3467100" algn="l"/>
-              </a:tabLst>
-              <a:defRPr sz="1200">
-                <a:solidFill>
-                  <a:srgbClr val="D86613"/>
-                </a:solidFill>
-                <a:latin typeface="Arial"/>
-                <a:ea typeface="Arial"/>
-                <a:cs typeface="Arial"/>
-                <a:sym typeface="Arial"/>
-              </a:defRPr>
-            </a:pPr>
-            <a:r>
-              <a:t>Auto Scaling group</a:t>
-            </a:r>
-          </a:p>
-        </p:txBody>
-      </p:sp>
-      <p:pic>
-        <p:nvPicPr>
-          <p:cNvPr id="42" name="Res_Amazon-EC2_Instances_48_Light.png" descr="Res_Amazon-EC2_Instances_48_Light.png"/>
-          <p:cNvPicPr>
-            <a:picLocks noChangeAspect="1"/>
-          </p:cNvPicPr>
-          <p:nvPr/>
-        </p:nvPicPr>
-        <p:blipFill>
-          <a:blip r:embed="rId5"/>
-          <a:stretch>
-            <a:fillRect/>
-          </a:stretch>
-        </p:blipFill>
-        <p:spPr>
-          <a:xfrm>
-            <a:off x="2309279" y="3482087"/>
-            <a:ext cx="609605" cy="609605"/>
-          </a:xfrm>
-          <a:prstGeom prst="rect">
-            <a:avLst/>
-          </a:prstGeom>
-          <a:ln w="12700">
-            <a:miter lim="400000"/>
-          </a:ln>
-        </p:spPr>
-      </p:pic>
-      <p:pic>
-        <p:nvPicPr>
-          <p:cNvPr id="43" name="Res_Amazon-EC2_Instances_48_Light.png" descr="Res_Amazon-EC2_Instances_48_Light.png"/>
-          <p:cNvPicPr>
-            <a:picLocks noChangeAspect="1"/>
-          </p:cNvPicPr>
-          <p:nvPr/>
-        </p:nvPicPr>
-        <p:blipFill>
-          <a:blip r:embed="rId5"/>
-          <a:stretch>
-            <a:fillRect/>
-          </a:stretch>
-        </p:blipFill>
-        <p:spPr>
-          <a:xfrm>
-            <a:off x="8737203" y="3482087"/>
-            <a:ext cx="609604" cy="609605"/>
-          </a:xfrm>
-          <a:prstGeom prst="rect">
-            <a:avLst/>
-          </a:prstGeom>
-          <a:ln w="12700">
-            <a:miter lim="400000"/>
-          </a:ln>
-        </p:spPr>
-      </p:pic>
-      <p:sp>
-        <p:nvSpPr>
-          <p:cNvPr id="44" name="172.31.0.0/16"/>
-          <p:cNvSpPr txBox="1"/>
-          <p:nvPr/>
-        </p:nvSpPr>
-        <p:spPr>
-          <a:xfrm>
-            <a:off x="2124512" y="4093622"/>
-            <a:ext cx="1121080" cy="269237"/>
-          </a:xfrm>
-          <a:prstGeom prst="rect">
-            <a:avLst/>
-          </a:prstGeom>
-          <a:ln w="12700">
-            <a:miter lim="400000"/>
-          </a:ln>
-          <a:extLst>
-            <a:ext uri="{C572A759-6A51-4108-AA02-DFA0A04FC94B}">
-              <ma14:wrappingTextBoxFlag xmlns:ma14="http://schemas.microsoft.com/office/mac/drawingml/2011/main" xmlns:a14="http://schemas.microsoft.com/office/drawing/2010/main" xmlns:m="http://schemas.openxmlformats.org/officeDocument/2006/math" xmlns="" val="1"/>
-            </a:ext>
-          </a:extLst>
-        </p:spPr>
-        <p:txBody>
-          <a:bodyPr wrap="none" lIns="45718" tIns="45718" rIns="45718" bIns="45718">
-            <a:spAutoFit/>
-          </a:bodyPr>
-          <a:lstStyle>
-            <a:lvl1pPr>
-              <a:defRPr sz="1200">
-                <a:latin typeface="+mj-lt"/>
-                <a:ea typeface="+mj-ea"/>
-                <a:cs typeface="+mj-cs"/>
-                <a:sym typeface="Helvetica"/>
-              </a:defRPr>
-            </a:lvl1pPr>
-          </a:lstStyle>
-          <a:p>
-            <a:r>
-              <a:t>172.31.16.0/20</a:t>
-            </a:r>
-          </a:p>
-        </p:txBody>
-      </p:sp>
-      <p:sp>
-        <p:nvSpPr>
-          <p:cNvPr id="45" name="172.31.0.0/16"/>
-          <p:cNvSpPr txBox="1"/>
-          <p:nvPr/>
-        </p:nvSpPr>
-        <p:spPr>
-          <a:xfrm>
-            <a:off x="5404826" y="4093620"/>
-            <a:ext cx="1036322" cy="269237"/>
-          </a:xfrm>
-          <a:prstGeom prst="rect">
-            <a:avLst/>
-          </a:prstGeom>
-          <a:ln w="12700">
-            <a:miter lim="400000"/>
-          </a:ln>
-          <a:extLst>
-            <a:ext uri="{C572A759-6A51-4108-AA02-DFA0A04FC94B}">
-              <ma14:wrappingTextBoxFlag xmlns:ma14="http://schemas.microsoft.com/office/mac/drawingml/2011/main" xmlns:a14="http://schemas.microsoft.com/office/drawing/2010/main" xmlns:m="http://schemas.openxmlformats.org/officeDocument/2006/math" xmlns="" val="1"/>
-            </a:ext>
-          </a:extLst>
-        </p:spPr>
-        <p:txBody>
-          <a:bodyPr wrap="none" lIns="45718" tIns="45718" rIns="45718" bIns="45718">
-            <a:spAutoFit/>
-          </a:bodyPr>
-          <a:lstStyle>
-            <a:lvl1pPr>
-              <a:defRPr sz="1200">
-                <a:latin typeface="+mj-lt"/>
-                <a:ea typeface="+mj-ea"/>
-                <a:cs typeface="+mj-cs"/>
-                <a:sym typeface="Helvetica"/>
-              </a:defRPr>
-            </a:lvl1pPr>
-          </a:lstStyle>
-          <a:p>
-            <a:r>
-              <a:t>172.31.0.0/20</a:t>
-            </a:r>
-          </a:p>
-        </p:txBody>
-      </p:sp>
-      <p:grpSp>
-        <p:nvGrpSpPr>
-          <p:cNvPr id="48" name="Rectangle 80"/>
-          <p:cNvGrpSpPr/>
-          <p:nvPr/>
-        </p:nvGrpSpPr>
-        <p:grpSpPr>
-          <a:xfrm>
-            <a:off x="4459335" y="923744"/>
-            <a:ext cx="2927304" cy="4825584"/>
-            <a:chOff x="0" y="-1"/>
-            <a:chExt cx="2927303" cy="4825582"/>
-          </a:xfrm>
-        </p:grpSpPr>
-        <p:sp>
-          <p:nvSpPr>
-            <p:cNvPr id="46" name="Rectangle"/>
-            <p:cNvSpPr/>
-            <p:nvPr/>
-          </p:nvSpPr>
-          <p:spPr>
-            <a:xfrm>
-              <a:off x="-1" y="-2"/>
-              <a:ext cx="2927304" cy="4825584"/>
-            </a:xfrm>
-            <a:prstGeom prst="rect">
-              <a:avLst/>
-            </a:prstGeom>
-            <a:noFill/>
-            <a:ln w="12700" cap="flat">
-              <a:solidFill>
-                <a:srgbClr val="007DBC"/>
-              </a:solidFill>
-              <a:prstDash val="dash"/>
-              <a:miter lim="800000"/>
-            </a:ln>
-            <a:effectLst/>
-          </p:spPr>
-          <p:txBody>
-            <a:bodyPr wrap="square" lIns="45718" tIns="45718" rIns="45718" bIns="45718" numCol="1" anchor="t">
-              <a:noAutofit/>
-            </a:bodyPr>
-            <a:lstStyle/>
-            <a:p>
-              <a:pPr algn="ctr">
-                <a:defRPr>
-                  <a:solidFill>
-                    <a:srgbClr val="FAFAFA"/>
-                  </a:solidFill>
-                  <a:latin typeface="Arial"/>
-                  <a:ea typeface="Arial"/>
-                  <a:cs typeface="Arial"/>
-                  <a:sym typeface="Arial"/>
-                </a:defRPr>
-              </a:pPr>
-              <a:endParaRPr/>
-            </a:p>
-          </p:txBody>
-        </p:sp>
-        <p:sp>
-          <p:nvSpPr>
-            <p:cNvPr id="47" name="Availability Zone 2"/>
-            <p:cNvSpPr txBox="1"/>
-            <p:nvPr/>
-          </p:nvSpPr>
-          <p:spPr>
-            <a:xfrm>
-              <a:off x="54786" y="54786"/>
-              <a:ext cx="2817729" cy="264252"/>
-            </a:xfrm>
-            <a:prstGeom prst="rect">
-              <a:avLst/>
-            </a:prstGeom>
-            <a:noFill/>
-            <a:ln w="12700" cap="flat">
-              <a:noFill/>
-              <a:miter lim="400000"/>
-            </a:ln>
-            <a:effectLst/>
-            <a:extLst>
-              <a:ext uri="{C572A759-6A51-4108-AA02-DFA0A04FC94B}">
-                <ma14:wrappingTextBoxFlag xmlns:ma14="http://schemas.microsoft.com/office/mac/drawingml/2011/main" xmlns:a14="http://schemas.microsoft.com/office/drawing/2010/main" xmlns:m="http://schemas.openxmlformats.org/officeDocument/2006/math" xmlns="" val="1"/>
-              </a:ext>
-            </a:extLst>
-          </p:spPr>
-          <p:txBody>
-            <a:bodyPr wrap="square" lIns="45718" tIns="45718" rIns="45718" bIns="45718" numCol="1" anchor="t">
-              <a:spAutoFit/>
-            </a:bodyPr>
-            <a:lstStyle>
-              <a:lvl1pPr algn="ctr">
-                <a:defRPr sz="1200">
-                  <a:solidFill>
-                    <a:srgbClr val="007DBC"/>
-                  </a:solidFill>
-                  <a:latin typeface="Arial"/>
-                  <a:ea typeface="Arial"/>
-                  <a:cs typeface="Arial"/>
-                  <a:sym typeface="Arial"/>
-                </a:defRPr>
-              </a:lvl1pPr>
-            </a:lstStyle>
-            <a:p>
-              <a:r>
-                <a:t>Availability Zone 2</a:t>
-              </a:r>
-            </a:p>
-          </p:txBody>
-        </p:sp>
-      </p:grpSp>
-      <p:grpSp>
-        <p:nvGrpSpPr>
-          <p:cNvPr id="52" name="Rectangle 55"/>
-          <p:cNvGrpSpPr/>
-          <p:nvPr/>
-        </p:nvGrpSpPr>
-        <p:grpSpPr>
-          <a:xfrm>
-            <a:off x="1442110" y="1273627"/>
-            <a:ext cx="8961755" cy="4471230"/>
-            <a:chOff x="0" y="0"/>
-            <a:chExt cx="8961754" cy="4471229"/>
-          </a:xfrm>
-        </p:grpSpPr>
-        <p:sp>
-          <p:nvSpPr>
-            <p:cNvPr id="49" name="Rectangle"/>
-            <p:cNvSpPr/>
-            <p:nvPr/>
-          </p:nvSpPr>
-          <p:spPr>
-            <a:xfrm>
-              <a:off x="-1" y="-1"/>
-              <a:ext cx="2649891" cy="4471230"/>
-            </a:xfrm>
-            <a:prstGeom prst="rect">
-              <a:avLst/>
-            </a:prstGeom>
-            <a:solidFill>
-              <a:schemeClr val="accent5">
-                <a:alpha val="9804"/>
-              </a:schemeClr>
-            </a:solidFill>
-            <a:ln w="12700" cap="flat">
-              <a:noFill/>
-              <a:miter lim="400000"/>
-            </a:ln>
-            <a:effectLst/>
-          </p:spPr>
-          <p:txBody>
-            <a:bodyPr wrap="square" lIns="45718" tIns="45718" rIns="45718" bIns="45718" numCol="1" anchor="t">
-              <a:noAutofit/>
-            </a:bodyPr>
-            <a:lstStyle/>
-            <a:p>
-              <a:pPr>
-                <a:defRPr>
-                  <a:solidFill>
-                    <a:srgbClr val="FAFAFA"/>
-                  </a:solidFill>
-                  <a:latin typeface="Arial"/>
-                  <a:ea typeface="Arial"/>
-                  <a:cs typeface="Arial"/>
-                  <a:sym typeface="Arial"/>
-                </a:defRPr>
-              </a:pPr>
-              <a:endParaRPr/>
-            </a:p>
-          </p:txBody>
-        </p:sp>
-        <p:sp>
-          <p:nvSpPr>
-            <p:cNvPr id="50" name="Rectangle"/>
-            <p:cNvSpPr/>
-            <p:nvPr/>
-          </p:nvSpPr>
-          <p:spPr>
-            <a:xfrm>
-              <a:off x="3112795" y="-1"/>
-              <a:ext cx="2649892" cy="4471230"/>
-            </a:xfrm>
-            <a:prstGeom prst="rect">
-              <a:avLst/>
-            </a:prstGeom>
-            <a:solidFill>
-              <a:schemeClr val="accent5">
-                <a:alpha val="9804"/>
-              </a:schemeClr>
-            </a:solidFill>
-            <a:ln w="12700" cap="flat">
-              <a:noFill/>
-              <a:miter lim="400000"/>
-            </a:ln>
-            <a:effectLst/>
-          </p:spPr>
-          <p:txBody>
-            <a:bodyPr wrap="square" lIns="45718" tIns="45718" rIns="45718" bIns="45718" numCol="1" anchor="t">
-              <a:noAutofit/>
-            </a:bodyPr>
-            <a:lstStyle/>
-            <a:p>
-              <a:pPr>
-                <a:defRPr>
-                  <a:solidFill>
-                    <a:srgbClr val="FAFAFA"/>
-                  </a:solidFill>
-                  <a:latin typeface="Arial"/>
-                  <a:ea typeface="Arial"/>
-                  <a:cs typeface="Arial"/>
-                  <a:sym typeface="Arial"/>
-                </a:defRPr>
-              </a:pPr>
-              <a:endParaRPr/>
-            </a:p>
-          </p:txBody>
-        </p:sp>
-        <p:sp>
-          <p:nvSpPr>
-            <p:cNvPr id="51" name="Rectangle"/>
-            <p:cNvSpPr/>
-            <p:nvPr/>
-          </p:nvSpPr>
-          <p:spPr>
-            <a:xfrm>
-              <a:off x="6311863" y="-1"/>
-              <a:ext cx="2649892" cy="4471230"/>
-            </a:xfrm>
-            <a:prstGeom prst="rect">
-              <a:avLst/>
-            </a:prstGeom>
-            <a:solidFill>
-              <a:schemeClr val="accent5">
-                <a:alpha val="9804"/>
-              </a:schemeClr>
-            </a:solidFill>
-            <a:ln w="12700" cap="flat">
-              <a:noFill/>
-              <a:miter lim="400000"/>
-            </a:ln>
-            <a:effectLst/>
-          </p:spPr>
-          <p:txBody>
-            <a:bodyPr wrap="square" lIns="45718" tIns="45718" rIns="45718" bIns="45718" numCol="1" anchor="t">
-              <a:noAutofit/>
-            </a:bodyPr>
-            <a:lstStyle/>
-            <a:p>
-              <a:pPr>
-                <a:defRPr>
-                  <a:solidFill>
-                    <a:srgbClr val="FAFAFA"/>
-                  </a:solidFill>
-                  <a:latin typeface="Arial"/>
-                  <a:ea typeface="Arial"/>
-                  <a:cs typeface="Arial"/>
-                  <a:sym typeface="Arial"/>
-                </a:defRPr>
-              </a:pPr>
-              <a:endParaRPr/>
-            </a:p>
-          </p:txBody>
-        </p:sp>
-      </p:grpSp>
-      <p:pic>
-        <p:nvPicPr>
-          <p:cNvPr id="53" name="Graphic 63" descr="Graphic 63"/>
-          <p:cNvPicPr>
-            <a:picLocks noChangeAspect="1"/>
-          </p:cNvPicPr>
-          <p:nvPr/>
-        </p:nvPicPr>
-        <p:blipFill>
-          <a:blip r:embed="rId2"/>
-          <a:stretch>
-            <a:fillRect/>
-          </a:stretch>
-        </p:blipFill>
-        <p:spPr>
-          <a:xfrm>
-            <a:off x="4473009" y="941531"/>
-            <a:ext cx="274324" cy="274324"/>
-          </a:xfrm>
-          <a:prstGeom prst="rect">
-            <a:avLst/>
-          </a:prstGeom>
-          <a:ln w="12700">
-            <a:miter lim="400000"/>
-          </a:ln>
-        </p:spPr>
-      </p:pic>
-      <p:pic>
-        <p:nvPicPr>
-          <p:cNvPr id="54" name="Graphic 63" descr="Graphic 63"/>
-          <p:cNvPicPr>
-            <a:picLocks noChangeAspect="1"/>
-          </p:cNvPicPr>
-          <p:nvPr/>
-        </p:nvPicPr>
-        <p:blipFill>
-          <a:blip r:embed="rId2"/>
-          <a:stretch>
-            <a:fillRect/>
-          </a:stretch>
-        </p:blipFill>
-        <p:spPr>
-          <a:xfrm>
-            <a:off x="7578352" y="941531"/>
-            <a:ext cx="274324" cy="274324"/>
-          </a:xfrm>
-          <a:prstGeom prst="rect">
-            <a:avLst/>
-          </a:prstGeom>
-          <a:ln w="12700">
-            <a:miter lim="400000"/>
-          </a:ln>
-        </p:spPr>
-      </p:pic>
-      <p:sp>
-        <p:nvSpPr>
-          <p:cNvPr id="55" name="Rectangle 55"/>
-          <p:cNvSpPr txBox="1"/>
-          <p:nvPr/>
-        </p:nvSpPr>
-        <p:spPr>
-          <a:xfrm>
-            <a:off x="5395129" y="1212681"/>
-            <a:ext cx="2487330" cy="264252"/>
-          </a:xfrm>
-          <a:prstGeom prst="rect">
-            <a:avLst/>
-          </a:prstGeom>
-          <a:ln w="12700">
-            <a:miter lim="400000"/>
-          </a:ln>
-          <a:extLst>
-            <a:ext uri="{C572A759-6A51-4108-AA02-DFA0A04FC94B}">
-              <ma14:wrappingTextBoxFlag xmlns:ma14="http://schemas.microsoft.com/office/mac/drawingml/2011/main" xmlns:a14="http://schemas.microsoft.com/office/drawing/2010/main" xmlns:m="http://schemas.openxmlformats.org/officeDocument/2006/math" xmlns="" val="1"/>
-            </a:ext>
-          </a:extLst>
-        </p:spPr>
-        <p:txBody>
-          <a:bodyPr lIns="45718" tIns="45718" rIns="45718" bIns="45718">
-            <a:spAutoFit/>
-          </a:bodyPr>
-          <a:lstStyle>
-            <a:lvl1pPr>
-              <a:defRPr sz="1200">
-                <a:solidFill>
-                  <a:srgbClr val="1E8900"/>
-                </a:solidFill>
-                <a:latin typeface="Arial"/>
-                <a:ea typeface="Arial"/>
-                <a:cs typeface="Arial"/>
-                <a:sym typeface="Arial"/>
-              </a:defRPr>
-            </a:lvl1pPr>
-          </a:lstStyle>
-          <a:p>
-            <a:r>
-              <a:t>Public subnet</a:t>
-            </a:r>
-          </a:p>
-        </p:txBody>
-      </p:sp>
-      <p:sp>
-        <p:nvSpPr>
-          <p:cNvPr id="56" name="Rectangle 55"/>
-          <p:cNvSpPr txBox="1"/>
-          <p:nvPr/>
-        </p:nvSpPr>
-        <p:spPr>
-          <a:xfrm>
-            <a:off x="8600382" y="1212681"/>
-            <a:ext cx="2487330" cy="264252"/>
-          </a:xfrm>
-          <a:prstGeom prst="rect">
-            <a:avLst/>
-          </a:prstGeom>
-          <a:ln w="12700">
-            <a:miter lim="400000"/>
-          </a:ln>
-          <a:extLst>
-            <a:ext uri="{C572A759-6A51-4108-AA02-DFA0A04FC94B}">
-              <ma14:wrappingTextBoxFlag xmlns:ma14="http://schemas.microsoft.com/office/mac/drawingml/2011/main" xmlns:a14="http://schemas.microsoft.com/office/drawing/2010/main" xmlns:m="http://schemas.openxmlformats.org/officeDocument/2006/math" xmlns="" val="1"/>
-            </a:ext>
-          </a:extLst>
-        </p:spPr>
-        <p:txBody>
-          <a:bodyPr lIns="45718" tIns="45718" rIns="45718" bIns="45718">
-            <a:spAutoFit/>
-          </a:bodyPr>
-          <a:lstStyle>
-            <a:lvl1pPr>
-              <a:defRPr sz="1200">
-                <a:solidFill>
-                  <a:srgbClr val="1E8900"/>
-                </a:solidFill>
-                <a:latin typeface="Arial"/>
-                <a:ea typeface="Arial"/>
-                <a:cs typeface="Arial"/>
-                <a:sym typeface="Arial"/>
-              </a:defRPr>
-            </a:lvl1pPr>
-          </a:lstStyle>
-          <a:p>
-            <a:r>
-              <a:t>Public subnet</a:t>
-            </a:r>
-          </a:p>
-        </p:txBody>
-      </p:sp>
-      <p:pic>
-        <p:nvPicPr>
-          <p:cNvPr id="57" name="Graphic 84" descr="Graphic 84"/>
-          <p:cNvPicPr>
-            <a:picLocks noChangeAspect="1"/>
-          </p:cNvPicPr>
-          <p:nvPr/>
-        </p:nvPicPr>
-        <p:blipFill>
-          <a:blip r:embed="rId3"/>
-          <a:stretch>
-            <a:fillRect/>
-          </a:stretch>
-        </p:blipFill>
-        <p:spPr>
-          <a:xfrm>
-            <a:off x="8807053" y="1593320"/>
-            <a:ext cx="469904" cy="469904"/>
-          </a:xfrm>
-          <a:prstGeom prst="rect">
-            <a:avLst/>
-          </a:prstGeom>
-          <a:ln w="12700">
-            <a:miter lim="400000"/>
-          </a:ln>
-        </p:spPr>
-      </p:pic>
-      <p:sp>
-        <p:nvSpPr>
-          <p:cNvPr id="58" name="TextBox 83"/>
-          <p:cNvSpPr txBox="1"/>
-          <p:nvPr/>
-        </p:nvSpPr>
-        <p:spPr>
-          <a:xfrm>
-            <a:off x="8508110" y="2056042"/>
-            <a:ext cx="1067789" cy="264252"/>
-          </a:xfrm>
-          <a:prstGeom prst="rect">
-            <a:avLst/>
-          </a:prstGeom>
-          <a:ln w="12700">
-            <a:miter lim="400000"/>
-          </a:ln>
-          <a:extLst>
-            <a:ext uri="{C572A759-6A51-4108-AA02-DFA0A04FC94B}">
-              <ma14:wrappingTextBoxFlag xmlns:ma14="http://schemas.microsoft.com/office/mac/drawingml/2011/main" xmlns:a14="http://schemas.microsoft.com/office/drawing/2010/main" xmlns:m="http://schemas.openxmlformats.org/officeDocument/2006/math" xmlns="" val="1"/>
-            </a:ext>
-          </a:extLst>
-        </p:spPr>
-        <p:txBody>
-          <a:bodyPr lIns="45718" tIns="45718" rIns="45718" bIns="45718">
-            <a:spAutoFit/>
-          </a:bodyPr>
-          <a:lstStyle>
-            <a:lvl1pPr algn="ctr">
-              <a:defRPr sz="1200">
-                <a:latin typeface="Arial"/>
-                <a:ea typeface="Arial"/>
-                <a:cs typeface="Arial"/>
-                <a:sym typeface="Arial"/>
-              </a:defRPr>
-            </a:lvl1pPr>
-          </a:lstStyle>
-          <a:p>
-            <a:r>
-              <a:t>NAT gateway</a:t>
-            </a:r>
-          </a:p>
-        </p:txBody>
-      </p:sp>
-      <p:pic>
-        <p:nvPicPr>
-          <p:cNvPr id="59" name="Res_Amazon-EC2_Instances_48_Light.png" descr="Res_Amazon-EC2_Instances_48_Light.png"/>
-          <p:cNvPicPr>
-            <a:picLocks noChangeAspect="1"/>
-          </p:cNvPicPr>
-          <p:nvPr/>
-        </p:nvPicPr>
-        <p:blipFill>
-          <a:blip r:embed="rId5"/>
-          <a:stretch>
-            <a:fillRect/>
-          </a:stretch>
-        </p:blipFill>
-        <p:spPr>
-          <a:xfrm>
-            <a:off x="5694074" y="3482087"/>
-            <a:ext cx="609604" cy="609605"/>
-          </a:xfrm>
-          <a:prstGeom prst="rect">
-            <a:avLst/>
-          </a:prstGeom>
-          <a:ln w="12700">
-            <a:miter lim="400000"/>
-          </a:ln>
-        </p:spPr>
-      </p:pic>
-      <p:sp>
-        <p:nvSpPr>
-          <p:cNvPr id="60" name="172.31.0.0/16"/>
-          <p:cNvSpPr txBox="1"/>
-          <p:nvPr/>
-        </p:nvSpPr>
-        <p:spPr>
-          <a:xfrm>
-            <a:off x="8523841" y="4093621"/>
-            <a:ext cx="1121080" cy="269237"/>
-          </a:xfrm>
-          <a:prstGeom prst="rect">
-            <a:avLst/>
-          </a:prstGeom>
-          <a:ln w="12700">
-            <a:miter lim="400000"/>
-          </a:ln>
-          <a:extLst>
-            <a:ext uri="{C572A759-6A51-4108-AA02-DFA0A04FC94B}">
-              <ma14:wrappingTextBoxFlag xmlns:ma14="http://schemas.microsoft.com/office/mac/drawingml/2011/main" xmlns:a14="http://schemas.microsoft.com/office/drawing/2010/main" xmlns:m="http://schemas.openxmlformats.org/officeDocument/2006/math" xmlns="" val="1"/>
-            </a:ext>
-          </a:extLst>
-        </p:spPr>
-        <p:txBody>
-          <a:bodyPr wrap="none" lIns="45718" tIns="45718" rIns="45718" bIns="45718">
-            <a:spAutoFit/>
-          </a:bodyPr>
-          <a:lstStyle>
-            <a:lvl1pPr>
-              <a:defRPr sz="1200">
-                <a:latin typeface="+mj-lt"/>
-                <a:ea typeface="+mj-ea"/>
-                <a:cs typeface="+mj-cs"/>
-                <a:sym typeface="Helvetica"/>
-              </a:defRPr>
-            </a:lvl1pPr>
-          </a:lstStyle>
-          <a:p>
-            <a:r>
-              <a:t>172.31.32.0/20</a:t>
-            </a:r>
-          </a:p>
-        </p:txBody>
-      </p:sp>
-      <p:pic>
-        <p:nvPicPr>
-          <p:cNvPr id="62" name="Graphic 61">
-            <a:extLst>
-              <a:ext uri="{FF2B5EF4-FFF2-40B4-BE49-F238E27FC236}">
-                <a16:creationId xmlns:a16="http://schemas.microsoft.com/office/drawing/2014/main" id="{270B4520-23B7-3F46-A160-60D82CE31B36}"/>
-              </a:ext>
-            </a:extLst>
-          </p:cNvPr>
-          <p:cNvPicPr>
-            <a:picLocks noChangeAspect="1"/>
-          </p:cNvPicPr>
-          <p:nvPr/>
-        </p:nvPicPr>
-        <p:blipFill>
-          <a:blip r:embed="rId6">
-            <a:extLst>
-              <a:ext uri="{96DAC541-7B7A-43D3-8B79-37D633B846F1}">
-                <asvg:svgBlip xmlns:asvg="http://schemas.microsoft.com/office/drawing/2016/SVG/main" r:embed="rId7"/>
-              </a:ext>
-            </a:extLst>
-          </a:blip>
-          <a:stretch>
-            <a:fillRect/>
-          </a:stretch>
-        </p:blipFill>
-        <p:spPr>
-          <a:xfrm>
-            <a:off x="1054295" y="664111"/>
-            <a:ext cx="381000" cy="381000"/>
-          </a:xfrm>
-          <a:prstGeom prst="rect">
-            <a:avLst/>
-          </a:prstGeom>
-        </p:spPr>
-      </p:pic>
-      <p:pic>
-        <p:nvPicPr>
-          <p:cNvPr id="63" name="Graphic 62">
-            <a:extLst>
-              <a:ext uri="{FF2B5EF4-FFF2-40B4-BE49-F238E27FC236}">
-                <a16:creationId xmlns:a16="http://schemas.microsoft.com/office/drawing/2014/main" id="{01022325-06B7-3348-816F-32920F5F8679}"/>
-              </a:ext>
-            </a:extLst>
-          </p:cNvPr>
-          <p:cNvPicPr>
-            <a:picLocks noChangeAspect="1"/>
-          </p:cNvPicPr>
-          <p:nvPr/>
-        </p:nvPicPr>
-        <p:blipFill>
-          <a:blip r:embed="rId8">
-            <a:extLst>
-              <a:ext uri="{96DAC541-7B7A-43D3-8B79-37D633B846F1}">
-                <asvg:svgBlip xmlns:asvg="http://schemas.microsoft.com/office/drawing/2016/SVG/main" r:embed="rId9"/>
-              </a:ext>
-            </a:extLst>
-          </a:blip>
-          <a:srcRect/>
-          <a:stretch/>
-        </p:blipFill>
-        <p:spPr>
-          <a:xfrm>
-            <a:off x="719540" y="264722"/>
-            <a:ext cx="381000" cy="381000"/>
-          </a:xfrm>
-          <a:prstGeom prst="rect">
-            <a:avLst/>
-          </a:prstGeom>
-        </p:spPr>
-      </p:pic>
-    </p:spTree>
-  </p:cSld>
-  <p:clrMapOvr>
-    <a:masterClrMapping/>
-  </p:clrMapOvr>
-  <p:transition spd="med"/>
-</p:sld>
-</file>
-
-<file path=ppt/slides/slide2.xml><?xml version="1.0" encoding="utf-8"?>
-<p:sld xmlns:a="http://schemas.openxmlformats.org/drawingml/2006/main" xmlns:r="http://schemas.openxmlformats.org/officeDocument/2006/relationships" xmlns:p="http://schemas.openxmlformats.org/presentationml/2006/main">
-  <p:cSld>
-    <p:spTree>
-      <p:nvGrpSpPr>
-        <p:cNvPr id="1" name=""/>
-        <p:cNvGrpSpPr/>
-        <p:nvPr/>
-      </p:nvGrpSpPr>
-      <p:grpSpPr>
-        <a:xfrm>
-          <a:off x="0" y="0"/>
-          <a:ext cx="0" cy="0"/>
-          <a:chOff x="0" y="0"/>
-          <a:chExt cx="0" cy="0"/>
-        </a:xfrm>
-      </p:grpSpPr>
-      <p:sp>
-        <p:nvSpPr>
           <p:cNvPr id="103" name="Rectangle 102">
             <a:extLst>
               <a:ext uri="{FF2B5EF4-FFF2-40B4-BE49-F238E27FC236}">
@@ -7006,9 +5353,7 @@
           </a:prstGeom>
           <a:noFill/>
           <a:ln w="3175" cap="flat">
-            <a:solidFill>
-              <a:schemeClr val="tx1"/>
-            </a:solidFill>
+            <a:noFill/>
             <a:miter lim="400000"/>
           </a:ln>
           <a:effectLst/>
@@ -7050,9 +5395,6 @@
             </a:pPr>
             <a:r>
               <a:rPr kumimoji="0" lang="en-US" sz="1000" b="0" i="0" u="none" strike="noStrike" cap="none" spc="0" normalizeH="0" baseline="0" dirty="0">
-                <a:ln>
-                  <a:noFill/>
-                </a:ln>
                 <a:solidFill>
                   <a:srgbClr val="232F3D"/>
                 </a:solidFill>
@@ -7353,9 +5695,7 @@
           </a:prstGeom>
           <a:noFill/>
           <a:ln w="9525" cap="flat">
-            <a:solidFill>
-              <a:schemeClr val="tx1"/>
-            </a:solidFill>
+            <a:noFill/>
             <a:miter lim="400000"/>
           </a:ln>
           <a:effectLst/>
@@ -7731,7 +6071,7 @@
         </p:blipFill>
         <p:spPr bwMode="auto">
           <a:xfrm>
-            <a:off x="2230531" y="3176321"/>
+            <a:off x="2230531" y="3159845"/>
             <a:ext cx="254898" cy="254898"/>
           </a:xfrm>
           <a:prstGeom prst="rect">
